--- a/Esposizione/Presentazione PPT.pptx
+++ b/Esposizione/Presentazione PPT.pptx
@@ -10,6 +10,7 @@
     <p:sldId id="258" r:id="rId4"/>
     <p:sldId id="259" r:id="rId5"/>
     <p:sldId id="260" r:id="rId6"/>
+    <p:sldId id="261" r:id="rId7"/>
   </p:sldIdLst>
   <p:sldSz cx="12192000" cy="6858000"/>
   <p:notesSz cx="6858000" cy="9144000"/>
@@ -299,7 +300,7 @@
           <a:p>
             <a:fld id="{4AAD347D-5ACD-4C99-B74B-A9C85AD731AF}" type="datetimeFigureOut">
               <a:rPr lang="en-US" dirty="0"/>
-              <a:t>5/27/2021</a:t>
+              <a:t>5/28/2021</a:t>
             </a:fld>
             <a:endParaRPr lang="en-US" dirty="0"/>
           </a:p>
@@ -569,7 +570,7 @@
           <a:p>
             <a:fld id="{4509A250-FF31-4206-8172-F9D3106AACB1}" type="datetimeFigureOut">
               <a:rPr lang="en-US" dirty="0"/>
-              <a:t>5/27/2021</a:t>
+              <a:t>5/28/2021</a:t>
             </a:fld>
             <a:endParaRPr lang="en-US" dirty="0"/>
           </a:p>
@@ -758,7 +759,7 @@
           <a:p>
             <a:fld id="{4509A250-FF31-4206-8172-F9D3106AACB1}" type="datetimeFigureOut">
               <a:rPr lang="en-US" dirty="0"/>
-              <a:t>5/27/2021</a:t>
+              <a:t>5/28/2021</a:t>
             </a:fld>
             <a:endParaRPr lang="en-US" dirty="0"/>
           </a:p>
@@ -1021,7 +1022,7 @@
           <a:p>
             <a:fld id="{4509A250-FF31-4206-8172-F9D3106AACB1}" type="datetimeFigureOut">
               <a:rPr lang="en-US" dirty="0"/>
-              <a:t>5/27/2021</a:t>
+              <a:t>5/28/2021</a:t>
             </a:fld>
             <a:endParaRPr lang="en-US" dirty="0"/>
           </a:p>
@@ -1348,7 +1349,7 @@
           <a:p>
             <a:fld id="{4509A250-FF31-4206-8172-F9D3106AACB1}" type="datetimeFigureOut">
               <a:rPr lang="en-US" dirty="0"/>
-              <a:t>5/27/2021</a:t>
+              <a:t>5/28/2021</a:t>
             </a:fld>
             <a:endParaRPr lang="en-US" dirty="0"/>
           </a:p>
@@ -1953,7 +1954,7 @@
           <a:p>
             <a:fld id="{4509A250-FF31-4206-8172-F9D3106AACB1}" type="datetimeFigureOut">
               <a:rPr lang="en-US" dirty="0"/>
-              <a:t>5/27/2021</a:t>
+              <a:t>5/28/2021</a:t>
             </a:fld>
             <a:endParaRPr lang="en-US" dirty="0"/>
           </a:p>
@@ -2795,7 +2796,7 @@
           <a:p>
             <a:fld id="{4509A250-FF31-4206-8172-F9D3106AACB1}" type="datetimeFigureOut">
               <a:rPr lang="en-US" dirty="0"/>
-              <a:t>5/27/2021</a:t>
+              <a:t>5/28/2021</a:t>
             </a:fld>
             <a:endParaRPr lang="en-US" dirty="0"/>
           </a:p>
@@ -2960,7 +2961,7 @@
           <a:p>
             <a:fld id="{4509A250-FF31-4206-8172-F9D3106AACB1}" type="datetimeFigureOut">
               <a:rPr lang="en-US" dirty="0"/>
-              <a:t>5/27/2021</a:t>
+              <a:t>5/28/2021</a:t>
             </a:fld>
             <a:endParaRPr lang="en-US" dirty="0"/>
           </a:p>
@@ -3135,7 +3136,7 @@
           <a:p>
             <a:fld id="{4509A250-FF31-4206-8172-F9D3106AACB1}" type="datetimeFigureOut">
               <a:rPr lang="en-US" dirty="0"/>
-              <a:t>5/27/2021</a:t>
+              <a:t>5/28/2021</a:t>
             </a:fld>
             <a:endParaRPr lang="en-US" dirty="0"/>
           </a:p>
@@ -3300,7 +3301,7 @@
           <a:p>
             <a:fld id="{4509A250-FF31-4206-8172-F9D3106AACB1}" type="datetimeFigureOut">
               <a:rPr lang="en-US" dirty="0"/>
-              <a:t>5/27/2021</a:t>
+              <a:t>5/28/2021</a:t>
             </a:fld>
             <a:endParaRPr lang="en-US" dirty="0"/>
           </a:p>
@@ -3539,7 +3540,7 @@
           <a:p>
             <a:fld id="{4509A250-FF31-4206-8172-F9D3106AACB1}" type="datetimeFigureOut">
               <a:rPr lang="en-US" dirty="0"/>
-              <a:t>5/27/2021</a:t>
+              <a:t>5/28/2021</a:t>
             </a:fld>
             <a:endParaRPr lang="en-US" dirty="0"/>
           </a:p>
@@ -3826,7 +3827,7 @@
           <a:p>
             <a:fld id="{4509A250-FF31-4206-8172-F9D3106AACB1}" type="datetimeFigureOut">
               <a:rPr lang="en-US" dirty="0"/>
-              <a:t>5/27/2021</a:t>
+              <a:t>5/28/2021</a:t>
             </a:fld>
             <a:endParaRPr lang="en-US" dirty="0"/>
           </a:p>
@@ -4259,7 +4260,7 @@
           <a:p>
             <a:fld id="{4509A250-FF31-4206-8172-F9D3106AACB1}" type="datetimeFigureOut">
               <a:rPr lang="en-US" dirty="0"/>
-              <a:t>5/27/2021</a:t>
+              <a:t>5/28/2021</a:t>
             </a:fld>
             <a:endParaRPr lang="en-US" dirty="0"/>
           </a:p>
@@ -4372,7 +4373,7 @@
           <a:p>
             <a:fld id="{4509A250-FF31-4206-8172-F9D3106AACB1}" type="datetimeFigureOut">
               <a:rPr lang="en-US" dirty="0"/>
-              <a:t>5/27/2021</a:t>
+              <a:t>5/28/2021</a:t>
             </a:fld>
             <a:endParaRPr lang="en-US" dirty="0"/>
           </a:p>
@@ -4462,7 +4463,7 @@
           <a:p>
             <a:fld id="{4509A250-FF31-4206-8172-F9D3106AACB1}" type="datetimeFigureOut">
               <a:rPr lang="en-US" dirty="0"/>
-              <a:t>5/27/2021</a:t>
+              <a:t>5/28/2021</a:t>
             </a:fld>
             <a:endParaRPr lang="en-US" dirty="0"/>
           </a:p>
@@ -4736,7 +4737,7 @@
           <a:p>
             <a:fld id="{4509A250-FF31-4206-8172-F9D3106AACB1}" type="datetimeFigureOut">
               <a:rPr lang="en-US" dirty="0"/>
-              <a:t>5/27/2021</a:t>
+              <a:t>5/28/2021</a:t>
             </a:fld>
             <a:endParaRPr lang="en-US" dirty="0"/>
           </a:p>
@@ -5006,7 +5007,7 @@
           <a:p>
             <a:fld id="{4509A250-FF31-4206-8172-F9D3106AACB1}" type="datetimeFigureOut">
               <a:rPr lang="en-US" dirty="0"/>
-              <a:t>5/27/2021</a:t>
+              <a:t>5/28/2021</a:t>
             </a:fld>
             <a:endParaRPr lang="en-US" dirty="0"/>
           </a:p>
@@ -5430,7 +5431,7 @@
           <a:p>
             <a:fld id="{4509A250-FF31-4206-8172-F9D3106AACB1}" type="datetimeFigureOut">
               <a:rPr lang="en-US" dirty="0"/>
-              <a:t>5/27/2021</a:t>
+              <a:t>5/28/2021</a:t>
             </a:fld>
             <a:endParaRPr lang="en-US" dirty="0"/>
           </a:p>
@@ -5927,40 +5928,66 @@
           <a:chExt cx="0" cy="0"/>
         </a:xfrm>
       </p:grpSpPr>
-      <p:sp>
-        <p:nvSpPr>
-          <p:cNvPr id="2" name="Titolo 1">
+      <p:pic>
+        <p:nvPicPr>
+          <p:cNvPr id="8" name="Immagine 7">
             <a:extLst>
               <a:ext uri="{FF2B5EF4-FFF2-40B4-BE49-F238E27FC236}">
-                <a16:creationId xmlns:a16="http://schemas.microsoft.com/office/drawing/2014/main" id="{72CD3EA0-AAB9-45ED-AF3A-2B70966A2904}"/>
+                <a16:creationId xmlns:a16="http://schemas.microsoft.com/office/drawing/2014/main" id="{AA262228-C09E-49ED-B62C-28F9D512CCFC}"/>
               </a:ext>
             </a:extLst>
           </p:cNvPr>
-          <p:cNvSpPr>
-            <a:spLocks noGrp="1"/>
-          </p:cNvSpPr>
-          <p:nvPr>
-            <p:ph type="ctrTitle"/>
-          </p:nvPr>
-        </p:nvSpPr>
+          <p:cNvPicPr>
+            <a:picLocks noChangeAspect="1"/>
+          </p:cNvPicPr>
+          <p:nvPr/>
+        </p:nvPicPr>
+        <p:blipFill>
+          <a:blip r:embed="rId2"/>
+          <a:stretch>
+            <a:fillRect/>
+          </a:stretch>
+        </p:blipFill>
         <p:spPr>
           <a:xfrm>
-            <a:off x="3826795" y="2754809"/>
-            <a:ext cx="4538409" cy="1348381"/>
-          </a:xfrm>
-        </p:spPr>
-        <p:txBody>
-          <a:bodyPr/>
-          <a:lstStyle/>
-          <a:p>
-            <a:r>
-              <a:rPr lang="it-IT" sz="10000" b="1" dirty="0" err="1"/>
-              <a:t>PayBus</a:t>
-            </a:r>
-            <a:endParaRPr lang="it-IT" sz="10000" b="1" dirty="0"/>
-          </a:p>
-        </p:txBody>
-      </p:sp>
+            <a:off x="0" y="0"/>
+            <a:ext cx="12192000" cy="6858000"/>
+          </a:xfrm>
+          <a:prstGeom prst="rect">
+            <a:avLst/>
+          </a:prstGeom>
+        </p:spPr>
+      </p:pic>
+      <p:pic>
+        <p:nvPicPr>
+          <p:cNvPr id="4" name="Immagine 3" descr="Immagine che contiene testo, scuro, cielo notturno&#10;&#10;Descrizione generata automaticamente">
+            <a:extLst>
+              <a:ext uri="{FF2B5EF4-FFF2-40B4-BE49-F238E27FC236}">
+                <a16:creationId xmlns:a16="http://schemas.microsoft.com/office/drawing/2014/main" id="{43821824-E35E-4B89-8209-46F6CE10FBB1}"/>
+              </a:ext>
+            </a:extLst>
+          </p:cNvPr>
+          <p:cNvPicPr>
+            <a:picLocks noChangeAspect="1"/>
+          </p:cNvPicPr>
+          <p:nvPr/>
+        </p:nvPicPr>
+        <p:blipFill>
+          <a:blip r:embed="rId3"/>
+          <a:stretch>
+            <a:fillRect/>
+          </a:stretch>
+        </p:blipFill>
+        <p:spPr>
+          <a:xfrm>
+            <a:off x="865997" y="2219126"/>
+            <a:ext cx="10460005" cy="2419748"/>
+          </a:xfrm>
+          <a:prstGeom prst="rect">
+            <a:avLst/>
+          </a:prstGeom>
+        </p:spPr>
+      </p:pic>
     </p:spTree>
     <p:extLst>
       <p:ext uri="{BB962C8B-B14F-4D97-AF65-F5344CB8AC3E}">
@@ -5971,6 +5998,18 @@
   <p:clrMapOvr>
     <a:masterClrMapping/>
   </p:clrMapOvr>
+  <mc:AlternateContent xmlns:mc="http://schemas.openxmlformats.org/markup-compatibility/2006">
+    <mc:Choice xmlns:p14="http://schemas.microsoft.com/office/powerpoint/2010/main" Requires="p14">
+      <p:transition spd="slow" p14:dur="5000">
+        <p:fade/>
+      </p:transition>
+    </mc:Choice>
+    <mc:Fallback>
+      <p:transition spd="slow">
+        <p:fade/>
+      </p:transition>
+    </mc:Fallback>
+  </mc:AlternateContent>
 </p:sld>
 </file>
 
@@ -5993,34 +6032,6 @@
       </p:grpSpPr>
       <p:sp>
         <p:nvSpPr>
-          <p:cNvPr id="2" name="Titolo 1">
-            <a:extLst>
-              <a:ext uri="{FF2B5EF4-FFF2-40B4-BE49-F238E27FC236}">
-                <a16:creationId xmlns:a16="http://schemas.microsoft.com/office/drawing/2014/main" id="{FFE25F6B-6F84-4480-9AFA-452498F23516}"/>
-              </a:ext>
-            </a:extLst>
-          </p:cNvPr>
-          <p:cNvSpPr>
-            <a:spLocks noGrp="1"/>
-          </p:cNvSpPr>
-          <p:nvPr>
-            <p:ph type="title"/>
-          </p:nvPr>
-        </p:nvSpPr>
-        <p:spPr/>
-        <p:txBody>
-          <a:bodyPr/>
-          <a:lstStyle/>
-          <a:p>
-            <a:r>
-              <a:rPr lang="it-IT" dirty="0"/>
-              <a:t>Gli elementi principali</a:t>
-            </a:r>
-          </a:p>
-        </p:txBody>
-      </p:sp>
-      <p:sp>
-        <p:nvSpPr>
           <p:cNvPr id="3" name="Segnaposto contenuto 2">
             <a:extLst>
               <a:ext uri="{FF2B5EF4-FFF2-40B4-BE49-F238E27FC236}">
@@ -6035,26 +6046,50 @@
             <p:ph sz="half" idx="1"/>
           </p:nvPr>
         </p:nvSpPr>
-        <p:spPr/>
+        <p:spPr>
+          <a:xfrm>
+            <a:off x="1008449" y="2274263"/>
+            <a:ext cx="6848475" cy="1368425"/>
+          </a:xfrm>
+        </p:spPr>
         <p:txBody>
           <a:bodyPr/>
           <a:lstStyle/>
           <a:p>
+            <a:pPr marL="0" indent="0">
+              <a:buNone/>
+            </a:pPr>
             <a:r>
               <a:rPr lang="it-IT" dirty="0"/>
-              <a:t>Un’applicazione per smartphone</a:t>
-            </a:r>
-          </a:p>
-          <a:p>
+              <a:t>Un’</a:t>
+            </a:r>
+            <a:r>
+              <a:rPr lang="it-IT" b="1" dirty="0"/>
+              <a:t>applicazione</a:t>
+            </a:r>
+            <a:r>
+              <a:rPr lang="it-IT" dirty="0"/>
+              <a:t> per smartphone:</a:t>
+            </a:r>
+          </a:p>
+          <a:p>
+            <a:pPr lvl="1">
+              <a:buFont typeface="Arial" panose="020B0604020202020204" pitchFamily="34" charset="0"/>
+              <a:buChar char="•"/>
+            </a:pPr>
             <a:r>
               <a:rPr lang="it-IT" dirty="0"/>
               <a:t>Tessera NFC</a:t>
             </a:r>
           </a:p>
           <a:p>
+            <a:pPr lvl="1">
+              <a:buFont typeface="Arial" panose="020B0604020202020204" pitchFamily="34" charset="0"/>
+              <a:buChar char="•"/>
+            </a:pPr>
             <a:r>
               <a:rPr lang="it-IT" dirty="0"/>
-              <a:t>Realizzata con un programma C# e un programma Arduino </a:t>
+              <a:t>Realizzata con un programma C# e un programma Arduino</a:t>
             </a:r>
           </a:p>
         </p:txBody>
@@ -6075,20 +6110,194 @@
             <p:ph sz="half" idx="2"/>
           </p:nvPr>
         </p:nvSpPr>
-        <p:spPr/>
+        <p:spPr>
+          <a:xfrm>
+            <a:off x="1008449" y="4114164"/>
+            <a:ext cx="9071157" cy="810030"/>
+          </a:xfrm>
+        </p:spPr>
         <p:txBody>
           <a:bodyPr/>
           <a:lstStyle/>
           <a:p>
+            <a:pPr marL="0" indent="0">
+              <a:buNone/>
+            </a:pPr>
             <a:r>
               <a:rPr lang="it-IT" dirty="0"/>
-              <a:t>Un software per un dispositivo posto su ciascun pullman per la validità</a:t>
-            </a:r>
-          </a:p>
-          <a:p>
+              <a:t>Un </a:t>
+            </a:r>
+            <a:r>
+              <a:rPr lang="it-IT" b="1" dirty="0"/>
+              <a:t>software</a:t>
+            </a:r>
+            <a:r>
+              <a:rPr lang="it-IT" dirty="0"/>
+              <a:t> per un </a:t>
+            </a:r>
+            <a:r>
+              <a:rPr lang="it-IT" b="1" dirty="0"/>
+              <a:t>dispositivo</a:t>
+            </a:r>
+            <a:r>
+              <a:rPr lang="it-IT" dirty="0"/>
+              <a:t> posto su ciascun pullman per verificare la validità:</a:t>
+            </a:r>
+          </a:p>
+          <a:p>
+            <a:pPr lvl="1">
+              <a:buFont typeface="Arial" panose="020B0604020202020204" pitchFamily="34" charset="0"/>
+              <a:buChar char="•"/>
+            </a:pPr>
             <a:r>
               <a:rPr lang="it-IT" dirty="0"/>
               <a:t>Realizzato con un programma C# e un programma Arduino</a:t>
+            </a:r>
+          </a:p>
+        </p:txBody>
+      </p:sp>
+      <p:sp>
+        <p:nvSpPr>
+          <p:cNvPr id="5" name="Titolo 1">
+            <a:extLst>
+              <a:ext uri="{FF2B5EF4-FFF2-40B4-BE49-F238E27FC236}">
+                <a16:creationId xmlns:a16="http://schemas.microsoft.com/office/drawing/2014/main" id="{7CBDCA69-D557-412E-B456-ACDB6F34C651}"/>
+              </a:ext>
+            </a:extLst>
+          </p:cNvPr>
+          <p:cNvSpPr txBox="1">
+            <a:spLocks/>
+          </p:cNvSpPr>
+          <p:nvPr/>
+        </p:nvSpPr>
+        <p:spPr>
+          <a:xfrm>
+            <a:off x="0" y="4916"/>
+            <a:ext cx="3343275" cy="810030"/>
+          </a:xfrm>
+          <a:prstGeom prst="rect">
+            <a:avLst/>
+          </a:prstGeom>
+        </p:spPr>
+        <p:txBody>
+          <a:bodyPr vert="horz" lIns="91440" tIns="45720" rIns="91440" bIns="45720" rtlCol="0" anchor="t">
+            <a:noAutofit/>
+          </a:bodyPr>
+          <a:lstStyle>
+            <a:lvl1pPr algn="l" defTabSz="457200" rtl="0" eaLnBrk="1" latinLnBrk="0" hangingPunct="1">
+              <a:spcBef>
+                <a:spcPct val="0"/>
+              </a:spcBef>
+              <a:buNone/>
+              <a:defRPr sz="4200" b="0" i="0" kern="1200">
+                <a:solidFill>
+                  <a:schemeClr val="tx2"/>
+                </a:solidFill>
+                <a:latin typeface="+mj-lt"/>
+                <a:ea typeface="+mj-ea"/>
+                <a:cs typeface="+mj-cs"/>
+              </a:defRPr>
+            </a:lvl1pPr>
+            <a:lvl2pPr eaLnBrk="1" hangingPunct="1">
+              <a:defRPr>
+                <a:solidFill>
+                  <a:schemeClr val="tx2"/>
+                </a:solidFill>
+              </a:defRPr>
+            </a:lvl2pPr>
+            <a:lvl3pPr eaLnBrk="1" hangingPunct="1">
+              <a:defRPr>
+                <a:solidFill>
+                  <a:schemeClr val="tx2"/>
+                </a:solidFill>
+              </a:defRPr>
+            </a:lvl3pPr>
+            <a:lvl4pPr eaLnBrk="1" hangingPunct="1">
+              <a:defRPr>
+                <a:solidFill>
+                  <a:schemeClr val="tx2"/>
+                </a:solidFill>
+              </a:defRPr>
+            </a:lvl4pPr>
+            <a:lvl5pPr eaLnBrk="1" hangingPunct="1">
+              <a:defRPr>
+                <a:solidFill>
+                  <a:schemeClr val="tx2"/>
+                </a:solidFill>
+              </a:defRPr>
+            </a:lvl5pPr>
+            <a:lvl6pPr eaLnBrk="1" hangingPunct="1">
+              <a:defRPr>
+                <a:solidFill>
+                  <a:schemeClr val="tx2"/>
+                </a:solidFill>
+              </a:defRPr>
+            </a:lvl6pPr>
+            <a:lvl7pPr eaLnBrk="1" hangingPunct="1">
+              <a:defRPr>
+                <a:solidFill>
+                  <a:schemeClr val="tx2"/>
+                </a:solidFill>
+              </a:defRPr>
+            </a:lvl7pPr>
+            <a:lvl8pPr eaLnBrk="1" hangingPunct="1">
+              <a:defRPr>
+                <a:solidFill>
+                  <a:schemeClr val="tx2"/>
+                </a:solidFill>
+              </a:defRPr>
+            </a:lvl8pPr>
+            <a:lvl9pPr eaLnBrk="1" hangingPunct="1">
+              <a:defRPr>
+                <a:solidFill>
+                  <a:schemeClr val="tx2"/>
+                </a:solidFill>
+              </a:defRPr>
+            </a:lvl9pPr>
+          </a:lstStyle>
+          <a:p>
+            <a:r>
+              <a:rPr lang="it-IT" sz="5000" b="1" dirty="0">
+                <a:solidFill>
+                  <a:schemeClr val="tx1"/>
+                </a:solidFill>
+              </a:rPr>
+              <a:t>Il progetto</a:t>
+            </a:r>
+          </a:p>
+        </p:txBody>
+      </p:sp>
+      <p:sp>
+        <p:nvSpPr>
+          <p:cNvPr id="6" name="CasellaDiTesto 5">
+            <a:extLst>
+              <a:ext uri="{FF2B5EF4-FFF2-40B4-BE49-F238E27FC236}">
+                <a16:creationId xmlns:a16="http://schemas.microsoft.com/office/drawing/2014/main" id="{FA6CE7F1-82D5-4C0A-806D-F25D5B7695A0}"/>
+              </a:ext>
+            </a:extLst>
+          </p:cNvPr>
+          <p:cNvSpPr txBox="1"/>
+          <p:nvPr/>
+        </p:nvSpPr>
+        <p:spPr>
+          <a:xfrm>
+            <a:off x="0" y="759383"/>
+            <a:ext cx="2016899" cy="338554"/>
+          </a:xfrm>
+          <a:prstGeom prst="rect">
+            <a:avLst/>
+          </a:prstGeom>
+          <a:noFill/>
+        </p:spPr>
+        <p:txBody>
+          <a:bodyPr wrap="none" rtlCol="0">
+            <a:spAutoFit/>
+          </a:bodyPr>
+          <a:lstStyle/>
+          <a:p>
+            <a:r>
+              <a:rPr lang="it-IT" sz="1600" b="1" dirty="0"/>
+              <a:t>Elementi principali</a:t>
             </a:r>
           </a:p>
         </p:txBody>
@@ -6103,6 +6312,18 @@
   <p:clrMapOvr>
     <a:masterClrMapping/>
   </p:clrMapOvr>
+  <mc:AlternateContent xmlns:mc="http://schemas.openxmlformats.org/markup-compatibility/2006">
+    <mc:Choice xmlns:p14="http://schemas.microsoft.com/office/powerpoint/2010/main" Requires="p14">
+      <p:transition spd="slow" p14:dur="1750">
+        <p:fade/>
+      </p:transition>
+    </mc:Choice>
+    <mc:Fallback>
+      <p:transition spd="slow">
+        <p:fade/>
+      </p:transition>
+    </mc:Fallback>
+  </mc:AlternateContent>
 </p:sld>
 </file>
 
@@ -6123,100 +6344,12 @@
           <a:chExt cx="0" cy="0"/>
         </a:xfrm>
       </p:grpSpPr>
-      <p:sp>
-        <p:nvSpPr>
-          <p:cNvPr id="2" name="Titolo 1">
+      <p:pic>
+        <p:nvPicPr>
+          <p:cNvPr id="10" name="Immagine 9">
             <a:extLst>
               <a:ext uri="{FF2B5EF4-FFF2-40B4-BE49-F238E27FC236}">
-                <a16:creationId xmlns:a16="http://schemas.microsoft.com/office/drawing/2014/main" id="{787CD2E0-40ED-4B43-AB7C-DE40388F2541}"/>
-              </a:ext>
-            </a:extLst>
-          </p:cNvPr>
-          <p:cNvSpPr>
-            <a:spLocks noGrp="1"/>
-          </p:cNvSpPr>
-          <p:nvPr>
-            <p:ph type="title"/>
-          </p:nvPr>
-        </p:nvSpPr>
-        <p:spPr/>
-        <p:txBody>
-          <a:bodyPr/>
-          <a:lstStyle/>
-          <a:p>
-            <a:r>
-              <a:rPr lang="it-IT" dirty="0"/>
-              <a:t>Arduino</a:t>
-            </a:r>
-          </a:p>
-        </p:txBody>
-      </p:sp>
-      <p:sp>
-        <p:nvSpPr>
-          <p:cNvPr id="3" name="Segnaposto contenuto 2">
-            <a:extLst>
-              <a:ext uri="{FF2B5EF4-FFF2-40B4-BE49-F238E27FC236}">
-                <a16:creationId xmlns:a16="http://schemas.microsoft.com/office/drawing/2014/main" id="{BB15EE90-8C0C-40C6-96A1-38C4ABDAE38B}"/>
-              </a:ext>
-            </a:extLst>
-          </p:cNvPr>
-          <p:cNvSpPr>
-            <a:spLocks noGrp="1"/>
-          </p:cNvSpPr>
-          <p:nvPr>
-            <p:ph idx="1"/>
-          </p:nvPr>
-        </p:nvSpPr>
-        <p:spPr/>
-        <p:txBody>
-          <a:bodyPr/>
-          <a:lstStyle/>
-          <a:p>
-            <a:endParaRPr lang="it-IT"/>
-          </a:p>
-        </p:txBody>
-      </p:sp>
-      <p:sp>
-        <p:nvSpPr>
-          <p:cNvPr id="4" name="CasellaDiTesto 3">
-            <a:extLst>
-              <a:ext uri="{FF2B5EF4-FFF2-40B4-BE49-F238E27FC236}">
-                <a16:creationId xmlns:a16="http://schemas.microsoft.com/office/drawing/2014/main" id="{559CEFF0-CDEE-43E6-9168-74936CDF43D4}"/>
-              </a:ext>
-            </a:extLst>
-          </p:cNvPr>
-          <p:cNvSpPr txBox="1"/>
-          <p:nvPr/>
-        </p:nvSpPr>
-        <p:spPr>
-          <a:xfrm>
-            <a:off x="10347157" y="3429000"/>
-            <a:ext cx="2250937" cy="369332"/>
-          </a:xfrm>
-          <a:prstGeom prst="rect">
-            <a:avLst/>
-          </a:prstGeom>
-          <a:noFill/>
-        </p:spPr>
-        <p:txBody>
-          <a:bodyPr wrap="none" rtlCol="0">
-            <a:spAutoFit/>
-          </a:bodyPr>
-          <a:lstStyle/>
-          <a:p>
-            <a:r>
-              <a:rPr lang="it-IT" dirty="0"/>
-              <a:t>Roncoroni Daniele</a:t>
-            </a:r>
-          </a:p>
-        </p:txBody>
-      </p:sp>
-      <p:pic>
-        <p:nvPicPr>
-          <p:cNvPr id="6" name="Immagine 5">
-            <a:extLst>
-              <a:ext uri="{FF2B5EF4-FFF2-40B4-BE49-F238E27FC236}">
-                <a16:creationId xmlns:a16="http://schemas.microsoft.com/office/drawing/2014/main" id="{23440B85-C09C-4640-B492-AB9090AA62C2}"/>
+                <a16:creationId xmlns:a16="http://schemas.microsoft.com/office/drawing/2014/main" id="{EAD68B1E-8D82-4147-AE6A-40C22813F044}"/>
               </a:ext>
             </a:extLst>
           </p:cNvPr>
@@ -6233,7 +6366,37 @@
         </p:blipFill>
         <p:spPr>
           <a:xfrm>
-            <a:off x="2487588" y="2587399"/>
+            <a:off x="0" y="0"/>
+            <a:ext cx="12192000" cy="6858000"/>
+          </a:xfrm>
+          <a:prstGeom prst="rect">
+            <a:avLst/>
+          </a:prstGeom>
+        </p:spPr>
+      </p:pic>
+      <p:pic>
+        <p:nvPicPr>
+          <p:cNvPr id="6" name="Immagine 5">
+            <a:extLst>
+              <a:ext uri="{FF2B5EF4-FFF2-40B4-BE49-F238E27FC236}">
+                <a16:creationId xmlns:a16="http://schemas.microsoft.com/office/drawing/2014/main" id="{23440B85-C09C-4640-B492-AB9090AA62C2}"/>
+              </a:ext>
+            </a:extLst>
+          </p:cNvPr>
+          <p:cNvPicPr>
+            <a:picLocks noChangeAspect="1"/>
+          </p:cNvPicPr>
+          <p:nvPr/>
+        </p:nvPicPr>
+        <p:blipFill>
+          <a:blip r:embed="rId3"/>
+          <a:stretch>
+            <a:fillRect/>
+          </a:stretch>
+        </p:blipFill>
+        <p:spPr>
+          <a:xfrm>
+            <a:off x="2990641" y="2003490"/>
             <a:ext cx="5721767" cy="3860670"/>
           </a:xfrm>
           <a:prstGeom prst="rect">
@@ -6256,21 +6419,136 @@
           <p:nvPr/>
         </p:nvPicPr>
         <p:blipFill>
-          <a:blip r:embed="rId3"/>
+          <a:blip r:embed="rId4"/>
           <a:stretch>
             <a:fillRect/>
           </a:stretch>
         </p:blipFill>
         <p:spPr>
           <a:xfrm>
-            <a:off x="4688497" y="2192694"/>
-            <a:ext cx="645489" cy="1001445"/>
+            <a:off x="5087277" y="1341410"/>
+            <a:ext cx="821398" cy="1274360"/>
           </a:xfrm>
           <a:prstGeom prst="rect">
             <a:avLst/>
           </a:prstGeom>
         </p:spPr>
       </p:pic>
+      <p:sp>
+        <p:nvSpPr>
+          <p:cNvPr id="2" name="Titolo 1">
+            <a:extLst>
+              <a:ext uri="{FF2B5EF4-FFF2-40B4-BE49-F238E27FC236}">
+                <a16:creationId xmlns:a16="http://schemas.microsoft.com/office/drawing/2014/main" id="{787CD2E0-40ED-4B43-AB7C-DE40388F2541}"/>
+              </a:ext>
+            </a:extLst>
+          </p:cNvPr>
+          <p:cNvSpPr>
+            <a:spLocks noGrp="1"/>
+          </p:cNvSpPr>
+          <p:nvPr>
+            <p:ph type="title"/>
+          </p:nvPr>
+        </p:nvSpPr>
+        <p:spPr>
+          <a:xfrm>
+            <a:off x="0" y="4916"/>
+            <a:ext cx="2603497" cy="810030"/>
+          </a:xfrm>
+        </p:spPr>
+        <p:txBody>
+          <a:bodyPr/>
+          <a:lstStyle/>
+          <a:p>
+            <a:r>
+              <a:rPr lang="it-IT" sz="5000" b="1" dirty="0">
+                <a:solidFill>
+                  <a:schemeClr val="bg1"/>
+                </a:solidFill>
+              </a:rPr>
+              <a:t>Arduino</a:t>
+            </a:r>
+          </a:p>
+        </p:txBody>
+      </p:sp>
+      <p:sp>
+        <p:nvSpPr>
+          <p:cNvPr id="4" name="CasellaDiTesto 3">
+            <a:extLst>
+              <a:ext uri="{FF2B5EF4-FFF2-40B4-BE49-F238E27FC236}">
+                <a16:creationId xmlns:a16="http://schemas.microsoft.com/office/drawing/2014/main" id="{559CEFF0-CDEE-43E6-9168-74936CDF43D4}"/>
+              </a:ext>
+            </a:extLst>
+          </p:cNvPr>
+          <p:cNvSpPr txBox="1"/>
+          <p:nvPr/>
+        </p:nvSpPr>
+        <p:spPr>
+          <a:xfrm>
+            <a:off x="10742564" y="6596390"/>
+            <a:ext cx="1449436" cy="261610"/>
+          </a:xfrm>
+          <a:prstGeom prst="rect">
+            <a:avLst/>
+          </a:prstGeom>
+          <a:noFill/>
+        </p:spPr>
+        <p:txBody>
+          <a:bodyPr wrap="none" rtlCol="0">
+            <a:spAutoFit/>
+          </a:bodyPr>
+          <a:lstStyle/>
+          <a:p>
+            <a:r>
+              <a:rPr lang="it-IT" sz="1100" dirty="0">
+                <a:solidFill>
+                  <a:schemeClr val="bg1"/>
+                </a:solidFill>
+              </a:rPr>
+              <a:t>Roncoroni Daniele</a:t>
+            </a:r>
+          </a:p>
+        </p:txBody>
+      </p:sp>
+      <p:sp>
+        <p:nvSpPr>
+          <p:cNvPr id="5" name="CasellaDiTesto 4">
+            <a:extLst>
+              <a:ext uri="{FF2B5EF4-FFF2-40B4-BE49-F238E27FC236}">
+                <a16:creationId xmlns:a16="http://schemas.microsoft.com/office/drawing/2014/main" id="{6ED36F17-D8C1-443E-9600-623A04EAC80B}"/>
+              </a:ext>
+            </a:extLst>
+          </p:cNvPr>
+          <p:cNvSpPr txBox="1"/>
+          <p:nvPr/>
+        </p:nvSpPr>
+        <p:spPr>
+          <a:xfrm>
+            <a:off x="0" y="645669"/>
+            <a:ext cx="1986441" cy="338554"/>
+          </a:xfrm>
+          <a:prstGeom prst="rect">
+            <a:avLst/>
+          </a:prstGeom>
+          <a:noFill/>
+        </p:spPr>
+        <p:txBody>
+          <a:bodyPr wrap="none" rtlCol="0">
+            <a:spAutoFit/>
+          </a:bodyPr>
+          <a:lstStyle/>
+          <a:p>
+            <a:r>
+              <a:rPr lang="it-IT" sz="1600" b="1" dirty="0">
+                <a:solidFill>
+                  <a:schemeClr val="bg1"/>
+                </a:solidFill>
+              </a:rPr>
+              <a:t>Schema circuitale</a:t>
+            </a:r>
+          </a:p>
+        </p:txBody>
+      </p:sp>
     </p:spTree>
     <p:extLst>
       <p:ext uri="{BB962C8B-B14F-4D97-AF65-F5344CB8AC3E}">
@@ -6281,6 +6559,18 @@
   <p:clrMapOvr>
     <a:masterClrMapping/>
   </p:clrMapOvr>
+  <mc:AlternateContent xmlns:mc="http://schemas.openxmlformats.org/markup-compatibility/2006">
+    <mc:Choice xmlns:p14="http://schemas.microsoft.com/office/powerpoint/2010/main" Requires="p14">
+      <p:transition spd="slow" p14:dur="1750">
+        <p:fade/>
+      </p:transition>
+    </mc:Choice>
+    <mc:Fallback>
+      <p:transition spd="slow">
+        <p:fade/>
+      </p:transition>
+    </mc:Fallback>
+  </mc:AlternateContent>
 </p:sld>
 </file>
 
@@ -6327,42 +6617,6 @@
       </p:grpSpPr>
       <p:sp>
         <p:nvSpPr>
-          <p:cNvPr id="2" name="Titolo 1">
-            <a:extLst>
-              <a:ext uri="{FF2B5EF4-FFF2-40B4-BE49-F238E27FC236}">
-                <a16:creationId xmlns:a16="http://schemas.microsoft.com/office/drawing/2014/main" id="{2729E150-5C75-4747-9F1D-80050A65AB11}"/>
-              </a:ext>
-            </a:extLst>
-          </p:cNvPr>
-          <p:cNvSpPr>
-            <a:spLocks noGrp="1"/>
-          </p:cNvSpPr>
-          <p:nvPr>
-            <p:ph type="title"/>
-          </p:nvPr>
-        </p:nvSpPr>
-        <p:spPr>
-          <a:xfrm>
-            <a:off x="648931" y="629266"/>
-            <a:ext cx="4166510" cy="1622321"/>
-          </a:xfrm>
-        </p:spPr>
-        <p:txBody>
-          <a:bodyPr>
-            <a:normAutofit/>
-          </a:bodyPr>
-          <a:lstStyle/>
-          <a:p>
-            <a:r>
-              <a:rPr lang="it-IT"/>
-              <a:t>Roncoroni Daniele</a:t>
-            </a:r>
-            <a:endParaRPr lang="it-IT" dirty="0"/>
-          </a:p>
-        </p:txBody>
-      </p:sp>
-      <p:sp>
-        <p:nvSpPr>
           <p:cNvPr id="3" name="Segnaposto contenuto 2">
             <a:extLst>
               <a:ext uri="{FF2B5EF4-FFF2-40B4-BE49-F238E27FC236}">
@@ -6379,8 +6633,8 @@
         </p:nvSpPr>
         <p:spPr>
           <a:xfrm>
-            <a:off x="648931" y="2438400"/>
-            <a:ext cx="4166509" cy="3785419"/>
+            <a:off x="264257" y="3058455"/>
+            <a:ext cx="4942962" cy="1302373"/>
           </a:xfrm>
         </p:spPr>
         <p:txBody>
@@ -6389,13 +6643,38 @@
           </a:bodyPr>
           <a:lstStyle/>
           <a:p>
+            <a:pPr marL="0" indent="0">
+              <a:buNone/>
+            </a:pPr>
+            <a:r>
+              <a:rPr lang="it-IT" dirty="0"/>
+              <a:t>Il programma </a:t>
+            </a:r>
             <a:r>
               <a:rPr lang="it-IT" dirty="0" err="1"/>
               <a:t>NFC_Dispenser</a:t>
             </a:r>
             <a:r>
               <a:rPr lang="it-IT" dirty="0"/>
-              <a:t> serve per scrivere sulla tessera NFC i dati comunicato dall’applicazione</a:t>
+              <a:t> serve per </a:t>
+            </a:r>
+          </a:p>
+          <a:p>
+            <a:pPr marL="0" indent="0">
+              <a:buNone/>
+            </a:pPr>
+            <a:r>
+              <a:rPr lang="it-IT" dirty="0"/>
+              <a:t>scrivere sulla tessera NFC i dati </a:t>
+            </a:r>
+          </a:p>
+          <a:p>
+            <a:pPr marL="0" indent="0">
+              <a:buNone/>
+            </a:pPr>
+            <a:r>
+              <a:rPr lang="it-IT" dirty="0"/>
+              <a:t>comunicati dall’applicazione</a:t>
             </a:r>
           </a:p>
         </p:txBody>
@@ -7030,16 +7309,15 @@
           </p:cNvPicPr>
           <p:nvPr/>
         </p:nvPicPr>
-        <p:blipFill>
+        <p:blipFill rotWithShape="1">
           <a:blip r:embed="rId3"/>
-          <a:stretch>
-            <a:fillRect/>
-          </a:stretch>
+          <a:srcRect b="166"/>
+          <a:stretch/>
         </p:blipFill>
         <p:spPr>
           <a:xfrm>
-            <a:off x="6378345" y="647698"/>
-            <a:ext cx="4881182" cy="5562601"/>
+            <a:off x="5553492" y="80962"/>
+            <a:ext cx="6374251" cy="6684964"/>
           </a:xfrm>
           <a:prstGeom prst="rect">
             <a:avLst/>
@@ -7100,6 +7378,118 @@
           </a:fontRef>
         </p:style>
       </p:sp>
+      <p:sp>
+        <p:nvSpPr>
+          <p:cNvPr id="12" name="CasellaDiTesto 11">
+            <a:extLst>
+              <a:ext uri="{FF2B5EF4-FFF2-40B4-BE49-F238E27FC236}">
+                <a16:creationId xmlns:a16="http://schemas.microsoft.com/office/drawing/2014/main" id="{8D87622C-C709-4EB8-AE1E-E6C58A4BAF5C}"/>
+              </a:ext>
+            </a:extLst>
+          </p:cNvPr>
+          <p:cNvSpPr txBox="1"/>
+          <p:nvPr/>
+        </p:nvSpPr>
+        <p:spPr>
+          <a:xfrm>
+            <a:off x="10742564" y="6596390"/>
+            <a:ext cx="1449436" cy="261610"/>
+          </a:xfrm>
+          <a:prstGeom prst="rect">
+            <a:avLst/>
+          </a:prstGeom>
+          <a:noFill/>
+        </p:spPr>
+        <p:txBody>
+          <a:bodyPr wrap="none" rtlCol="0">
+            <a:spAutoFit/>
+          </a:bodyPr>
+          <a:lstStyle/>
+          <a:p>
+            <a:r>
+              <a:rPr lang="it-IT" sz="1100" dirty="0">
+                <a:solidFill>
+                  <a:schemeClr val="bg1"/>
+                </a:solidFill>
+              </a:rPr>
+              <a:t>Roncoroni Daniele</a:t>
+            </a:r>
+          </a:p>
+        </p:txBody>
+      </p:sp>
+      <p:sp>
+        <p:nvSpPr>
+          <p:cNvPr id="14" name="Titolo 1">
+            <a:extLst>
+              <a:ext uri="{FF2B5EF4-FFF2-40B4-BE49-F238E27FC236}">
+                <a16:creationId xmlns:a16="http://schemas.microsoft.com/office/drawing/2014/main" id="{1BBEE441-2E56-48C3-8630-47FCBE68367E}"/>
+              </a:ext>
+            </a:extLst>
+          </p:cNvPr>
+          <p:cNvSpPr>
+            <a:spLocks noGrp="1"/>
+          </p:cNvSpPr>
+          <p:nvPr>
+            <p:ph type="title"/>
+          </p:nvPr>
+        </p:nvSpPr>
+        <p:spPr>
+          <a:xfrm>
+            <a:off x="0" y="0"/>
+            <a:ext cx="2603497" cy="810030"/>
+          </a:xfrm>
+        </p:spPr>
+        <p:txBody>
+          <a:bodyPr/>
+          <a:lstStyle/>
+          <a:p>
+            <a:r>
+              <a:rPr lang="it-IT" sz="5000" b="1" dirty="0">
+                <a:solidFill>
+                  <a:schemeClr val="tx1"/>
+                </a:solidFill>
+              </a:rPr>
+              <a:t>Arduino</a:t>
+            </a:r>
+          </a:p>
+        </p:txBody>
+      </p:sp>
+      <p:sp>
+        <p:nvSpPr>
+          <p:cNvPr id="7" name="CasellaDiTesto 6">
+            <a:extLst>
+              <a:ext uri="{FF2B5EF4-FFF2-40B4-BE49-F238E27FC236}">
+                <a16:creationId xmlns:a16="http://schemas.microsoft.com/office/drawing/2014/main" id="{F0B1C700-BFBC-49C1-90A6-778B75099917}"/>
+              </a:ext>
+            </a:extLst>
+          </p:cNvPr>
+          <p:cNvSpPr txBox="1"/>
+          <p:nvPr/>
+        </p:nvSpPr>
+        <p:spPr>
+          <a:xfrm>
+            <a:off x="0" y="640753"/>
+            <a:ext cx="1653017" cy="338554"/>
+          </a:xfrm>
+          <a:prstGeom prst="rect">
+            <a:avLst/>
+          </a:prstGeom>
+          <a:noFill/>
+        </p:spPr>
+        <p:txBody>
+          <a:bodyPr wrap="none" rtlCol="0">
+            <a:spAutoFit/>
+          </a:bodyPr>
+          <a:lstStyle/>
+          <a:p>
+            <a:r>
+              <a:rPr lang="it-IT" sz="1600" b="1" dirty="0" err="1"/>
+              <a:t>NFC_Dispenser</a:t>
+            </a:r>
+            <a:endParaRPr lang="it-IT" sz="1600" b="1" dirty="0"/>
+          </a:p>
+        </p:txBody>
+      </p:sp>
     </p:spTree>
     <p:extLst>
       <p:ext uri="{BB962C8B-B14F-4D97-AF65-F5344CB8AC3E}">
@@ -7110,6 +7500,18 @@
   <p:clrMapOvr>
     <a:masterClrMapping/>
   </p:clrMapOvr>
+  <mc:AlternateContent xmlns:mc="http://schemas.openxmlformats.org/markup-compatibility/2006">
+    <mc:Choice xmlns:p14="http://schemas.microsoft.com/office/powerpoint/2010/main" Requires="p14">
+      <p:transition spd="slow" p14:dur="1750">
+        <p:fade/>
+      </p:transition>
+    </mc:Choice>
+    <mc:Fallback>
+      <p:transition spd="slow">
+        <p:fade/>
+      </p:transition>
+    </mc:Fallback>
+  </mc:AlternateContent>
 </p:sld>
 </file>
 
@@ -7156,38 +7558,6 @@
       </p:grpSpPr>
       <p:sp>
         <p:nvSpPr>
-          <p:cNvPr id="2" name="Titolo 1">
-            <a:extLst>
-              <a:ext uri="{FF2B5EF4-FFF2-40B4-BE49-F238E27FC236}">
-                <a16:creationId xmlns:a16="http://schemas.microsoft.com/office/drawing/2014/main" id="{626F383C-69F5-417E-BFC5-9DBEF90CCC29}"/>
-              </a:ext>
-            </a:extLst>
-          </p:cNvPr>
-          <p:cNvSpPr>
-            <a:spLocks noGrp="1"/>
-          </p:cNvSpPr>
-          <p:nvPr>
-            <p:ph type="title"/>
-          </p:nvPr>
-        </p:nvSpPr>
-        <p:spPr>
-          <a:xfrm>
-            <a:off x="648931" y="629266"/>
-            <a:ext cx="4166510" cy="1622321"/>
-          </a:xfrm>
-        </p:spPr>
-        <p:txBody>
-          <a:bodyPr>
-            <a:normAutofit/>
-          </a:bodyPr>
-          <a:lstStyle/>
-          <a:p>
-            <a:endParaRPr lang="it-IT"/>
-          </a:p>
-        </p:txBody>
-      </p:sp>
-      <p:sp>
-        <p:nvSpPr>
           <p:cNvPr id="3" name="Segnaposto contenuto 2">
             <a:extLst>
               <a:ext uri="{FF2B5EF4-FFF2-40B4-BE49-F238E27FC236}">
@@ -7204,8 +7574,8 @@
         </p:nvSpPr>
         <p:spPr>
           <a:xfrm>
-            <a:off x="648931" y="2438400"/>
-            <a:ext cx="4166509" cy="3785419"/>
+            <a:off x="324353" y="3074020"/>
+            <a:ext cx="4558288" cy="1271241"/>
           </a:xfrm>
         </p:spPr>
         <p:txBody>
@@ -7214,6 +7584,9 @@
           </a:bodyPr>
           <a:lstStyle/>
           <a:p>
+            <a:pPr marL="0" indent="0">
+              <a:buNone/>
+            </a:pPr>
             <a:r>
               <a:rPr lang="it-IT" dirty="0"/>
               <a:t>Il programma </a:t>
@@ -7224,7 +7597,25 @@
             </a:r>
             <a:r>
               <a:rPr lang="it-IT" dirty="0"/>
-              <a:t> aspetta che l’utente avvicini la tessera NFC al sensore per poterne leggere i dati</a:t>
+              <a:t> aspetta </a:t>
+            </a:r>
+          </a:p>
+          <a:p>
+            <a:pPr marL="0" indent="0">
+              <a:buNone/>
+            </a:pPr>
+            <a:r>
+              <a:rPr lang="it-IT" dirty="0"/>
+              <a:t>che l’utente avvicini la tessera NFC </a:t>
+            </a:r>
+          </a:p>
+          <a:p>
+            <a:pPr marL="0" indent="0">
+              <a:buNone/>
+            </a:pPr>
+            <a:r>
+              <a:rPr lang="it-IT" dirty="0"/>
+              <a:t>al sensore e ne legge i dati</a:t>
             </a:r>
           </a:p>
         </p:txBody>
@@ -7867,8 +8258,8 @@
         </p:blipFill>
         <p:spPr>
           <a:xfrm>
-            <a:off x="6121075" y="647698"/>
-            <a:ext cx="5395722" cy="5562601"/>
+            <a:off x="5553492" y="80961"/>
+            <a:ext cx="6374251" cy="6696075"/>
           </a:xfrm>
           <a:prstGeom prst="rect">
             <a:avLst/>
@@ -7929,6 +8320,118 @@
           </a:fontRef>
         </p:style>
       </p:sp>
+      <p:sp>
+        <p:nvSpPr>
+          <p:cNvPr id="9" name="CasellaDiTesto 8">
+            <a:extLst>
+              <a:ext uri="{FF2B5EF4-FFF2-40B4-BE49-F238E27FC236}">
+                <a16:creationId xmlns:a16="http://schemas.microsoft.com/office/drawing/2014/main" id="{BC9D2EDC-6A9E-42FA-8917-FCF7BBE68D8E}"/>
+              </a:ext>
+            </a:extLst>
+          </p:cNvPr>
+          <p:cNvSpPr txBox="1"/>
+          <p:nvPr/>
+        </p:nvSpPr>
+        <p:spPr>
+          <a:xfrm>
+            <a:off x="10742564" y="6596390"/>
+            <a:ext cx="1449436" cy="261610"/>
+          </a:xfrm>
+          <a:prstGeom prst="rect">
+            <a:avLst/>
+          </a:prstGeom>
+          <a:noFill/>
+        </p:spPr>
+        <p:txBody>
+          <a:bodyPr wrap="none" rtlCol="0">
+            <a:spAutoFit/>
+          </a:bodyPr>
+          <a:lstStyle/>
+          <a:p>
+            <a:r>
+              <a:rPr lang="it-IT" sz="1100" dirty="0">
+                <a:solidFill>
+                  <a:schemeClr val="bg1"/>
+                </a:solidFill>
+              </a:rPr>
+              <a:t>Roncoroni Daniele</a:t>
+            </a:r>
+          </a:p>
+        </p:txBody>
+      </p:sp>
+      <p:sp>
+        <p:nvSpPr>
+          <p:cNvPr id="13" name="Titolo 1">
+            <a:extLst>
+              <a:ext uri="{FF2B5EF4-FFF2-40B4-BE49-F238E27FC236}">
+                <a16:creationId xmlns:a16="http://schemas.microsoft.com/office/drawing/2014/main" id="{965DD857-F11F-43FC-9C39-BD6016FDC67A}"/>
+              </a:ext>
+            </a:extLst>
+          </p:cNvPr>
+          <p:cNvSpPr>
+            <a:spLocks noGrp="1"/>
+          </p:cNvSpPr>
+          <p:nvPr>
+            <p:ph type="title"/>
+          </p:nvPr>
+        </p:nvSpPr>
+        <p:spPr>
+          <a:xfrm>
+            <a:off x="0" y="0"/>
+            <a:ext cx="2603497" cy="810030"/>
+          </a:xfrm>
+        </p:spPr>
+        <p:txBody>
+          <a:bodyPr/>
+          <a:lstStyle/>
+          <a:p>
+            <a:r>
+              <a:rPr lang="it-IT" sz="5000" b="1" dirty="0">
+                <a:solidFill>
+                  <a:schemeClr val="tx1"/>
+                </a:solidFill>
+              </a:rPr>
+              <a:t>Arduino</a:t>
+            </a:r>
+          </a:p>
+        </p:txBody>
+      </p:sp>
+      <p:sp>
+        <p:nvSpPr>
+          <p:cNvPr id="15" name="CasellaDiTesto 14">
+            <a:extLst>
+              <a:ext uri="{FF2B5EF4-FFF2-40B4-BE49-F238E27FC236}">
+                <a16:creationId xmlns:a16="http://schemas.microsoft.com/office/drawing/2014/main" id="{804B5F14-9759-4E99-83EC-B47B3EC79557}"/>
+              </a:ext>
+            </a:extLst>
+          </p:cNvPr>
+          <p:cNvSpPr txBox="1"/>
+          <p:nvPr/>
+        </p:nvSpPr>
+        <p:spPr>
+          <a:xfrm>
+            <a:off x="0" y="640753"/>
+            <a:ext cx="1463862" cy="338554"/>
+          </a:xfrm>
+          <a:prstGeom prst="rect">
+            <a:avLst/>
+          </a:prstGeom>
+          <a:noFill/>
+        </p:spPr>
+        <p:txBody>
+          <a:bodyPr wrap="none" rtlCol="0">
+            <a:spAutoFit/>
+          </a:bodyPr>
+          <a:lstStyle/>
+          <a:p>
+            <a:r>
+              <a:rPr lang="it-IT" sz="1600" b="1" dirty="0" err="1"/>
+              <a:t>NFC_Scheda</a:t>
+            </a:r>
+            <a:endParaRPr lang="it-IT" sz="1400" b="1" dirty="0"/>
+          </a:p>
+        </p:txBody>
+      </p:sp>
     </p:spTree>
     <p:extLst>
       <p:ext uri="{BB962C8B-B14F-4D97-AF65-F5344CB8AC3E}">
@@ -7939,6 +8442,157 @@
   <p:clrMapOvr>
     <a:masterClrMapping/>
   </p:clrMapOvr>
+  <mc:AlternateContent xmlns:mc="http://schemas.openxmlformats.org/markup-compatibility/2006">
+    <mc:Choice xmlns:p14="http://schemas.microsoft.com/office/powerpoint/2010/main" Requires="p14">
+      <p:transition spd="slow" p14:dur="1750">
+        <p:fade/>
+      </p:transition>
+    </mc:Choice>
+    <mc:Fallback>
+      <p:transition spd="slow">
+        <p:fade/>
+      </p:transition>
+    </mc:Fallback>
+  </mc:AlternateContent>
+</p:sld>
+</file>
+
+<file path=ppt/slides/slide6.xml><?xml version="1.0" encoding="utf-8"?>
+<p:sld xmlns:a="http://schemas.openxmlformats.org/drawingml/2006/main" xmlns:r="http://schemas.openxmlformats.org/officeDocument/2006/relationships" xmlns:p="http://schemas.openxmlformats.org/presentationml/2006/main">
+  <p:cSld>
+    <p:spTree>
+      <p:nvGrpSpPr>
+        <p:cNvPr id="1" name=""/>
+        <p:cNvGrpSpPr/>
+        <p:nvPr/>
+      </p:nvGrpSpPr>
+      <p:grpSpPr>
+        <a:xfrm>
+          <a:off x="0" y="0"/>
+          <a:ext cx="0" cy="0"/>
+          <a:chOff x="0" y="0"/>
+          <a:chExt cx="0" cy="0"/>
+        </a:xfrm>
+      </p:grpSpPr>
+      <p:sp>
+        <p:nvSpPr>
+          <p:cNvPr id="2" name="Titolo 1">
+            <a:extLst>
+              <a:ext uri="{FF2B5EF4-FFF2-40B4-BE49-F238E27FC236}">
+                <a16:creationId xmlns:a16="http://schemas.microsoft.com/office/drawing/2014/main" id="{4DBA7C89-E1D5-4010-9ECC-75B75E24AA18}"/>
+              </a:ext>
+            </a:extLst>
+          </p:cNvPr>
+          <p:cNvSpPr>
+            <a:spLocks noGrp="1"/>
+          </p:cNvSpPr>
+          <p:nvPr>
+            <p:ph type="title"/>
+          </p:nvPr>
+        </p:nvSpPr>
+        <p:spPr/>
+        <p:txBody>
+          <a:bodyPr/>
+          <a:lstStyle/>
+          <a:p>
+            <a:endParaRPr lang="it-IT"/>
+          </a:p>
+        </p:txBody>
+      </p:sp>
+      <p:sp>
+        <p:nvSpPr>
+          <p:cNvPr id="3" name="Segnaposto contenuto 2">
+            <a:extLst>
+              <a:ext uri="{FF2B5EF4-FFF2-40B4-BE49-F238E27FC236}">
+                <a16:creationId xmlns:a16="http://schemas.microsoft.com/office/drawing/2014/main" id="{029A8546-28A6-4501-83D5-60C1026E1F99}"/>
+              </a:ext>
+            </a:extLst>
+          </p:cNvPr>
+          <p:cNvSpPr>
+            <a:spLocks noGrp="1"/>
+          </p:cNvSpPr>
+          <p:nvPr>
+            <p:ph idx="1"/>
+          </p:nvPr>
+        </p:nvSpPr>
+        <p:spPr/>
+        <p:txBody>
+          <a:bodyPr/>
+          <a:lstStyle/>
+          <a:p>
+            <a:endParaRPr lang="it-IT"/>
+          </a:p>
+        </p:txBody>
+      </p:sp>
+      <p:pic>
+        <p:nvPicPr>
+          <p:cNvPr id="2050" name="Picture 2" descr="E' il BlackOutTuesday: i profili Instagram si tingono di nero per  combattere il razzismo">
+            <a:extLst>
+              <a:ext uri="{FF2B5EF4-FFF2-40B4-BE49-F238E27FC236}">
+                <a16:creationId xmlns:a16="http://schemas.microsoft.com/office/drawing/2014/main" id="{DC5687C5-E9FA-4A35-A989-605D046F61C6}"/>
+              </a:ext>
+            </a:extLst>
+          </p:cNvPr>
+          <p:cNvPicPr>
+            <a:picLocks noChangeAspect="1" noChangeArrowheads="1"/>
+          </p:cNvPicPr>
+          <p:nvPr/>
+        </p:nvPicPr>
+        <p:blipFill>
+          <a:blip r:embed="rId2">
+            <a:extLst>
+              <a:ext uri="{28A0092B-C50C-407E-A947-70E740481C1C}">
+                <a14:useLocalDpi xmlns:a14="http://schemas.microsoft.com/office/drawing/2010/main" val="0"/>
+              </a:ext>
+            </a:extLst>
+          </a:blip>
+          <a:srcRect/>
+          <a:stretch>
+            <a:fillRect/>
+          </a:stretch>
+        </p:blipFill>
+        <p:spPr bwMode="auto">
+          <a:xfrm>
+            <a:off x="0" y="0"/>
+            <a:ext cx="12192000" cy="6858000"/>
+          </a:xfrm>
+          <a:prstGeom prst="rect">
+            <a:avLst/>
+          </a:prstGeom>
+          <a:noFill/>
+          <a:extLst>
+            <a:ext uri="{909E8E84-426E-40DD-AFC4-6F175D3DCCD1}">
+              <a14:hiddenFill xmlns:a14="http://schemas.microsoft.com/office/drawing/2010/main">
+                <a:solidFill>
+                  <a:srgbClr val="FFFFFF"/>
+                </a:solidFill>
+              </a14:hiddenFill>
+            </a:ext>
+          </a:extLst>
+        </p:spPr>
+      </p:pic>
+    </p:spTree>
+    <p:extLst>
+      <p:ext uri="{BB962C8B-B14F-4D97-AF65-F5344CB8AC3E}">
+        <p14:creationId xmlns:p14="http://schemas.microsoft.com/office/powerpoint/2010/main" val="3611896384"/>
+      </p:ext>
+    </p:extLst>
+  </p:cSld>
+  <p:clrMapOvr>
+    <a:masterClrMapping/>
+  </p:clrMapOvr>
+  <mc:AlternateContent xmlns:mc="http://schemas.openxmlformats.org/markup-compatibility/2006">
+    <mc:Choice xmlns:p14="http://schemas.microsoft.com/office/powerpoint/2010/main" Requires="p14">
+      <p:transition spd="slow" p14:dur="2750">
+        <p:fade/>
+      </p:transition>
+    </mc:Choice>
+    <mc:Fallback>
+      <p:transition spd="slow">
+        <p:fade/>
+      </p:transition>
+    </mc:Fallback>
+  </mc:AlternateContent>
 </p:sld>
 </file>
 

--- a/Esposizione/Presentazione PPT.pptx
+++ b/Esposizione/Presentazione PPT.pptx
@@ -10,7 +10,11 @@
     <p:sldId id="258" r:id="rId4"/>
     <p:sldId id="259" r:id="rId5"/>
     <p:sldId id="260" r:id="rId6"/>
-    <p:sldId id="261" r:id="rId7"/>
+    <p:sldId id="262" r:id="rId7"/>
+    <p:sldId id="263" r:id="rId8"/>
+    <p:sldId id="264" r:id="rId9"/>
+    <p:sldId id="265" r:id="rId10"/>
+    <p:sldId id="261" r:id="rId11"/>
   </p:sldIdLst>
   <p:sldSz cx="12192000" cy="6858000"/>
   <p:notesSz cx="6858000" cy="9144000"/>
@@ -300,7 +304,7 @@
           <a:p>
             <a:fld id="{4AAD347D-5ACD-4C99-B74B-A9C85AD731AF}" type="datetimeFigureOut">
               <a:rPr lang="en-US" dirty="0"/>
-              <a:t>5/28/2021</a:t>
+              <a:t>6/3/2021</a:t>
             </a:fld>
             <a:endParaRPr lang="en-US" dirty="0"/>
           </a:p>
@@ -570,7 +574,7 @@
           <a:p>
             <a:fld id="{4509A250-FF31-4206-8172-F9D3106AACB1}" type="datetimeFigureOut">
               <a:rPr lang="en-US" dirty="0"/>
-              <a:t>5/28/2021</a:t>
+              <a:t>6/3/2021</a:t>
             </a:fld>
             <a:endParaRPr lang="en-US" dirty="0"/>
           </a:p>
@@ -759,7 +763,7 @@
           <a:p>
             <a:fld id="{4509A250-FF31-4206-8172-F9D3106AACB1}" type="datetimeFigureOut">
               <a:rPr lang="en-US" dirty="0"/>
-              <a:t>5/28/2021</a:t>
+              <a:t>6/3/2021</a:t>
             </a:fld>
             <a:endParaRPr lang="en-US" dirty="0"/>
           </a:p>
@@ -1022,7 +1026,7 @@
           <a:p>
             <a:fld id="{4509A250-FF31-4206-8172-F9D3106AACB1}" type="datetimeFigureOut">
               <a:rPr lang="en-US" dirty="0"/>
-              <a:t>5/28/2021</a:t>
+              <a:t>6/3/2021</a:t>
             </a:fld>
             <a:endParaRPr lang="en-US" dirty="0"/>
           </a:p>
@@ -1349,7 +1353,7 @@
           <a:p>
             <a:fld id="{4509A250-FF31-4206-8172-F9D3106AACB1}" type="datetimeFigureOut">
               <a:rPr lang="en-US" dirty="0"/>
-              <a:t>5/28/2021</a:t>
+              <a:t>6/3/2021</a:t>
             </a:fld>
             <a:endParaRPr lang="en-US" dirty="0"/>
           </a:p>
@@ -1954,7 +1958,7 @@
           <a:p>
             <a:fld id="{4509A250-FF31-4206-8172-F9D3106AACB1}" type="datetimeFigureOut">
               <a:rPr lang="en-US" dirty="0"/>
-              <a:t>5/28/2021</a:t>
+              <a:t>6/3/2021</a:t>
             </a:fld>
             <a:endParaRPr lang="en-US" dirty="0"/>
           </a:p>
@@ -2796,7 +2800,7 @@
           <a:p>
             <a:fld id="{4509A250-FF31-4206-8172-F9D3106AACB1}" type="datetimeFigureOut">
               <a:rPr lang="en-US" dirty="0"/>
-              <a:t>5/28/2021</a:t>
+              <a:t>6/3/2021</a:t>
             </a:fld>
             <a:endParaRPr lang="en-US" dirty="0"/>
           </a:p>
@@ -2961,7 +2965,7 @@
           <a:p>
             <a:fld id="{4509A250-FF31-4206-8172-F9D3106AACB1}" type="datetimeFigureOut">
               <a:rPr lang="en-US" dirty="0"/>
-              <a:t>5/28/2021</a:t>
+              <a:t>6/3/2021</a:t>
             </a:fld>
             <a:endParaRPr lang="en-US" dirty="0"/>
           </a:p>
@@ -3136,7 +3140,7 @@
           <a:p>
             <a:fld id="{4509A250-FF31-4206-8172-F9D3106AACB1}" type="datetimeFigureOut">
               <a:rPr lang="en-US" dirty="0"/>
-              <a:t>5/28/2021</a:t>
+              <a:t>6/3/2021</a:t>
             </a:fld>
             <a:endParaRPr lang="en-US" dirty="0"/>
           </a:p>
@@ -3301,7 +3305,7 @@
           <a:p>
             <a:fld id="{4509A250-FF31-4206-8172-F9D3106AACB1}" type="datetimeFigureOut">
               <a:rPr lang="en-US" dirty="0"/>
-              <a:t>5/28/2021</a:t>
+              <a:t>6/3/2021</a:t>
             </a:fld>
             <a:endParaRPr lang="en-US" dirty="0"/>
           </a:p>
@@ -3540,7 +3544,7 @@
           <a:p>
             <a:fld id="{4509A250-FF31-4206-8172-F9D3106AACB1}" type="datetimeFigureOut">
               <a:rPr lang="en-US" dirty="0"/>
-              <a:t>5/28/2021</a:t>
+              <a:t>6/3/2021</a:t>
             </a:fld>
             <a:endParaRPr lang="en-US" dirty="0"/>
           </a:p>
@@ -3827,7 +3831,7 @@
           <a:p>
             <a:fld id="{4509A250-FF31-4206-8172-F9D3106AACB1}" type="datetimeFigureOut">
               <a:rPr lang="en-US" dirty="0"/>
-              <a:t>5/28/2021</a:t>
+              <a:t>6/3/2021</a:t>
             </a:fld>
             <a:endParaRPr lang="en-US" dirty="0"/>
           </a:p>
@@ -4260,7 +4264,7 @@
           <a:p>
             <a:fld id="{4509A250-FF31-4206-8172-F9D3106AACB1}" type="datetimeFigureOut">
               <a:rPr lang="en-US" dirty="0"/>
-              <a:t>5/28/2021</a:t>
+              <a:t>6/3/2021</a:t>
             </a:fld>
             <a:endParaRPr lang="en-US" dirty="0"/>
           </a:p>
@@ -4373,7 +4377,7 @@
           <a:p>
             <a:fld id="{4509A250-FF31-4206-8172-F9D3106AACB1}" type="datetimeFigureOut">
               <a:rPr lang="en-US" dirty="0"/>
-              <a:t>5/28/2021</a:t>
+              <a:t>6/3/2021</a:t>
             </a:fld>
             <a:endParaRPr lang="en-US" dirty="0"/>
           </a:p>
@@ -4463,7 +4467,7 @@
           <a:p>
             <a:fld id="{4509A250-FF31-4206-8172-F9D3106AACB1}" type="datetimeFigureOut">
               <a:rPr lang="en-US" dirty="0"/>
-              <a:t>5/28/2021</a:t>
+              <a:t>6/3/2021</a:t>
             </a:fld>
             <a:endParaRPr lang="en-US" dirty="0"/>
           </a:p>
@@ -4737,7 +4741,7 @@
           <a:p>
             <a:fld id="{4509A250-FF31-4206-8172-F9D3106AACB1}" type="datetimeFigureOut">
               <a:rPr lang="en-US" dirty="0"/>
-              <a:t>5/28/2021</a:t>
+              <a:t>6/3/2021</a:t>
             </a:fld>
             <a:endParaRPr lang="en-US" dirty="0"/>
           </a:p>
@@ -5007,7 +5011,7 @@
           <a:p>
             <a:fld id="{4509A250-FF31-4206-8172-F9D3106AACB1}" type="datetimeFigureOut">
               <a:rPr lang="en-US" dirty="0"/>
-              <a:t>5/28/2021</a:t>
+              <a:t>6/3/2021</a:t>
             </a:fld>
             <a:endParaRPr lang="en-US" dirty="0"/>
           </a:p>
@@ -5431,7 +5435,7 @@
           <a:p>
             <a:fld id="{4509A250-FF31-4206-8172-F9D3106AACB1}" type="datetimeFigureOut">
               <a:rPr lang="en-US" dirty="0"/>
-              <a:t>5/28/2021</a:t>
+              <a:t>6/3/2021</a:t>
             </a:fld>
             <a:endParaRPr lang="en-US" dirty="0"/>
           </a:p>
@@ -5933,7 +5937,7 @@
           <p:cNvPr id="8" name="Immagine 7">
             <a:extLst>
               <a:ext uri="{FF2B5EF4-FFF2-40B4-BE49-F238E27FC236}">
-                <a16:creationId xmlns:a16="http://schemas.microsoft.com/office/drawing/2014/main" id="{AA262228-C09E-49ED-B62C-28F9D512CCFC}"/>
+                <a16:creationId xmlns:a16="http://schemas.microsoft.com/office/drawing/2014/main" xmlns="" id="{AA262228-C09E-49ED-B62C-28F9D512CCFC}"/>
               </a:ext>
             </a:extLst>
           </p:cNvPr>
@@ -5963,7 +5967,7 @@
           <p:cNvPr id="4" name="Immagine 3" descr="Immagine che contiene testo, scuro, cielo notturno&#10;&#10;Descrizione generata automaticamente">
             <a:extLst>
               <a:ext uri="{FF2B5EF4-FFF2-40B4-BE49-F238E27FC236}">
-                <a16:creationId xmlns:a16="http://schemas.microsoft.com/office/drawing/2014/main" id="{43821824-E35E-4B89-8209-46F6CE10FBB1}"/>
+                <a16:creationId xmlns:a16="http://schemas.microsoft.com/office/drawing/2014/main" xmlns="" id="{43821824-E35E-4B89-8209-46F6CE10FBB1}"/>
               </a:ext>
             </a:extLst>
           </p:cNvPr>
@@ -5998,13 +6002,152 @@
   <p:clrMapOvr>
     <a:masterClrMapping/>
   </p:clrMapOvr>
-  <mc:AlternateContent xmlns:mc="http://schemas.openxmlformats.org/markup-compatibility/2006">
-    <mc:Choice xmlns:p14="http://schemas.microsoft.com/office/powerpoint/2010/main" Requires="p14">
+  <mc:AlternateContent xmlns:mc="http://schemas.openxmlformats.org/markup-compatibility/2006" xmlns:p14="http://schemas.microsoft.com/office/powerpoint/2010/main">
+    <mc:Choice Requires="p14">
       <p:transition spd="slow" p14:dur="5000">
         <p:fade/>
       </p:transition>
     </mc:Choice>
-    <mc:Fallback>
+    <mc:Fallback xmlns="">
+      <p:transition spd="slow">
+        <p:fade/>
+      </p:transition>
+    </mc:Fallback>
+  </mc:AlternateContent>
+</p:sld>
+</file>
+
+<file path=ppt/slides/slide10.xml><?xml version="1.0" encoding="utf-8"?>
+<p:sld xmlns:a="http://schemas.openxmlformats.org/drawingml/2006/main" xmlns:r="http://schemas.openxmlformats.org/officeDocument/2006/relationships" xmlns:p="http://schemas.openxmlformats.org/presentationml/2006/main">
+  <p:cSld>
+    <p:spTree>
+      <p:nvGrpSpPr>
+        <p:cNvPr id="1" name=""/>
+        <p:cNvGrpSpPr/>
+        <p:nvPr/>
+      </p:nvGrpSpPr>
+      <p:grpSpPr>
+        <a:xfrm>
+          <a:off x="0" y="0"/>
+          <a:ext cx="0" cy="0"/>
+          <a:chOff x="0" y="0"/>
+          <a:chExt cx="0" cy="0"/>
+        </a:xfrm>
+      </p:grpSpPr>
+      <p:sp>
+        <p:nvSpPr>
+          <p:cNvPr id="2" name="Titolo 1">
+            <a:extLst>
+              <a:ext uri="{FF2B5EF4-FFF2-40B4-BE49-F238E27FC236}">
+                <a16:creationId xmlns:a16="http://schemas.microsoft.com/office/drawing/2014/main" xmlns="" id="{4DBA7C89-E1D5-4010-9ECC-75B75E24AA18}"/>
+              </a:ext>
+            </a:extLst>
+          </p:cNvPr>
+          <p:cNvSpPr>
+            <a:spLocks noGrp="1"/>
+          </p:cNvSpPr>
+          <p:nvPr>
+            <p:ph type="title"/>
+          </p:nvPr>
+        </p:nvSpPr>
+        <p:spPr/>
+        <p:txBody>
+          <a:bodyPr/>
+          <a:lstStyle/>
+          <a:p>
+            <a:endParaRPr lang="it-IT"/>
+          </a:p>
+        </p:txBody>
+      </p:sp>
+      <p:sp>
+        <p:nvSpPr>
+          <p:cNvPr id="3" name="Segnaposto contenuto 2">
+            <a:extLst>
+              <a:ext uri="{FF2B5EF4-FFF2-40B4-BE49-F238E27FC236}">
+                <a16:creationId xmlns:a16="http://schemas.microsoft.com/office/drawing/2014/main" xmlns="" id="{029A8546-28A6-4501-83D5-60C1026E1F99}"/>
+              </a:ext>
+            </a:extLst>
+          </p:cNvPr>
+          <p:cNvSpPr>
+            <a:spLocks noGrp="1"/>
+          </p:cNvSpPr>
+          <p:nvPr>
+            <p:ph idx="1"/>
+          </p:nvPr>
+        </p:nvSpPr>
+        <p:spPr/>
+        <p:txBody>
+          <a:bodyPr/>
+          <a:lstStyle/>
+          <a:p>
+            <a:endParaRPr lang="it-IT"/>
+          </a:p>
+        </p:txBody>
+      </p:sp>
+      <p:pic>
+        <p:nvPicPr>
+          <p:cNvPr id="2050" name="Picture 2" descr="E' il BlackOutTuesday: i profili Instagram si tingono di nero per  combattere il razzismo">
+            <a:extLst>
+              <a:ext uri="{FF2B5EF4-FFF2-40B4-BE49-F238E27FC236}">
+                <a16:creationId xmlns:a16="http://schemas.microsoft.com/office/drawing/2014/main" xmlns="" id="{DC5687C5-E9FA-4A35-A989-605D046F61C6}"/>
+              </a:ext>
+            </a:extLst>
+          </p:cNvPr>
+          <p:cNvPicPr>
+            <a:picLocks noChangeAspect="1" noChangeArrowheads="1"/>
+          </p:cNvPicPr>
+          <p:nvPr/>
+        </p:nvPicPr>
+        <p:blipFill>
+          <a:blip r:embed="rId2">
+            <a:extLst>
+              <a:ext uri="{28A0092B-C50C-407E-A947-70E740481C1C}">
+                <a14:useLocalDpi xmlns:a14="http://schemas.microsoft.com/office/drawing/2010/main" val="0"/>
+              </a:ext>
+            </a:extLst>
+          </a:blip>
+          <a:srcRect/>
+          <a:stretch>
+            <a:fillRect/>
+          </a:stretch>
+        </p:blipFill>
+        <p:spPr bwMode="auto">
+          <a:xfrm>
+            <a:off x="0" y="0"/>
+            <a:ext cx="12192000" cy="6858000"/>
+          </a:xfrm>
+          <a:prstGeom prst="rect">
+            <a:avLst/>
+          </a:prstGeom>
+          <a:noFill/>
+          <a:extLst>
+            <a:ext uri="{909E8E84-426E-40DD-AFC4-6F175D3DCCD1}">
+              <a14:hiddenFill xmlns:a14="http://schemas.microsoft.com/office/drawing/2010/main">
+                <a:solidFill>
+                  <a:srgbClr val="FFFFFF"/>
+                </a:solidFill>
+              </a14:hiddenFill>
+            </a:ext>
+          </a:extLst>
+        </p:spPr>
+      </p:pic>
+    </p:spTree>
+    <p:extLst>
+      <p:ext uri="{BB962C8B-B14F-4D97-AF65-F5344CB8AC3E}">
+        <p14:creationId xmlns:p14="http://schemas.microsoft.com/office/powerpoint/2010/main" val="3611896384"/>
+      </p:ext>
+    </p:extLst>
+  </p:cSld>
+  <p:clrMapOvr>
+    <a:masterClrMapping/>
+  </p:clrMapOvr>
+  <mc:AlternateContent xmlns:mc="http://schemas.openxmlformats.org/markup-compatibility/2006" xmlns:p14="http://schemas.microsoft.com/office/powerpoint/2010/main">
+    <mc:Choice Requires="p14">
+      <p:transition spd="slow" p14:dur="2750">
+        <p:fade/>
+      </p:transition>
+    </mc:Choice>
+    <mc:Fallback xmlns="">
       <p:transition spd="slow">
         <p:fade/>
       </p:transition>
@@ -6035,7 +6178,7 @@
           <p:cNvPr id="3" name="Segnaposto contenuto 2">
             <a:extLst>
               <a:ext uri="{FF2B5EF4-FFF2-40B4-BE49-F238E27FC236}">
-                <a16:creationId xmlns:a16="http://schemas.microsoft.com/office/drawing/2014/main" id="{9248A8B1-0AE4-4281-8BBD-8C66F0AB20C6}"/>
+                <a16:creationId xmlns:a16="http://schemas.microsoft.com/office/drawing/2014/main" xmlns="" id="{9248A8B1-0AE4-4281-8BBD-8C66F0AB20C6}"/>
               </a:ext>
             </a:extLst>
           </p:cNvPr>
@@ -6099,7 +6242,7 @@
           <p:cNvPr id="4" name="Segnaposto contenuto 3">
             <a:extLst>
               <a:ext uri="{FF2B5EF4-FFF2-40B4-BE49-F238E27FC236}">
-                <a16:creationId xmlns:a16="http://schemas.microsoft.com/office/drawing/2014/main" id="{7CA8F3C0-4DC8-4B42-96EC-8F4C521EA242}"/>
+                <a16:creationId xmlns:a16="http://schemas.microsoft.com/office/drawing/2014/main" xmlns="" id="{7CA8F3C0-4DC8-4B42-96EC-8F4C521EA242}"/>
               </a:ext>
             </a:extLst>
           </p:cNvPr>
@@ -6161,7 +6304,7 @@
           <p:cNvPr id="5" name="Titolo 1">
             <a:extLst>
               <a:ext uri="{FF2B5EF4-FFF2-40B4-BE49-F238E27FC236}">
-                <a16:creationId xmlns:a16="http://schemas.microsoft.com/office/drawing/2014/main" id="{7CBDCA69-D557-412E-B456-ACDB6F34C651}"/>
+                <a16:creationId xmlns:a16="http://schemas.microsoft.com/office/drawing/2014/main" xmlns="" id="{7CBDCA69-D557-412E-B456-ACDB6F34C651}"/>
               </a:ext>
             </a:extLst>
           </p:cNvPr>
@@ -6172,7 +6315,7 @@
         </p:nvSpPr>
         <p:spPr>
           <a:xfrm>
-            <a:off x="0" y="4916"/>
+            <a:off x="6951" y="0"/>
             <a:ext cx="3343275" cy="810030"/>
           </a:xfrm>
           <a:prstGeom prst="rect">
@@ -6272,7 +6415,7 @@
           <p:cNvPr id="6" name="CasellaDiTesto 5">
             <a:extLst>
               <a:ext uri="{FF2B5EF4-FFF2-40B4-BE49-F238E27FC236}">
-                <a16:creationId xmlns:a16="http://schemas.microsoft.com/office/drawing/2014/main" id="{FA6CE7F1-82D5-4C0A-806D-F25D5B7695A0}"/>
+                <a16:creationId xmlns:a16="http://schemas.microsoft.com/office/drawing/2014/main" xmlns="" id="{FA6CE7F1-82D5-4C0A-806D-F25D5B7695A0}"/>
               </a:ext>
             </a:extLst>
           </p:cNvPr>
@@ -6312,13 +6455,13 @@
   <p:clrMapOvr>
     <a:masterClrMapping/>
   </p:clrMapOvr>
-  <mc:AlternateContent xmlns:mc="http://schemas.openxmlformats.org/markup-compatibility/2006">
-    <mc:Choice xmlns:p14="http://schemas.microsoft.com/office/powerpoint/2010/main" Requires="p14">
+  <mc:AlternateContent xmlns:mc="http://schemas.openxmlformats.org/markup-compatibility/2006" xmlns:p14="http://schemas.microsoft.com/office/powerpoint/2010/main">
+    <mc:Choice Requires="p14">
       <p:transition spd="slow" p14:dur="1750">
         <p:fade/>
       </p:transition>
     </mc:Choice>
-    <mc:Fallback>
+    <mc:Fallback xmlns="">
       <p:transition spd="slow">
         <p:fade/>
       </p:transition>
@@ -6349,7 +6492,7 @@
           <p:cNvPr id="10" name="Immagine 9">
             <a:extLst>
               <a:ext uri="{FF2B5EF4-FFF2-40B4-BE49-F238E27FC236}">
-                <a16:creationId xmlns:a16="http://schemas.microsoft.com/office/drawing/2014/main" id="{EAD68B1E-8D82-4147-AE6A-40C22813F044}"/>
+                <a16:creationId xmlns:a16="http://schemas.microsoft.com/office/drawing/2014/main" xmlns="" id="{EAD68B1E-8D82-4147-AE6A-40C22813F044}"/>
               </a:ext>
             </a:extLst>
           </p:cNvPr>
@@ -6379,7 +6522,7 @@
           <p:cNvPr id="6" name="Immagine 5">
             <a:extLst>
               <a:ext uri="{FF2B5EF4-FFF2-40B4-BE49-F238E27FC236}">
-                <a16:creationId xmlns:a16="http://schemas.microsoft.com/office/drawing/2014/main" id="{23440B85-C09C-4640-B492-AB9090AA62C2}"/>
+                <a16:creationId xmlns:a16="http://schemas.microsoft.com/office/drawing/2014/main" xmlns="" id="{23440B85-C09C-4640-B492-AB9090AA62C2}"/>
               </a:ext>
             </a:extLst>
           </p:cNvPr>
@@ -6409,7 +6552,7 @@
           <p:cNvPr id="8" name="Immagine 7">
             <a:extLst>
               <a:ext uri="{FF2B5EF4-FFF2-40B4-BE49-F238E27FC236}">
-                <a16:creationId xmlns:a16="http://schemas.microsoft.com/office/drawing/2014/main" id="{F082D77D-7E90-4A1B-902A-BF22BD8BF999}"/>
+                <a16:creationId xmlns:a16="http://schemas.microsoft.com/office/drawing/2014/main" xmlns="" id="{F082D77D-7E90-4A1B-902A-BF22BD8BF999}"/>
               </a:ext>
             </a:extLst>
           </p:cNvPr>
@@ -6439,7 +6582,7 @@
           <p:cNvPr id="2" name="Titolo 1">
             <a:extLst>
               <a:ext uri="{FF2B5EF4-FFF2-40B4-BE49-F238E27FC236}">
-                <a16:creationId xmlns:a16="http://schemas.microsoft.com/office/drawing/2014/main" id="{787CD2E0-40ED-4B43-AB7C-DE40388F2541}"/>
+                <a16:creationId xmlns:a16="http://schemas.microsoft.com/office/drawing/2014/main" xmlns="" id="{787CD2E0-40ED-4B43-AB7C-DE40388F2541}"/>
               </a:ext>
             </a:extLst>
           </p:cNvPr>
@@ -6476,7 +6619,7 @@
           <p:cNvPr id="4" name="CasellaDiTesto 3">
             <a:extLst>
               <a:ext uri="{FF2B5EF4-FFF2-40B4-BE49-F238E27FC236}">
-                <a16:creationId xmlns:a16="http://schemas.microsoft.com/office/drawing/2014/main" id="{559CEFF0-CDEE-43E6-9168-74936CDF43D4}"/>
+                <a16:creationId xmlns:a16="http://schemas.microsoft.com/office/drawing/2014/main" xmlns="" id="{559CEFF0-CDEE-43E6-9168-74936CDF43D4}"/>
               </a:ext>
             </a:extLst>
           </p:cNvPr>
@@ -6515,7 +6658,7 @@
           <p:cNvPr id="5" name="CasellaDiTesto 4">
             <a:extLst>
               <a:ext uri="{FF2B5EF4-FFF2-40B4-BE49-F238E27FC236}">
-                <a16:creationId xmlns:a16="http://schemas.microsoft.com/office/drawing/2014/main" id="{6ED36F17-D8C1-443E-9600-623A04EAC80B}"/>
+                <a16:creationId xmlns:a16="http://schemas.microsoft.com/office/drawing/2014/main" xmlns="" id="{6ED36F17-D8C1-443E-9600-623A04EAC80B}"/>
               </a:ext>
             </a:extLst>
           </p:cNvPr>
@@ -6559,13 +6702,13 @@
   <p:clrMapOvr>
     <a:masterClrMapping/>
   </p:clrMapOvr>
-  <mc:AlternateContent xmlns:mc="http://schemas.openxmlformats.org/markup-compatibility/2006">
-    <mc:Choice xmlns:p14="http://schemas.microsoft.com/office/powerpoint/2010/main" Requires="p14">
+  <mc:AlternateContent xmlns:mc="http://schemas.openxmlformats.org/markup-compatibility/2006" xmlns:p14="http://schemas.microsoft.com/office/powerpoint/2010/main">
+    <mc:Choice Requires="p14">
       <p:transition spd="slow" p14:dur="1750">
         <p:fade/>
       </p:transition>
     </mc:Choice>
-    <mc:Fallback>
+    <mc:Fallback xmlns="">
       <p:transition spd="slow">
         <p:fade/>
       </p:transition>
@@ -6620,7 +6763,7 @@
           <p:cNvPr id="3" name="Segnaposto contenuto 2">
             <a:extLst>
               <a:ext uri="{FF2B5EF4-FFF2-40B4-BE49-F238E27FC236}">
-                <a16:creationId xmlns:a16="http://schemas.microsoft.com/office/drawing/2014/main" id="{7709EE42-6FE8-4B0D-8DCE-2BF9AFEAA31C}"/>
+                <a16:creationId xmlns:a16="http://schemas.microsoft.com/office/drawing/2014/main" xmlns="" id="{7709EE42-6FE8-4B0D-8DCE-2BF9AFEAA31C}"/>
               </a:ext>
             </a:extLst>
           </p:cNvPr>
@@ -6684,10 +6827,10 @@
           <p:cNvPr id="11" name="Freeform 31">
             <a:extLst>
               <a:ext uri="{FF2B5EF4-FFF2-40B4-BE49-F238E27FC236}">
-                <a16:creationId xmlns:a16="http://schemas.microsoft.com/office/drawing/2014/main" id="{D6CEF2A9-EF08-4FB3-AFFB-C5F77AB6E028}"/>
+                <a16:creationId xmlns:a16="http://schemas.microsoft.com/office/drawing/2014/main" xmlns="" id="{D6CEF2A9-EF08-4FB3-AFFB-C5F77AB6E028}"/>
               </a:ext>
               <a:ext uri="{C183D7F6-B498-43B3-948B-1728B52AA6E4}">
-                <adec:decorative xmlns:adec="http://schemas.microsoft.com/office/drawing/2017/decorative" val="1"/>
+                <adec:decorative xmlns:adec="http://schemas.microsoft.com/office/drawing/2017/decorative" xmlns="" val="1"/>
               </a:ext>
             </a:extLst>
           </p:cNvPr>
@@ -6697,7 +6840,7 @@
           <p:nvPr>
             <p:extLst>
               <p:ext uri="{386F3935-93C4-4BCD-93E2-E3B085C9AB24}">
-                <p16:designElem xmlns:p16="http://schemas.microsoft.com/office/powerpoint/2015/main" val="1"/>
+                <p16:designElem xmlns:p16="http://schemas.microsoft.com/office/powerpoint/2015/main" xmlns="" val="1"/>
               </p:ext>
             </p:extLst>
           </p:nvPr>
@@ -7036,10 +7179,10 @@
           <p:cNvPr id="13" name="Rectangle 12">
             <a:extLst>
               <a:ext uri="{FF2B5EF4-FFF2-40B4-BE49-F238E27FC236}">
-                <a16:creationId xmlns:a16="http://schemas.microsoft.com/office/drawing/2014/main" id="{4109C3C2-C0A8-4559-8462-8007573DF44C}"/>
+                <a16:creationId xmlns:a16="http://schemas.microsoft.com/office/drawing/2014/main" xmlns="" id="{4109C3C2-C0A8-4559-8462-8007573DF44C}"/>
               </a:ext>
               <a:ext uri="{C183D7F6-B498-43B3-948B-1728B52AA6E4}">
-                <adec:decorative xmlns:adec="http://schemas.microsoft.com/office/drawing/2017/decorative" val="1"/>
+                <adec:decorative xmlns:adec="http://schemas.microsoft.com/office/drawing/2017/decorative" xmlns="" val="1"/>
               </a:ext>
             </a:extLst>
           </p:cNvPr>
@@ -7049,7 +7192,7 @@
           <p:nvPr>
             <p:extLst>
               <p:ext uri="{386F3935-93C4-4BCD-93E2-E3B085C9AB24}">
-                <p16:designElem xmlns:p16="http://schemas.microsoft.com/office/powerpoint/2015/main" val="1"/>
+                <p16:designElem xmlns:p16="http://schemas.microsoft.com/office/powerpoint/2015/main" xmlns="" val="1"/>
               </p:ext>
             </p:extLst>
           </p:nvPr>
@@ -7099,10 +7242,10 @@
           <p:cNvPr id="15" name="Freeform 5">
             <a:extLst>
               <a:ext uri="{FF2B5EF4-FFF2-40B4-BE49-F238E27FC236}">
-                <a16:creationId xmlns:a16="http://schemas.microsoft.com/office/drawing/2014/main" id="{4C535542-B72A-4DE0-BE5A-5EA00508C77D}"/>
+                <a16:creationId xmlns:a16="http://schemas.microsoft.com/office/drawing/2014/main" xmlns="" id="{4C535542-B72A-4DE0-BE5A-5EA00508C77D}"/>
               </a:ext>
               <a:ext uri="{C183D7F6-B498-43B3-948B-1728B52AA6E4}">
-                <adec:decorative xmlns:adec="http://schemas.microsoft.com/office/drawing/2017/decorative" val="1"/>
+                <adec:decorative xmlns:adec="http://schemas.microsoft.com/office/drawing/2017/decorative" xmlns="" val="1"/>
               </a:ext>
             </a:extLst>
           </p:cNvPr>
@@ -7112,7 +7255,7 @@
           <p:nvPr>
             <p:extLst>
               <p:ext uri="{386F3935-93C4-4BCD-93E2-E3B085C9AB24}">
-                <p16:designElem xmlns:p16="http://schemas.microsoft.com/office/powerpoint/2015/main" val="1"/>
+                <p16:designElem xmlns:p16="http://schemas.microsoft.com/office/powerpoint/2015/main" xmlns="" val="1"/>
               </p:ext>
             </p:extLst>
           </p:nvPr>
@@ -7300,7 +7443,7 @@
           <p:cNvPr id="6" name="Immagine 5">
             <a:extLst>
               <a:ext uri="{FF2B5EF4-FFF2-40B4-BE49-F238E27FC236}">
-                <a16:creationId xmlns:a16="http://schemas.microsoft.com/office/drawing/2014/main" id="{EAEB543D-6B64-476B-BB8D-4A25DD8D3071}"/>
+                <a16:creationId xmlns:a16="http://schemas.microsoft.com/office/drawing/2014/main" xmlns="" id="{EAEB543D-6B64-476B-BB8D-4A25DD8D3071}"/>
               </a:ext>
             </a:extLst>
           </p:cNvPr>
@@ -7330,10 +7473,10 @@
           <p:cNvPr id="17" name="Rectangle 16">
             <a:extLst>
               <a:ext uri="{FF2B5EF4-FFF2-40B4-BE49-F238E27FC236}">
-                <a16:creationId xmlns:a16="http://schemas.microsoft.com/office/drawing/2014/main" id="{11DF0705-615B-4CF3-A16F-8C14680D8BA6}"/>
+                <a16:creationId xmlns:a16="http://schemas.microsoft.com/office/drawing/2014/main" xmlns="" id="{11DF0705-615B-4CF3-A16F-8C14680D8BA6}"/>
               </a:ext>
               <a:ext uri="{C183D7F6-B498-43B3-948B-1728B52AA6E4}">
-                <adec:decorative xmlns:adec="http://schemas.microsoft.com/office/drawing/2017/decorative" val="1"/>
+                <adec:decorative xmlns:adec="http://schemas.microsoft.com/office/drawing/2017/decorative" xmlns="" val="1"/>
               </a:ext>
             </a:extLst>
           </p:cNvPr>
@@ -7343,7 +7486,7 @@
           <p:nvPr>
             <p:extLst>
               <p:ext uri="{386F3935-93C4-4BCD-93E2-E3B085C9AB24}">
-                <p16:designElem xmlns:p16="http://schemas.microsoft.com/office/powerpoint/2015/main" val="1"/>
+                <p16:designElem xmlns:p16="http://schemas.microsoft.com/office/powerpoint/2015/main" xmlns="" val="1"/>
               </p:ext>
             </p:extLst>
           </p:nvPr>
@@ -7383,7 +7526,7 @@
           <p:cNvPr id="12" name="CasellaDiTesto 11">
             <a:extLst>
               <a:ext uri="{FF2B5EF4-FFF2-40B4-BE49-F238E27FC236}">
-                <a16:creationId xmlns:a16="http://schemas.microsoft.com/office/drawing/2014/main" id="{8D87622C-C709-4EB8-AE1E-E6C58A4BAF5C}"/>
+                <a16:creationId xmlns:a16="http://schemas.microsoft.com/office/drawing/2014/main" xmlns="" id="{8D87622C-C709-4EB8-AE1E-E6C58A4BAF5C}"/>
               </a:ext>
             </a:extLst>
           </p:cNvPr>
@@ -7422,7 +7565,7 @@
           <p:cNvPr id="14" name="Titolo 1">
             <a:extLst>
               <a:ext uri="{FF2B5EF4-FFF2-40B4-BE49-F238E27FC236}">
-                <a16:creationId xmlns:a16="http://schemas.microsoft.com/office/drawing/2014/main" id="{1BBEE441-2E56-48C3-8630-47FCBE68367E}"/>
+                <a16:creationId xmlns:a16="http://schemas.microsoft.com/office/drawing/2014/main" xmlns="" id="{1BBEE441-2E56-48C3-8630-47FCBE68367E}"/>
               </a:ext>
             </a:extLst>
           </p:cNvPr>
@@ -7459,7 +7602,7 @@
           <p:cNvPr id="7" name="CasellaDiTesto 6">
             <a:extLst>
               <a:ext uri="{FF2B5EF4-FFF2-40B4-BE49-F238E27FC236}">
-                <a16:creationId xmlns:a16="http://schemas.microsoft.com/office/drawing/2014/main" id="{F0B1C700-BFBC-49C1-90A6-778B75099917}"/>
+                <a16:creationId xmlns:a16="http://schemas.microsoft.com/office/drawing/2014/main" xmlns="" id="{F0B1C700-BFBC-49C1-90A6-778B75099917}"/>
               </a:ext>
             </a:extLst>
           </p:cNvPr>
@@ -7500,13 +7643,13 @@
   <p:clrMapOvr>
     <a:masterClrMapping/>
   </p:clrMapOvr>
-  <mc:AlternateContent xmlns:mc="http://schemas.openxmlformats.org/markup-compatibility/2006">
-    <mc:Choice xmlns:p14="http://schemas.microsoft.com/office/powerpoint/2010/main" Requires="p14">
+  <mc:AlternateContent xmlns:mc="http://schemas.openxmlformats.org/markup-compatibility/2006" xmlns:p14="http://schemas.microsoft.com/office/powerpoint/2010/main">
+    <mc:Choice Requires="p14">
       <p:transition spd="slow" p14:dur="1750">
         <p:fade/>
       </p:transition>
     </mc:Choice>
-    <mc:Fallback>
+    <mc:Fallback xmlns="">
       <p:transition spd="slow">
         <p:fade/>
       </p:transition>
@@ -7561,7 +7704,7 @@
           <p:cNvPr id="3" name="Segnaposto contenuto 2">
             <a:extLst>
               <a:ext uri="{FF2B5EF4-FFF2-40B4-BE49-F238E27FC236}">
-                <a16:creationId xmlns:a16="http://schemas.microsoft.com/office/drawing/2014/main" id="{973B23F4-7AED-4123-AE56-9D3E68DF4EA4}"/>
+                <a16:creationId xmlns:a16="http://schemas.microsoft.com/office/drawing/2014/main" xmlns="" id="{973B23F4-7AED-4123-AE56-9D3E68DF4EA4}"/>
               </a:ext>
             </a:extLst>
           </p:cNvPr>
@@ -7625,10 +7768,10 @@
           <p:cNvPr id="10" name="Freeform 31">
             <a:extLst>
               <a:ext uri="{FF2B5EF4-FFF2-40B4-BE49-F238E27FC236}">
-                <a16:creationId xmlns:a16="http://schemas.microsoft.com/office/drawing/2014/main" id="{D6CEF2A9-EF08-4FB3-AFFB-C5F77AB6E028}"/>
+                <a16:creationId xmlns:a16="http://schemas.microsoft.com/office/drawing/2014/main" xmlns="" id="{D6CEF2A9-EF08-4FB3-AFFB-C5F77AB6E028}"/>
               </a:ext>
               <a:ext uri="{C183D7F6-B498-43B3-948B-1728B52AA6E4}">
-                <adec:decorative xmlns:adec="http://schemas.microsoft.com/office/drawing/2017/decorative" val="1"/>
+                <adec:decorative xmlns:adec="http://schemas.microsoft.com/office/drawing/2017/decorative" xmlns="" val="1"/>
               </a:ext>
             </a:extLst>
           </p:cNvPr>
@@ -7638,7 +7781,7 @@
           <p:nvPr>
             <p:extLst>
               <p:ext uri="{386F3935-93C4-4BCD-93E2-E3B085C9AB24}">
-                <p16:designElem xmlns:p16="http://schemas.microsoft.com/office/powerpoint/2015/main" val="1"/>
+                <p16:designElem xmlns:p16="http://schemas.microsoft.com/office/powerpoint/2015/main" xmlns="" val="1"/>
               </p:ext>
             </p:extLst>
           </p:nvPr>
@@ -7977,10 +8120,10 @@
           <p:cNvPr id="12" name="Rectangle 11">
             <a:extLst>
               <a:ext uri="{FF2B5EF4-FFF2-40B4-BE49-F238E27FC236}">
-                <a16:creationId xmlns:a16="http://schemas.microsoft.com/office/drawing/2014/main" id="{4109C3C2-C0A8-4559-8462-8007573DF44C}"/>
+                <a16:creationId xmlns:a16="http://schemas.microsoft.com/office/drawing/2014/main" xmlns="" id="{4109C3C2-C0A8-4559-8462-8007573DF44C}"/>
               </a:ext>
               <a:ext uri="{C183D7F6-B498-43B3-948B-1728B52AA6E4}">
-                <adec:decorative xmlns:adec="http://schemas.microsoft.com/office/drawing/2017/decorative" val="1"/>
+                <adec:decorative xmlns:adec="http://schemas.microsoft.com/office/drawing/2017/decorative" xmlns="" val="1"/>
               </a:ext>
             </a:extLst>
           </p:cNvPr>
@@ -7990,7 +8133,7 @@
           <p:nvPr>
             <p:extLst>
               <p:ext uri="{386F3935-93C4-4BCD-93E2-E3B085C9AB24}">
-                <p16:designElem xmlns:p16="http://schemas.microsoft.com/office/powerpoint/2015/main" val="1"/>
+                <p16:designElem xmlns:p16="http://schemas.microsoft.com/office/powerpoint/2015/main" xmlns="" val="1"/>
               </p:ext>
             </p:extLst>
           </p:nvPr>
@@ -8040,10 +8183,10 @@
           <p:cNvPr id="14" name="Freeform 5">
             <a:extLst>
               <a:ext uri="{FF2B5EF4-FFF2-40B4-BE49-F238E27FC236}">
-                <a16:creationId xmlns:a16="http://schemas.microsoft.com/office/drawing/2014/main" id="{4C535542-B72A-4DE0-BE5A-5EA00508C77D}"/>
+                <a16:creationId xmlns:a16="http://schemas.microsoft.com/office/drawing/2014/main" xmlns="" id="{4C535542-B72A-4DE0-BE5A-5EA00508C77D}"/>
               </a:ext>
               <a:ext uri="{C183D7F6-B498-43B3-948B-1728B52AA6E4}">
-                <adec:decorative xmlns:adec="http://schemas.microsoft.com/office/drawing/2017/decorative" val="1"/>
+                <adec:decorative xmlns:adec="http://schemas.microsoft.com/office/drawing/2017/decorative" xmlns="" val="1"/>
               </a:ext>
             </a:extLst>
           </p:cNvPr>
@@ -8053,7 +8196,7 @@
           <p:nvPr>
             <p:extLst>
               <p:ext uri="{386F3935-93C4-4BCD-93E2-E3B085C9AB24}">
-                <p16:designElem xmlns:p16="http://schemas.microsoft.com/office/powerpoint/2015/main" val="1"/>
+                <p16:designElem xmlns:p16="http://schemas.microsoft.com/office/powerpoint/2015/main" xmlns="" val="1"/>
               </p:ext>
             </p:extLst>
           </p:nvPr>
@@ -8241,7 +8384,7 @@
           <p:cNvPr id="5" name="Immagine 4">
             <a:extLst>
               <a:ext uri="{FF2B5EF4-FFF2-40B4-BE49-F238E27FC236}">
-                <a16:creationId xmlns:a16="http://schemas.microsoft.com/office/drawing/2014/main" id="{06F61A49-3B18-485B-AA7D-75E78D46A673}"/>
+                <a16:creationId xmlns:a16="http://schemas.microsoft.com/office/drawing/2014/main" xmlns="" id="{06F61A49-3B18-485B-AA7D-75E78D46A673}"/>
               </a:ext>
             </a:extLst>
           </p:cNvPr>
@@ -8272,10 +8415,10 @@
           <p:cNvPr id="16" name="Rectangle 15">
             <a:extLst>
               <a:ext uri="{FF2B5EF4-FFF2-40B4-BE49-F238E27FC236}">
-                <a16:creationId xmlns:a16="http://schemas.microsoft.com/office/drawing/2014/main" id="{11DF0705-615B-4CF3-A16F-8C14680D8BA6}"/>
+                <a16:creationId xmlns:a16="http://schemas.microsoft.com/office/drawing/2014/main" xmlns="" id="{11DF0705-615B-4CF3-A16F-8C14680D8BA6}"/>
               </a:ext>
               <a:ext uri="{C183D7F6-B498-43B3-948B-1728B52AA6E4}">
-                <adec:decorative xmlns:adec="http://schemas.microsoft.com/office/drawing/2017/decorative" val="1"/>
+                <adec:decorative xmlns:adec="http://schemas.microsoft.com/office/drawing/2017/decorative" xmlns="" val="1"/>
               </a:ext>
             </a:extLst>
           </p:cNvPr>
@@ -8285,7 +8428,7 @@
           <p:nvPr>
             <p:extLst>
               <p:ext uri="{386F3935-93C4-4BCD-93E2-E3B085C9AB24}">
-                <p16:designElem xmlns:p16="http://schemas.microsoft.com/office/powerpoint/2015/main" val="1"/>
+                <p16:designElem xmlns:p16="http://schemas.microsoft.com/office/powerpoint/2015/main" xmlns="" val="1"/>
               </p:ext>
             </p:extLst>
           </p:nvPr>
@@ -8325,7 +8468,7 @@
           <p:cNvPr id="9" name="CasellaDiTesto 8">
             <a:extLst>
               <a:ext uri="{FF2B5EF4-FFF2-40B4-BE49-F238E27FC236}">
-                <a16:creationId xmlns:a16="http://schemas.microsoft.com/office/drawing/2014/main" id="{BC9D2EDC-6A9E-42FA-8917-FCF7BBE68D8E}"/>
+                <a16:creationId xmlns:a16="http://schemas.microsoft.com/office/drawing/2014/main" xmlns="" id="{BC9D2EDC-6A9E-42FA-8917-FCF7BBE68D8E}"/>
               </a:ext>
             </a:extLst>
           </p:cNvPr>
@@ -8364,7 +8507,7 @@
           <p:cNvPr id="13" name="Titolo 1">
             <a:extLst>
               <a:ext uri="{FF2B5EF4-FFF2-40B4-BE49-F238E27FC236}">
-                <a16:creationId xmlns:a16="http://schemas.microsoft.com/office/drawing/2014/main" id="{965DD857-F11F-43FC-9C39-BD6016FDC67A}"/>
+                <a16:creationId xmlns:a16="http://schemas.microsoft.com/office/drawing/2014/main" xmlns="" id="{965DD857-F11F-43FC-9C39-BD6016FDC67A}"/>
               </a:ext>
             </a:extLst>
           </p:cNvPr>
@@ -8401,7 +8544,7 @@
           <p:cNvPr id="15" name="CasellaDiTesto 14">
             <a:extLst>
               <a:ext uri="{FF2B5EF4-FFF2-40B4-BE49-F238E27FC236}">
-                <a16:creationId xmlns:a16="http://schemas.microsoft.com/office/drawing/2014/main" id="{804B5F14-9759-4E99-83EC-B47B3EC79557}"/>
+                <a16:creationId xmlns:a16="http://schemas.microsoft.com/office/drawing/2014/main" xmlns="" id="{804B5F14-9759-4E99-83EC-B47B3EC79557}"/>
               </a:ext>
             </a:extLst>
           </p:cNvPr>
@@ -8442,13 +8585,13 @@
   <p:clrMapOvr>
     <a:masterClrMapping/>
   </p:clrMapOvr>
-  <mc:AlternateContent xmlns:mc="http://schemas.openxmlformats.org/markup-compatibility/2006">
-    <mc:Choice xmlns:p14="http://schemas.microsoft.com/office/powerpoint/2010/main" Requires="p14">
+  <mc:AlternateContent xmlns:mc="http://schemas.openxmlformats.org/markup-compatibility/2006" xmlns:p14="http://schemas.microsoft.com/office/powerpoint/2010/main">
+    <mc:Choice Requires="p14">
       <p:transition spd="slow" p14:dur="1750">
         <p:fade/>
       </p:transition>
     </mc:Choice>
-    <mc:Fallback>
+    <mc:Fallback xmlns="">
       <p:transition spd="slow">
         <p:fade/>
       </p:transition>
@@ -8476,13 +8619,7 @@
       </p:grpSpPr>
       <p:sp>
         <p:nvSpPr>
-          <p:cNvPr id="2" name="Titolo 1">
-            <a:extLst>
-              <a:ext uri="{FF2B5EF4-FFF2-40B4-BE49-F238E27FC236}">
-                <a16:creationId xmlns:a16="http://schemas.microsoft.com/office/drawing/2014/main" id="{4DBA7C89-E1D5-4010-9ECC-75B75E24AA18}"/>
-              </a:ext>
-            </a:extLst>
-          </p:cNvPr>
+          <p:cNvPr id="2" name="Titolo 1"/>
           <p:cNvSpPr>
             <a:spLocks noGrp="1"/>
           </p:cNvSpPr>
@@ -8495,104 +8632,420 @@
           <a:bodyPr/>
           <a:lstStyle/>
           <a:p>
-            <a:endParaRPr lang="it-IT"/>
-          </a:p>
-        </p:txBody>
-      </p:sp>
-      <p:sp>
-        <p:nvSpPr>
-          <p:cNvPr id="3" name="Segnaposto contenuto 2">
-            <a:extLst>
-              <a:ext uri="{FF2B5EF4-FFF2-40B4-BE49-F238E27FC236}">
-                <a16:creationId xmlns:a16="http://schemas.microsoft.com/office/drawing/2014/main" id="{029A8546-28A6-4501-83D5-60C1026E1F99}"/>
-              </a:ext>
-            </a:extLst>
-          </p:cNvPr>
-          <p:cNvSpPr>
-            <a:spLocks noGrp="1"/>
-          </p:cNvSpPr>
-          <p:nvPr>
-            <p:ph idx="1"/>
-          </p:nvPr>
-        </p:nvSpPr>
-        <p:spPr/>
-        <p:txBody>
-          <a:bodyPr/>
-          <a:lstStyle/>
-          <a:p>
-            <a:endParaRPr lang="it-IT"/>
+            <a:r>
+              <a:rPr lang="it-IT" sz="5000" b="1" dirty="0" smtClean="0"/>
+              <a:t>Progetto prototipo </a:t>
+            </a:r>
+            <a:r>
+              <a:rPr lang="it-IT" sz="5000" b="1" dirty="0" err="1" smtClean="0"/>
+              <a:t>App</a:t>
+            </a:r>
+            <a:endParaRPr lang="it-IT" sz="5000" b="1" dirty="0"/>
           </a:p>
         </p:txBody>
       </p:sp>
       <p:pic>
         <p:nvPicPr>
-          <p:cNvPr id="2050" name="Picture 2" descr="E' il BlackOutTuesday: i profili Instagram si tingono di nero per  combattere il razzismo">
-            <a:extLst>
-              <a:ext uri="{FF2B5EF4-FFF2-40B4-BE49-F238E27FC236}">
-                <a16:creationId xmlns:a16="http://schemas.microsoft.com/office/drawing/2014/main" id="{DC5687C5-E9FA-4A35-A989-605D046F61C6}"/>
-              </a:ext>
-            </a:extLst>
-          </p:cNvPr>
+          <p:cNvPr id="4" name="Segnaposto contenuto 3"/>
           <p:cNvPicPr>
-            <a:picLocks noChangeAspect="1" noChangeArrowheads="1"/>
+            <a:picLocks noGrp="1" noChangeAspect="1"/>
           </p:cNvPicPr>
-          <p:nvPr/>
+          <p:nvPr>
+            <p:ph idx="1"/>
+          </p:nvPr>
         </p:nvPicPr>
         <p:blipFill>
-          <a:blip r:embed="rId2">
-            <a:extLst>
-              <a:ext uri="{28A0092B-C50C-407E-A947-70E740481C1C}">
-                <a14:useLocalDpi xmlns:a14="http://schemas.microsoft.com/office/drawing/2010/main" val="0"/>
-              </a:ext>
-            </a:extLst>
-          </a:blip>
-          <a:srcRect/>
+          <a:blip r:embed="rId2"/>
           <a:stretch>
             <a:fillRect/>
           </a:stretch>
         </p:blipFill>
-        <p:spPr bwMode="auto">
+        <p:spPr>
           <a:xfrm>
-            <a:off x="0" y="0"/>
-            <a:ext cx="12192000" cy="6858000"/>
+            <a:off x="1737785" y="1620564"/>
+            <a:ext cx="8468895" cy="4627836"/>
           </a:xfrm>
           <a:prstGeom prst="rect">
             <a:avLst/>
           </a:prstGeom>
-          <a:noFill/>
-          <a:extLst>
-            <a:ext uri="{909E8E84-426E-40DD-AFC4-6F175D3DCCD1}">
-              <a14:hiddenFill xmlns:a14="http://schemas.microsoft.com/office/drawing/2010/main">
-                <a:solidFill>
-                  <a:srgbClr val="FFFFFF"/>
-                </a:solidFill>
-              </a14:hiddenFill>
-            </a:ext>
-          </a:extLst>
         </p:spPr>
       </p:pic>
     </p:spTree>
     <p:extLst>
       <p:ext uri="{BB962C8B-B14F-4D97-AF65-F5344CB8AC3E}">
-        <p14:creationId xmlns:p14="http://schemas.microsoft.com/office/powerpoint/2010/main" val="3611896384"/>
+        <p14:creationId xmlns:p14="http://schemas.microsoft.com/office/powerpoint/2010/main" val="641674780"/>
       </p:ext>
     </p:extLst>
   </p:cSld>
   <p:clrMapOvr>
     <a:masterClrMapping/>
   </p:clrMapOvr>
-  <mc:AlternateContent xmlns:mc="http://schemas.openxmlformats.org/markup-compatibility/2006">
-    <mc:Choice xmlns:p14="http://schemas.microsoft.com/office/powerpoint/2010/main" Requires="p14">
-      <p:transition spd="slow" p14:dur="2750">
-        <p:fade/>
-      </p:transition>
-    </mc:Choice>
-    <mc:Fallback>
-      <p:transition spd="slow">
-        <p:fade/>
-      </p:transition>
-    </mc:Fallback>
-  </mc:AlternateContent>
+</p:sld>
+</file>
+
+<file path=ppt/slides/slide7.xml><?xml version="1.0" encoding="utf-8"?>
+<p:sld xmlns:a="http://schemas.openxmlformats.org/drawingml/2006/main" xmlns:r="http://schemas.openxmlformats.org/officeDocument/2006/relationships" xmlns:p="http://schemas.openxmlformats.org/presentationml/2006/main">
+  <p:cSld>
+    <p:spTree>
+      <p:nvGrpSpPr>
+        <p:cNvPr id="1" name=""/>
+        <p:cNvGrpSpPr/>
+        <p:nvPr/>
+      </p:nvGrpSpPr>
+      <p:grpSpPr>
+        <a:xfrm>
+          <a:off x="0" y="0"/>
+          <a:ext cx="0" cy="0"/>
+          <a:chOff x="0" y="0"/>
+          <a:chExt cx="0" cy="0"/>
+        </a:xfrm>
+      </p:grpSpPr>
+      <p:sp>
+        <p:nvSpPr>
+          <p:cNvPr id="2" name="Titolo 1"/>
+          <p:cNvSpPr>
+            <a:spLocks noGrp="1"/>
+          </p:cNvSpPr>
+          <p:nvPr>
+            <p:ph type="title"/>
+          </p:nvPr>
+        </p:nvSpPr>
+        <p:spPr/>
+        <p:txBody>
+          <a:bodyPr/>
+          <a:lstStyle/>
+          <a:p>
+            <a:r>
+              <a:rPr lang="it-IT" sz="5000" b="1" dirty="0" smtClean="0"/>
+              <a:t>Funzionalità e finestre</a:t>
+            </a:r>
+            <a:endParaRPr lang="it-IT" sz="5000" b="1" dirty="0"/>
+          </a:p>
+        </p:txBody>
+      </p:sp>
+      <p:pic>
+        <p:nvPicPr>
+          <p:cNvPr id="5" name="Segnaposto contenuto 4"/>
+          <p:cNvPicPr>
+            <a:picLocks noGrp="1" noChangeAspect="1"/>
+          </p:cNvPicPr>
+          <p:nvPr>
+            <p:ph sz="half" idx="1"/>
+          </p:nvPr>
+        </p:nvPicPr>
+        <p:blipFill>
+          <a:blip r:embed="rId2"/>
+          <a:stretch>
+            <a:fillRect/>
+          </a:stretch>
+        </p:blipFill>
+        <p:spPr>
+          <a:xfrm>
+            <a:off x="216963" y="2056092"/>
+            <a:ext cx="5437530" cy="3273332"/>
+          </a:xfrm>
+          <a:prstGeom prst="rect">
+            <a:avLst/>
+          </a:prstGeom>
+        </p:spPr>
+      </p:pic>
+      <p:sp>
+        <p:nvSpPr>
+          <p:cNvPr id="4" name="Segnaposto contenuto 3"/>
+          <p:cNvSpPr>
+            <a:spLocks noGrp="1"/>
+          </p:cNvSpPr>
+          <p:nvPr>
+            <p:ph sz="half" idx="2"/>
+          </p:nvPr>
+        </p:nvSpPr>
+        <p:spPr>
+          <a:xfrm>
+            <a:off x="6684223" y="2052725"/>
+            <a:ext cx="4396341" cy="3433675"/>
+          </a:xfrm>
+        </p:spPr>
+        <p:txBody>
+          <a:bodyPr/>
+          <a:lstStyle/>
+          <a:p>
+            <a:r>
+              <a:rPr lang="it-IT" sz="2000" dirty="0" smtClean="0"/>
+              <a:t>Finestra Registrazione:</a:t>
+            </a:r>
+          </a:p>
+          <a:p>
+            <a:r>
+              <a:rPr lang="it-IT" sz="2000" dirty="0" smtClean="0"/>
+              <a:t>Permette all’utente di registrarsi all’interno della nostra </a:t>
+            </a:r>
+            <a:r>
+              <a:rPr lang="it-IT" sz="2000" dirty="0" err="1" smtClean="0"/>
+              <a:t>app</a:t>
+            </a:r>
+            <a:r>
+              <a:rPr lang="it-IT" sz="2000" dirty="0" smtClean="0"/>
+              <a:t>.</a:t>
+            </a:r>
+          </a:p>
+          <a:p>
+            <a:r>
+              <a:rPr lang="it-IT" sz="2000" dirty="0" smtClean="0"/>
+              <a:t>Ogni attributo dell’utente verrà poi salvato in una lista e su un file di testo che funge da database.</a:t>
+            </a:r>
+            <a:r>
+              <a:rPr lang="it-IT" dirty="0" smtClean="0"/>
+              <a:t/>
+            </a:r>
+            <a:br>
+              <a:rPr lang="it-IT" dirty="0" smtClean="0"/>
+            </a:br>
+            <a:endParaRPr lang="it-IT" dirty="0" smtClean="0"/>
+          </a:p>
+        </p:txBody>
+      </p:sp>
+    </p:spTree>
+    <p:extLst>
+      <p:ext uri="{BB962C8B-B14F-4D97-AF65-F5344CB8AC3E}">
+        <p14:creationId xmlns:p14="http://schemas.microsoft.com/office/powerpoint/2010/main" val="3389826802"/>
+      </p:ext>
+    </p:extLst>
+  </p:cSld>
+  <p:clrMapOvr>
+    <a:masterClrMapping/>
+  </p:clrMapOvr>
+</p:sld>
+</file>
+
+<file path=ppt/slides/slide8.xml><?xml version="1.0" encoding="utf-8"?>
+<p:sld xmlns:a="http://schemas.openxmlformats.org/drawingml/2006/main" xmlns:r="http://schemas.openxmlformats.org/officeDocument/2006/relationships" xmlns:p="http://schemas.openxmlformats.org/presentationml/2006/main">
+  <p:cSld>
+    <p:spTree>
+      <p:nvGrpSpPr>
+        <p:cNvPr id="1" name=""/>
+        <p:cNvGrpSpPr/>
+        <p:nvPr/>
+      </p:nvGrpSpPr>
+      <p:grpSpPr>
+        <a:xfrm>
+          <a:off x="0" y="0"/>
+          <a:ext cx="0" cy="0"/>
+          <a:chOff x="0" y="0"/>
+          <a:chExt cx="0" cy="0"/>
+        </a:xfrm>
+      </p:grpSpPr>
+      <p:sp>
+        <p:nvSpPr>
+          <p:cNvPr id="2" name="Titolo 1"/>
+          <p:cNvSpPr>
+            <a:spLocks noGrp="1"/>
+          </p:cNvSpPr>
+          <p:nvPr>
+            <p:ph type="title"/>
+          </p:nvPr>
+        </p:nvSpPr>
+        <p:spPr/>
+        <p:txBody>
+          <a:bodyPr/>
+          <a:lstStyle/>
+          <a:p>
+            <a:r>
+              <a:rPr lang="it-IT" sz="4400" b="1" dirty="0"/>
+              <a:t>Funzionalità e finestre</a:t>
+            </a:r>
+            <a:endParaRPr lang="it-IT" dirty="0"/>
+          </a:p>
+        </p:txBody>
+      </p:sp>
+      <p:pic>
+        <p:nvPicPr>
+          <p:cNvPr id="5" name="Segnaposto contenuto 4"/>
+          <p:cNvPicPr>
+            <a:picLocks noGrp="1" noChangeAspect="1"/>
+          </p:cNvPicPr>
+          <p:nvPr>
+            <p:ph sz="half" idx="1"/>
+          </p:nvPr>
+        </p:nvPicPr>
+        <p:blipFill>
+          <a:blip r:embed="rId2"/>
+          <a:stretch>
+            <a:fillRect/>
+          </a:stretch>
+        </p:blipFill>
+        <p:spPr>
+          <a:xfrm>
+            <a:off x="547257" y="2056092"/>
+            <a:ext cx="4929601" cy="3880022"/>
+          </a:xfrm>
+          <a:prstGeom prst="rect">
+            <a:avLst/>
+          </a:prstGeom>
+        </p:spPr>
+      </p:pic>
+      <p:sp>
+        <p:nvSpPr>
+          <p:cNvPr id="4" name="Segnaposto contenuto 3"/>
+          <p:cNvSpPr>
+            <a:spLocks noGrp="1"/>
+          </p:cNvSpPr>
+          <p:nvPr>
+            <p:ph sz="half" idx="2"/>
+          </p:nvPr>
+        </p:nvSpPr>
+        <p:spPr/>
+        <p:txBody>
+          <a:bodyPr/>
+          <a:lstStyle/>
+          <a:p>
+            <a:r>
+              <a:rPr lang="it-IT" dirty="0" smtClean="0"/>
+              <a:t>La finestra login permette di verificare la validità dell’utente che prova ad accedere all’area riservata</a:t>
+            </a:r>
+          </a:p>
+          <a:p>
+            <a:r>
+              <a:rPr lang="it-IT" dirty="0" smtClean="0"/>
+              <a:t>Se le credenziali sono corrette l’utente potrà accedere alla sua area riservata</a:t>
+            </a:r>
+            <a:endParaRPr lang="it-IT" dirty="0"/>
+          </a:p>
+        </p:txBody>
+      </p:sp>
+    </p:spTree>
+    <p:extLst>
+      <p:ext uri="{BB962C8B-B14F-4D97-AF65-F5344CB8AC3E}">
+        <p14:creationId xmlns:p14="http://schemas.microsoft.com/office/powerpoint/2010/main" val="951525063"/>
+      </p:ext>
+    </p:extLst>
+  </p:cSld>
+  <p:clrMapOvr>
+    <a:masterClrMapping/>
+  </p:clrMapOvr>
+</p:sld>
+</file>
+
+<file path=ppt/slides/slide9.xml><?xml version="1.0" encoding="utf-8"?>
+<p:sld xmlns:a="http://schemas.openxmlformats.org/drawingml/2006/main" xmlns:r="http://schemas.openxmlformats.org/officeDocument/2006/relationships" xmlns:p="http://schemas.openxmlformats.org/presentationml/2006/main">
+  <p:cSld>
+    <p:spTree>
+      <p:nvGrpSpPr>
+        <p:cNvPr id="1" name=""/>
+        <p:cNvGrpSpPr/>
+        <p:nvPr/>
+      </p:nvGrpSpPr>
+      <p:grpSpPr>
+        <a:xfrm>
+          <a:off x="0" y="0"/>
+          <a:ext cx="0" cy="0"/>
+          <a:chOff x="0" y="0"/>
+          <a:chExt cx="0" cy="0"/>
+        </a:xfrm>
+      </p:grpSpPr>
+      <p:sp>
+        <p:nvSpPr>
+          <p:cNvPr id="2" name="Titolo 1"/>
+          <p:cNvSpPr>
+            <a:spLocks noGrp="1"/>
+          </p:cNvSpPr>
+          <p:nvPr>
+            <p:ph type="title"/>
+          </p:nvPr>
+        </p:nvSpPr>
+        <p:spPr/>
+        <p:txBody>
+          <a:bodyPr/>
+          <a:lstStyle/>
+          <a:p>
+            <a:r>
+              <a:rPr lang="it-IT" sz="4400" b="1" dirty="0"/>
+              <a:t>Funzionalità e finestre</a:t>
+            </a:r>
+            <a:endParaRPr lang="it-IT" dirty="0"/>
+          </a:p>
+        </p:txBody>
+      </p:sp>
+      <p:pic>
+        <p:nvPicPr>
+          <p:cNvPr id="5" name="Segnaposto contenuto 4"/>
+          <p:cNvPicPr>
+            <a:picLocks noGrp="1" noChangeAspect="1"/>
+          </p:cNvPicPr>
+          <p:nvPr>
+            <p:ph sz="half" idx="1"/>
+          </p:nvPr>
+        </p:nvPicPr>
+        <p:blipFill>
+          <a:blip r:embed="rId2"/>
+          <a:stretch>
+            <a:fillRect/>
+          </a:stretch>
+        </p:blipFill>
+        <p:spPr>
+          <a:xfrm>
+            <a:off x="156913" y="1977081"/>
+            <a:ext cx="5342188" cy="3429779"/>
+          </a:xfrm>
+          <a:prstGeom prst="rect">
+            <a:avLst/>
+          </a:prstGeom>
+        </p:spPr>
+      </p:pic>
+      <p:sp>
+        <p:nvSpPr>
+          <p:cNvPr id="4" name="Segnaposto contenuto 3"/>
+          <p:cNvSpPr>
+            <a:spLocks noGrp="1"/>
+          </p:cNvSpPr>
+          <p:nvPr>
+            <p:ph sz="half" idx="2"/>
+          </p:nvPr>
+        </p:nvSpPr>
+        <p:spPr/>
+        <p:txBody>
+          <a:bodyPr/>
+          <a:lstStyle/>
+          <a:p>
+            <a:r>
+              <a:rPr lang="it-IT" dirty="0" smtClean="0"/>
+              <a:t>Nella finestra Area Riservata l’utente potrà:</a:t>
+            </a:r>
+          </a:p>
+          <a:p>
+            <a:r>
+              <a:rPr lang="it-IT" dirty="0" smtClean="0"/>
+              <a:t>Visualizzare il biglietto corrente</a:t>
+            </a:r>
+          </a:p>
+          <a:p>
+            <a:r>
+              <a:rPr lang="it-IT" dirty="0" smtClean="0"/>
+              <a:t>Acquistare un biglietto o abbonamento</a:t>
+            </a:r>
+          </a:p>
+          <a:p>
+            <a:r>
+              <a:rPr lang="it-IT" dirty="0" smtClean="0"/>
+              <a:t>Visualizzare il </a:t>
+            </a:r>
+            <a:r>
+              <a:rPr lang="it-IT" smtClean="0"/>
+              <a:t>saldo corrente</a:t>
+            </a:r>
+            <a:endParaRPr lang="it-IT" dirty="0" smtClean="0"/>
+          </a:p>
+        </p:txBody>
+      </p:sp>
+    </p:spTree>
+    <p:extLst>
+      <p:ext uri="{BB962C8B-B14F-4D97-AF65-F5344CB8AC3E}">
+        <p14:creationId xmlns:p14="http://schemas.microsoft.com/office/powerpoint/2010/main" val="3033283070"/>
+      </p:ext>
+    </p:extLst>
+  </p:cSld>
+  <p:clrMapOvr>
+    <a:masterClrMapping/>
+  </p:clrMapOvr>
 </p:sld>
 </file>
 

--- a/Esposizione/Presentazione PPT.pptx
+++ b/Esposizione/Presentazione PPT.pptx
@@ -5937,7 +5937,7 @@
           <p:cNvPr id="8" name="Immagine 7">
             <a:extLst>
               <a:ext uri="{FF2B5EF4-FFF2-40B4-BE49-F238E27FC236}">
-                <a16:creationId xmlns:a16="http://schemas.microsoft.com/office/drawing/2014/main" xmlns="" id="{AA262228-C09E-49ED-B62C-28F9D512CCFC}"/>
+                <a16:creationId xmlns:a16="http://schemas.microsoft.com/office/drawing/2014/main" id="{AA262228-C09E-49ED-B62C-28F9D512CCFC}"/>
               </a:ext>
             </a:extLst>
           </p:cNvPr>
@@ -5967,7 +5967,7 @@
           <p:cNvPr id="4" name="Immagine 3" descr="Immagine che contiene testo, scuro, cielo notturno&#10;&#10;Descrizione generata automaticamente">
             <a:extLst>
               <a:ext uri="{FF2B5EF4-FFF2-40B4-BE49-F238E27FC236}">
-                <a16:creationId xmlns:a16="http://schemas.microsoft.com/office/drawing/2014/main" xmlns="" id="{43821824-E35E-4B89-8209-46F6CE10FBB1}"/>
+                <a16:creationId xmlns:a16="http://schemas.microsoft.com/office/drawing/2014/main" id="{43821824-E35E-4B89-8209-46F6CE10FBB1}"/>
               </a:ext>
             </a:extLst>
           </p:cNvPr>
@@ -6039,7 +6039,7 @@
           <p:cNvPr id="2" name="Titolo 1">
             <a:extLst>
               <a:ext uri="{FF2B5EF4-FFF2-40B4-BE49-F238E27FC236}">
-                <a16:creationId xmlns:a16="http://schemas.microsoft.com/office/drawing/2014/main" xmlns="" id="{4DBA7C89-E1D5-4010-9ECC-75B75E24AA18}"/>
+                <a16:creationId xmlns:a16="http://schemas.microsoft.com/office/drawing/2014/main" id="{4DBA7C89-E1D5-4010-9ECC-75B75E24AA18}"/>
               </a:ext>
             </a:extLst>
           </p:cNvPr>
@@ -6064,7 +6064,7 @@
           <p:cNvPr id="3" name="Segnaposto contenuto 2">
             <a:extLst>
               <a:ext uri="{FF2B5EF4-FFF2-40B4-BE49-F238E27FC236}">
-                <a16:creationId xmlns:a16="http://schemas.microsoft.com/office/drawing/2014/main" xmlns="" id="{029A8546-28A6-4501-83D5-60C1026E1F99}"/>
+                <a16:creationId xmlns:a16="http://schemas.microsoft.com/office/drawing/2014/main" id="{029A8546-28A6-4501-83D5-60C1026E1F99}"/>
               </a:ext>
             </a:extLst>
           </p:cNvPr>
@@ -6089,7 +6089,7 @@
           <p:cNvPr id="2050" name="Picture 2" descr="E' il BlackOutTuesday: i profili Instagram si tingono di nero per  combattere il razzismo">
             <a:extLst>
               <a:ext uri="{FF2B5EF4-FFF2-40B4-BE49-F238E27FC236}">
-                <a16:creationId xmlns:a16="http://schemas.microsoft.com/office/drawing/2014/main" xmlns="" id="{DC5687C5-E9FA-4A35-A989-605D046F61C6}"/>
+                <a16:creationId xmlns:a16="http://schemas.microsoft.com/office/drawing/2014/main" id="{DC5687C5-E9FA-4A35-A989-605D046F61C6}"/>
               </a:ext>
             </a:extLst>
           </p:cNvPr>
@@ -6178,7 +6178,7 @@
           <p:cNvPr id="3" name="Segnaposto contenuto 2">
             <a:extLst>
               <a:ext uri="{FF2B5EF4-FFF2-40B4-BE49-F238E27FC236}">
-                <a16:creationId xmlns:a16="http://schemas.microsoft.com/office/drawing/2014/main" xmlns="" id="{9248A8B1-0AE4-4281-8BBD-8C66F0AB20C6}"/>
+                <a16:creationId xmlns:a16="http://schemas.microsoft.com/office/drawing/2014/main" id="{9248A8B1-0AE4-4281-8BBD-8C66F0AB20C6}"/>
               </a:ext>
             </a:extLst>
           </p:cNvPr>
@@ -6242,7 +6242,7 @@
           <p:cNvPr id="4" name="Segnaposto contenuto 3">
             <a:extLst>
               <a:ext uri="{FF2B5EF4-FFF2-40B4-BE49-F238E27FC236}">
-                <a16:creationId xmlns:a16="http://schemas.microsoft.com/office/drawing/2014/main" xmlns="" id="{7CA8F3C0-4DC8-4B42-96EC-8F4C521EA242}"/>
+                <a16:creationId xmlns:a16="http://schemas.microsoft.com/office/drawing/2014/main" id="{7CA8F3C0-4DC8-4B42-96EC-8F4C521EA242}"/>
               </a:ext>
             </a:extLst>
           </p:cNvPr>
@@ -6304,7 +6304,7 @@
           <p:cNvPr id="5" name="Titolo 1">
             <a:extLst>
               <a:ext uri="{FF2B5EF4-FFF2-40B4-BE49-F238E27FC236}">
-                <a16:creationId xmlns:a16="http://schemas.microsoft.com/office/drawing/2014/main" xmlns="" id="{7CBDCA69-D557-412E-B456-ACDB6F34C651}"/>
+                <a16:creationId xmlns:a16="http://schemas.microsoft.com/office/drawing/2014/main" id="{7CBDCA69-D557-412E-B456-ACDB6F34C651}"/>
               </a:ext>
             </a:extLst>
           </p:cNvPr>
@@ -6415,7 +6415,7 @@
           <p:cNvPr id="6" name="CasellaDiTesto 5">
             <a:extLst>
               <a:ext uri="{FF2B5EF4-FFF2-40B4-BE49-F238E27FC236}">
-                <a16:creationId xmlns:a16="http://schemas.microsoft.com/office/drawing/2014/main" xmlns="" id="{FA6CE7F1-82D5-4C0A-806D-F25D5B7695A0}"/>
+                <a16:creationId xmlns:a16="http://schemas.microsoft.com/office/drawing/2014/main" id="{FA6CE7F1-82D5-4C0A-806D-F25D5B7695A0}"/>
               </a:ext>
             </a:extLst>
           </p:cNvPr>
@@ -6492,7 +6492,7 @@
           <p:cNvPr id="10" name="Immagine 9">
             <a:extLst>
               <a:ext uri="{FF2B5EF4-FFF2-40B4-BE49-F238E27FC236}">
-                <a16:creationId xmlns:a16="http://schemas.microsoft.com/office/drawing/2014/main" xmlns="" id="{EAD68B1E-8D82-4147-AE6A-40C22813F044}"/>
+                <a16:creationId xmlns:a16="http://schemas.microsoft.com/office/drawing/2014/main" id="{EAD68B1E-8D82-4147-AE6A-40C22813F044}"/>
               </a:ext>
             </a:extLst>
           </p:cNvPr>
@@ -6522,7 +6522,7 @@
           <p:cNvPr id="6" name="Immagine 5">
             <a:extLst>
               <a:ext uri="{FF2B5EF4-FFF2-40B4-BE49-F238E27FC236}">
-                <a16:creationId xmlns:a16="http://schemas.microsoft.com/office/drawing/2014/main" xmlns="" id="{23440B85-C09C-4640-B492-AB9090AA62C2}"/>
+                <a16:creationId xmlns:a16="http://schemas.microsoft.com/office/drawing/2014/main" id="{23440B85-C09C-4640-B492-AB9090AA62C2}"/>
               </a:ext>
             </a:extLst>
           </p:cNvPr>
@@ -6552,7 +6552,7 @@
           <p:cNvPr id="8" name="Immagine 7">
             <a:extLst>
               <a:ext uri="{FF2B5EF4-FFF2-40B4-BE49-F238E27FC236}">
-                <a16:creationId xmlns:a16="http://schemas.microsoft.com/office/drawing/2014/main" xmlns="" id="{F082D77D-7E90-4A1B-902A-BF22BD8BF999}"/>
+                <a16:creationId xmlns:a16="http://schemas.microsoft.com/office/drawing/2014/main" id="{F082D77D-7E90-4A1B-902A-BF22BD8BF999}"/>
               </a:ext>
             </a:extLst>
           </p:cNvPr>
@@ -6582,7 +6582,7 @@
           <p:cNvPr id="2" name="Titolo 1">
             <a:extLst>
               <a:ext uri="{FF2B5EF4-FFF2-40B4-BE49-F238E27FC236}">
-                <a16:creationId xmlns:a16="http://schemas.microsoft.com/office/drawing/2014/main" xmlns="" id="{787CD2E0-40ED-4B43-AB7C-DE40388F2541}"/>
+                <a16:creationId xmlns:a16="http://schemas.microsoft.com/office/drawing/2014/main" id="{787CD2E0-40ED-4B43-AB7C-DE40388F2541}"/>
               </a:ext>
             </a:extLst>
           </p:cNvPr>
@@ -6619,7 +6619,7 @@
           <p:cNvPr id="4" name="CasellaDiTesto 3">
             <a:extLst>
               <a:ext uri="{FF2B5EF4-FFF2-40B4-BE49-F238E27FC236}">
-                <a16:creationId xmlns:a16="http://schemas.microsoft.com/office/drawing/2014/main" xmlns="" id="{559CEFF0-CDEE-43E6-9168-74936CDF43D4}"/>
+                <a16:creationId xmlns:a16="http://schemas.microsoft.com/office/drawing/2014/main" id="{559CEFF0-CDEE-43E6-9168-74936CDF43D4}"/>
               </a:ext>
             </a:extLst>
           </p:cNvPr>
@@ -6658,7 +6658,7 @@
           <p:cNvPr id="5" name="CasellaDiTesto 4">
             <a:extLst>
               <a:ext uri="{FF2B5EF4-FFF2-40B4-BE49-F238E27FC236}">
-                <a16:creationId xmlns:a16="http://schemas.microsoft.com/office/drawing/2014/main" xmlns="" id="{6ED36F17-D8C1-443E-9600-623A04EAC80B}"/>
+                <a16:creationId xmlns:a16="http://schemas.microsoft.com/office/drawing/2014/main" id="{6ED36F17-D8C1-443E-9600-623A04EAC80B}"/>
               </a:ext>
             </a:extLst>
           </p:cNvPr>
@@ -6763,7 +6763,7 @@
           <p:cNvPr id="3" name="Segnaposto contenuto 2">
             <a:extLst>
               <a:ext uri="{FF2B5EF4-FFF2-40B4-BE49-F238E27FC236}">
-                <a16:creationId xmlns:a16="http://schemas.microsoft.com/office/drawing/2014/main" xmlns="" id="{7709EE42-6FE8-4B0D-8DCE-2BF9AFEAA31C}"/>
+                <a16:creationId xmlns:a16="http://schemas.microsoft.com/office/drawing/2014/main" id="{7709EE42-6FE8-4B0D-8DCE-2BF9AFEAA31C}"/>
               </a:ext>
             </a:extLst>
           </p:cNvPr>
@@ -6827,10 +6827,10 @@
           <p:cNvPr id="11" name="Freeform 31">
             <a:extLst>
               <a:ext uri="{FF2B5EF4-FFF2-40B4-BE49-F238E27FC236}">
-                <a16:creationId xmlns:a16="http://schemas.microsoft.com/office/drawing/2014/main" xmlns="" id="{D6CEF2A9-EF08-4FB3-AFFB-C5F77AB6E028}"/>
+                <a16:creationId xmlns:a16="http://schemas.microsoft.com/office/drawing/2014/main" id="{D6CEF2A9-EF08-4FB3-AFFB-C5F77AB6E028}"/>
               </a:ext>
               <a:ext uri="{C183D7F6-B498-43B3-948B-1728B52AA6E4}">
-                <adec:decorative xmlns:adec="http://schemas.microsoft.com/office/drawing/2017/decorative" xmlns="" val="1"/>
+                <adec:decorative xmlns:adec="http://schemas.microsoft.com/office/drawing/2017/decorative" val="1"/>
               </a:ext>
             </a:extLst>
           </p:cNvPr>
@@ -6840,7 +6840,7 @@
           <p:nvPr>
             <p:extLst>
               <p:ext uri="{386F3935-93C4-4BCD-93E2-E3B085C9AB24}">
-                <p16:designElem xmlns:p16="http://schemas.microsoft.com/office/powerpoint/2015/main" xmlns="" val="1"/>
+                <p16:designElem xmlns:p16="http://schemas.microsoft.com/office/powerpoint/2015/main" val="1"/>
               </p:ext>
             </p:extLst>
           </p:nvPr>
@@ -7179,10 +7179,10 @@
           <p:cNvPr id="13" name="Rectangle 12">
             <a:extLst>
               <a:ext uri="{FF2B5EF4-FFF2-40B4-BE49-F238E27FC236}">
-                <a16:creationId xmlns:a16="http://schemas.microsoft.com/office/drawing/2014/main" xmlns="" id="{4109C3C2-C0A8-4559-8462-8007573DF44C}"/>
+                <a16:creationId xmlns:a16="http://schemas.microsoft.com/office/drawing/2014/main" id="{4109C3C2-C0A8-4559-8462-8007573DF44C}"/>
               </a:ext>
               <a:ext uri="{C183D7F6-B498-43B3-948B-1728B52AA6E4}">
-                <adec:decorative xmlns:adec="http://schemas.microsoft.com/office/drawing/2017/decorative" xmlns="" val="1"/>
+                <adec:decorative xmlns:adec="http://schemas.microsoft.com/office/drawing/2017/decorative" val="1"/>
               </a:ext>
             </a:extLst>
           </p:cNvPr>
@@ -7192,7 +7192,7 @@
           <p:nvPr>
             <p:extLst>
               <p:ext uri="{386F3935-93C4-4BCD-93E2-E3B085C9AB24}">
-                <p16:designElem xmlns:p16="http://schemas.microsoft.com/office/powerpoint/2015/main" xmlns="" val="1"/>
+                <p16:designElem xmlns:p16="http://schemas.microsoft.com/office/powerpoint/2015/main" val="1"/>
               </p:ext>
             </p:extLst>
           </p:nvPr>
@@ -7242,10 +7242,10 @@
           <p:cNvPr id="15" name="Freeform 5">
             <a:extLst>
               <a:ext uri="{FF2B5EF4-FFF2-40B4-BE49-F238E27FC236}">
-                <a16:creationId xmlns:a16="http://schemas.microsoft.com/office/drawing/2014/main" xmlns="" id="{4C535542-B72A-4DE0-BE5A-5EA00508C77D}"/>
+                <a16:creationId xmlns:a16="http://schemas.microsoft.com/office/drawing/2014/main" id="{4C535542-B72A-4DE0-BE5A-5EA00508C77D}"/>
               </a:ext>
               <a:ext uri="{C183D7F6-B498-43B3-948B-1728B52AA6E4}">
-                <adec:decorative xmlns:adec="http://schemas.microsoft.com/office/drawing/2017/decorative" xmlns="" val="1"/>
+                <adec:decorative xmlns:adec="http://schemas.microsoft.com/office/drawing/2017/decorative" val="1"/>
               </a:ext>
             </a:extLst>
           </p:cNvPr>
@@ -7255,7 +7255,7 @@
           <p:nvPr>
             <p:extLst>
               <p:ext uri="{386F3935-93C4-4BCD-93E2-E3B085C9AB24}">
-                <p16:designElem xmlns:p16="http://schemas.microsoft.com/office/powerpoint/2015/main" xmlns="" val="1"/>
+                <p16:designElem xmlns:p16="http://schemas.microsoft.com/office/powerpoint/2015/main" val="1"/>
               </p:ext>
             </p:extLst>
           </p:nvPr>
@@ -7443,7 +7443,7 @@
           <p:cNvPr id="6" name="Immagine 5">
             <a:extLst>
               <a:ext uri="{FF2B5EF4-FFF2-40B4-BE49-F238E27FC236}">
-                <a16:creationId xmlns:a16="http://schemas.microsoft.com/office/drawing/2014/main" xmlns="" id="{EAEB543D-6B64-476B-BB8D-4A25DD8D3071}"/>
+                <a16:creationId xmlns:a16="http://schemas.microsoft.com/office/drawing/2014/main" id="{EAEB543D-6B64-476B-BB8D-4A25DD8D3071}"/>
               </a:ext>
             </a:extLst>
           </p:cNvPr>
@@ -7473,10 +7473,10 @@
           <p:cNvPr id="17" name="Rectangle 16">
             <a:extLst>
               <a:ext uri="{FF2B5EF4-FFF2-40B4-BE49-F238E27FC236}">
-                <a16:creationId xmlns:a16="http://schemas.microsoft.com/office/drawing/2014/main" xmlns="" id="{11DF0705-615B-4CF3-A16F-8C14680D8BA6}"/>
+                <a16:creationId xmlns:a16="http://schemas.microsoft.com/office/drawing/2014/main" id="{11DF0705-615B-4CF3-A16F-8C14680D8BA6}"/>
               </a:ext>
               <a:ext uri="{C183D7F6-B498-43B3-948B-1728B52AA6E4}">
-                <adec:decorative xmlns:adec="http://schemas.microsoft.com/office/drawing/2017/decorative" xmlns="" val="1"/>
+                <adec:decorative xmlns:adec="http://schemas.microsoft.com/office/drawing/2017/decorative" val="1"/>
               </a:ext>
             </a:extLst>
           </p:cNvPr>
@@ -7486,7 +7486,7 @@
           <p:nvPr>
             <p:extLst>
               <p:ext uri="{386F3935-93C4-4BCD-93E2-E3B085C9AB24}">
-                <p16:designElem xmlns:p16="http://schemas.microsoft.com/office/powerpoint/2015/main" xmlns="" val="1"/>
+                <p16:designElem xmlns:p16="http://schemas.microsoft.com/office/powerpoint/2015/main" val="1"/>
               </p:ext>
             </p:extLst>
           </p:nvPr>
@@ -7526,7 +7526,7 @@
           <p:cNvPr id="12" name="CasellaDiTesto 11">
             <a:extLst>
               <a:ext uri="{FF2B5EF4-FFF2-40B4-BE49-F238E27FC236}">
-                <a16:creationId xmlns:a16="http://schemas.microsoft.com/office/drawing/2014/main" xmlns="" id="{8D87622C-C709-4EB8-AE1E-E6C58A4BAF5C}"/>
+                <a16:creationId xmlns:a16="http://schemas.microsoft.com/office/drawing/2014/main" id="{8D87622C-C709-4EB8-AE1E-E6C58A4BAF5C}"/>
               </a:ext>
             </a:extLst>
           </p:cNvPr>
@@ -7565,7 +7565,7 @@
           <p:cNvPr id="14" name="Titolo 1">
             <a:extLst>
               <a:ext uri="{FF2B5EF4-FFF2-40B4-BE49-F238E27FC236}">
-                <a16:creationId xmlns:a16="http://schemas.microsoft.com/office/drawing/2014/main" xmlns="" id="{1BBEE441-2E56-48C3-8630-47FCBE68367E}"/>
+                <a16:creationId xmlns:a16="http://schemas.microsoft.com/office/drawing/2014/main" id="{1BBEE441-2E56-48C3-8630-47FCBE68367E}"/>
               </a:ext>
             </a:extLst>
           </p:cNvPr>
@@ -7602,7 +7602,7 @@
           <p:cNvPr id="7" name="CasellaDiTesto 6">
             <a:extLst>
               <a:ext uri="{FF2B5EF4-FFF2-40B4-BE49-F238E27FC236}">
-                <a16:creationId xmlns:a16="http://schemas.microsoft.com/office/drawing/2014/main" xmlns="" id="{F0B1C700-BFBC-49C1-90A6-778B75099917}"/>
+                <a16:creationId xmlns:a16="http://schemas.microsoft.com/office/drawing/2014/main" id="{F0B1C700-BFBC-49C1-90A6-778B75099917}"/>
               </a:ext>
             </a:extLst>
           </p:cNvPr>
@@ -7704,7 +7704,7 @@
           <p:cNvPr id="3" name="Segnaposto contenuto 2">
             <a:extLst>
               <a:ext uri="{FF2B5EF4-FFF2-40B4-BE49-F238E27FC236}">
-                <a16:creationId xmlns:a16="http://schemas.microsoft.com/office/drawing/2014/main" xmlns="" id="{973B23F4-7AED-4123-AE56-9D3E68DF4EA4}"/>
+                <a16:creationId xmlns:a16="http://schemas.microsoft.com/office/drawing/2014/main" id="{973B23F4-7AED-4123-AE56-9D3E68DF4EA4}"/>
               </a:ext>
             </a:extLst>
           </p:cNvPr>
@@ -7768,10 +7768,10 @@
           <p:cNvPr id="10" name="Freeform 31">
             <a:extLst>
               <a:ext uri="{FF2B5EF4-FFF2-40B4-BE49-F238E27FC236}">
-                <a16:creationId xmlns:a16="http://schemas.microsoft.com/office/drawing/2014/main" xmlns="" id="{D6CEF2A9-EF08-4FB3-AFFB-C5F77AB6E028}"/>
+                <a16:creationId xmlns:a16="http://schemas.microsoft.com/office/drawing/2014/main" id="{D6CEF2A9-EF08-4FB3-AFFB-C5F77AB6E028}"/>
               </a:ext>
               <a:ext uri="{C183D7F6-B498-43B3-948B-1728B52AA6E4}">
-                <adec:decorative xmlns:adec="http://schemas.microsoft.com/office/drawing/2017/decorative" xmlns="" val="1"/>
+                <adec:decorative xmlns:adec="http://schemas.microsoft.com/office/drawing/2017/decorative" val="1"/>
               </a:ext>
             </a:extLst>
           </p:cNvPr>
@@ -7781,7 +7781,7 @@
           <p:nvPr>
             <p:extLst>
               <p:ext uri="{386F3935-93C4-4BCD-93E2-E3B085C9AB24}">
-                <p16:designElem xmlns:p16="http://schemas.microsoft.com/office/powerpoint/2015/main" xmlns="" val="1"/>
+                <p16:designElem xmlns:p16="http://schemas.microsoft.com/office/powerpoint/2015/main" val="1"/>
               </p:ext>
             </p:extLst>
           </p:nvPr>
@@ -8120,10 +8120,10 @@
           <p:cNvPr id="12" name="Rectangle 11">
             <a:extLst>
               <a:ext uri="{FF2B5EF4-FFF2-40B4-BE49-F238E27FC236}">
-                <a16:creationId xmlns:a16="http://schemas.microsoft.com/office/drawing/2014/main" xmlns="" id="{4109C3C2-C0A8-4559-8462-8007573DF44C}"/>
+                <a16:creationId xmlns:a16="http://schemas.microsoft.com/office/drawing/2014/main" id="{4109C3C2-C0A8-4559-8462-8007573DF44C}"/>
               </a:ext>
               <a:ext uri="{C183D7F6-B498-43B3-948B-1728B52AA6E4}">
-                <adec:decorative xmlns:adec="http://schemas.microsoft.com/office/drawing/2017/decorative" xmlns="" val="1"/>
+                <adec:decorative xmlns:adec="http://schemas.microsoft.com/office/drawing/2017/decorative" val="1"/>
               </a:ext>
             </a:extLst>
           </p:cNvPr>
@@ -8133,7 +8133,7 @@
           <p:nvPr>
             <p:extLst>
               <p:ext uri="{386F3935-93C4-4BCD-93E2-E3B085C9AB24}">
-                <p16:designElem xmlns:p16="http://schemas.microsoft.com/office/powerpoint/2015/main" xmlns="" val="1"/>
+                <p16:designElem xmlns:p16="http://schemas.microsoft.com/office/powerpoint/2015/main" val="1"/>
               </p:ext>
             </p:extLst>
           </p:nvPr>
@@ -8183,10 +8183,10 @@
           <p:cNvPr id="14" name="Freeform 5">
             <a:extLst>
               <a:ext uri="{FF2B5EF4-FFF2-40B4-BE49-F238E27FC236}">
-                <a16:creationId xmlns:a16="http://schemas.microsoft.com/office/drawing/2014/main" xmlns="" id="{4C535542-B72A-4DE0-BE5A-5EA00508C77D}"/>
+                <a16:creationId xmlns:a16="http://schemas.microsoft.com/office/drawing/2014/main" id="{4C535542-B72A-4DE0-BE5A-5EA00508C77D}"/>
               </a:ext>
               <a:ext uri="{C183D7F6-B498-43B3-948B-1728B52AA6E4}">
-                <adec:decorative xmlns:adec="http://schemas.microsoft.com/office/drawing/2017/decorative" xmlns="" val="1"/>
+                <adec:decorative xmlns:adec="http://schemas.microsoft.com/office/drawing/2017/decorative" val="1"/>
               </a:ext>
             </a:extLst>
           </p:cNvPr>
@@ -8196,7 +8196,7 @@
           <p:nvPr>
             <p:extLst>
               <p:ext uri="{386F3935-93C4-4BCD-93E2-E3B085C9AB24}">
-                <p16:designElem xmlns:p16="http://schemas.microsoft.com/office/powerpoint/2015/main" xmlns="" val="1"/>
+                <p16:designElem xmlns:p16="http://schemas.microsoft.com/office/powerpoint/2015/main" val="1"/>
               </p:ext>
             </p:extLst>
           </p:nvPr>
@@ -8384,7 +8384,7 @@
           <p:cNvPr id="5" name="Immagine 4">
             <a:extLst>
               <a:ext uri="{FF2B5EF4-FFF2-40B4-BE49-F238E27FC236}">
-                <a16:creationId xmlns:a16="http://schemas.microsoft.com/office/drawing/2014/main" xmlns="" id="{06F61A49-3B18-485B-AA7D-75E78D46A673}"/>
+                <a16:creationId xmlns:a16="http://schemas.microsoft.com/office/drawing/2014/main" id="{06F61A49-3B18-485B-AA7D-75E78D46A673}"/>
               </a:ext>
             </a:extLst>
           </p:cNvPr>
@@ -8415,10 +8415,10 @@
           <p:cNvPr id="16" name="Rectangle 15">
             <a:extLst>
               <a:ext uri="{FF2B5EF4-FFF2-40B4-BE49-F238E27FC236}">
-                <a16:creationId xmlns:a16="http://schemas.microsoft.com/office/drawing/2014/main" xmlns="" id="{11DF0705-615B-4CF3-A16F-8C14680D8BA6}"/>
+                <a16:creationId xmlns:a16="http://schemas.microsoft.com/office/drawing/2014/main" id="{11DF0705-615B-4CF3-A16F-8C14680D8BA6}"/>
               </a:ext>
               <a:ext uri="{C183D7F6-B498-43B3-948B-1728B52AA6E4}">
-                <adec:decorative xmlns:adec="http://schemas.microsoft.com/office/drawing/2017/decorative" xmlns="" val="1"/>
+                <adec:decorative xmlns:adec="http://schemas.microsoft.com/office/drawing/2017/decorative" val="1"/>
               </a:ext>
             </a:extLst>
           </p:cNvPr>
@@ -8428,7 +8428,7 @@
           <p:nvPr>
             <p:extLst>
               <p:ext uri="{386F3935-93C4-4BCD-93E2-E3B085C9AB24}">
-                <p16:designElem xmlns:p16="http://schemas.microsoft.com/office/powerpoint/2015/main" xmlns="" val="1"/>
+                <p16:designElem xmlns:p16="http://schemas.microsoft.com/office/powerpoint/2015/main" val="1"/>
               </p:ext>
             </p:extLst>
           </p:nvPr>
@@ -8468,7 +8468,7 @@
           <p:cNvPr id="9" name="CasellaDiTesto 8">
             <a:extLst>
               <a:ext uri="{FF2B5EF4-FFF2-40B4-BE49-F238E27FC236}">
-                <a16:creationId xmlns:a16="http://schemas.microsoft.com/office/drawing/2014/main" xmlns="" id="{BC9D2EDC-6A9E-42FA-8917-FCF7BBE68D8E}"/>
+                <a16:creationId xmlns:a16="http://schemas.microsoft.com/office/drawing/2014/main" id="{BC9D2EDC-6A9E-42FA-8917-FCF7BBE68D8E}"/>
               </a:ext>
             </a:extLst>
           </p:cNvPr>
@@ -8507,7 +8507,7 @@
           <p:cNvPr id="13" name="Titolo 1">
             <a:extLst>
               <a:ext uri="{FF2B5EF4-FFF2-40B4-BE49-F238E27FC236}">
-                <a16:creationId xmlns:a16="http://schemas.microsoft.com/office/drawing/2014/main" xmlns="" id="{965DD857-F11F-43FC-9C39-BD6016FDC67A}"/>
+                <a16:creationId xmlns:a16="http://schemas.microsoft.com/office/drawing/2014/main" id="{965DD857-F11F-43FC-9C39-BD6016FDC67A}"/>
               </a:ext>
             </a:extLst>
           </p:cNvPr>
@@ -8544,7 +8544,7 @@
           <p:cNvPr id="15" name="CasellaDiTesto 14">
             <a:extLst>
               <a:ext uri="{FF2B5EF4-FFF2-40B4-BE49-F238E27FC236}">
-                <a16:creationId xmlns:a16="http://schemas.microsoft.com/office/drawing/2014/main" xmlns="" id="{804B5F14-9759-4E99-83EC-B47B3EC79557}"/>
+                <a16:creationId xmlns:a16="http://schemas.microsoft.com/office/drawing/2014/main" id="{804B5F14-9759-4E99-83EC-B47B3EC79557}"/>
               </a:ext>
             </a:extLst>
           </p:cNvPr>
@@ -8617,42 +8617,19 @@
           <a:chExt cx="0" cy="0"/>
         </a:xfrm>
       </p:grpSpPr>
-      <p:sp>
-        <p:nvSpPr>
-          <p:cNvPr id="2" name="Titolo 1"/>
-          <p:cNvSpPr>
-            <a:spLocks noGrp="1"/>
-          </p:cNvSpPr>
-          <p:nvPr>
-            <p:ph type="title"/>
-          </p:nvPr>
-        </p:nvSpPr>
-        <p:spPr/>
-        <p:txBody>
-          <a:bodyPr/>
-          <a:lstStyle/>
-          <a:p>
-            <a:r>
-              <a:rPr lang="it-IT" sz="5000" b="1" dirty="0" smtClean="0"/>
-              <a:t>Progetto prototipo </a:t>
-            </a:r>
-            <a:r>
-              <a:rPr lang="it-IT" sz="5000" b="1" dirty="0" err="1" smtClean="0"/>
-              <a:t>App</a:t>
-            </a:r>
-            <a:endParaRPr lang="it-IT" sz="5000" b="1" dirty="0"/>
-          </a:p>
-        </p:txBody>
-      </p:sp>
       <p:pic>
         <p:nvPicPr>
-          <p:cNvPr id="4" name="Segnaposto contenuto 3"/>
+          <p:cNvPr id="7" name="Immagine 6">
+            <a:extLst>
+              <a:ext uri="{FF2B5EF4-FFF2-40B4-BE49-F238E27FC236}">
+                <a16:creationId xmlns:a16="http://schemas.microsoft.com/office/drawing/2014/main" id="{91D43CBF-410E-4119-A9B3-B532C908EC53}"/>
+              </a:ext>
+            </a:extLst>
+          </p:cNvPr>
           <p:cNvPicPr>
-            <a:picLocks noGrp="1" noChangeAspect="1"/>
+            <a:picLocks noChangeAspect="1"/>
           </p:cNvPicPr>
-          <p:nvPr>
-            <p:ph idx="1"/>
-          </p:nvPr>
+          <p:nvPr/>
         </p:nvPicPr>
         <p:blipFill>
           <a:blip r:embed="rId2"/>
@@ -8662,14 +8639,140 @@
         </p:blipFill>
         <p:spPr>
           <a:xfrm>
-            <a:off x="1737785" y="1620564"/>
-            <a:ext cx="8468895" cy="4627836"/>
+            <a:off x="0" y="0"/>
+            <a:ext cx="12192000" cy="6858000"/>
           </a:xfrm>
           <a:prstGeom prst="rect">
             <a:avLst/>
           </a:prstGeom>
         </p:spPr>
       </p:pic>
+      <p:sp>
+        <p:nvSpPr>
+          <p:cNvPr id="2" name="Titolo 1"/>
+          <p:cNvSpPr>
+            <a:spLocks noGrp="1"/>
+          </p:cNvSpPr>
+          <p:nvPr>
+            <p:ph type="title"/>
+          </p:nvPr>
+        </p:nvSpPr>
+        <p:spPr>
+          <a:xfrm>
+            <a:off x="0" y="0"/>
+            <a:ext cx="9957573" cy="872743"/>
+          </a:xfrm>
+        </p:spPr>
+        <p:txBody>
+          <a:bodyPr/>
+          <a:lstStyle/>
+          <a:p>
+            <a:r>
+              <a:rPr lang="it-IT" sz="5000" b="1" dirty="0">
+                <a:solidFill>
+                  <a:schemeClr val="bg1"/>
+                </a:solidFill>
+              </a:rPr>
+              <a:t>Progetto prototipo applicazione</a:t>
+            </a:r>
+          </a:p>
+        </p:txBody>
+      </p:sp>
+      <p:pic>
+        <p:nvPicPr>
+          <p:cNvPr id="6" name="Segnaposto contenuto 3">
+            <a:extLst>
+              <a:ext uri="{FF2B5EF4-FFF2-40B4-BE49-F238E27FC236}">
+                <a16:creationId xmlns:a16="http://schemas.microsoft.com/office/drawing/2014/main" id="{DF9733DA-C9C2-437F-A7CD-9213876293F8}"/>
+              </a:ext>
+            </a:extLst>
+          </p:cNvPr>
+          <p:cNvPicPr>
+            <a:picLocks noChangeAspect="1"/>
+          </p:cNvPicPr>
+          <p:nvPr/>
+        </p:nvPicPr>
+        <p:blipFill>
+          <a:blip r:embed="rId3"/>
+          <a:stretch>
+            <a:fillRect/>
+          </a:stretch>
+        </p:blipFill>
+        <p:spPr>
+          <a:xfrm>
+            <a:off x="1049731" y="955776"/>
+            <a:ext cx="10092537" cy="5515077"/>
+          </a:xfrm>
+          <a:prstGeom prst="rect">
+            <a:avLst/>
+          </a:prstGeom>
+          <a:ln>
+            <a:noFill/>
+          </a:ln>
+          <a:effectLst>
+            <a:outerShdw blurRad="292100" dist="139700" dir="2700000" algn="tl" rotWithShape="0">
+              <a:srgbClr val="333333">
+                <a:alpha val="65000"/>
+              </a:srgbClr>
+            </a:outerShdw>
+          </a:effectLst>
+        </p:spPr>
+      </p:pic>
+      <p:sp>
+        <p:nvSpPr>
+          <p:cNvPr id="8" name="CasellaDiTesto 7">
+            <a:extLst>
+              <a:ext uri="{FF2B5EF4-FFF2-40B4-BE49-F238E27FC236}">
+                <a16:creationId xmlns:a16="http://schemas.microsoft.com/office/drawing/2014/main" id="{FE996A36-8EB6-407C-999F-194B933C0467}"/>
+              </a:ext>
+            </a:extLst>
+          </p:cNvPr>
+          <p:cNvSpPr txBox="1"/>
+          <p:nvPr/>
+        </p:nvSpPr>
+        <p:spPr>
+          <a:xfrm>
+            <a:off x="8421416" y="6596390"/>
+            <a:ext cx="3770584" cy="261610"/>
+          </a:xfrm>
+          <a:prstGeom prst="rect">
+            <a:avLst/>
+          </a:prstGeom>
+          <a:noFill/>
+        </p:spPr>
+        <p:txBody>
+          <a:bodyPr wrap="none" rtlCol="0">
+            <a:spAutoFit/>
+          </a:bodyPr>
+          <a:lstStyle/>
+          <a:p>
+            <a:r>
+              <a:rPr lang="it-IT" sz="1100" dirty="0">
+                <a:solidFill>
+                  <a:schemeClr val="bg1"/>
+                </a:solidFill>
+              </a:rPr>
+              <a:t>Camagni Riccardo, D’</a:t>
+            </a:r>
+            <a:r>
+              <a:rPr lang="it-IT" sz="1100" dirty="0" err="1">
+                <a:solidFill>
+                  <a:schemeClr val="bg1"/>
+                </a:solidFill>
+              </a:rPr>
+              <a:t>Assaro</a:t>
+            </a:r>
+            <a:r>
+              <a:rPr lang="it-IT" sz="1100" dirty="0">
+                <a:solidFill>
+                  <a:schemeClr val="bg1"/>
+                </a:solidFill>
+              </a:rPr>
+              <a:t> Davide, Ginisi Gabriele</a:t>
+            </a:r>
+          </a:p>
+        </p:txBody>
+      </p:sp>
     </p:spTree>
     <p:extLst>
       <p:ext uri="{BB962C8B-B14F-4D97-AF65-F5344CB8AC3E}">
@@ -8680,12 +8783,48 @@
   <p:clrMapOvr>
     <a:masterClrMapping/>
   </p:clrMapOvr>
+  <mc:AlternateContent xmlns:mc="http://schemas.openxmlformats.org/markup-compatibility/2006">
+    <mc:Choice xmlns:p14="http://schemas.microsoft.com/office/powerpoint/2010/main" Requires="p14">
+      <p:transition spd="slow" p14:dur="1750">
+        <p:fade/>
+      </p:transition>
+    </mc:Choice>
+    <mc:Fallback>
+      <p:transition spd="slow">
+        <p:fade/>
+      </p:transition>
+    </mc:Fallback>
+  </mc:AlternateContent>
 </p:sld>
 </file>
 
 <file path=ppt/slides/slide7.xml><?xml version="1.0" encoding="utf-8"?>
 <p:sld xmlns:a="http://schemas.openxmlformats.org/drawingml/2006/main" xmlns:r="http://schemas.openxmlformats.org/officeDocument/2006/relationships" xmlns:p="http://schemas.openxmlformats.org/presentationml/2006/main">
   <p:cSld>
+    <p:bg>
+      <p:bgPr>
+        <a:blipFill rotWithShape="1">
+          <a:blip r:embed="rId2">
+            <a:duotone>
+              <a:schemeClr val="bg2">
+                <a:shade val="62000"/>
+                <a:hueMod val="108000"/>
+                <a:satMod val="164000"/>
+                <a:lumMod val="69000"/>
+              </a:schemeClr>
+              <a:schemeClr val="bg2">
+                <a:tint val="96000"/>
+                <a:hueMod val="90000"/>
+                <a:satMod val="130000"/>
+                <a:lumMod val="134000"/>
+              </a:schemeClr>
+            </a:duotone>
+          </a:blip>
+          <a:stretch/>
+        </a:blipFill>
+        <a:effectLst/>
+      </p:bgPr>
+    </p:bg>
     <p:spTree>
       <p:nvGrpSpPr>
         <p:cNvPr id="1" name=""/>
@@ -8700,107 +8839,1324 @@
           <a:chExt cx="0" cy="0"/>
         </a:xfrm>
       </p:grpSpPr>
-      <p:sp>
-        <p:nvSpPr>
-          <p:cNvPr id="2" name="Titolo 1"/>
-          <p:cNvSpPr>
-            <a:spLocks noGrp="1"/>
-          </p:cNvSpPr>
-          <p:nvPr>
-            <p:ph type="title"/>
-          </p:nvPr>
-        </p:nvSpPr>
-        <p:spPr/>
-        <p:txBody>
-          <a:bodyPr/>
-          <a:lstStyle/>
-          <a:p>
-            <a:r>
-              <a:rPr lang="it-IT" sz="5000" b="1" dirty="0" smtClean="0"/>
-              <a:t>Funzionalità e finestre</a:t>
-            </a:r>
-            <a:endParaRPr lang="it-IT" sz="5000" b="1" dirty="0"/>
-          </a:p>
-        </p:txBody>
-      </p:sp>
       <p:pic>
         <p:nvPicPr>
-          <p:cNvPr id="5" name="Segnaposto contenuto 4"/>
+          <p:cNvPr id="13" name="Picture 12">
+            <a:extLst>
+              <a:ext uri="{FF2B5EF4-FFF2-40B4-BE49-F238E27FC236}">
+                <a16:creationId xmlns:a16="http://schemas.microsoft.com/office/drawing/2014/main" id="{7594FC8B-8CD2-407F-94F1-9C71F5AEC2B6}"/>
+              </a:ext>
+              <a:ext uri="{C183D7F6-B498-43B3-948B-1728B52AA6E4}">
+                <adec:decorative xmlns:adec="http://schemas.microsoft.com/office/drawing/2017/decorative" val="1"/>
+              </a:ext>
+            </a:extLst>
+          </p:cNvPr>
           <p:cNvPicPr>
-            <a:picLocks noGrp="1" noChangeAspect="1"/>
+            <a:picLocks noGrp="1" noRot="1" noChangeAspect="1" noMove="1" noResize="1" noEditPoints="1" noAdjustHandles="1" noChangeArrowheads="1" noChangeShapeType="1" noCrop="1"/>
           </p:cNvPicPr>
           <p:nvPr>
-            <p:ph sz="half" idx="1"/>
+            <p:extLst>
+              <p:ext uri="{386F3935-93C4-4BCD-93E2-E3B085C9AB24}">
+                <p16:designElem xmlns:p16="http://schemas.microsoft.com/office/powerpoint/2015/main" val="1"/>
+              </p:ext>
+            </p:extLst>
           </p:nvPr>
         </p:nvPicPr>
-        <p:blipFill>
-          <a:blip r:embed="rId2"/>
-          <a:stretch>
-            <a:fillRect/>
-          </a:stretch>
+        <p:blipFill rotWithShape="1">
+          <a:blip r:embed="rId3">
+            <a:extLst>
+              <a:ext uri="{28A0092B-C50C-407E-A947-70E740481C1C}">
+                <a14:useLocalDpi xmlns:a14="http://schemas.microsoft.com/office/drawing/2010/main" val="0"/>
+              </a:ext>
+            </a:extLst>
+          </a:blip>
+          <a:srcRect l="3613"/>
+          <a:stretch/>
         </p:blipFill>
         <p:spPr>
           <a:xfrm>
-            <a:off x="216963" y="2056092"/>
-            <a:ext cx="5437530" cy="3273332"/>
+            <a:off x="0" y="2669685"/>
+            <a:ext cx="4037012" cy="4188315"/>
           </a:xfrm>
           <a:prstGeom prst="rect">
             <a:avLst/>
           </a:prstGeom>
         </p:spPr>
       </p:pic>
-      <p:sp>
-        <p:nvSpPr>
-          <p:cNvPr id="4" name="Segnaposto contenuto 3"/>
-          <p:cNvSpPr>
-            <a:spLocks noGrp="1"/>
-          </p:cNvSpPr>
-          <p:nvPr>
-            <p:ph sz="half" idx="2"/>
-          </p:nvPr>
-        </p:nvSpPr>
+      <p:pic>
+        <p:nvPicPr>
+          <p:cNvPr id="15" name="Picture 14">
+            <a:extLst>
+              <a:ext uri="{FF2B5EF4-FFF2-40B4-BE49-F238E27FC236}">
+                <a16:creationId xmlns:a16="http://schemas.microsoft.com/office/drawing/2014/main" id="{DBABC971-8D40-4A4F-AC60-28B9172789B9}"/>
+              </a:ext>
+              <a:ext uri="{C183D7F6-B498-43B3-948B-1728B52AA6E4}">
+                <adec:decorative xmlns:adec="http://schemas.microsoft.com/office/drawing/2017/decorative" val="1"/>
+              </a:ext>
+            </a:extLst>
+          </p:cNvPr>
+          <p:cNvPicPr>
+            <a:picLocks noGrp="1" noRot="1" noChangeAspect="1" noMove="1" noResize="1" noEditPoints="1" noAdjustHandles="1" noChangeArrowheads="1" noChangeShapeType="1" noCrop="1"/>
+          </p:cNvPicPr>
+          <p:nvPr>
+            <p:extLst>
+              <p:ext uri="{386F3935-93C4-4BCD-93E2-E3B085C9AB24}">
+                <p16:designElem xmlns:p16="http://schemas.microsoft.com/office/powerpoint/2015/main" val="1"/>
+              </p:ext>
+            </p:extLst>
+          </p:nvPr>
+        </p:nvPicPr>
+        <p:blipFill rotWithShape="1">
+          <a:blip r:embed="rId4">
+            <a:extLst>
+              <a:ext uri="{28A0092B-C50C-407E-A947-70E740481C1C}">
+                <a14:useLocalDpi xmlns:a14="http://schemas.microsoft.com/office/drawing/2010/main" val="0"/>
+              </a:ext>
+            </a:extLst>
+          </a:blip>
+          <a:srcRect l="35640"/>
+          <a:stretch/>
+        </p:blipFill>
         <p:spPr>
           <a:xfrm>
-            <a:off x="6684223" y="2052725"/>
-            <a:ext cx="4396341" cy="3433675"/>
-          </a:xfrm>
-        </p:spPr>
-        <p:txBody>
-          <a:bodyPr/>
+            <a:off x="0" y="2892347"/>
+            <a:ext cx="1522412" cy="2365453"/>
+          </a:xfrm>
+          <a:prstGeom prst="rect">
+            <a:avLst/>
+          </a:prstGeom>
+        </p:spPr>
+      </p:pic>
+      <p:sp>
+        <p:nvSpPr>
+          <p:cNvPr id="17" name="Oval 16">
+            <a:extLst>
+              <a:ext uri="{FF2B5EF4-FFF2-40B4-BE49-F238E27FC236}">
+                <a16:creationId xmlns:a16="http://schemas.microsoft.com/office/drawing/2014/main" id="{B9C04DC5-313B-4FE4-B868-5672A376419F}"/>
+              </a:ext>
+              <a:ext uri="{C183D7F6-B498-43B3-948B-1728B52AA6E4}">
+                <adec:decorative xmlns:adec="http://schemas.microsoft.com/office/drawing/2017/decorative" val="1"/>
+              </a:ext>
+            </a:extLst>
+          </p:cNvPr>
+          <p:cNvSpPr>
+            <a:spLocks noGrp="1" noRot="1" noChangeAspect="1" noMove="1" noResize="1" noEditPoints="1" noAdjustHandles="1" noChangeArrowheads="1" noChangeShapeType="1" noTextEdit="1"/>
+          </p:cNvSpPr>
+          <p:nvPr>
+            <p:extLst>
+              <p:ext uri="{386F3935-93C4-4BCD-93E2-E3B085C9AB24}">
+                <p16:designElem xmlns:p16="http://schemas.microsoft.com/office/powerpoint/2015/main" val="1"/>
+              </p:ext>
+            </p:extLst>
+          </p:nvPr>
+        </p:nvSpPr>
+        <p:spPr>
+          <a:xfrm>
+            <a:off x="8609012" y="1676400"/>
+            <a:ext cx="2819400" cy="2819400"/>
+          </a:xfrm>
+          <a:prstGeom prst="ellipse">
+            <a:avLst/>
+          </a:prstGeom>
+          <a:gradFill flip="none" rotWithShape="1">
+            <a:gsLst>
+              <a:gs pos="0">
+                <a:schemeClr val="bg2">
+                  <a:lumMod val="40000"/>
+                  <a:lumOff val="60000"/>
+                  <a:alpha val="7000"/>
+                </a:schemeClr>
+              </a:gs>
+              <a:gs pos="69000">
+                <a:schemeClr val="bg2">
+                  <a:lumMod val="40000"/>
+                  <a:lumOff val="60000"/>
+                  <a:alpha val="0"/>
+                </a:schemeClr>
+              </a:gs>
+              <a:gs pos="36000">
+                <a:schemeClr val="bg2">
+                  <a:lumMod val="40000"/>
+                  <a:lumOff val="60000"/>
+                  <a:alpha val="6000"/>
+                </a:schemeClr>
+              </a:gs>
+            </a:gsLst>
+            <a:path path="circle">
+              <a:fillToRect l="50000" t="50000" r="50000" b="50000"/>
+            </a:path>
+            <a:tileRect/>
+          </a:gradFill>
+          <a:ln>
+            <a:noFill/>
+          </a:ln>
+          <a:effectLst/>
+        </p:spPr>
+        <p:style>
+          <a:lnRef idx="1">
+            <a:schemeClr val="accent1"/>
+          </a:lnRef>
+          <a:fillRef idx="3">
+            <a:schemeClr val="accent1"/>
+          </a:fillRef>
+          <a:effectRef idx="2">
+            <a:schemeClr val="accent1"/>
+          </a:effectRef>
+          <a:fontRef idx="minor">
+            <a:schemeClr val="lt1"/>
+          </a:fontRef>
+        </p:style>
+      </p:sp>
+      <p:pic>
+        <p:nvPicPr>
+          <p:cNvPr id="19" name="Picture 18">
+            <a:extLst>
+              <a:ext uri="{FF2B5EF4-FFF2-40B4-BE49-F238E27FC236}">
+                <a16:creationId xmlns:a16="http://schemas.microsoft.com/office/drawing/2014/main" id="{791AE23E-90C9-4963-96E2-8DADBFC3BC09}"/>
+              </a:ext>
+              <a:ext uri="{C183D7F6-B498-43B3-948B-1728B52AA6E4}">
+                <adec:decorative xmlns:adec="http://schemas.microsoft.com/office/drawing/2017/decorative" val="1"/>
+              </a:ext>
+            </a:extLst>
+          </p:cNvPr>
+          <p:cNvPicPr>
+            <a:picLocks noGrp="1" noRot="1" noChangeAspect="1" noMove="1" noResize="1" noEditPoints="1" noAdjustHandles="1" noChangeArrowheads="1" noChangeShapeType="1" noCrop="1"/>
+          </p:cNvPicPr>
+          <p:nvPr>
+            <p:extLst>
+              <p:ext uri="{386F3935-93C4-4BCD-93E2-E3B085C9AB24}">
+                <p16:designElem xmlns:p16="http://schemas.microsoft.com/office/powerpoint/2015/main" val="1"/>
+              </p:ext>
+            </p:extLst>
+          </p:nvPr>
+        </p:nvPicPr>
+        <p:blipFill rotWithShape="1">
+          <a:blip r:embed="rId5">
+            <a:extLst>
+              <a:ext uri="{28A0092B-C50C-407E-A947-70E740481C1C}">
+                <a14:useLocalDpi xmlns:a14="http://schemas.microsoft.com/office/drawing/2010/main" val="0"/>
+              </a:ext>
+            </a:extLst>
+          </a:blip>
+          <a:srcRect t="28813"/>
+          <a:stretch/>
+        </p:blipFill>
+        <p:spPr>
+          <a:xfrm>
+            <a:off x="7999412" y="0"/>
+            <a:ext cx="1603387" cy="1141407"/>
+          </a:xfrm>
+          <a:prstGeom prst="rect">
+            <a:avLst/>
+          </a:prstGeom>
+        </p:spPr>
+      </p:pic>
+      <p:pic>
+        <p:nvPicPr>
+          <p:cNvPr id="21" name="Picture 20">
+            <a:extLst>
+              <a:ext uri="{FF2B5EF4-FFF2-40B4-BE49-F238E27FC236}">
+                <a16:creationId xmlns:a16="http://schemas.microsoft.com/office/drawing/2014/main" id="{C5F93E90-4379-4AAC-B021-E5FA6D974AED}"/>
+              </a:ext>
+              <a:ext uri="{C183D7F6-B498-43B3-948B-1728B52AA6E4}">
+                <adec:decorative xmlns:adec="http://schemas.microsoft.com/office/drawing/2017/decorative" val="1"/>
+              </a:ext>
+            </a:extLst>
+          </p:cNvPr>
+          <p:cNvPicPr>
+            <a:picLocks noGrp="1" noRot="1" noChangeAspect="1" noMove="1" noResize="1" noEditPoints="1" noAdjustHandles="1" noChangeArrowheads="1" noChangeShapeType="1" noCrop="1"/>
+          </p:cNvPicPr>
+          <p:nvPr>
+            <p:extLst>
+              <p:ext uri="{386F3935-93C4-4BCD-93E2-E3B085C9AB24}">
+                <p16:designElem xmlns:p16="http://schemas.microsoft.com/office/powerpoint/2015/main" val="1"/>
+              </p:ext>
+            </p:extLst>
+          </p:nvPr>
+        </p:nvPicPr>
+        <p:blipFill rotWithShape="1">
+          <a:blip r:embed="rId6">
+            <a:extLst>
+              <a:ext uri="{28A0092B-C50C-407E-A947-70E740481C1C}">
+                <a14:useLocalDpi xmlns:a14="http://schemas.microsoft.com/office/drawing/2010/main" val="0"/>
+              </a:ext>
+            </a:extLst>
+          </a:blip>
+          <a:srcRect b="23320"/>
+          <a:stretch/>
+        </p:blipFill>
+        <p:spPr>
+          <a:xfrm>
+            <a:off x="8609012" y="6096000"/>
+            <a:ext cx="993734" cy="762000"/>
+          </a:xfrm>
+          <a:prstGeom prst="rect">
+            <a:avLst/>
+          </a:prstGeom>
+        </p:spPr>
+      </p:pic>
+      <p:sp>
+        <p:nvSpPr>
+          <p:cNvPr id="23" name="Rectangle 22">
+            <a:extLst>
+              <a:ext uri="{FF2B5EF4-FFF2-40B4-BE49-F238E27FC236}">
+                <a16:creationId xmlns:a16="http://schemas.microsoft.com/office/drawing/2014/main" id="{329FDD08-42D8-4AFF-90E5-5DAA5BC4CBD8}"/>
+              </a:ext>
+              <a:ext uri="{C183D7F6-B498-43B3-948B-1728B52AA6E4}">
+                <adec:decorative xmlns:adec="http://schemas.microsoft.com/office/drawing/2017/decorative" val="1"/>
+              </a:ext>
+            </a:extLst>
+          </p:cNvPr>
+          <p:cNvSpPr>
+            <a:spLocks noGrp="1" noRot="1" noChangeAspect="1" noMove="1" noResize="1" noEditPoints="1" noAdjustHandles="1" noChangeArrowheads="1" noChangeShapeType="1" noTextEdit="1"/>
+          </p:cNvSpPr>
+          <p:nvPr>
+            <p:extLst>
+              <p:ext uri="{386F3935-93C4-4BCD-93E2-E3B085C9AB24}">
+                <p16:designElem xmlns:p16="http://schemas.microsoft.com/office/powerpoint/2015/main" val="1"/>
+              </p:ext>
+            </p:extLst>
+          </p:nvPr>
+        </p:nvSpPr>
+        <p:spPr>
+          <a:xfrm>
+            <a:off x="10437812" y="0"/>
+            <a:ext cx="685800" cy="1143000"/>
+          </a:xfrm>
+          <a:prstGeom prst="rect">
+            <a:avLst/>
+          </a:prstGeom>
+          <a:solidFill>
+            <a:schemeClr val="accent1"/>
+          </a:solidFill>
+          <a:ln>
+            <a:noFill/>
+          </a:ln>
+        </p:spPr>
+        <p:style>
+          <a:lnRef idx="1">
+            <a:schemeClr val="accent1"/>
+          </a:lnRef>
+          <a:fillRef idx="3">
+            <a:schemeClr val="accent1"/>
+          </a:fillRef>
+          <a:effectRef idx="2">
+            <a:schemeClr val="accent1"/>
+          </a:effectRef>
+          <a:fontRef idx="minor">
+            <a:schemeClr val="lt1"/>
+          </a:fontRef>
+        </p:style>
+      </p:sp>
+      <p:sp>
+        <p:nvSpPr>
+          <p:cNvPr id="2" name="Titolo 1"/>
+          <p:cNvSpPr>
+            <a:spLocks noGrp="1"/>
+          </p:cNvSpPr>
+          <p:nvPr>
+            <p:ph type="title"/>
+          </p:nvPr>
+        </p:nvSpPr>
+        <p:spPr>
+          <a:xfrm>
+            <a:off x="0" y="115824"/>
+            <a:ext cx="3862704" cy="1444752"/>
+          </a:xfrm>
+        </p:spPr>
+        <p:txBody>
+          <a:bodyPr vert="horz" lIns="91440" tIns="45720" rIns="91440" bIns="45720" rtlCol="0" anchor="b">
+            <a:noAutofit/>
+          </a:bodyPr>
           <a:lstStyle/>
           <a:p>
             <a:r>
-              <a:rPr lang="it-IT" sz="2000" dirty="0" smtClean="0"/>
-              <a:t>Finestra Registrazione:</a:t>
-            </a:r>
-          </a:p>
-          <a:p>
-            <a:r>
-              <a:rPr lang="it-IT" sz="2000" dirty="0" smtClean="0"/>
-              <a:t>Permette all’utente di registrarsi all’interno della nostra </a:t>
-            </a:r>
-            <a:r>
-              <a:rPr lang="it-IT" sz="2000" dirty="0" err="1" smtClean="0"/>
-              <a:t>app</a:t>
-            </a:r>
-            <a:r>
-              <a:rPr lang="it-IT" sz="2000" dirty="0" smtClean="0"/>
-              <a:t>.</a:t>
-            </a:r>
-          </a:p>
-          <a:p>
-            <a:r>
-              <a:rPr lang="it-IT" sz="2000" dirty="0" smtClean="0"/>
-              <a:t>Ogni attributo dell’utente verrà poi salvato in una lista e su un file di testo che funge da database.</a:t>
-            </a:r>
-            <a:r>
-              <a:rPr lang="it-IT" dirty="0" smtClean="0"/>
-              <a:t/>
+              <a:rPr lang="en-US" sz="5000" b="1" dirty="0" err="1"/>
+              <a:t>Funzionalità</a:t>
+            </a:r>
+            <a:r>
+              <a:rPr lang="en-US" sz="5000" b="1" dirty="0"/>
+              <a:t> e </a:t>
+            </a:r>
+            <a:r>
+              <a:rPr lang="en-US" sz="5000" b="1" dirty="0" err="1"/>
+              <a:t>finestre</a:t>
+            </a:r>
+            <a:endParaRPr lang="en-US" sz="5000" b="1" dirty="0"/>
+          </a:p>
+        </p:txBody>
+      </p:sp>
+      <p:sp>
+        <p:nvSpPr>
+          <p:cNvPr id="25" name="Freeform 11">
+            <a:extLst>
+              <a:ext uri="{FF2B5EF4-FFF2-40B4-BE49-F238E27FC236}">
+                <a16:creationId xmlns:a16="http://schemas.microsoft.com/office/drawing/2014/main" id="{2FEA51AE-2D18-46BE-B2CA-B90B13168980}"/>
+              </a:ext>
+              <a:ext uri="{C183D7F6-B498-43B3-948B-1728B52AA6E4}">
+                <adec:decorative xmlns:adec="http://schemas.microsoft.com/office/drawing/2017/decorative" val="1"/>
+              </a:ext>
+            </a:extLst>
+          </p:cNvPr>
+          <p:cNvSpPr>
+            <a:spLocks noGrp="1" noRot="1" noChangeAspect="1" noMove="1" noResize="1" noEditPoints="1" noAdjustHandles="1" noChangeArrowheads="1" noChangeShapeType="1" noTextEdit="1"/>
+          </p:cNvSpPr>
+          <p:nvPr>
+            <p:extLst>
+              <p:ext uri="{386F3935-93C4-4BCD-93E2-E3B085C9AB24}">
+                <p16:designElem xmlns:p16="http://schemas.microsoft.com/office/powerpoint/2015/main" val="1"/>
+              </p:ext>
+            </p:extLst>
+          </p:nvPr>
+        </p:nvSpPr>
+        <p:spPr>
+          <a:xfrm>
+            <a:off x="3948110" y="-1"/>
+            <a:ext cx="559472" cy="3709642"/>
+          </a:xfrm>
+          <a:custGeom>
+            <a:avLst/>
+            <a:gdLst>
+              <a:gd name="connsiteX0" fmla="*/ 0 w 559472"/>
+              <a:gd name="connsiteY0" fmla="*/ 0 h 3709642"/>
+              <a:gd name="connsiteX1" fmla="*/ 473952 w 559472"/>
+              <a:gd name="connsiteY1" fmla="*/ 0 h 3709642"/>
+              <a:gd name="connsiteX2" fmla="*/ 485840 w 559472"/>
+              <a:gd name="connsiteY2" fmla="*/ 161194 h 3709642"/>
+              <a:gd name="connsiteX3" fmla="*/ 523949 w 559472"/>
+              <a:gd name="connsiteY3" fmla="*/ 3672197 h 3709642"/>
+              <a:gd name="connsiteX4" fmla="*/ 454748 w 559472"/>
+              <a:gd name="connsiteY4" fmla="*/ 3709642 h 3709642"/>
+              <a:gd name="connsiteX5" fmla="*/ 448224 w 559472"/>
+              <a:gd name="connsiteY5" fmla="*/ 3510471 h 3709642"/>
+              <a:gd name="connsiteX6" fmla="*/ 443564 w 559472"/>
+              <a:gd name="connsiteY6" fmla="*/ 3408563 h 3709642"/>
+              <a:gd name="connsiteX7" fmla="*/ 438902 w 559472"/>
+              <a:gd name="connsiteY7" fmla="*/ 3304407 h 3709642"/>
+              <a:gd name="connsiteX8" fmla="*/ 433941 w 559472"/>
+              <a:gd name="connsiteY8" fmla="*/ 3198777 h 3709642"/>
+              <a:gd name="connsiteX9" fmla="*/ 427584 w 559472"/>
+              <a:gd name="connsiteY9" fmla="*/ 3092510 h 3709642"/>
+              <a:gd name="connsiteX10" fmla="*/ 420988 w 559472"/>
+              <a:gd name="connsiteY10" fmla="*/ 2984390 h 3709642"/>
+              <a:gd name="connsiteX11" fmla="*/ 414330 w 559472"/>
+              <a:gd name="connsiteY11" fmla="*/ 2874401 h 3709642"/>
+              <a:gd name="connsiteX12" fmla="*/ 406840 w 559472"/>
+              <a:gd name="connsiteY12" fmla="*/ 2762980 h 3709642"/>
+              <a:gd name="connsiteX13" fmla="*/ 397745 w 559472"/>
+              <a:gd name="connsiteY13" fmla="*/ 2650566 h 3709642"/>
+              <a:gd name="connsiteX14" fmla="*/ 389154 w 559472"/>
+              <a:gd name="connsiteY14" fmla="*/ 2536612 h 3709642"/>
+              <a:gd name="connsiteX15" fmla="*/ 379225 w 559472"/>
+              <a:gd name="connsiteY15" fmla="*/ 2421642 h 3709642"/>
+              <a:gd name="connsiteX16" fmla="*/ 368316 w 559472"/>
+              <a:gd name="connsiteY16" fmla="*/ 2305627 h 3709642"/>
+              <a:gd name="connsiteX17" fmla="*/ 357466 w 559472"/>
+              <a:gd name="connsiteY17" fmla="*/ 2189233 h 3709642"/>
+              <a:gd name="connsiteX18" fmla="*/ 344982 w 559472"/>
+              <a:gd name="connsiteY18" fmla="*/ 2071473 h 3709642"/>
+              <a:gd name="connsiteX19" fmla="*/ 332466 w 559472"/>
+              <a:gd name="connsiteY19" fmla="*/ 1952216 h 3709642"/>
+              <a:gd name="connsiteX20" fmla="*/ 319121 w 559472"/>
+              <a:gd name="connsiteY20" fmla="*/ 1833776 h 3709642"/>
+              <a:gd name="connsiteX21" fmla="*/ 304408 w 559472"/>
+              <a:gd name="connsiteY21" fmla="*/ 1713948 h 3709642"/>
+              <a:gd name="connsiteX22" fmla="*/ 288685 w 559472"/>
+              <a:gd name="connsiteY22" fmla="*/ 1592703 h 3709642"/>
+              <a:gd name="connsiteX23" fmla="*/ 273050 w 559472"/>
+              <a:gd name="connsiteY23" fmla="*/ 1471451 h 3709642"/>
+              <a:gd name="connsiteX24" fmla="*/ 255813 w 559472"/>
+              <a:gd name="connsiteY24" fmla="*/ 1350328 h 3709642"/>
+              <a:gd name="connsiteX25" fmla="*/ 237060 w 559472"/>
+              <a:gd name="connsiteY25" fmla="*/ 1227080 h 3709642"/>
+              <a:gd name="connsiteX26" fmla="*/ 218488 w 559472"/>
+              <a:gd name="connsiteY26" fmla="*/ 1106065 h 3709642"/>
+              <a:gd name="connsiteX27" fmla="*/ 198221 w 559472"/>
+              <a:gd name="connsiteY27" fmla="*/ 982940 h 3709642"/>
+              <a:gd name="connsiteX28" fmla="*/ 177152 w 559472"/>
+              <a:gd name="connsiteY28" fmla="*/ 858755 h 3709642"/>
+              <a:gd name="connsiteX29" fmla="*/ 155551 w 559472"/>
+              <a:gd name="connsiteY29" fmla="*/ 736861 h 3709642"/>
+              <a:gd name="connsiteX30" fmla="*/ 131782 w 559472"/>
+              <a:gd name="connsiteY30" fmla="*/ 613645 h 3709642"/>
+              <a:gd name="connsiteX31" fmla="*/ 107123 w 559472"/>
+              <a:gd name="connsiteY31" fmla="*/ 490500 h 3709642"/>
+              <a:gd name="connsiteX32" fmla="*/ 82552 w 559472"/>
+              <a:gd name="connsiteY32" fmla="*/ 367348 h 3709642"/>
+              <a:gd name="connsiteX33" fmla="*/ 55608 w 559472"/>
+              <a:gd name="connsiteY33" fmla="*/ 244762 h 3709642"/>
+              <a:gd name="connsiteX34" fmla="*/ 28130 w 559472"/>
+              <a:gd name="connsiteY34" fmla="*/ 122220 h 3709642"/>
+              <a:gd name="connsiteX35" fmla="*/ 0 w 559472"/>
+              <a:gd name="connsiteY35" fmla="*/ 0 h 3709642"/>
+            </a:gdLst>
+            <a:ahLst/>
+            <a:cxnLst>
+              <a:cxn ang="0">
+                <a:pos x="connsiteX0" y="connsiteY0"/>
+              </a:cxn>
+              <a:cxn ang="0">
+                <a:pos x="connsiteX1" y="connsiteY1"/>
+              </a:cxn>
+              <a:cxn ang="0">
+                <a:pos x="connsiteX2" y="connsiteY2"/>
+              </a:cxn>
+              <a:cxn ang="0">
+                <a:pos x="connsiteX3" y="connsiteY3"/>
+              </a:cxn>
+              <a:cxn ang="0">
+                <a:pos x="connsiteX4" y="connsiteY4"/>
+              </a:cxn>
+              <a:cxn ang="0">
+                <a:pos x="connsiteX5" y="connsiteY5"/>
+              </a:cxn>
+              <a:cxn ang="0">
+                <a:pos x="connsiteX6" y="connsiteY6"/>
+              </a:cxn>
+              <a:cxn ang="0">
+                <a:pos x="connsiteX7" y="connsiteY7"/>
+              </a:cxn>
+              <a:cxn ang="0">
+                <a:pos x="connsiteX8" y="connsiteY8"/>
+              </a:cxn>
+              <a:cxn ang="0">
+                <a:pos x="connsiteX9" y="connsiteY9"/>
+              </a:cxn>
+              <a:cxn ang="0">
+                <a:pos x="connsiteX10" y="connsiteY10"/>
+              </a:cxn>
+              <a:cxn ang="0">
+                <a:pos x="connsiteX11" y="connsiteY11"/>
+              </a:cxn>
+              <a:cxn ang="0">
+                <a:pos x="connsiteX12" y="connsiteY12"/>
+              </a:cxn>
+              <a:cxn ang="0">
+                <a:pos x="connsiteX13" y="connsiteY13"/>
+              </a:cxn>
+              <a:cxn ang="0">
+                <a:pos x="connsiteX14" y="connsiteY14"/>
+              </a:cxn>
+              <a:cxn ang="0">
+                <a:pos x="connsiteX15" y="connsiteY15"/>
+              </a:cxn>
+              <a:cxn ang="0">
+                <a:pos x="connsiteX16" y="connsiteY16"/>
+              </a:cxn>
+              <a:cxn ang="0">
+                <a:pos x="connsiteX17" y="connsiteY17"/>
+              </a:cxn>
+              <a:cxn ang="0">
+                <a:pos x="connsiteX18" y="connsiteY18"/>
+              </a:cxn>
+              <a:cxn ang="0">
+                <a:pos x="connsiteX19" y="connsiteY19"/>
+              </a:cxn>
+              <a:cxn ang="0">
+                <a:pos x="connsiteX20" y="connsiteY20"/>
+              </a:cxn>
+              <a:cxn ang="0">
+                <a:pos x="connsiteX21" y="connsiteY21"/>
+              </a:cxn>
+              <a:cxn ang="0">
+                <a:pos x="connsiteX22" y="connsiteY22"/>
+              </a:cxn>
+              <a:cxn ang="0">
+                <a:pos x="connsiteX23" y="connsiteY23"/>
+              </a:cxn>
+              <a:cxn ang="0">
+                <a:pos x="connsiteX24" y="connsiteY24"/>
+              </a:cxn>
+              <a:cxn ang="0">
+                <a:pos x="connsiteX25" y="connsiteY25"/>
+              </a:cxn>
+              <a:cxn ang="0">
+                <a:pos x="connsiteX26" y="connsiteY26"/>
+              </a:cxn>
+              <a:cxn ang="0">
+                <a:pos x="connsiteX27" y="connsiteY27"/>
+              </a:cxn>
+              <a:cxn ang="0">
+                <a:pos x="connsiteX28" y="connsiteY28"/>
+              </a:cxn>
+              <a:cxn ang="0">
+                <a:pos x="connsiteX29" y="connsiteY29"/>
+              </a:cxn>
+              <a:cxn ang="0">
+                <a:pos x="connsiteX30" y="connsiteY30"/>
+              </a:cxn>
+              <a:cxn ang="0">
+                <a:pos x="connsiteX31" y="connsiteY31"/>
+              </a:cxn>
+              <a:cxn ang="0">
+                <a:pos x="connsiteX32" y="connsiteY32"/>
+              </a:cxn>
+              <a:cxn ang="0">
+                <a:pos x="connsiteX33" y="connsiteY33"/>
+              </a:cxn>
+              <a:cxn ang="0">
+                <a:pos x="connsiteX34" y="connsiteY34"/>
+              </a:cxn>
+              <a:cxn ang="0">
+                <a:pos x="connsiteX35" y="connsiteY35"/>
+              </a:cxn>
+            </a:cxnLst>
+            <a:rect l="l" t="t" r="r" b="b"/>
+            <a:pathLst>
+              <a:path w="559472" h="3709642">
+                <a:moveTo>
+                  <a:pt x="0" y="0"/>
+                </a:moveTo>
+                <a:lnTo>
+                  <a:pt x="473952" y="0"/>
+                </a:lnTo>
+                <a:lnTo>
+                  <a:pt x="485840" y="161194"/>
+                </a:lnTo>
+                <a:cubicBezTo>
+                  <a:pt x="552063" y="1147770"/>
+                  <a:pt x="592441" y="3086737"/>
+                  <a:pt x="523949" y="3672197"/>
+                </a:cubicBezTo>
+                <a:cubicBezTo>
+                  <a:pt x="500842" y="3684557"/>
+                  <a:pt x="477855" y="3697282"/>
+                  <a:pt x="454748" y="3709642"/>
+                </a:cubicBezTo>
+                <a:lnTo>
+                  <a:pt x="448224" y="3510471"/>
+                </a:lnTo>
+                <a:lnTo>
+                  <a:pt x="443564" y="3408563"/>
+                </a:lnTo>
+                <a:lnTo>
+                  <a:pt x="438902" y="3304407"/>
+                </a:lnTo>
+                <a:lnTo>
+                  <a:pt x="433941" y="3198777"/>
+                </a:lnTo>
+                <a:lnTo>
+                  <a:pt x="427584" y="3092510"/>
+                </a:lnTo>
+                <a:lnTo>
+                  <a:pt x="420988" y="2984390"/>
+                </a:lnTo>
+                <a:lnTo>
+                  <a:pt x="414330" y="2874401"/>
+                </a:lnTo>
+                <a:lnTo>
+                  <a:pt x="406840" y="2762980"/>
+                </a:lnTo>
+                <a:lnTo>
+                  <a:pt x="397745" y="2650566"/>
+                </a:lnTo>
+                <a:lnTo>
+                  <a:pt x="389154" y="2536612"/>
+                </a:lnTo>
+                <a:lnTo>
+                  <a:pt x="379225" y="2421642"/>
+                </a:lnTo>
+                <a:lnTo>
+                  <a:pt x="368316" y="2305627"/>
+                </a:lnTo>
+                <a:lnTo>
+                  <a:pt x="357466" y="2189233"/>
+                </a:lnTo>
+                <a:lnTo>
+                  <a:pt x="344982" y="2071473"/>
+                </a:lnTo>
+                <a:lnTo>
+                  <a:pt x="332466" y="1952216"/>
+                </a:lnTo>
+                <a:lnTo>
+                  <a:pt x="319121" y="1833776"/>
+                </a:lnTo>
+                <a:lnTo>
+                  <a:pt x="304408" y="1713948"/>
+                </a:lnTo>
+                <a:lnTo>
+                  <a:pt x="288685" y="1592703"/>
+                </a:lnTo>
+                <a:lnTo>
+                  <a:pt x="273050" y="1471451"/>
+                </a:lnTo>
+                <a:lnTo>
+                  <a:pt x="255813" y="1350328"/>
+                </a:lnTo>
+                <a:lnTo>
+                  <a:pt x="237060" y="1227080"/>
+                </a:lnTo>
+                <a:lnTo>
+                  <a:pt x="218488" y="1106065"/>
+                </a:lnTo>
+                <a:lnTo>
+                  <a:pt x="198221" y="982940"/>
+                </a:lnTo>
+                <a:lnTo>
+                  <a:pt x="177152" y="858755"/>
+                </a:lnTo>
+                <a:lnTo>
+                  <a:pt x="155551" y="736861"/>
+                </a:lnTo>
+                <a:lnTo>
+                  <a:pt x="131782" y="613645"/>
+                </a:lnTo>
+                <a:lnTo>
+                  <a:pt x="107123" y="490500"/>
+                </a:lnTo>
+                <a:lnTo>
+                  <a:pt x="82552" y="367348"/>
+                </a:lnTo>
+                <a:lnTo>
+                  <a:pt x="55608" y="244762"/>
+                </a:lnTo>
+                <a:lnTo>
+                  <a:pt x="28130" y="122220"/>
+                </a:lnTo>
+                <a:lnTo>
+                  <a:pt x="0" y="0"/>
+                </a:lnTo>
+                <a:close/>
+              </a:path>
+            </a:pathLst>
+          </a:custGeom>
+          <a:solidFill>
+            <a:schemeClr val="tx1">
+              <a:alpha val="20000"/>
+            </a:schemeClr>
+          </a:solidFill>
+          <a:ln>
+            <a:noFill/>
+          </a:ln>
+        </p:spPr>
+        <p:txBody>
+          <a:bodyPr rtlCol="0" anchor="ctr"/>
+          <a:lstStyle/>
+          <a:p>
+            <a:pPr algn="ctr"/>
+            <a:endParaRPr lang="en-US"/>
+          </a:p>
+        </p:txBody>
+      </p:sp>
+      <p:sp>
+        <p:nvSpPr>
+          <p:cNvPr id="27" name="Rectangle 26">
+            <a:extLst>
+              <a:ext uri="{FF2B5EF4-FFF2-40B4-BE49-F238E27FC236}">
+                <a16:creationId xmlns:a16="http://schemas.microsoft.com/office/drawing/2014/main" id="{5E6A537E-C106-45AE-9BBB-3CE559441813}"/>
+              </a:ext>
+              <a:ext uri="{C183D7F6-B498-43B3-948B-1728B52AA6E4}">
+                <adec:decorative xmlns:adec="http://schemas.microsoft.com/office/drawing/2017/decorative" val="1"/>
+              </a:ext>
+            </a:extLst>
+          </p:cNvPr>
+          <p:cNvSpPr>
+            <a:spLocks noGrp="1" noRot="1" noChangeAspect="1" noMove="1" noResize="1" noEditPoints="1" noAdjustHandles="1" noChangeArrowheads="1" noChangeShapeType="1" noTextEdit="1"/>
+          </p:cNvSpPr>
+          <p:nvPr>
+            <p:extLst>
+              <p:ext uri="{386F3935-93C4-4BCD-93E2-E3B085C9AB24}">
+                <p16:designElem xmlns:p16="http://schemas.microsoft.com/office/powerpoint/2015/main" val="1"/>
+              </p:ext>
+            </p:extLst>
+          </p:nvPr>
+        </p:nvSpPr>
+        <p:spPr>
+          <a:xfrm>
+            <a:off x="4639056" y="0"/>
+            <a:ext cx="7552944" cy="6858000"/>
+          </a:xfrm>
+          <a:prstGeom prst="rect">
+            <a:avLst/>
+          </a:prstGeom>
+          <a:solidFill>
+            <a:srgbClr val="FFFFFF"/>
+          </a:solidFill>
+          <a:ln>
+            <a:noFill/>
+          </a:ln>
+        </p:spPr>
+        <p:style>
+          <a:lnRef idx="2">
+            <a:schemeClr val="accent1">
+              <a:shade val="50000"/>
+            </a:schemeClr>
+          </a:lnRef>
+          <a:fillRef idx="1">
+            <a:schemeClr val="accent1"/>
+          </a:fillRef>
+          <a:effectRef idx="0">
+            <a:schemeClr val="accent1"/>
+          </a:effectRef>
+          <a:fontRef idx="minor">
+            <a:schemeClr val="lt1"/>
+          </a:fontRef>
+        </p:style>
+        <p:txBody>
+          <a:bodyPr rtlCol="0" anchor="ctr"/>
+          <a:lstStyle/>
+          <a:p>
+            <a:pPr algn="ctr"/>
+            <a:endParaRPr lang="en-US"/>
+          </a:p>
+        </p:txBody>
+      </p:sp>
+      <p:sp>
+        <p:nvSpPr>
+          <p:cNvPr id="29" name="Freeform 5">
+            <a:extLst>
+              <a:ext uri="{FF2B5EF4-FFF2-40B4-BE49-F238E27FC236}">
+                <a16:creationId xmlns:a16="http://schemas.microsoft.com/office/drawing/2014/main" id="{F918BA52-E4A7-4EEC-898E-C49023767C63}"/>
+              </a:ext>
+              <a:ext uri="{C183D7F6-B498-43B3-948B-1728B52AA6E4}">
+                <adec:decorative xmlns:adec="http://schemas.microsoft.com/office/drawing/2017/decorative" val="1"/>
+              </a:ext>
+            </a:extLst>
+          </p:cNvPr>
+          <p:cNvSpPr>
+            <a:spLocks noGrp="1" noRot="1" noChangeAspect="1" noMove="1" noResize="1" noEditPoints="1" noAdjustHandles="1" noChangeArrowheads="1" noChangeShapeType="1" noTextEdit="1"/>
+          </p:cNvSpPr>
+          <p:nvPr>
+            <p:extLst>
+              <p:ext uri="{386F3935-93C4-4BCD-93E2-E3B085C9AB24}">
+                <p16:designElem xmlns:p16="http://schemas.microsoft.com/office/powerpoint/2015/main" val="1"/>
+              </p:ext>
+            </p:extLst>
+          </p:nvPr>
+        </p:nvSpPr>
+        <p:spPr bwMode="gray">
+          <a:xfrm rot="16200000">
+            <a:off x="1404667" y="2756642"/>
+            <a:ext cx="6858000" cy="1344715"/>
+          </a:xfrm>
+          <a:custGeom>
+            <a:avLst/>
+            <a:gdLst/>
+            <a:ahLst/>
+            <a:cxnLst/>
+            <a:rect l="l" t="t" r="r" b="b"/>
+            <a:pathLst>
+              <a:path w="10000" h="8000">
+                <a:moveTo>
+                  <a:pt x="0" y="0"/>
+                </a:moveTo>
+                <a:lnTo>
+                  <a:pt x="0" y="7970"/>
+                </a:lnTo>
+                <a:lnTo>
+                  <a:pt x="10000" y="8000"/>
+                </a:lnTo>
+                <a:lnTo>
+                  <a:pt x="10000" y="7"/>
+                </a:lnTo>
+                <a:lnTo>
+                  <a:pt x="10000" y="7"/>
+                </a:lnTo>
+                <a:lnTo>
+                  <a:pt x="9773" y="156"/>
+                </a:lnTo>
+                <a:lnTo>
+                  <a:pt x="9547" y="298"/>
+                </a:lnTo>
+                <a:lnTo>
+                  <a:pt x="9320" y="437"/>
+                </a:lnTo>
+                <a:lnTo>
+                  <a:pt x="9092" y="556"/>
+                </a:lnTo>
+                <a:lnTo>
+                  <a:pt x="8865" y="676"/>
+                </a:lnTo>
+                <a:lnTo>
+                  <a:pt x="8637" y="788"/>
+                </a:lnTo>
+                <a:lnTo>
+                  <a:pt x="8412" y="884"/>
+                </a:lnTo>
+                <a:lnTo>
+                  <a:pt x="8184" y="975"/>
+                </a:lnTo>
+                <a:lnTo>
+                  <a:pt x="7957" y="1058"/>
+                </a:lnTo>
+                <a:lnTo>
+                  <a:pt x="7734" y="1130"/>
+                </a:lnTo>
+                <a:lnTo>
+                  <a:pt x="7508" y="1202"/>
+                </a:lnTo>
+                <a:lnTo>
+                  <a:pt x="7285" y="1262"/>
+                </a:lnTo>
+                <a:lnTo>
+                  <a:pt x="7062" y="1309"/>
+                </a:lnTo>
+                <a:lnTo>
+                  <a:pt x="6840" y="1358"/>
+                </a:lnTo>
+                <a:lnTo>
+                  <a:pt x="6620" y="1399"/>
+                </a:lnTo>
+                <a:lnTo>
+                  <a:pt x="6402" y="1428"/>
+                </a:lnTo>
+                <a:lnTo>
+                  <a:pt x="6184" y="1453"/>
+                </a:lnTo>
+                <a:lnTo>
+                  <a:pt x="5968" y="1477"/>
+                </a:lnTo>
+                <a:lnTo>
+                  <a:pt x="5755" y="1488"/>
+                </a:lnTo>
+                <a:lnTo>
+                  <a:pt x="5542" y="1500"/>
+                </a:lnTo>
+                <a:lnTo>
+                  <a:pt x="5332" y="1506"/>
+                </a:lnTo>
+                <a:lnTo>
+                  <a:pt x="5124" y="1500"/>
+                </a:lnTo>
+                <a:lnTo>
+                  <a:pt x="4918" y="1500"/>
+                </a:lnTo>
+                <a:lnTo>
+                  <a:pt x="4714" y="1488"/>
+                </a:lnTo>
+                <a:lnTo>
+                  <a:pt x="4514" y="1470"/>
+                </a:lnTo>
+                <a:lnTo>
+                  <a:pt x="4316" y="1453"/>
+                </a:lnTo>
+                <a:lnTo>
+                  <a:pt x="4122" y="1434"/>
+                </a:lnTo>
+                <a:lnTo>
+                  <a:pt x="3929" y="1405"/>
+                </a:lnTo>
+                <a:lnTo>
+                  <a:pt x="3739" y="1374"/>
+                </a:lnTo>
+                <a:lnTo>
+                  <a:pt x="3553" y="1346"/>
+                </a:lnTo>
+                <a:lnTo>
+                  <a:pt x="3190" y="1267"/>
+                </a:lnTo>
+                <a:lnTo>
+                  <a:pt x="2842" y="1183"/>
+                </a:lnTo>
+                <a:lnTo>
+                  <a:pt x="2508" y="1095"/>
+                </a:lnTo>
+                <a:lnTo>
+                  <a:pt x="2192" y="998"/>
+                </a:lnTo>
+                <a:lnTo>
+                  <a:pt x="1890" y="897"/>
+                </a:lnTo>
+                <a:lnTo>
+                  <a:pt x="1610" y="788"/>
+                </a:lnTo>
+                <a:lnTo>
+                  <a:pt x="1347" y="681"/>
+                </a:lnTo>
+                <a:lnTo>
+                  <a:pt x="1105" y="574"/>
+                </a:lnTo>
+                <a:lnTo>
+                  <a:pt x="883" y="473"/>
+                </a:lnTo>
+                <a:lnTo>
+                  <a:pt x="686" y="377"/>
+                </a:lnTo>
+                <a:lnTo>
+                  <a:pt x="508" y="286"/>
+                </a:lnTo>
+                <a:lnTo>
+                  <a:pt x="358" y="210"/>
+                </a:lnTo>
+                <a:lnTo>
+                  <a:pt x="232" y="138"/>
+                </a:lnTo>
+                <a:lnTo>
+                  <a:pt x="59" y="35"/>
+                </a:lnTo>
+                <a:lnTo>
+                  <a:pt x="0" y="0"/>
+                </a:lnTo>
+                <a:lnTo>
+                  <a:pt x="0" y="0"/>
+                </a:lnTo>
+                <a:close/>
+              </a:path>
+            </a:pathLst>
+          </a:custGeom>
+          <a:solidFill>
+            <a:srgbClr val="FFFFFF"/>
+          </a:solidFill>
+          <a:ln>
+            <a:noFill/>
+          </a:ln>
+        </p:spPr>
+      </p:sp>
+      <p:sp>
+        <p:nvSpPr>
+          <p:cNvPr id="31" name="Rectangle 30">
+            <a:extLst>
+              <a:ext uri="{FF2B5EF4-FFF2-40B4-BE49-F238E27FC236}">
+                <a16:creationId xmlns:a16="http://schemas.microsoft.com/office/drawing/2014/main" id="{86D3F3B7-282C-4DDC-AD1B-C497F2942BA6}"/>
+              </a:ext>
+              <a:ext uri="{C183D7F6-B498-43B3-948B-1728B52AA6E4}">
+                <adec:decorative xmlns:adec="http://schemas.microsoft.com/office/drawing/2017/decorative" val="1"/>
+              </a:ext>
+            </a:extLst>
+          </p:cNvPr>
+          <p:cNvSpPr>
+            <a:spLocks noGrp="1" noRot="1" noChangeAspect="1" noMove="1" noResize="1" noEditPoints="1" noAdjustHandles="1" noChangeArrowheads="1" noChangeShapeType="1" noTextEdit="1"/>
+          </p:cNvSpPr>
+          <p:nvPr>
+            <p:extLst>
+              <p:ext uri="{386F3935-93C4-4BCD-93E2-E3B085C9AB24}">
+                <p16:designElem xmlns:p16="http://schemas.microsoft.com/office/powerpoint/2015/main" val="1"/>
+              </p:ext>
+            </p:extLst>
+          </p:nvPr>
+        </p:nvSpPr>
+        <p:spPr>
+          <a:xfrm>
+            <a:off x="10437812" y="0"/>
+            <a:ext cx="685800" cy="1143000"/>
+          </a:xfrm>
+          <a:prstGeom prst="rect">
+            <a:avLst/>
+          </a:prstGeom>
+          <a:solidFill>
+            <a:schemeClr val="accent1"/>
+          </a:solidFill>
+          <a:ln>
+            <a:noFill/>
+          </a:ln>
+        </p:spPr>
+        <p:style>
+          <a:lnRef idx="1">
+            <a:schemeClr val="accent1"/>
+          </a:lnRef>
+          <a:fillRef idx="3">
+            <a:schemeClr val="accent1"/>
+          </a:fillRef>
+          <a:effectRef idx="2">
+            <a:schemeClr val="accent1"/>
+          </a:effectRef>
+          <a:fontRef idx="minor">
+            <a:schemeClr val="lt1"/>
+          </a:fontRef>
+        </p:style>
+      </p:sp>
+      <p:sp>
+        <p:nvSpPr>
+          <p:cNvPr id="4" name="Segnaposto contenuto 3"/>
+          <p:cNvSpPr>
+            <a:spLocks noGrp="1"/>
+          </p:cNvSpPr>
+          <p:nvPr>
+            <p:ph sz="half" idx="2"/>
+          </p:nvPr>
+        </p:nvSpPr>
+        <p:spPr>
+          <a:xfrm>
+            <a:off x="14117" y="2330680"/>
+            <a:ext cx="4369942" cy="2806236"/>
+          </a:xfrm>
+        </p:spPr>
+        <p:txBody>
+          <a:bodyPr vert="horz" lIns="91440" tIns="45720" rIns="91440" bIns="45720" rtlCol="0">
+            <a:normAutofit fontScale="92500" lnSpcReduction="10000"/>
+          </a:bodyPr>
+          <a:lstStyle/>
+          <a:p>
+            <a:pPr marL="0" indent="0">
+              <a:buNone/>
+            </a:pPr>
+            <a:r>
+              <a:rPr lang="en-US" sz="2200" dirty="0"/>
+              <a:t>La </a:t>
+            </a:r>
+            <a:r>
+              <a:rPr lang="en-US" sz="2200" b="1" dirty="0" err="1"/>
+              <a:t>finestra</a:t>
+            </a:r>
+            <a:r>
+              <a:rPr lang="en-US" sz="2200" dirty="0"/>
+              <a:t> per la </a:t>
+            </a:r>
+            <a:r>
+              <a:rPr lang="en-US" sz="2200" b="1" dirty="0" err="1"/>
+              <a:t>registrazione</a:t>
+            </a:r>
+            <a:r>
+              <a:rPr lang="en-US" sz="2200" dirty="0"/>
+              <a:t>:</a:t>
+            </a:r>
+          </a:p>
+          <a:p>
+            <a:pPr lvl="1">
+              <a:buFont typeface="Arial" panose="020B0604020202020204" pitchFamily="34" charset="0"/>
+              <a:buChar char="•"/>
+            </a:pPr>
+            <a:r>
+              <a:rPr lang="en-US" sz="2200" dirty="0" err="1"/>
+              <a:t>Permette</a:t>
+            </a:r>
+            <a:r>
+              <a:rPr lang="en-US" sz="2200" dirty="0"/>
+              <a:t> </a:t>
+            </a:r>
+            <a:r>
+              <a:rPr lang="en-US" sz="2200" dirty="0" err="1"/>
+              <a:t>all’utente</a:t>
+            </a:r>
+            <a:r>
+              <a:rPr lang="en-US" sz="2200" dirty="0"/>
+              <a:t> di </a:t>
+            </a:r>
+            <a:r>
+              <a:rPr lang="en-US" sz="2200" b="1" dirty="0" err="1"/>
+              <a:t>registrarsi</a:t>
+            </a:r>
+            <a:r>
+              <a:rPr lang="en-US" sz="2200" dirty="0"/>
+              <a:t> </a:t>
+            </a:r>
+            <a:r>
+              <a:rPr lang="en-US" sz="2200" dirty="0" err="1"/>
+              <a:t>all’interno</a:t>
+            </a:r>
+            <a:r>
+              <a:rPr lang="en-US" sz="2200" dirty="0"/>
+              <a:t> </a:t>
+            </a:r>
+            <a:r>
+              <a:rPr lang="en-US" sz="2200" dirty="0" err="1"/>
+              <a:t>della</a:t>
+            </a:r>
+            <a:r>
+              <a:rPr lang="en-US" sz="2200" dirty="0"/>
+              <a:t> nostra app.</a:t>
+            </a:r>
+          </a:p>
+          <a:p>
+            <a:pPr lvl="1">
+              <a:buFont typeface="Arial" panose="020B0604020202020204" pitchFamily="34" charset="0"/>
+              <a:buChar char="•"/>
+            </a:pPr>
+            <a:r>
+              <a:rPr lang="en-US" sz="2200" b="1" dirty="0" err="1"/>
+              <a:t>Ogni</a:t>
+            </a:r>
+            <a:r>
+              <a:rPr lang="en-US" sz="2200" b="1" dirty="0"/>
+              <a:t> </a:t>
+            </a:r>
+            <a:r>
+              <a:rPr lang="en-US" sz="2200" b="1" dirty="0" err="1"/>
+              <a:t>attributo</a:t>
+            </a:r>
+            <a:r>
+              <a:rPr lang="en-US" sz="2200" b="1" dirty="0"/>
+              <a:t> </a:t>
+            </a:r>
+            <a:r>
+              <a:rPr lang="en-US" sz="2200" dirty="0" err="1"/>
+              <a:t>dell’utente</a:t>
+            </a:r>
+            <a:r>
+              <a:rPr lang="en-US" sz="2200" dirty="0"/>
+              <a:t> </a:t>
+            </a:r>
+            <a:r>
+              <a:rPr lang="en-US" sz="2200" dirty="0" err="1"/>
+              <a:t>verrà</a:t>
+            </a:r>
+            <a:r>
+              <a:rPr lang="en-US" sz="2200" dirty="0"/>
+              <a:t> poi </a:t>
+            </a:r>
+            <a:r>
+              <a:rPr lang="en-US" sz="2200" b="1" dirty="0" err="1"/>
+              <a:t>salvato</a:t>
+            </a:r>
+            <a:r>
+              <a:rPr lang="en-US" sz="2200" dirty="0"/>
+              <a:t> in una </a:t>
+            </a:r>
+            <a:r>
+              <a:rPr lang="en-US" sz="2200" dirty="0" err="1"/>
+              <a:t>lista</a:t>
+            </a:r>
+            <a:r>
+              <a:rPr lang="en-US" sz="2200" dirty="0"/>
+              <a:t> e </a:t>
+            </a:r>
+            <a:r>
+              <a:rPr lang="en-US" sz="2200" dirty="0" err="1"/>
+              <a:t>su</a:t>
+            </a:r>
+            <a:r>
+              <a:rPr lang="en-US" sz="2200" dirty="0"/>
+              <a:t> un file di testo </a:t>
+            </a:r>
+            <a:r>
+              <a:rPr lang="en-US" sz="2200" dirty="0" err="1"/>
+              <a:t>che</a:t>
+            </a:r>
+            <a:r>
+              <a:rPr lang="en-US" sz="2200" dirty="0"/>
+              <a:t> </a:t>
+            </a:r>
+            <a:r>
+              <a:rPr lang="en-US" sz="2200" dirty="0" err="1"/>
+              <a:t>funge</a:t>
+            </a:r>
+            <a:r>
+              <a:rPr lang="en-US" sz="2200" dirty="0"/>
+              <a:t> da database.</a:t>
             </a:r>
             <a:br>
-              <a:rPr lang="it-IT" dirty="0" smtClean="0"/>
+              <a:rPr lang="en-US" sz="1200" dirty="0"/>
             </a:br>
-            <a:endParaRPr lang="it-IT" dirty="0" smtClean="0"/>
+            <a:endParaRPr lang="en-US" sz="1200" dirty="0"/>
+          </a:p>
+        </p:txBody>
+      </p:sp>
+      <p:pic>
+        <p:nvPicPr>
+          <p:cNvPr id="8" name="Segnaposto contenuto 4">
+            <a:extLst>
+              <a:ext uri="{FF2B5EF4-FFF2-40B4-BE49-F238E27FC236}">
+                <a16:creationId xmlns:a16="http://schemas.microsoft.com/office/drawing/2014/main" id="{84F3F2EF-93AB-43C4-8509-4D096410F2EC}"/>
+              </a:ext>
+            </a:extLst>
+          </p:cNvPr>
+          <p:cNvPicPr>
+            <a:picLocks noChangeAspect="1"/>
+          </p:cNvPicPr>
+          <p:nvPr/>
+        </p:nvPicPr>
+        <p:blipFill rotWithShape="1">
+          <a:blip r:embed="rId7"/>
+          <a:srcRect l="7091" t="3187" r="12938" b="3167"/>
+          <a:stretch/>
+        </p:blipFill>
+        <p:spPr>
+          <a:xfrm>
+            <a:off x="4732276" y="1728786"/>
+            <a:ext cx="7171551" cy="4010025"/>
+          </a:xfrm>
+          <a:prstGeom prst="rect">
+            <a:avLst/>
+          </a:prstGeom>
+          <a:ln>
+            <a:noFill/>
+          </a:ln>
+          <a:effectLst>
+            <a:outerShdw blurRad="292100" dist="139700" dir="2700000" algn="tl" rotWithShape="0">
+              <a:srgbClr val="333333">
+                <a:alpha val="65000"/>
+              </a:srgbClr>
+            </a:outerShdw>
+          </a:effectLst>
+        </p:spPr>
+      </p:pic>
+      <p:sp>
+        <p:nvSpPr>
+          <p:cNvPr id="20" name="CasellaDiTesto 19">
+            <a:extLst>
+              <a:ext uri="{FF2B5EF4-FFF2-40B4-BE49-F238E27FC236}">
+                <a16:creationId xmlns:a16="http://schemas.microsoft.com/office/drawing/2014/main" id="{731AB1AF-273E-478B-B8CD-92BFC6822803}"/>
+              </a:ext>
+            </a:extLst>
+          </p:cNvPr>
+          <p:cNvSpPr txBox="1"/>
+          <p:nvPr/>
+        </p:nvSpPr>
+        <p:spPr>
+          <a:xfrm>
+            <a:off x="14117" y="1491734"/>
+            <a:ext cx="2571429" cy="369332"/>
+          </a:xfrm>
+          <a:prstGeom prst="rect">
+            <a:avLst/>
+          </a:prstGeom>
+          <a:noFill/>
+        </p:spPr>
+        <p:txBody>
+          <a:bodyPr wrap="square">
+            <a:spAutoFit/>
+          </a:bodyPr>
+          <a:lstStyle/>
+          <a:p>
+            <a:r>
+              <a:rPr lang="it-IT" sz="1800" b="1" dirty="0"/>
+              <a:t>Finestra registrazione</a:t>
+            </a:r>
+          </a:p>
+        </p:txBody>
+      </p:sp>
+      <p:sp>
+        <p:nvSpPr>
+          <p:cNvPr id="22" name="CasellaDiTesto 21">
+            <a:extLst>
+              <a:ext uri="{FF2B5EF4-FFF2-40B4-BE49-F238E27FC236}">
+                <a16:creationId xmlns:a16="http://schemas.microsoft.com/office/drawing/2014/main" id="{E9C72B61-2F34-4BC0-B4E8-A8877E368EB8}"/>
+              </a:ext>
+            </a:extLst>
+          </p:cNvPr>
+          <p:cNvSpPr txBox="1"/>
+          <p:nvPr/>
+        </p:nvSpPr>
+        <p:spPr>
+          <a:xfrm>
+            <a:off x="8421416" y="6596390"/>
+            <a:ext cx="3770584" cy="261610"/>
+          </a:xfrm>
+          <a:prstGeom prst="rect">
+            <a:avLst/>
+          </a:prstGeom>
+          <a:noFill/>
+        </p:spPr>
+        <p:txBody>
+          <a:bodyPr wrap="none" rtlCol="0">
+            <a:spAutoFit/>
+          </a:bodyPr>
+          <a:lstStyle/>
+          <a:p>
+            <a:r>
+              <a:rPr lang="it-IT" sz="1100" dirty="0">
+                <a:solidFill>
+                  <a:schemeClr val="bg1"/>
+                </a:solidFill>
+              </a:rPr>
+              <a:t>Camagni Riccardo, D’</a:t>
+            </a:r>
+            <a:r>
+              <a:rPr lang="it-IT" sz="1100" dirty="0" err="1">
+                <a:solidFill>
+                  <a:schemeClr val="bg1"/>
+                </a:solidFill>
+              </a:rPr>
+              <a:t>Assaro</a:t>
+            </a:r>
+            <a:r>
+              <a:rPr lang="it-IT" sz="1100" dirty="0">
+                <a:solidFill>
+                  <a:schemeClr val="bg1"/>
+                </a:solidFill>
+              </a:rPr>
+              <a:t> Davide, Ginisi Gabriele</a:t>
+            </a:r>
           </a:p>
         </p:txBody>
       </p:sp>
@@ -8814,12 +10170,48 @@
   <p:clrMapOvr>
     <a:masterClrMapping/>
   </p:clrMapOvr>
+  <mc:AlternateContent xmlns:mc="http://schemas.openxmlformats.org/markup-compatibility/2006">
+    <mc:Choice xmlns:p14="http://schemas.microsoft.com/office/powerpoint/2010/main" Requires="p14">
+      <p:transition spd="slow" p14:dur="1750">
+        <p:fade/>
+      </p:transition>
+    </mc:Choice>
+    <mc:Fallback>
+      <p:transition spd="slow">
+        <p:fade/>
+      </p:transition>
+    </mc:Fallback>
+  </mc:AlternateContent>
 </p:sld>
 </file>
 
 <file path=ppt/slides/slide8.xml><?xml version="1.0" encoding="utf-8"?>
 <p:sld xmlns:a="http://schemas.openxmlformats.org/drawingml/2006/main" xmlns:r="http://schemas.openxmlformats.org/officeDocument/2006/relationships" xmlns:p="http://schemas.openxmlformats.org/presentationml/2006/main">
   <p:cSld>
+    <p:bg>
+      <p:bgPr>
+        <a:blipFill rotWithShape="1">
+          <a:blip r:embed="rId2">
+            <a:duotone>
+              <a:schemeClr val="bg2">
+                <a:shade val="62000"/>
+                <a:hueMod val="108000"/>
+                <a:satMod val="164000"/>
+                <a:lumMod val="69000"/>
+              </a:schemeClr>
+              <a:schemeClr val="bg2">
+                <a:tint val="96000"/>
+                <a:hueMod val="90000"/>
+                <a:satMod val="130000"/>
+                <a:lumMod val="134000"/>
+              </a:schemeClr>
+            </a:duotone>
+          </a:blip>
+          <a:stretch/>
+        </a:blipFill>
+        <a:effectLst/>
+      </p:bgPr>
+    </p:bg>
     <p:spTree>
       <p:nvGrpSpPr>
         <p:cNvPr id="1" name=""/>
@@ -8834,55 +10226,315 @@
           <a:chExt cx="0" cy="0"/>
         </a:xfrm>
       </p:grpSpPr>
-      <p:sp>
-        <p:nvSpPr>
-          <p:cNvPr id="2" name="Titolo 1"/>
-          <p:cNvSpPr>
-            <a:spLocks noGrp="1"/>
-          </p:cNvSpPr>
-          <p:nvPr>
-            <p:ph type="title"/>
-          </p:nvPr>
-        </p:nvSpPr>
-        <p:spPr/>
-        <p:txBody>
-          <a:bodyPr/>
-          <a:lstStyle/>
-          <a:p>
-            <a:r>
-              <a:rPr lang="it-IT" sz="4400" b="1" dirty="0"/>
-              <a:t>Funzionalità e finestre</a:t>
-            </a:r>
-            <a:endParaRPr lang="it-IT" dirty="0"/>
-          </a:p>
-        </p:txBody>
-      </p:sp>
       <p:pic>
         <p:nvPicPr>
-          <p:cNvPr id="5" name="Segnaposto contenuto 4"/>
+          <p:cNvPr id="13" name="Picture 12">
+            <a:extLst>
+              <a:ext uri="{FF2B5EF4-FFF2-40B4-BE49-F238E27FC236}">
+                <a16:creationId xmlns:a16="http://schemas.microsoft.com/office/drawing/2014/main" id="{7594FC8B-8CD2-407F-94F1-9C71F5AEC2B6}"/>
+              </a:ext>
+              <a:ext uri="{C183D7F6-B498-43B3-948B-1728B52AA6E4}">
+                <adec:decorative xmlns:adec="http://schemas.microsoft.com/office/drawing/2017/decorative" val="1"/>
+              </a:ext>
+            </a:extLst>
+          </p:cNvPr>
           <p:cNvPicPr>
-            <a:picLocks noGrp="1" noChangeAspect="1"/>
+            <a:picLocks noGrp="1" noRot="1" noChangeAspect="1" noMove="1" noResize="1" noEditPoints="1" noAdjustHandles="1" noChangeArrowheads="1" noChangeShapeType="1" noCrop="1"/>
           </p:cNvPicPr>
           <p:nvPr>
-            <p:ph sz="half" idx="1"/>
+            <p:extLst>
+              <p:ext uri="{386F3935-93C4-4BCD-93E2-E3B085C9AB24}">
+                <p16:designElem xmlns:p16="http://schemas.microsoft.com/office/powerpoint/2015/main" val="1"/>
+              </p:ext>
+            </p:extLst>
           </p:nvPr>
         </p:nvPicPr>
-        <p:blipFill>
-          <a:blip r:embed="rId2"/>
-          <a:stretch>
-            <a:fillRect/>
-          </a:stretch>
+        <p:blipFill rotWithShape="1">
+          <a:blip r:embed="rId3">
+            <a:extLst>
+              <a:ext uri="{28A0092B-C50C-407E-A947-70E740481C1C}">
+                <a14:useLocalDpi xmlns:a14="http://schemas.microsoft.com/office/drawing/2010/main" val="0"/>
+              </a:ext>
+            </a:extLst>
+          </a:blip>
+          <a:srcRect l="3613"/>
+          <a:stretch/>
         </p:blipFill>
         <p:spPr>
           <a:xfrm>
-            <a:off x="547257" y="2056092"/>
-            <a:ext cx="4929601" cy="3880022"/>
+            <a:off x="0" y="2669685"/>
+            <a:ext cx="4037012" cy="4188315"/>
           </a:xfrm>
           <a:prstGeom prst="rect">
             <a:avLst/>
           </a:prstGeom>
         </p:spPr>
       </p:pic>
+      <p:pic>
+        <p:nvPicPr>
+          <p:cNvPr id="15" name="Picture 14">
+            <a:extLst>
+              <a:ext uri="{FF2B5EF4-FFF2-40B4-BE49-F238E27FC236}">
+                <a16:creationId xmlns:a16="http://schemas.microsoft.com/office/drawing/2014/main" id="{DBABC971-8D40-4A4F-AC60-28B9172789B9}"/>
+              </a:ext>
+              <a:ext uri="{C183D7F6-B498-43B3-948B-1728B52AA6E4}">
+                <adec:decorative xmlns:adec="http://schemas.microsoft.com/office/drawing/2017/decorative" val="1"/>
+              </a:ext>
+            </a:extLst>
+          </p:cNvPr>
+          <p:cNvPicPr>
+            <a:picLocks noGrp="1" noRot="1" noChangeAspect="1" noMove="1" noResize="1" noEditPoints="1" noAdjustHandles="1" noChangeArrowheads="1" noChangeShapeType="1" noCrop="1"/>
+          </p:cNvPicPr>
+          <p:nvPr>
+            <p:extLst>
+              <p:ext uri="{386F3935-93C4-4BCD-93E2-E3B085C9AB24}">
+                <p16:designElem xmlns:p16="http://schemas.microsoft.com/office/powerpoint/2015/main" val="1"/>
+              </p:ext>
+            </p:extLst>
+          </p:nvPr>
+        </p:nvPicPr>
+        <p:blipFill rotWithShape="1">
+          <a:blip r:embed="rId4">
+            <a:extLst>
+              <a:ext uri="{28A0092B-C50C-407E-A947-70E740481C1C}">
+                <a14:useLocalDpi xmlns:a14="http://schemas.microsoft.com/office/drawing/2010/main" val="0"/>
+              </a:ext>
+            </a:extLst>
+          </a:blip>
+          <a:srcRect l="35640"/>
+          <a:stretch/>
+        </p:blipFill>
+        <p:spPr>
+          <a:xfrm>
+            <a:off x="0" y="2892347"/>
+            <a:ext cx="1522412" cy="2365453"/>
+          </a:xfrm>
+          <a:prstGeom prst="rect">
+            <a:avLst/>
+          </a:prstGeom>
+        </p:spPr>
+      </p:pic>
+      <p:sp>
+        <p:nvSpPr>
+          <p:cNvPr id="17" name="Oval 16">
+            <a:extLst>
+              <a:ext uri="{FF2B5EF4-FFF2-40B4-BE49-F238E27FC236}">
+                <a16:creationId xmlns:a16="http://schemas.microsoft.com/office/drawing/2014/main" id="{B9C04DC5-313B-4FE4-B868-5672A376419F}"/>
+              </a:ext>
+              <a:ext uri="{C183D7F6-B498-43B3-948B-1728B52AA6E4}">
+                <adec:decorative xmlns:adec="http://schemas.microsoft.com/office/drawing/2017/decorative" val="1"/>
+              </a:ext>
+            </a:extLst>
+          </p:cNvPr>
+          <p:cNvSpPr>
+            <a:spLocks noGrp="1" noRot="1" noChangeAspect="1" noMove="1" noResize="1" noEditPoints="1" noAdjustHandles="1" noChangeArrowheads="1" noChangeShapeType="1" noTextEdit="1"/>
+          </p:cNvSpPr>
+          <p:nvPr>
+            <p:extLst>
+              <p:ext uri="{386F3935-93C4-4BCD-93E2-E3B085C9AB24}">
+                <p16:designElem xmlns:p16="http://schemas.microsoft.com/office/powerpoint/2015/main" val="1"/>
+              </p:ext>
+            </p:extLst>
+          </p:nvPr>
+        </p:nvSpPr>
+        <p:spPr>
+          <a:xfrm>
+            <a:off x="8609012" y="1676400"/>
+            <a:ext cx="2819400" cy="2819400"/>
+          </a:xfrm>
+          <a:prstGeom prst="ellipse">
+            <a:avLst/>
+          </a:prstGeom>
+          <a:gradFill flip="none" rotWithShape="1">
+            <a:gsLst>
+              <a:gs pos="0">
+                <a:schemeClr val="bg2">
+                  <a:lumMod val="40000"/>
+                  <a:lumOff val="60000"/>
+                  <a:alpha val="7000"/>
+                </a:schemeClr>
+              </a:gs>
+              <a:gs pos="69000">
+                <a:schemeClr val="bg2">
+                  <a:lumMod val="40000"/>
+                  <a:lumOff val="60000"/>
+                  <a:alpha val="0"/>
+                </a:schemeClr>
+              </a:gs>
+              <a:gs pos="36000">
+                <a:schemeClr val="bg2">
+                  <a:lumMod val="40000"/>
+                  <a:lumOff val="60000"/>
+                  <a:alpha val="6000"/>
+                </a:schemeClr>
+              </a:gs>
+            </a:gsLst>
+            <a:path path="circle">
+              <a:fillToRect l="50000" t="50000" r="50000" b="50000"/>
+            </a:path>
+            <a:tileRect/>
+          </a:gradFill>
+          <a:ln>
+            <a:noFill/>
+          </a:ln>
+          <a:effectLst/>
+        </p:spPr>
+        <p:style>
+          <a:lnRef idx="1">
+            <a:schemeClr val="accent1"/>
+          </a:lnRef>
+          <a:fillRef idx="3">
+            <a:schemeClr val="accent1"/>
+          </a:fillRef>
+          <a:effectRef idx="2">
+            <a:schemeClr val="accent1"/>
+          </a:effectRef>
+          <a:fontRef idx="minor">
+            <a:schemeClr val="lt1"/>
+          </a:fontRef>
+        </p:style>
+      </p:sp>
+      <p:pic>
+        <p:nvPicPr>
+          <p:cNvPr id="19" name="Picture 18">
+            <a:extLst>
+              <a:ext uri="{FF2B5EF4-FFF2-40B4-BE49-F238E27FC236}">
+                <a16:creationId xmlns:a16="http://schemas.microsoft.com/office/drawing/2014/main" id="{791AE23E-90C9-4963-96E2-8DADBFC3BC09}"/>
+              </a:ext>
+              <a:ext uri="{C183D7F6-B498-43B3-948B-1728B52AA6E4}">
+                <adec:decorative xmlns:adec="http://schemas.microsoft.com/office/drawing/2017/decorative" val="1"/>
+              </a:ext>
+            </a:extLst>
+          </p:cNvPr>
+          <p:cNvPicPr>
+            <a:picLocks noGrp="1" noRot="1" noChangeAspect="1" noMove="1" noResize="1" noEditPoints="1" noAdjustHandles="1" noChangeArrowheads="1" noChangeShapeType="1" noCrop="1"/>
+          </p:cNvPicPr>
+          <p:nvPr>
+            <p:extLst>
+              <p:ext uri="{386F3935-93C4-4BCD-93E2-E3B085C9AB24}">
+                <p16:designElem xmlns:p16="http://schemas.microsoft.com/office/powerpoint/2015/main" val="1"/>
+              </p:ext>
+            </p:extLst>
+          </p:nvPr>
+        </p:nvPicPr>
+        <p:blipFill rotWithShape="1">
+          <a:blip r:embed="rId5">
+            <a:extLst>
+              <a:ext uri="{28A0092B-C50C-407E-A947-70E740481C1C}">
+                <a14:useLocalDpi xmlns:a14="http://schemas.microsoft.com/office/drawing/2010/main" val="0"/>
+              </a:ext>
+            </a:extLst>
+          </a:blip>
+          <a:srcRect t="28813"/>
+          <a:stretch/>
+        </p:blipFill>
+        <p:spPr>
+          <a:xfrm>
+            <a:off x="7999412" y="0"/>
+            <a:ext cx="1603387" cy="1141407"/>
+          </a:xfrm>
+          <a:prstGeom prst="rect">
+            <a:avLst/>
+          </a:prstGeom>
+        </p:spPr>
+      </p:pic>
+      <p:pic>
+        <p:nvPicPr>
+          <p:cNvPr id="21" name="Picture 20">
+            <a:extLst>
+              <a:ext uri="{FF2B5EF4-FFF2-40B4-BE49-F238E27FC236}">
+                <a16:creationId xmlns:a16="http://schemas.microsoft.com/office/drawing/2014/main" id="{C5F93E90-4379-4AAC-B021-E5FA6D974AED}"/>
+              </a:ext>
+              <a:ext uri="{C183D7F6-B498-43B3-948B-1728B52AA6E4}">
+                <adec:decorative xmlns:adec="http://schemas.microsoft.com/office/drawing/2017/decorative" val="1"/>
+              </a:ext>
+            </a:extLst>
+          </p:cNvPr>
+          <p:cNvPicPr>
+            <a:picLocks noGrp="1" noRot="1" noChangeAspect="1" noMove="1" noResize="1" noEditPoints="1" noAdjustHandles="1" noChangeArrowheads="1" noChangeShapeType="1" noCrop="1"/>
+          </p:cNvPicPr>
+          <p:nvPr>
+            <p:extLst>
+              <p:ext uri="{386F3935-93C4-4BCD-93E2-E3B085C9AB24}">
+                <p16:designElem xmlns:p16="http://schemas.microsoft.com/office/powerpoint/2015/main" val="1"/>
+              </p:ext>
+            </p:extLst>
+          </p:nvPr>
+        </p:nvPicPr>
+        <p:blipFill rotWithShape="1">
+          <a:blip r:embed="rId6">
+            <a:extLst>
+              <a:ext uri="{28A0092B-C50C-407E-A947-70E740481C1C}">
+                <a14:useLocalDpi xmlns:a14="http://schemas.microsoft.com/office/drawing/2010/main" val="0"/>
+              </a:ext>
+            </a:extLst>
+          </a:blip>
+          <a:srcRect b="23320"/>
+          <a:stretch/>
+        </p:blipFill>
+        <p:spPr>
+          <a:xfrm>
+            <a:off x="8609012" y="6096000"/>
+            <a:ext cx="993734" cy="762000"/>
+          </a:xfrm>
+          <a:prstGeom prst="rect">
+            <a:avLst/>
+          </a:prstGeom>
+        </p:spPr>
+      </p:pic>
+      <p:sp>
+        <p:nvSpPr>
+          <p:cNvPr id="23" name="Rectangle 22">
+            <a:extLst>
+              <a:ext uri="{FF2B5EF4-FFF2-40B4-BE49-F238E27FC236}">
+                <a16:creationId xmlns:a16="http://schemas.microsoft.com/office/drawing/2014/main" id="{329FDD08-42D8-4AFF-90E5-5DAA5BC4CBD8}"/>
+              </a:ext>
+              <a:ext uri="{C183D7F6-B498-43B3-948B-1728B52AA6E4}">
+                <adec:decorative xmlns:adec="http://schemas.microsoft.com/office/drawing/2017/decorative" val="1"/>
+              </a:ext>
+            </a:extLst>
+          </p:cNvPr>
+          <p:cNvSpPr>
+            <a:spLocks noGrp="1" noRot="1" noChangeAspect="1" noMove="1" noResize="1" noEditPoints="1" noAdjustHandles="1" noChangeArrowheads="1" noChangeShapeType="1" noTextEdit="1"/>
+          </p:cNvSpPr>
+          <p:nvPr>
+            <p:extLst>
+              <p:ext uri="{386F3935-93C4-4BCD-93E2-E3B085C9AB24}">
+                <p16:designElem xmlns:p16="http://schemas.microsoft.com/office/powerpoint/2015/main" val="1"/>
+              </p:ext>
+            </p:extLst>
+          </p:nvPr>
+        </p:nvSpPr>
+        <p:spPr>
+          <a:xfrm>
+            <a:off x="10437812" y="0"/>
+            <a:ext cx="685800" cy="1143000"/>
+          </a:xfrm>
+          <a:prstGeom prst="rect">
+            <a:avLst/>
+          </a:prstGeom>
+          <a:solidFill>
+            <a:schemeClr val="accent1"/>
+          </a:solidFill>
+          <a:ln>
+            <a:noFill/>
+          </a:ln>
+        </p:spPr>
+        <p:style>
+          <a:lnRef idx="1">
+            <a:schemeClr val="accent1"/>
+          </a:lnRef>
+          <a:fillRef idx="3">
+            <a:schemeClr val="accent1"/>
+          </a:fillRef>
+          <a:effectRef idx="2">
+            <a:schemeClr val="accent1"/>
+          </a:effectRef>
+          <a:fontRef idx="minor">
+            <a:schemeClr val="lt1"/>
+          </a:fontRef>
+        </p:style>
+      </p:sp>
       <p:sp>
         <p:nvSpPr>
           <p:cNvPr id="4" name="Segnaposto contenuto 3"/>
@@ -8893,22 +10545,1105 @@
             <p:ph sz="half" idx="2"/>
           </p:nvPr>
         </p:nvSpPr>
-        <p:spPr/>
-        <p:txBody>
-          <a:bodyPr/>
+        <p:spPr>
+          <a:xfrm>
+            <a:off x="0" y="2444925"/>
+            <a:ext cx="5353050" cy="2529429"/>
+          </a:xfrm>
+        </p:spPr>
+        <p:txBody>
+          <a:bodyPr vert="horz" lIns="91440" tIns="45720" rIns="91440" bIns="45720" rtlCol="0">
+            <a:noAutofit/>
+          </a:bodyPr>
           <a:lstStyle/>
           <a:p>
-            <a:r>
-              <a:rPr lang="it-IT" dirty="0" smtClean="0"/>
-              <a:t>La finestra login permette di verificare la validità dell’utente che prova ad accedere all’area riservata</a:t>
-            </a:r>
-          </a:p>
-          <a:p>
-            <a:r>
-              <a:rPr lang="it-IT" dirty="0" smtClean="0"/>
-              <a:t>Se le credenziali sono corrette l’utente potrà accedere alla sua area riservata</a:t>
-            </a:r>
-            <a:endParaRPr lang="it-IT" dirty="0"/>
+            <a:pPr marL="0" indent="0">
+              <a:buNone/>
+            </a:pPr>
+            <a:r>
+              <a:rPr lang="en-US" sz="2000" dirty="0"/>
+              <a:t>La </a:t>
+            </a:r>
+            <a:r>
+              <a:rPr lang="en-US" sz="2000" b="1" dirty="0" err="1"/>
+              <a:t>finestra</a:t>
+            </a:r>
+            <a:r>
+              <a:rPr lang="en-US" sz="2000" dirty="0"/>
+              <a:t> per il </a:t>
+            </a:r>
+            <a:r>
+              <a:rPr lang="en-US" sz="2000" b="1" dirty="0"/>
+              <a:t>login:</a:t>
+            </a:r>
+          </a:p>
+          <a:p>
+            <a:pPr lvl="1">
+              <a:buFont typeface="Arial" panose="020B0604020202020204" pitchFamily="34" charset="0"/>
+              <a:buChar char="•"/>
+            </a:pPr>
+            <a:r>
+              <a:rPr lang="en-US" sz="2000" dirty="0" err="1"/>
+              <a:t>Permette</a:t>
+            </a:r>
+            <a:r>
+              <a:rPr lang="en-US" sz="2000" dirty="0"/>
+              <a:t> di </a:t>
+            </a:r>
+            <a:r>
+              <a:rPr lang="en-US" sz="2000" dirty="0" err="1"/>
+              <a:t>verificare</a:t>
+            </a:r>
+            <a:r>
+              <a:rPr lang="en-US" sz="2000" dirty="0"/>
+              <a:t> la </a:t>
+            </a:r>
+            <a:r>
+              <a:rPr lang="en-US" sz="2000" dirty="0" err="1"/>
+              <a:t>validità</a:t>
+            </a:r>
+            <a:r>
+              <a:rPr lang="en-US" sz="2000" dirty="0"/>
+              <a:t> </a:t>
+            </a:r>
+            <a:r>
+              <a:rPr lang="en-US" sz="2000" dirty="0" err="1"/>
+              <a:t>dell’utente</a:t>
+            </a:r>
+            <a:r>
+              <a:rPr lang="en-US" sz="2000" dirty="0"/>
+              <a:t> </a:t>
+            </a:r>
+            <a:r>
+              <a:rPr lang="en-US" sz="2000" dirty="0" err="1"/>
+              <a:t>che</a:t>
+            </a:r>
+            <a:r>
+              <a:rPr lang="en-US" sz="2000" dirty="0"/>
+              <a:t> </a:t>
+            </a:r>
+            <a:r>
+              <a:rPr lang="en-US" sz="2000" dirty="0" err="1"/>
+              <a:t>prova</a:t>
+            </a:r>
+            <a:r>
+              <a:rPr lang="en-US" sz="2000" dirty="0"/>
+              <a:t> ad </a:t>
+            </a:r>
+            <a:r>
+              <a:rPr lang="en-US" sz="2000" dirty="0" err="1"/>
+              <a:t>accedere</a:t>
+            </a:r>
+            <a:r>
+              <a:rPr lang="en-US" sz="2000" dirty="0"/>
+              <a:t> </a:t>
+            </a:r>
+            <a:r>
+              <a:rPr lang="en-US" sz="2000" dirty="0" err="1"/>
+              <a:t>all’area</a:t>
+            </a:r>
+            <a:r>
+              <a:rPr lang="en-US" sz="2000" dirty="0"/>
+              <a:t> </a:t>
+            </a:r>
+            <a:r>
+              <a:rPr lang="en-US" sz="2000" dirty="0" err="1"/>
+              <a:t>riservata</a:t>
+            </a:r>
+            <a:endParaRPr lang="en-US" sz="2000" dirty="0"/>
+          </a:p>
+          <a:p>
+            <a:pPr lvl="1">
+              <a:buFont typeface="Arial" panose="020B0604020202020204" pitchFamily="34" charset="0"/>
+              <a:buChar char="•"/>
+            </a:pPr>
+            <a:r>
+              <a:rPr lang="en-US" sz="2000" dirty="0"/>
+              <a:t>Se le </a:t>
+            </a:r>
+            <a:r>
+              <a:rPr lang="en-US" sz="2000" dirty="0" err="1"/>
+              <a:t>credenziali</a:t>
+            </a:r>
+            <a:r>
+              <a:rPr lang="en-US" sz="2000" dirty="0"/>
+              <a:t> </a:t>
+            </a:r>
+            <a:r>
+              <a:rPr lang="en-US" sz="2000" dirty="0" err="1"/>
+              <a:t>sono</a:t>
+            </a:r>
+            <a:r>
+              <a:rPr lang="en-US" sz="2000" dirty="0"/>
+              <a:t> </a:t>
+            </a:r>
+            <a:r>
+              <a:rPr lang="en-US" sz="2000" dirty="0" err="1"/>
+              <a:t>corrette</a:t>
+            </a:r>
+            <a:r>
+              <a:rPr lang="en-US" sz="2000" dirty="0"/>
+              <a:t> </a:t>
+            </a:r>
+            <a:r>
+              <a:rPr lang="en-US" sz="2000" dirty="0" err="1"/>
+              <a:t>l’utente</a:t>
+            </a:r>
+            <a:r>
+              <a:rPr lang="en-US" sz="2000" dirty="0"/>
+              <a:t> </a:t>
+            </a:r>
+            <a:r>
+              <a:rPr lang="en-US" sz="2000" dirty="0" err="1"/>
+              <a:t>potrà</a:t>
+            </a:r>
+            <a:r>
+              <a:rPr lang="en-US" sz="2000" dirty="0"/>
+              <a:t> </a:t>
+            </a:r>
+            <a:r>
+              <a:rPr lang="en-US" sz="2000" dirty="0" err="1"/>
+              <a:t>accedere</a:t>
+            </a:r>
+            <a:r>
+              <a:rPr lang="en-US" sz="2000" dirty="0"/>
+              <a:t> </a:t>
+            </a:r>
+            <a:r>
+              <a:rPr lang="en-US" sz="2000" dirty="0" err="1"/>
+              <a:t>alla</a:t>
+            </a:r>
+            <a:r>
+              <a:rPr lang="en-US" sz="2000" dirty="0"/>
+              <a:t> </a:t>
+            </a:r>
+            <a:r>
+              <a:rPr lang="en-US" sz="2000" dirty="0" err="1"/>
+              <a:t>sua</a:t>
+            </a:r>
+            <a:r>
+              <a:rPr lang="en-US" sz="2000" dirty="0"/>
+              <a:t> area </a:t>
+            </a:r>
+            <a:r>
+              <a:rPr lang="en-US" sz="2000" dirty="0" err="1"/>
+              <a:t>riservata</a:t>
+            </a:r>
+            <a:endParaRPr lang="en-US" sz="2000" dirty="0"/>
+          </a:p>
+        </p:txBody>
+      </p:sp>
+      <p:sp>
+        <p:nvSpPr>
+          <p:cNvPr id="25" name="Freeform 31">
+            <a:extLst>
+              <a:ext uri="{FF2B5EF4-FFF2-40B4-BE49-F238E27FC236}">
+                <a16:creationId xmlns:a16="http://schemas.microsoft.com/office/drawing/2014/main" id="{D6CEF2A9-EF08-4FB3-AFFB-C5F77AB6E028}"/>
+              </a:ext>
+              <a:ext uri="{C183D7F6-B498-43B3-948B-1728B52AA6E4}">
+                <adec:decorative xmlns:adec="http://schemas.microsoft.com/office/drawing/2017/decorative" val="1"/>
+              </a:ext>
+            </a:extLst>
+          </p:cNvPr>
+          <p:cNvSpPr>
+            <a:spLocks noGrp="1" noRot="1" noChangeAspect="1" noMove="1" noResize="1" noEditPoints="1" noAdjustHandles="1" noChangeArrowheads="1" noChangeShapeType="1" noTextEdit="1"/>
+          </p:cNvSpPr>
+          <p:nvPr>
+            <p:extLst>
+              <p:ext uri="{386F3935-93C4-4BCD-93E2-E3B085C9AB24}">
+                <p16:designElem xmlns:p16="http://schemas.microsoft.com/office/powerpoint/2015/main" val="1"/>
+              </p:ext>
+            </p:extLst>
+          </p:nvPr>
+        </p:nvSpPr>
+        <p:spPr>
+          <a:xfrm>
+            <a:off x="4994020" y="-1"/>
+            <a:ext cx="559472" cy="3709642"/>
+          </a:xfrm>
+          <a:custGeom>
+            <a:avLst/>
+            <a:gdLst>
+              <a:gd name="connsiteX0" fmla="*/ 0 w 559472"/>
+              <a:gd name="connsiteY0" fmla="*/ 0 h 3709642"/>
+              <a:gd name="connsiteX1" fmla="*/ 473952 w 559472"/>
+              <a:gd name="connsiteY1" fmla="*/ 0 h 3709642"/>
+              <a:gd name="connsiteX2" fmla="*/ 485840 w 559472"/>
+              <a:gd name="connsiteY2" fmla="*/ 161194 h 3709642"/>
+              <a:gd name="connsiteX3" fmla="*/ 523949 w 559472"/>
+              <a:gd name="connsiteY3" fmla="*/ 3672197 h 3709642"/>
+              <a:gd name="connsiteX4" fmla="*/ 454748 w 559472"/>
+              <a:gd name="connsiteY4" fmla="*/ 3709642 h 3709642"/>
+              <a:gd name="connsiteX5" fmla="*/ 448224 w 559472"/>
+              <a:gd name="connsiteY5" fmla="*/ 3510471 h 3709642"/>
+              <a:gd name="connsiteX6" fmla="*/ 443564 w 559472"/>
+              <a:gd name="connsiteY6" fmla="*/ 3408563 h 3709642"/>
+              <a:gd name="connsiteX7" fmla="*/ 438902 w 559472"/>
+              <a:gd name="connsiteY7" fmla="*/ 3304407 h 3709642"/>
+              <a:gd name="connsiteX8" fmla="*/ 433941 w 559472"/>
+              <a:gd name="connsiteY8" fmla="*/ 3198777 h 3709642"/>
+              <a:gd name="connsiteX9" fmla="*/ 427584 w 559472"/>
+              <a:gd name="connsiteY9" fmla="*/ 3092510 h 3709642"/>
+              <a:gd name="connsiteX10" fmla="*/ 420988 w 559472"/>
+              <a:gd name="connsiteY10" fmla="*/ 2984390 h 3709642"/>
+              <a:gd name="connsiteX11" fmla="*/ 414330 w 559472"/>
+              <a:gd name="connsiteY11" fmla="*/ 2874401 h 3709642"/>
+              <a:gd name="connsiteX12" fmla="*/ 406840 w 559472"/>
+              <a:gd name="connsiteY12" fmla="*/ 2762980 h 3709642"/>
+              <a:gd name="connsiteX13" fmla="*/ 397745 w 559472"/>
+              <a:gd name="connsiteY13" fmla="*/ 2650566 h 3709642"/>
+              <a:gd name="connsiteX14" fmla="*/ 389154 w 559472"/>
+              <a:gd name="connsiteY14" fmla="*/ 2536612 h 3709642"/>
+              <a:gd name="connsiteX15" fmla="*/ 379225 w 559472"/>
+              <a:gd name="connsiteY15" fmla="*/ 2421642 h 3709642"/>
+              <a:gd name="connsiteX16" fmla="*/ 368316 w 559472"/>
+              <a:gd name="connsiteY16" fmla="*/ 2305627 h 3709642"/>
+              <a:gd name="connsiteX17" fmla="*/ 357466 w 559472"/>
+              <a:gd name="connsiteY17" fmla="*/ 2189233 h 3709642"/>
+              <a:gd name="connsiteX18" fmla="*/ 344982 w 559472"/>
+              <a:gd name="connsiteY18" fmla="*/ 2071473 h 3709642"/>
+              <a:gd name="connsiteX19" fmla="*/ 332466 w 559472"/>
+              <a:gd name="connsiteY19" fmla="*/ 1952216 h 3709642"/>
+              <a:gd name="connsiteX20" fmla="*/ 319121 w 559472"/>
+              <a:gd name="connsiteY20" fmla="*/ 1833776 h 3709642"/>
+              <a:gd name="connsiteX21" fmla="*/ 304408 w 559472"/>
+              <a:gd name="connsiteY21" fmla="*/ 1713948 h 3709642"/>
+              <a:gd name="connsiteX22" fmla="*/ 288685 w 559472"/>
+              <a:gd name="connsiteY22" fmla="*/ 1592703 h 3709642"/>
+              <a:gd name="connsiteX23" fmla="*/ 273050 w 559472"/>
+              <a:gd name="connsiteY23" fmla="*/ 1471451 h 3709642"/>
+              <a:gd name="connsiteX24" fmla="*/ 255813 w 559472"/>
+              <a:gd name="connsiteY24" fmla="*/ 1350328 h 3709642"/>
+              <a:gd name="connsiteX25" fmla="*/ 237060 w 559472"/>
+              <a:gd name="connsiteY25" fmla="*/ 1227080 h 3709642"/>
+              <a:gd name="connsiteX26" fmla="*/ 218488 w 559472"/>
+              <a:gd name="connsiteY26" fmla="*/ 1106065 h 3709642"/>
+              <a:gd name="connsiteX27" fmla="*/ 198221 w 559472"/>
+              <a:gd name="connsiteY27" fmla="*/ 982940 h 3709642"/>
+              <a:gd name="connsiteX28" fmla="*/ 177152 w 559472"/>
+              <a:gd name="connsiteY28" fmla="*/ 858755 h 3709642"/>
+              <a:gd name="connsiteX29" fmla="*/ 155551 w 559472"/>
+              <a:gd name="connsiteY29" fmla="*/ 736861 h 3709642"/>
+              <a:gd name="connsiteX30" fmla="*/ 131782 w 559472"/>
+              <a:gd name="connsiteY30" fmla="*/ 613645 h 3709642"/>
+              <a:gd name="connsiteX31" fmla="*/ 107123 w 559472"/>
+              <a:gd name="connsiteY31" fmla="*/ 490500 h 3709642"/>
+              <a:gd name="connsiteX32" fmla="*/ 82552 w 559472"/>
+              <a:gd name="connsiteY32" fmla="*/ 367348 h 3709642"/>
+              <a:gd name="connsiteX33" fmla="*/ 55608 w 559472"/>
+              <a:gd name="connsiteY33" fmla="*/ 244762 h 3709642"/>
+              <a:gd name="connsiteX34" fmla="*/ 28130 w 559472"/>
+              <a:gd name="connsiteY34" fmla="*/ 122220 h 3709642"/>
+              <a:gd name="connsiteX35" fmla="*/ 0 w 559472"/>
+              <a:gd name="connsiteY35" fmla="*/ 0 h 3709642"/>
+            </a:gdLst>
+            <a:ahLst/>
+            <a:cxnLst>
+              <a:cxn ang="0">
+                <a:pos x="connsiteX0" y="connsiteY0"/>
+              </a:cxn>
+              <a:cxn ang="0">
+                <a:pos x="connsiteX1" y="connsiteY1"/>
+              </a:cxn>
+              <a:cxn ang="0">
+                <a:pos x="connsiteX2" y="connsiteY2"/>
+              </a:cxn>
+              <a:cxn ang="0">
+                <a:pos x="connsiteX3" y="connsiteY3"/>
+              </a:cxn>
+              <a:cxn ang="0">
+                <a:pos x="connsiteX4" y="connsiteY4"/>
+              </a:cxn>
+              <a:cxn ang="0">
+                <a:pos x="connsiteX5" y="connsiteY5"/>
+              </a:cxn>
+              <a:cxn ang="0">
+                <a:pos x="connsiteX6" y="connsiteY6"/>
+              </a:cxn>
+              <a:cxn ang="0">
+                <a:pos x="connsiteX7" y="connsiteY7"/>
+              </a:cxn>
+              <a:cxn ang="0">
+                <a:pos x="connsiteX8" y="connsiteY8"/>
+              </a:cxn>
+              <a:cxn ang="0">
+                <a:pos x="connsiteX9" y="connsiteY9"/>
+              </a:cxn>
+              <a:cxn ang="0">
+                <a:pos x="connsiteX10" y="connsiteY10"/>
+              </a:cxn>
+              <a:cxn ang="0">
+                <a:pos x="connsiteX11" y="connsiteY11"/>
+              </a:cxn>
+              <a:cxn ang="0">
+                <a:pos x="connsiteX12" y="connsiteY12"/>
+              </a:cxn>
+              <a:cxn ang="0">
+                <a:pos x="connsiteX13" y="connsiteY13"/>
+              </a:cxn>
+              <a:cxn ang="0">
+                <a:pos x="connsiteX14" y="connsiteY14"/>
+              </a:cxn>
+              <a:cxn ang="0">
+                <a:pos x="connsiteX15" y="connsiteY15"/>
+              </a:cxn>
+              <a:cxn ang="0">
+                <a:pos x="connsiteX16" y="connsiteY16"/>
+              </a:cxn>
+              <a:cxn ang="0">
+                <a:pos x="connsiteX17" y="connsiteY17"/>
+              </a:cxn>
+              <a:cxn ang="0">
+                <a:pos x="connsiteX18" y="connsiteY18"/>
+              </a:cxn>
+              <a:cxn ang="0">
+                <a:pos x="connsiteX19" y="connsiteY19"/>
+              </a:cxn>
+              <a:cxn ang="0">
+                <a:pos x="connsiteX20" y="connsiteY20"/>
+              </a:cxn>
+              <a:cxn ang="0">
+                <a:pos x="connsiteX21" y="connsiteY21"/>
+              </a:cxn>
+              <a:cxn ang="0">
+                <a:pos x="connsiteX22" y="connsiteY22"/>
+              </a:cxn>
+              <a:cxn ang="0">
+                <a:pos x="connsiteX23" y="connsiteY23"/>
+              </a:cxn>
+              <a:cxn ang="0">
+                <a:pos x="connsiteX24" y="connsiteY24"/>
+              </a:cxn>
+              <a:cxn ang="0">
+                <a:pos x="connsiteX25" y="connsiteY25"/>
+              </a:cxn>
+              <a:cxn ang="0">
+                <a:pos x="connsiteX26" y="connsiteY26"/>
+              </a:cxn>
+              <a:cxn ang="0">
+                <a:pos x="connsiteX27" y="connsiteY27"/>
+              </a:cxn>
+              <a:cxn ang="0">
+                <a:pos x="connsiteX28" y="connsiteY28"/>
+              </a:cxn>
+              <a:cxn ang="0">
+                <a:pos x="connsiteX29" y="connsiteY29"/>
+              </a:cxn>
+              <a:cxn ang="0">
+                <a:pos x="connsiteX30" y="connsiteY30"/>
+              </a:cxn>
+              <a:cxn ang="0">
+                <a:pos x="connsiteX31" y="connsiteY31"/>
+              </a:cxn>
+              <a:cxn ang="0">
+                <a:pos x="connsiteX32" y="connsiteY32"/>
+              </a:cxn>
+              <a:cxn ang="0">
+                <a:pos x="connsiteX33" y="connsiteY33"/>
+              </a:cxn>
+              <a:cxn ang="0">
+                <a:pos x="connsiteX34" y="connsiteY34"/>
+              </a:cxn>
+              <a:cxn ang="0">
+                <a:pos x="connsiteX35" y="connsiteY35"/>
+              </a:cxn>
+            </a:cxnLst>
+            <a:rect l="l" t="t" r="r" b="b"/>
+            <a:pathLst>
+              <a:path w="559472" h="3709642">
+                <a:moveTo>
+                  <a:pt x="0" y="0"/>
+                </a:moveTo>
+                <a:lnTo>
+                  <a:pt x="473952" y="0"/>
+                </a:lnTo>
+                <a:lnTo>
+                  <a:pt x="485840" y="161194"/>
+                </a:lnTo>
+                <a:cubicBezTo>
+                  <a:pt x="552063" y="1147770"/>
+                  <a:pt x="592441" y="3086737"/>
+                  <a:pt x="523949" y="3672197"/>
+                </a:cubicBezTo>
+                <a:cubicBezTo>
+                  <a:pt x="500842" y="3684557"/>
+                  <a:pt x="477855" y="3697282"/>
+                  <a:pt x="454748" y="3709642"/>
+                </a:cubicBezTo>
+                <a:lnTo>
+                  <a:pt x="448224" y="3510471"/>
+                </a:lnTo>
+                <a:lnTo>
+                  <a:pt x="443564" y="3408563"/>
+                </a:lnTo>
+                <a:lnTo>
+                  <a:pt x="438902" y="3304407"/>
+                </a:lnTo>
+                <a:lnTo>
+                  <a:pt x="433941" y="3198777"/>
+                </a:lnTo>
+                <a:lnTo>
+                  <a:pt x="427584" y="3092510"/>
+                </a:lnTo>
+                <a:lnTo>
+                  <a:pt x="420988" y="2984390"/>
+                </a:lnTo>
+                <a:lnTo>
+                  <a:pt x="414330" y="2874401"/>
+                </a:lnTo>
+                <a:lnTo>
+                  <a:pt x="406840" y="2762980"/>
+                </a:lnTo>
+                <a:lnTo>
+                  <a:pt x="397745" y="2650566"/>
+                </a:lnTo>
+                <a:lnTo>
+                  <a:pt x="389154" y="2536612"/>
+                </a:lnTo>
+                <a:lnTo>
+                  <a:pt x="379225" y="2421642"/>
+                </a:lnTo>
+                <a:lnTo>
+                  <a:pt x="368316" y="2305627"/>
+                </a:lnTo>
+                <a:lnTo>
+                  <a:pt x="357466" y="2189233"/>
+                </a:lnTo>
+                <a:lnTo>
+                  <a:pt x="344982" y="2071473"/>
+                </a:lnTo>
+                <a:lnTo>
+                  <a:pt x="332466" y="1952216"/>
+                </a:lnTo>
+                <a:lnTo>
+                  <a:pt x="319121" y="1833776"/>
+                </a:lnTo>
+                <a:lnTo>
+                  <a:pt x="304408" y="1713948"/>
+                </a:lnTo>
+                <a:lnTo>
+                  <a:pt x="288685" y="1592703"/>
+                </a:lnTo>
+                <a:lnTo>
+                  <a:pt x="273050" y="1471451"/>
+                </a:lnTo>
+                <a:lnTo>
+                  <a:pt x="255813" y="1350328"/>
+                </a:lnTo>
+                <a:lnTo>
+                  <a:pt x="237060" y="1227080"/>
+                </a:lnTo>
+                <a:lnTo>
+                  <a:pt x="218488" y="1106065"/>
+                </a:lnTo>
+                <a:lnTo>
+                  <a:pt x="198221" y="982940"/>
+                </a:lnTo>
+                <a:lnTo>
+                  <a:pt x="177152" y="858755"/>
+                </a:lnTo>
+                <a:lnTo>
+                  <a:pt x="155551" y="736861"/>
+                </a:lnTo>
+                <a:lnTo>
+                  <a:pt x="131782" y="613645"/>
+                </a:lnTo>
+                <a:lnTo>
+                  <a:pt x="107123" y="490500"/>
+                </a:lnTo>
+                <a:lnTo>
+                  <a:pt x="82552" y="367348"/>
+                </a:lnTo>
+                <a:lnTo>
+                  <a:pt x="55608" y="244762"/>
+                </a:lnTo>
+                <a:lnTo>
+                  <a:pt x="28130" y="122220"/>
+                </a:lnTo>
+                <a:lnTo>
+                  <a:pt x="0" y="0"/>
+                </a:lnTo>
+                <a:close/>
+              </a:path>
+            </a:pathLst>
+          </a:custGeom>
+          <a:solidFill>
+            <a:schemeClr val="tx1">
+              <a:alpha val="20000"/>
+            </a:schemeClr>
+          </a:solidFill>
+          <a:ln>
+            <a:noFill/>
+          </a:ln>
+        </p:spPr>
+        <p:txBody>
+          <a:bodyPr rtlCol="0" anchor="ctr"/>
+          <a:lstStyle/>
+          <a:p>
+            <a:pPr algn="ctr"/>
+            <a:endParaRPr lang="en-US"/>
+          </a:p>
+        </p:txBody>
+      </p:sp>
+      <p:sp>
+        <p:nvSpPr>
+          <p:cNvPr id="27" name="Rectangle 26">
+            <a:extLst>
+              <a:ext uri="{FF2B5EF4-FFF2-40B4-BE49-F238E27FC236}">
+                <a16:creationId xmlns:a16="http://schemas.microsoft.com/office/drawing/2014/main" id="{4109C3C2-C0A8-4559-8462-8007573DF44C}"/>
+              </a:ext>
+              <a:ext uri="{C183D7F6-B498-43B3-948B-1728B52AA6E4}">
+                <adec:decorative xmlns:adec="http://schemas.microsoft.com/office/drawing/2017/decorative" val="1"/>
+              </a:ext>
+            </a:extLst>
+          </p:cNvPr>
+          <p:cNvSpPr>
+            <a:spLocks noGrp="1" noRot="1" noChangeAspect="1" noMove="1" noResize="1" noEditPoints="1" noAdjustHandles="1" noChangeArrowheads="1" noChangeShapeType="1" noTextEdit="1"/>
+          </p:cNvSpPr>
+          <p:nvPr>
+            <p:extLst>
+              <p:ext uri="{386F3935-93C4-4BCD-93E2-E3B085C9AB24}">
+                <p16:designElem xmlns:p16="http://schemas.microsoft.com/office/powerpoint/2015/main" val="1"/>
+              </p:ext>
+            </p:extLst>
+          </p:nvPr>
+        </p:nvSpPr>
+        <p:spPr>
+          <a:xfrm>
+            <a:off x="6093992" y="0"/>
+            <a:ext cx="6098427" cy="6858000"/>
+          </a:xfrm>
+          <a:prstGeom prst="rect">
+            <a:avLst/>
+          </a:prstGeom>
+          <a:solidFill>
+            <a:srgbClr val="FFFFFF"/>
+          </a:solidFill>
+          <a:ln>
+            <a:noFill/>
+          </a:ln>
+        </p:spPr>
+        <p:style>
+          <a:lnRef idx="2">
+            <a:schemeClr val="accent1">
+              <a:shade val="50000"/>
+            </a:schemeClr>
+          </a:lnRef>
+          <a:fillRef idx="1">
+            <a:schemeClr val="accent1"/>
+          </a:fillRef>
+          <a:effectRef idx="0">
+            <a:schemeClr val="accent1"/>
+          </a:effectRef>
+          <a:fontRef idx="minor">
+            <a:schemeClr val="lt1"/>
+          </a:fontRef>
+        </p:style>
+        <p:txBody>
+          <a:bodyPr rtlCol="0" anchor="ctr"/>
+          <a:lstStyle/>
+          <a:p>
+            <a:pPr algn="ctr"/>
+            <a:endParaRPr lang="en-US"/>
+          </a:p>
+        </p:txBody>
+      </p:sp>
+      <p:sp>
+        <p:nvSpPr>
+          <p:cNvPr id="29" name="Freeform 5">
+            <a:extLst>
+              <a:ext uri="{FF2B5EF4-FFF2-40B4-BE49-F238E27FC236}">
+                <a16:creationId xmlns:a16="http://schemas.microsoft.com/office/drawing/2014/main" id="{4C535542-B72A-4DE0-BE5A-5EA00508C77D}"/>
+              </a:ext>
+              <a:ext uri="{C183D7F6-B498-43B3-948B-1728B52AA6E4}">
+                <adec:decorative xmlns:adec="http://schemas.microsoft.com/office/drawing/2017/decorative" val="1"/>
+              </a:ext>
+            </a:extLst>
+          </p:cNvPr>
+          <p:cNvSpPr>
+            <a:spLocks noGrp="1" noRot="1" noChangeAspect="1" noMove="1" noResize="1" noEditPoints="1" noAdjustHandles="1" noChangeArrowheads="1" noChangeShapeType="1" noTextEdit="1"/>
+          </p:cNvSpPr>
+          <p:nvPr>
+            <p:extLst>
+              <p:ext uri="{386F3935-93C4-4BCD-93E2-E3B085C9AB24}">
+                <p16:designElem xmlns:p16="http://schemas.microsoft.com/office/powerpoint/2015/main" val="1"/>
+              </p:ext>
+            </p:extLst>
+          </p:nvPr>
+        </p:nvSpPr>
+        <p:spPr bwMode="gray">
+          <a:xfrm rot="16200000">
+            <a:off x="2450577" y="2756642"/>
+            <a:ext cx="6858000" cy="1344715"/>
+          </a:xfrm>
+          <a:custGeom>
+            <a:avLst/>
+            <a:gdLst/>
+            <a:ahLst/>
+            <a:cxnLst/>
+            <a:rect l="l" t="t" r="r" b="b"/>
+            <a:pathLst>
+              <a:path w="10000" h="8000">
+                <a:moveTo>
+                  <a:pt x="0" y="0"/>
+                </a:moveTo>
+                <a:lnTo>
+                  <a:pt x="0" y="7970"/>
+                </a:lnTo>
+                <a:lnTo>
+                  <a:pt x="10000" y="8000"/>
+                </a:lnTo>
+                <a:lnTo>
+                  <a:pt x="10000" y="7"/>
+                </a:lnTo>
+                <a:lnTo>
+                  <a:pt x="10000" y="7"/>
+                </a:lnTo>
+                <a:lnTo>
+                  <a:pt x="9773" y="156"/>
+                </a:lnTo>
+                <a:lnTo>
+                  <a:pt x="9547" y="298"/>
+                </a:lnTo>
+                <a:lnTo>
+                  <a:pt x="9320" y="437"/>
+                </a:lnTo>
+                <a:lnTo>
+                  <a:pt x="9092" y="556"/>
+                </a:lnTo>
+                <a:lnTo>
+                  <a:pt x="8865" y="676"/>
+                </a:lnTo>
+                <a:lnTo>
+                  <a:pt x="8637" y="788"/>
+                </a:lnTo>
+                <a:lnTo>
+                  <a:pt x="8412" y="884"/>
+                </a:lnTo>
+                <a:lnTo>
+                  <a:pt x="8184" y="975"/>
+                </a:lnTo>
+                <a:lnTo>
+                  <a:pt x="7957" y="1058"/>
+                </a:lnTo>
+                <a:lnTo>
+                  <a:pt x="7734" y="1130"/>
+                </a:lnTo>
+                <a:lnTo>
+                  <a:pt x="7508" y="1202"/>
+                </a:lnTo>
+                <a:lnTo>
+                  <a:pt x="7285" y="1262"/>
+                </a:lnTo>
+                <a:lnTo>
+                  <a:pt x="7062" y="1309"/>
+                </a:lnTo>
+                <a:lnTo>
+                  <a:pt x="6840" y="1358"/>
+                </a:lnTo>
+                <a:lnTo>
+                  <a:pt x="6620" y="1399"/>
+                </a:lnTo>
+                <a:lnTo>
+                  <a:pt x="6402" y="1428"/>
+                </a:lnTo>
+                <a:lnTo>
+                  <a:pt x="6184" y="1453"/>
+                </a:lnTo>
+                <a:lnTo>
+                  <a:pt x="5968" y="1477"/>
+                </a:lnTo>
+                <a:lnTo>
+                  <a:pt x="5755" y="1488"/>
+                </a:lnTo>
+                <a:lnTo>
+                  <a:pt x="5542" y="1500"/>
+                </a:lnTo>
+                <a:lnTo>
+                  <a:pt x="5332" y="1506"/>
+                </a:lnTo>
+                <a:lnTo>
+                  <a:pt x="5124" y="1500"/>
+                </a:lnTo>
+                <a:lnTo>
+                  <a:pt x="4918" y="1500"/>
+                </a:lnTo>
+                <a:lnTo>
+                  <a:pt x="4714" y="1488"/>
+                </a:lnTo>
+                <a:lnTo>
+                  <a:pt x="4514" y="1470"/>
+                </a:lnTo>
+                <a:lnTo>
+                  <a:pt x="4316" y="1453"/>
+                </a:lnTo>
+                <a:lnTo>
+                  <a:pt x="4122" y="1434"/>
+                </a:lnTo>
+                <a:lnTo>
+                  <a:pt x="3929" y="1405"/>
+                </a:lnTo>
+                <a:lnTo>
+                  <a:pt x="3739" y="1374"/>
+                </a:lnTo>
+                <a:lnTo>
+                  <a:pt x="3553" y="1346"/>
+                </a:lnTo>
+                <a:lnTo>
+                  <a:pt x="3190" y="1267"/>
+                </a:lnTo>
+                <a:lnTo>
+                  <a:pt x="2842" y="1183"/>
+                </a:lnTo>
+                <a:lnTo>
+                  <a:pt x="2508" y="1095"/>
+                </a:lnTo>
+                <a:lnTo>
+                  <a:pt x="2192" y="998"/>
+                </a:lnTo>
+                <a:lnTo>
+                  <a:pt x="1890" y="897"/>
+                </a:lnTo>
+                <a:lnTo>
+                  <a:pt x="1610" y="788"/>
+                </a:lnTo>
+                <a:lnTo>
+                  <a:pt x="1347" y="681"/>
+                </a:lnTo>
+                <a:lnTo>
+                  <a:pt x="1105" y="574"/>
+                </a:lnTo>
+                <a:lnTo>
+                  <a:pt x="883" y="473"/>
+                </a:lnTo>
+                <a:lnTo>
+                  <a:pt x="686" y="377"/>
+                </a:lnTo>
+                <a:lnTo>
+                  <a:pt x="508" y="286"/>
+                </a:lnTo>
+                <a:lnTo>
+                  <a:pt x="358" y="210"/>
+                </a:lnTo>
+                <a:lnTo>
+                  <a:pt x="232" y="138"/>
+                </a:lnTo>
+                <a:lnTo>
+                  <a:pt x="59" y="35"/>
+                </a:lnTo>
+                <a:lnTo>
+                  <a:pt x="0" y="0"/>
+                </a:lnTo>
+                <a:lnTo>
+                  <a:pt x="0" y="0"/>
+                </a:lnTo>
+                <a:close/>
+              </a:path>
+            </a:pathLst>
+          </a:custGeom>
+          <a:solidFill>
+            <a:srgbClr val="FFFFFF"/>
+          </a:solidFill>
+          <a:ln>
+            <a:noFill/>
+          </a:ln>
+        </p:spPr>
+      </p:sp>
+      <p:pic>
+        <p:nvPicPr>
+          <p:cNvPr id="8" name="Segnaposto contenuto 4">
+            <a:extLst>
+              <a:ext uri="{FF2B5EF4-FFF2-40B4-BE49-F238E27FC236}">
+                <a16:creationId xmlns:a16="http://schemas.microsoft.com/office/drawing/2014/main" id="{F953AC3E-38D7-4185-9AE3-C8BAEB4B51C3}"/>
+              </a:ext>
+            </a:extLst>
+          </p:cNvPr>
+          <p:cNvPicPr>
+            <a:picLocks noChangeAspect="1"/>
+          </p:cNvPicPr>
+          <p:nvPr/>
+        </p:nvPicPr>
+        <p:blipFill rotWithShape="1">
+          <a:blip r:embed="rId7"/>
+          <a:srcRect l="15592" t="8418" r="13450" b="10497"/>
+          <a:stretch/>
+        </p:blipFill>
+        <p:spPr>
+          <a:xfrm>
+            <a:off x="5732071" y="1294509"/>
+            <a:ext cx="6285550" cy="4830263"/>
+          </a:xfrm>
+          <a:prstGeom prst="rect">
+            <a:avLst/>
+          </a:prstGeom>
+          <a:ln>
+            <a:noFill/>
+          </a:ln>
+          <a:effectLst>
+            <a:outerShdw blurRad="292100" dist="139700" dir="2700000" algn="tl" rotWithShape="0">
+              <a:srgbClr val="333333">
+                <a:alpha val="65000"/>
+              </a:srgbClr>
+            </a:outerShdw>
+          </a:effectLst>
+        </p:spPr>
+      </p:pic>
+      <p:sp>
+        <p:nvSpPr>
+          <p:cNvPr id="31" name="Rectangle 30">
+            <a:extLst>
+              <a:ext uri="{FF2B5EF4-FFF2-40B4-BE49-F238E27FC236}">
+                <a16:creationId xmlns:a16="http://schemas.microsoft.com/office/drawing/2014/main" id="{11DF0705-615B-4CF3-A16F-8C14680D8BA6}"/>
+              </a:ext>
+              <a:ext uri="{C183D7F6-B498-43B3-948B-1728B52AA6E4}">
+                <adec:decorative xmlns:adec="http://schemas.microsoft.com/office/drawing/2017/decorative" val="1"/>
+              </a:ext>
+            </a:extLst>
+          </p:cNvPr>
+          <p:cNvSpPr>
+            <a:spLocks noGrp="1" noRot="1" noChangeAspect="1" noMove="1" noResize="1" noEditPoints="1" noAdjustHandles="1" noChangeArrowheads="1" noChangeShapeType="1" noTextEdit="1"/>
+          </p:cNvSpPr>
+          <p:nvPr>
+            <p:extLst>
+              <p:ext uri="{386F3935-93C4-4BCD-93E2-E3B085C9AB24}">
+                <p16:designElem xmlns:p16="http://schemas.microsoft.com/office/powerpoint/2015/main" val="1"/>
+              </p:ext>
+            </p:extLst>
+          </p:nvPr>
+        </p:nvSpPr>
+        <p:spPr>
+          <a:xfrm>
+            <a:off x="10442448" y="0"/>
+            <a:ext cx="685800" cy="1143000"/>
+          </a:xfrm>
+          <a:prstGeom prst="rect">
+            <a:avLst/>
+          </a:prstGeom>
+          <a:solidFill>
+            <a:schemeClr val="accent1"/>
+          </a:solidFill>
+          <a:ln>
+            <a:noFill/>
+          </a:ln>
+        </p:spPr>
+        <p:style>
+          <a:lnRef idx="1">
+            <a:schemeClr val="accent1"/>
+          </a:lnRef>
+          <a:fillRef idx="3">
+            <a:schemeClr val="accent1"/>
+          </a:fillRef>
+          <a:effectRef idx="2">
+            <a:schemeClr val="accent1"/>
+          </a:effectRef>
+          <a:fontRef idx="minor">
+            <a:schemeClr val="lt1"/>
+          </a:fontRef>
+        </p:style>
+      </p:sp>
+      <p:sp>
+        <p:nvSpPr>
+          <p:cNvPr id="22" name="Titolo 1">
+            <a:extLst>
+              <a:ext uri="{FF2B5EF4-FFF2-40B4-BE49-F238E27FC236}">
+                <a16:creationId xmlns:a16="http://schemas.microsoft.com/office/drawing/2014/main" id="{8A92CBF5-A1D7-4853-99A7-6965C66EE194}"/>
+              </a:ext>
+            </a:extLst>
+          </p:cNvPr>
+          <p:cNvSpPr txBox="1">
+            <a:spLocks/>
+          </p:cNvSpPr>
+          <p:nvPr/>
+        </p:nvSpPr>
+        <p:spPr>
+          <a:xfrm>
+            <a:off x="0" y="115824"/>
+            <a:ext cx="3862704" cy="1444752"/>
+          </a:xfrm>
+          <a:prstGeom prst="rect">
+            <a:avLst/>
+          </a:prstGeom>
+        </p:spPr>
+        <p:txBody>
+          <a:bodyPr vert="horz" lIns="91440" tIns="45720" rIns="91440" bIns="45720" rtlCol="0" anchor="b">
+            <a:noAutofit/>
+          </a:bodyPr>
+          <a:lstStyle>
+            <a:lvl1pPr algn="l" defTabSz="457200" rtl="0" eaLnBrk="1" latinLnBrk="0" hangingPunct="1">
+              <a:spcBef>
+                <a:spcPct val="0"/>
+              </a:spcBef>
+              <a:buNone/>
+              <a:defRPr sz="4200" b="0" i="0" kern="1200">
+                <a:solidFill>
+                  <a:schemeClr val="tx2"/>
+                </a:solidFill>
+                <a:latin typeface="+mj-lt"/>
+                <a:ea typeface="+mj-ea"/>
+                <a:cs typeface="+mj-cs"/>
+              </a:defRPr>
+            </a:lvl1pPr>
+            <a:lvl2pPr eaLnBrk="1" hangingPunct="1">
+              <a:defRPr>
+                <a:solidFill>
+                  <a:schemeClr val="tx2"/>
+                </a:solidFill>
+              </a:defRPr>
+            </a:lvl2pPr>
+            <a:lvl3pPr eaLnBrk="1" hangingPunct="1">
+              <a:defRPr>
+                <a:solidFill>
+                  <a:schemeClr val="tx2"/>
+                </a:solidFill>
+              </a:defRPr>
+            </a:lvl3pPr>
+            <a:lvl4pPr eaLnBrk="1" hangingPunct="1">
+              <a:defRPr>
+                <a:solidFill>
+                  <a:schemeClr val="tx2"/>
+                </a:solidFill>
+              </a:defRPr>
+            </a:lvl4pPr>
+            <a:lvl5pPr eaLnBrk="1" hangingPunct="1">
+              <a:defRPr>
+                <a:solidFill>
+                  <a:schemeClr val="tx2"/>
+                </a:solidFill>
+              </a:defRPr>
+            </a:lvl5pPr>
+            <a:lvl6pPr eaLnBrk="1" hangingPunct="1">
+              <a:defRPr>
+                <a:solidFill>
+                  <a:schemeClr val="tx2"/>
+                </a:solidFill>
+              </a:defRPr>
+            </a:lvl6pPr>
+            <a:lvl7pPr eaLnBrk="1" hangingPunct="1">
+              <a:defRPr>
+                <a:solidFill>
+                  <a:schemeClr val="tx2"/>
+                </a:solidFill>
+              </a:defRPr>
+            </a:lvl7pPr>
+            <a:lvl8pPr eaLnBrk="1" hangingPunct="1">
+              <a:defRPr>
+                <a:solidFill>
+                  <a:schemeClr val="tx2"/>
+                </a:solidFill>
+              </a:defRPr>
+            </a:lvl8pPr>
+            <a:lvl9pPr eaLnBrk="1" hangingPunct="1">
+              <a:defRPr>
+                <a:solidFill>
+                  <a:schemeClr val="tx2"/>
+                </a:solidFill>
+              </a:defRPr>
+            </a:lvl9pPr>
+          </a:lstStyle>
+          <a:p>
+            <a:r>
+              <a:rPr lang="en-US" sz="5000" b="1" dirty="0" err="1"/>
+              <a:t>Funzionalità</a:t>
+            </a:r>
+            <a:r>
+              <a:rPr lang="en-US" sz="5000" b="1" dirty="0"/>
+              <a:t> e </a:t>
+            </a:r>
+            <a:r>
+              <a:rPr lang="en-US" sz="5000" b="1" dirty="0" err="1"/>
+              <a:t>finestre</a:t>
+            </a:r>
+            <a:endParaRPr lang="en-US" sz="5000" b="1" dirty="0"/>
+          </a:p>
+        </p:txBody>
+      </p:sp>
+      <p:sp>
+        <p:nvSpPr>
+          <p:cNvPr id="24" name="CasellaDiTesto 23">
+            <a:extLst>
+              <a:ext uri="{FF2B5EF4-FFF2-40B4-BE49-F238E27FC236}">
+                <a16:creationId xmlns:a16="http://schemas.microsoft.com/office/drawing/2014/main" id="{C20B8800-7CB4-471E-A60F-2A07DEABE15F}"/>
+              </a:ext>
+            </a:extLst>
+          </p:cNvPr>
+          <p:cNvSpPr txBox="1"/>
+          <p:nvPr/>
+        </p:nvSpPr>
+        <p:spPr>
+          <a:xfrm>
+            <a:off x="14117" y="1491734"/>
+            <a:ext cx="2571429" cy="369332"/>
+          </a:xfrm>
+          <a:prstGeom prst="rect">
+            <a:avLst/>
+          </a:prstGeom>
+          <a:noFill/>
+        </p:spPr>
+        <p:txBody>
+          <a:bodyPr wrap="square">
+            <a:spAutoFit/>
+          </a:bodyPr>
+          <a:lstStyle/>
+          <a:p>
+            <a:r>
+              <a:rPr lang="it-IT" sz="1800" b="1" dirty="0"/>
+              <a:t>Finestra login</a:t>
+            </a:r>
+          </a:p>
+        </p:txBody>
+      </p:sp>
+      <p:sp>
+        <p:nvSpPr>
+          <p:cNvPr id="26" name="CasellaDiTesto 25">
+            <a:extLst>
+              <a:ext uri="{FF2B5EF4-FFF2-40B4-BE49-F238E27FC236}">
+                <a16:creationId xmlns:a16="http://schemas.microsoft.com/office/drawing/2014/main" id="{51173883-2505-467D-8470-C4F71F605E3C}"/>
+              </a:ext>
+            </a:extLst>
+          </p:cNvPr>
+          <p:cNvSpPr txBox="1"/>
+          <p:nvPr/>
+        </p:nvSpPr>
+        <p:spPr>
+          <a:xfrm>
+            <a:off x="8421416" y="6596390"/>
+            <a:ext cx="3770584" cy="261610"/>
+          </a:xfrm>
+          <a:prstGeom prst="rect">
+            <a:avLst/>
+          </a:prstGeom>
+          <a:noFill/>
+        </p:spPr>
+        <p:txBody>
+          <a:bodyPr wrap="none" rtlCol="0">
+            <a:spAutoFit/>
+          </a:bodyPr>
+          <a:lstStyle/>
+          <a:p>
+            <a:r>
+              <a:rPr lang="it-IT" sz="1100" dirty="0">
+                <a:solidFill>
+                  <a:schemeClr val="bg1"/>
+                </a:solidFill>
+              </a:rPr>
+              <a:t>Camagni Riccardo, D’</a:t>
+            </a:r>
+            <a:r>
+              <a:rPr lang="it-IT" sz="1100" dirty="0" err="1">
+                <a:solidFill>
+                  <a:schemeClr val="bg1"/>
+                </a:solidFill>
+              </a:rPr>
+              <a:t>Assaro</a:t>
+            </a:r>
+            <a:r>
+              <a:rPr lang="it-IT" sz="1100" dirty="0">
+                <a:solidFill>
+                  <a:schemeClr val="bg1"/>
+                </a:solidFill>
+              </a:rPr>
+              <a:t> Davide, Ginisi Gabriele</a:t>
+            </a:r>
           </a:p>
         </p:txBody>
       </p:sp>
@@ -8922,12 +11657,48 @@
   <p:clrMapOvr>
     <a:masterClrMapping/>
   </p:clrMapOvr>
+  <mc:AlternateContent xmlns:mc="http://schemas.openxmlformats.org/markup-compatibility/2006">
+    <mc:Choice xmlns:p14="http://schemas.microsoft.com/office/powerpoint/2010/main" Requires="p14">
+      <p:transition spd="slow" p14:dur="1750">
+        <p:fade/>
+      </p:transition>
+    </mc:Choice>
+    <mc:Fallback>
+      <p:transition spd="slow">
+        <p:fade/>
+      </p:transition>
+    </mc:Fallback>
+  </mc:AlternateContent>
 </p:sld>
 </file>
 
 <file path=ppt/slides/slide9.xml><?xml version="1.0" encoding="utf-8"?>
 <p:sld xmlns:a="http://schemas.openxmlformats.org/drawingml/2006/main" xmlns:r="http://schemas.openxmlformats.org/officeDocument/2006/relationships" xmlns:p="http://schemas.openxmlformats.org/presentationml/2006/main">
   <p:cSld>
+    <p:bg>
+      <p:bgPr>
+        <a:blipFill rotWithShape="1">
+          <a:blip r:embed="rId2">
+            <a:duotone>
+              <a:schemeClr val="bg2">
+                <a:shade val="62000"/>
+                <a:hueMod val="108000"/>
+                <a:satMod val="164000"/>
+                <a:lumMod val="69000"/>
+              </a:schemeClr>
+              <a:schemeClr val="bg2">
+                <a:tint val="96000"/>
+                <a:hueMod val="90000"/>
+                <a:satMod val="130000"/>
+                <a:lumMod val="134000"/>
+              </a:schemeClr>
+            </a:duotone>
+          </a:blip>
+          <a:stretch/>
+        </a:blipFill>
+        <a:effectLst/>
+      </p:bgPr>
+    </p:bg>
     <p:spTree>
       <p:nvGrpSpPr>
         <p:cNvPr id="1" name=""/>
@@ -8942,26 +11713,1138 @@
           <a:chExt cx="0" cy="0"/>
         </a:xfrm>
       </p:grpSpPr>
-      <p:sp>
-        <p:nvSpPr>
-          <p:cNvPr id="2" name="Titolo 1"/>
+      <p:pic>
+        <p:nvPicPr>
+          <p:cNvPr id="10" name="Picture 9">
+            <a:extLst>
+              <a:ext uri="{FF2B5EF4-FFF2-40B4-BE49-F238E27FC236}">
+                <a16:creationId xmlns:a16="http://schemas.microsoft.com/office/drawing/2014/main" id="{7594FC8B-8CD2-407F-94F1-9C71F5AEC2B6}"/>
+              </a:ext>
+              <a:ext uri="{C183D7F6-B498-43B3-948B-1728B52AA6E4}">
+                <adec:decorative xmlns:adec="http://schemas.microsoft.com/office/drawing/2017/decorative" val="1"/>
+              </a:ext>
+            </a:extLst>
+          </p:cNvPr>
+          <p:cNvPicPr>
+            <a:picLocks noGrp="1" noRot="1" noChangeAspect="1" noMove="1" noResize="1" noEditPoints="1" noAdjustHandles="1" noChangeArrowheads="1" noChangeShapeType="1" noCrop="1"/>
+          </p:cNvPicPr>
+          <p:nvPr>
+            <p:extLst>
+              <p:ext uri="{386F3935-93C4-4BCD-93E2-E3B085C9AB24}">
+                <p16:designElem xmlns:p16="http://schemas.microsoft.com/office/powerpoint/2015/main" val="1"/>
+              </p:ext>
+            </p:extLst>
+          </p:nvPr>
+        </p:nvPicPr>
+        <p:blipFill rotWithShape="1">
+          <a:blip r:embed="rId3">
+            <a:extLst>
+              <a:ext uri="{28A0092B-C50C-407E-A947-70E740481C1C}">
+                <a14:useLocalDpi xmlns:a14="http://schemas.microsoft.com/office/drawing/2010/main" val="0"/>
+              </a:ext>
+            </a:extLst>
+          </a:blip>
+          <a:srcRect l="3613"/>
+          <a:stretch/>
+        </p:blipFill>
+        <p:spPr>
+          <a:xfrm>
+            <a:off x="0" y="2669685"/>
+            <a:ext cx="4037012" cy="4188315"/>
+          </a:xfrm>
+          <a:prstGeom prst="rect">
+            <a:avLst/>
+          </a:prstGeom>
+        </p:spPr>
+      </p:pic>
+      <p:pic>
+        <p:nvPicPr>
+          <p:cNvPr id="12" name="Picture 11">
+            <a:extLst>
+              <a:ext uri="{FF2B5EF4-FFF2-40B4-BE49-F238E27FC236}">
+                <a16:creationId xmlns:a16="http://schemas.microsoft.com/office/drawing/2014/main" id="{DBABC971-8D40-4A4F-AC60-28B9172789B9}"/>
+              </a:ext>
+              <a:ext uri="{C183D7F6-B498-43B3-948B-1728B52AA6E4}">
+                <adec:decorative xmlns:adec="http://schemas.microsoft.com/office/drawing/2017/decorative" val="1"/>
+              </a:ext>
+            </a:extLst>
+          </p:cNvPr>
+          <p:cNvPicPr>
+            <a:picLocks noGrp="1" noRot="1" noChangeAspect="1" noMove="1" noResize="1" noEditPoints="1" noAdjustHandles="1" noChangeArrowheads="1" noChangeShapeType="1" noCrop="1"/>
+          </p:cNvPicPr>
+          <p:nvPr>
+            <p:extLst>
+              <p:ext uri="{386F3935-93C4-4BCD-93E2-E3B085C9AB24}">
+                <p16:designElem xmlns:p16="http://schemas.microsoft.com/office/powerpoint/2015/main" val="1"/>
+              </p:ext>
+            </p:extLst>
+          </p:nvPr>
+        </p:nvPicPr>
+        <p:blipFill rotWithShape="1">
+          <a:blip r:embed="rId4">
+            <a:extLst>
+              <a:ext uri="{28A0092B-C50C-407E-A947-70E740481C1C}">
+                <a14:useLocalDpi xmlns:a14="http://schemas.microsoft.com/office/drawing/2010/main" val="0"/>
+              </a:ext>
+            </a:extLst>
+          </a:blip>
+          <a:srcRect l="35640"/>
+          <a:stretch/>
+        </p:blipFill>
+        <p:spPr>
+          <a:xfrm>
+            <a:off x="0" y="2892347"/>
+            <a:ext cx="1522412" cy="2365453"/>
+          </a:xfrm>
+          <a:prstGeom prst="rect">
+            <a:avLst/>
+          </a:prstGeom>
+        </p:spPr>
+      </p:pic>
+      <p:sp>
+        <p:nvSpPr>
+          <p:cNvPr id="14" name="Oval 13">
+            <a:extLst>
+              <a:ext uri="{FF2B5EF4-FFF2-40B4-BE49-F238E27FC236}">
+                <a16:creationId xmlns:a16="http://schemas.microsoft.com/office/drawing/2014/main" id="{B9C04DC5-313B-4FE4-B868-5672A376419F}"/>
+              </a:ext>
+              <a:ext uri="{C183D7F6-B498-43B3-948B-1728B52AA6E4}">
+                <adec:decorative xmlns:adec="http://schemas.microsoft.com/office/drawing/2017/decorative" val="1"/>
+              </a:ext>
+            </a:extLst>
+          </p:cNvPr>
+          <p:cNvSpPr>
+            <a:spLocks noGrp="1" noRot="1" noChangeAspect="1" noMove="1" noResize="1" noEditPoints="1" noAdjustHandles="1" noChangeArrowheads="1" noChangeShapeType="1" noTextEdit="1"/>
+          </p:cNvSpPr>
+          <p:nvPr>
+            <p:extLst>
+              <p:ext uri="{386F3935-93C4-4BCD-93E2-E3B085C9AB24}">
+                <p16:designElem xmlns:p16="http://schemas.microsoft.com/office/powerpoint/2015/main" val="1"/>
+              </p:ext>
+            </p:extLst>
+          </p:nvPr>
+        </p:nvSpPr>
+        <p:spPr>
+          <a:xfrm>
+            <a:off x="8609012" y="1676400"/>
+            <a:ext cx="2819400" cy="2819400"/>
+          </a:xfrm>
+          <a:prstGeom prst="ellipse">
+            <a:avLst/>
+          </a:prstGeom>
+          <a:gradFill flip="none" rotWithShape="1">
+            <a:gsLst>
+              <a:gs pos="0">
+                <a:schemeClr val="bg2">
+                  <a:lumMod val="40000"/>
+                  <a:lumOff val="60000"/>
+                  <a:alpha val="7000"/>
+                </a:schemeClr>
+              </a:gs>
+              <a:gs pos="69000">
+                <a:schemeClr val="bg2">
+                  <a:lumMod val="40000"/>
+                  <a:lumOff val="60000"/>
+                  <a:alpha val="0"/>
+                </a:schemeClr>
+              </a:gs>
+              <a:gs pos="36000">
+                <a:schemeClr val="bg2">
+                  <a:lumMod val="40000"/>
+                  <a:lumOff val="60000"/>
+                  <a:alpha val="6000"/>
+                </a:schemeClr>
+              </a:gs>
+            </a:gsLst>
+            <a:path path="circle">
+              <a:fillToRect l="50000" t="50000" r="50000" b="50000"/>
+            </a:path>
+            <a:tileRect/>
+          </a:gradFill>
+          <a:ln>
+            <a:noFill/>
+          </a:ln>
+          <a:effectLst/>
+        </p:spPr>
+        <p:style>
+          <a:lnRef idx="1">
+            <a:schemeClr val="accent1"/>
+          </a:lnRef>
+          <a:fillRef idx="3">
+            <a:schemeClr val="accent1"/>
+          </a:fillRef>
+          <a:effectRef idx="2">
+            <a:schemeClr val="accent1"/>
+          </a:effectRef>
+          <a:fontRef idx="minor">
+            <a:schemeClr val="lt1"/>
+          </a:fontRef>
+        </p:style>
+      </p:sp>
+      <p:pic>
+        <p:nvPicPr>
+          <p:cNvPr id="16" name="Picture 15">
+            <a:extLst>
+              <a:ext uri="{FF2B5EF4-FFF2-40B4-BE49-F238E27FC236}">
+                <a16:creationId xmlns:a16="http://schemas.microsoft.com/office/drawing/2014/main" id="{791AE23E-90C9-4963-96E2-8DADBFC3BC09}"/>
+              </a:ext>
+              <a:ext uri="{C183D7F6-B498-43B3-948B-1728B52AA6E4}">
+                <adec:decorative xmlns:adec="http://schemas.microsoft.com/office/drawing/2017/decorative" val="1"/>
+              </a:ext>
+            </a:extLst>
+          </p:cNvPr>
+          <p:cNvPicPr>
+            <a:picLocks noGrp="1" noRot="1" noChangeAspect="1" noMove="1" noResize="1" noEditPoints="1" noAdjustHandles="1" noChangeArrowheads="1" noChangeShapeType="1" noCrop="1"/>
+          </p:cNvPicPr>
+          <p:nvPr>
+            <p:extLst>
+              <p:ext uri="{386F3935-93C4-4BCD-93E2-E3B085C9AB24}">
+                <p16:designElem xmlns:p16="http://schemas.microsoft.com/office/powerpoint/2015/main" val="1"/>
+              </p:ext>
+            </p:extLst>
+          </p:nvPr>
+        </p:nvPicPr>
+        <p:blipFill rotWithShape="1">
+          <a:blip r:embed="rId5">
+            <a:extLst>
+              <a:ext uri="{28A0092B-C50C-407E-A947-70E740481C1C}">
+                <a14:useLocalDpi xmlns:a14="http://schemas.microsoft.com/office/drawing/2010/main" val="0"/>
+              </a:ext>
+            </a:extLst>
+          </a:blip>
+          <a:srcRect t="28813"/>
+          <a:stretch/>
+        </p:blipFill>
+        <p:spPr>
+          <a:xfrm>
+            <a:off x="7999412" y="0"/>
+            <a:ext cx="1603387" cy="1141407"/>
+          </a:xfrm>
+          <a:prstGeom prst="rect">
+            <a:avLst/>
+          </a:prstGeom>
+        </p:spPr>
+      </p:pic>
+      <p:pic>
+        <p:nvPicPr>
+          <p:cNvPr id="18" name="Picture 17">
+            <a:extLst>
+              <a:ext uri="{FF2B5EF4-FFF2-40B4-BE49-F238E27FC236}">
+                <a16:creationId xmlns:a16="http://schemas.microsoft.com/office/drawing/2014/main" id="{C5F93E90-4379-4AAC-B021-E5FA6D974AED}"/>
+              </a:ext>
+              <a:ext uri="{C183D7F6-B498-43B3-948B-1728B52AA6E4}">
+                <adec:decorative xmlns:adec="http://schemas.microsoft.com/office/drawing/2017/decorative" val="1"/>
+              </a:ext>
+            </a:extLst>
+          </p:cNvPr>
+          <p:cNvPicPr>
+            <a:picLocks noGrp="1" noRot="1" noChangeAspect="1" noMove="1" noResize="1" noEditPoints="1" noAdjustHandles="1" noChangeArrowheads="1" noChangeShapeType="1" noCrop="1"/>
+          </p:cNvPicPr>
+          <p:nvPr>
+            <p:extLst>
+              <p:ext uri="{386F3935-93C4-4BCD-93E2-E3B085C9AB24}">
+                <p16:designElem xmlns:p16="http://schemas.microsoft.com/office/powerpoint/2015/main" val="1"/>
+              </p:ext>
+            </p:extLst>
+          </p:nvPr>
+        </p:nvPicPr>
+        <p:blipFill rotWithShape="1">
+          <a:blip r:embed="rId6">
+            <a:extLst>
+              <a:ext uri="{28A0092B-C50C-407E-A947-70E740481C1C}">
+                <a14:useLocalDpi xmlns:a14="http://schemas.microsoft.com/office/drawing/2010/main" val="0"/>
+              </a:ext>
+            </a:extLst>
+          </a:blip>
+          <a:srcRect b="23320"/>
+          <a:stretch/>
+        </p:blipFill>
+        <p:spPr>
+          <a:xfrm>
+            <a:off x="8609012" y="6096000"/>
+            <a:ext cx="993734" cy="762000"/>
+          </a:xfrm>
+          <a:prstGeom prst="rect">
+            <a:avLst/>
+          </a:prstGeom>
+        </p:spPr>
+      </p:pic>
+      <p:sp>
+        <p:nvSpPr>
+          <p:cNvPr id="20" name="Rectangle 19">
+            <a:extLst>
+              <a:ext uri="{FF2B5EF4-FFF2-40B4-BE49-F238E27FC236}">
+                <a16:creationId xmlns:a16="http://schemas.microsoft.com/office/drawing/2014/main" id="{329FDD08-42D8-4AFF-90E5-5DAA5BC4CBD8}"/>
+              </a:ext>
+              <a:ext uri="{C183D7F6-B498-43B3-948B-1728B52AA6E4}">
+                <adec:decorative xmlns:adec="http://schemas.microsoft.com/office/drawing/2017/decorative" val="1"/>
+              </a:ext>
+            </a:extLst>
+          </p:cNvPr>
+          <p:cNvSpPr>
+            <a:spLocks noGrp="1" noRot="1" noChangeAspect="1" noMove="1" noResize="1" noEditPoints="1" noAdjustHandles="1" noChangeArrowheads="1" noChangeShapeType="1" noTextEdit="1"/>
+          </p:cNvSpPr>
+          <p:nvPr>
+            <p:extLst>
+              <p:ext uri="{386F3935-93C4-4BCD-93E2-E3B085C9AB24}">
+                <p16:designElem xmlns:p16="http://schemas.microsoft.com/office/powerpoint/2015/main" val="1"/>
+              </p:ext>
+            </p:extLst>
+          </p:nvPr>
+        </p:nvSpPr>
+        <p:spPr>
+          <a:xfrm>
+            <a:off x="10437812" y="0"/>
+            <a:ext cx="685800" cy="1143000"/>
+          </a:xfrm>
+          <a:prstGeom prst="rect">
+            <a:avLst/>
+          </a:prstGeom>
+          <a:solidFill>
+            <a:schemeClr val="accent1"/>
+          </a:solidFill>
+          <a:ln>
+            <a:noFill/>
+          </a:ln>
+        </p:spPr>
+        <p:style>
+          <a:lnRef idx="1">
+            <a:schemeClr val="accent1"/>
+          </a:lnRef>
+          <a:fillRef idx="3">
+            <a:schemeClr val="accent1"/>
+          </a:fillRef>
+          <a:effectRef idx="2">
+            <a:schemeClr val="accent1"/>
+          </a:effectRef>
+          <a:fontRef idx="minor">
+            <a:schemeClr val="lt1"/>
+          </a:fontRef>
+        </p:style>
+      </p:sp>
+      <p:sp>
+        <p:nvSpPr>
+          <p:cNvPr id="22" name="Freeform 11">
+            <a:extLst>
+              <a:ext uri="{FF2B5EF4-FFF2-40B4-BE49-F238E27FC236}">
+                <a16:creationId xmlns:a16="http://schemas.microsoft.com/office/drawing/2014/main" id="{2FEA51AE-2D18-46BE-B2CA-B90B13168980}"/>
+              </a:ext>
+              <a:ext uri="{C183D7F6-B498-43B3-948B-1728B52AA6E4}">
+                <adec:decorative xmlns:adec="http://schemas.microsoft.com/office/drawing/2017/decorative" val="1"/>
+              </a:ext>
+            </a:extLst>
+          </p:cNvPr>
+          <p:cNvSpPr>
+            <a:spLocks noGrp="1" noRot="1" noChangeAspect="1" noMove="1" noResize="1" noEditPoints="1" noAdjustHandles="1" noChangeArrowheads="1" noChangeShapeType="1" noTextEdit="1"/>
+          </p:cNvSpPr>
+          <p:nvPr>
+            <p:extLst>
+              <p:ext uri="{386F3935-93C4-4BCD-93E2-E3B085C9AB24}">
+                <p16:designElem xmlns:p16="http://schemas.microsoft.com/office/powerpoint/2015/main" val="1"/>
+              </p:ext>
+            </p:extLst>
+          </p:nvPr>
+        </p:nvSpPr>
+        <p:spPr>
+          <a:xfrm>
+            <a:off x="3948110" y="-1"/>
+            <a:ext cx="559472" cy="3709642"/>
+          </a:xfrm>
+          <a:custGeom>
+            <a:avLst/>
+            <a:gdLst>
+              <a:gd name="connsiteX0" fmla="*/ 0 w 559472"/>
+              <a:gd name="connsiteY0" fmla="*/ 0 h 3709642"/>
+              <a:gd name="connsiteX1" fmla="*/ 473952 w 559472"/>
+              <a:gd name="connsiteY1" fmla="*/ 0 h 3709642"/>
+              <a:gd name="connsiteX2" fmla="*/ 485840 w 559472"/>
+              <a:gd name="connsiteY2" fmla="*/ 161194 h 3709642"/>
+              <a:gd name="connsiteX3" fmla="*/ 523949 w 559472"/>
+              <a:gd name="connsiteY3" fmla="*/ 3672197 h 3709642"/>
+              <a:gd name="connsiteX4" fmla="*/ 454748 w 559472"/>
+              <a:gd name="connsiteY4" fmla="*/ 3709642 h 3709642"/>
+              <a:gd name="connsiteX5" fmla="*/ 448224 w 559472"/>
+              <a:gd name="connsiteY5" fmla="*/ 3510471 h 3709642"/>
+              <a:gd name="connsiteX6" fmla="*/ 443564 w 559472"/>
+              <a:gd name="connsiteY6" fmla="*/ 3408563 h 3709642"/>
+              <a:gd name="connsiteX7" fmla="*/ 438902 w 559472"/>
+              <a:gd name="connsiteY7" fmla="*/ 3304407 h 3709642"/>
+              <a:gd name="connsiteX8" fmla="*/ 433941 w 559472"/>
+              <a:gd name="connsiteY8" fmla="*/ 3198777 h 3709642"/>
+              <a:gd name="connsiteX9" fmla="*/ 427584 w 559472"/>
+              <a:gd name="connsiteY9" fmla="*/ 3092510 h 3709642"/>
+              <a:gd name="connsiteX10" fmla="*/ 420988 w 559472"/>
+              <a:gd name="connsiteY10" fmla="*/ 2984390 h 3709642"/>
+              <a:gd name="connsiteX11" fmla="*/ 414330 w 559472"/>
+              <a:gd name="connsiteY11" fmla="*/ 2874401 h 3709642"/>
+              <a:gd name="connsiteX12" fmla="*/ 406840 w 559472"/>
+              <a:gd name="connsiteY12" fmla="*/ 2762980 h 3709642"/>
+              <a:gd name="connsiteX13" fmla="*/ 397745 w 559472"/>
+              <a:gd name="connsiteY13" fmla="*/ 2650566 h 3709642"/>
+              <a:gd name="connsiteX14" fmla="*/ 389154 w 559472"/>
+              <a:gd name="connsiteY14" fmla="*/ 2536612 h 3709642"/>
+              <a:gd name="connsiteX15" fmla="*/ 379225 w 559472"/>
+              <a:gd name="connsiteY15" fmla="*/ 2421642 h 3709642"/>
+              <a:gd name="connsiteX16" fmla="*/ 368316 w 559472"/>
+              <a:gd name="connsiteY16" fmla="*/ 2305627 h 3709642"/>
+              <a:gd name="connsiteX17" fmla="*/ 357466 w 559472"/>
+              <a:gd name="connsiteY17" fmla="*/ 2189233 h 3709642"/>
+              <a:gd name="connsiteX18" fmla="*/ 344982 w 559472"/>
+              <a:gd name="connsiteY18" fmla="*/ 2071473 h 3709642"/>
+              <a:gd name="connsiteX19" fmla="*/ 332466 w 559472"/>
+              <a:gd name="connsiteY19" fmla="*/ 1952216 h 3709642"/>
+              <a:gd name="connsiteX20" fmla="*/ 319121 w 559472"/>
+              <a:gd name="connsiteY20" fmla="*/ 1833776 h 3709642"/>
+              <a:gd name="connsiteX21" fmla="*/ 304408 w 559472"/>
+              <a:gd name="connsiteY21" fmla="*/ 1713948 h 3709642"/>
+              <a:gd name="connsiteX22" fmla="*/ 288685 w 559472"/>
+              <a:gd name="connsiteY22" fmla="*/ 1592703 h 3709642"/>
+              <a:gd name="connsiteX23" fmla="*/ 273050 w 559472"/>
+              <a:gd name="connsiteY23" fmla="*/ 1471451 h 3709642"/>
+              <a:gd name="connsiteX24" fmla="*/ 255813 w 559472"/>
+              <a:gd name="connsiteY24" fmla="*/ 1350328 h 3709642"/>
+              <a:gd name="connsiteX25" fmla="*/ 237060 w 559472"/>
+              <a:gd name="connsiteY25" fmla="*/ 1227080 h 3709642"/>
+              <a:gd name="connsiteX26" fmla="*/ 218488 w 559472"/>
+              <a:gd name="connsiteY26" fmla="*/ 1106065 h 3709642"/>
+              <a:gd name="connsiteX27" fmla="*/ 198221 w 559472"/>
+              <a:gd name="connsiteY27" fmla="*/ 982940 h 3709642"/>
+              <a:gd name="connsiteX28" fmla="*/ 177152 w 559472"/>
+              <a:gd name="connsiteY28" fmla="*/ 858755 h 3709642"/>
+              <a:gd name="connsiteX29" fmla="*/ 155551 w 559472"/>
+              <a:gd name="connsiteY29" fmla="*/ 736861 h 3709642"/>
+              <a:gd name="connsiteX30" fmla="*/ 131782 w 559472"/>
+              <a:gd name="connsiteY30" fmla="*/ 613645 h 3709642"/>
+              <a:gd name="connsiteX31" fmla="*/ 107123 w 559472"/>
+              <a:gd name="connsiteY31" fmla="*/ 490500 h 3709642"/>
+              <a:gd name="connsiteX32" fmla="*/ 82552 w 559472"/>
+              <a:gd name="connsiteY32" fmla="*/ 367348 h 3709642"/>
+              <a:gd name="connsiteX33" fmla="*/ 55608 w 559472"/>
+              <a:gd name="connsiteY33" fmla="*/ 244762 h 3709642"/>
+              <a:gd name="connsiteX34" fmla="*/ 28130 w 559472"/>
+              <a:gd name="connsiteY34" fmla="*/ 122220 h 3709642"/>
+              <a:gd name="connsiteX35" fmla="*/ 0 w 559472"/>
+              <a:gd name="connsiteY35" fmla="*/ 0 h 3709642"/>
+            </a:gdLst>
+            <a:ahLst/>
+            <a:cxnLst>
+              <a:cxn ang="0">
+                <a:pos x="connsiteX0" y="connsiteY0"/>
+              </a:cxn>
+              <a:cxn ang="0">
+                <a:pos x="connsiteX1" y="connsiteY1"/>
+              </a:cxn>
+              <a:cxn ang="0">
+                <a:pos x="connsiteX2" y="connsiteY2"/>
+              </a:cxn>
+              <a:cxn ang="0">
+                <a:pos x="connsiteX3" y="connsiteY3"/>
+              </a:cxn>
+              <a:cxn ang="0">
+                <a:pos x="connsiteX4" y="connsiteY4"/>
+              </a:cxn>
+              <a:cxn ang="0">
+                <a:pos x="connsiteX5" y="connsiteY5"/>
+              </a:cxn>
+              <a:cxn ang="0">
+                <a:pos x="connsiteX6" y="connsiteY6"/>
+              </a:cxn>
+              <a:cxn ang="0">
+                <a:pos x="connsiteX7" y="connsiteY7"/>
+              </a:cxn>
+              <a:cxn ang="0">
+                <a:pos x="connsiteX8" y="connsiteY8"/>
+              </a:cxn>
+              <a:cxn ang="0">
+                <a:pos x="connsiteX9" y="connsiteY9"/>
+              </a:cxn>
+              <a:cxn ang="0">
+                <a:pos x="connsiteX10" y="connsiteY10"/>
+              </a:cxn>
+              <a:cxn ang="0">
+                <a:pos x="connsiteX11" y="connsiteY11"/>
+              </a:cxn>
+              <a:cxn ang="0">
+                <a:pos x="connsiteX12" y="connsiteY12"/>
+              </a:cxn>
+              <a:cxn ang="0">
+                <a:pos x="connsiteX13" y="connsiteY13"/>
+              </a:cxn>
+              <a:cxn ang="0">
+                <a:pos x="connsiteX14" y="connsiteY14"/>
+              </a:cxn>
+              <a:cxn ang="0">
+                <a:pos x="connsiteX15" y="connsiteY15"/>
+              </a:cxn>
+              <a:cxn ang="0">
+                <a:pos x="connsiteX16" y="connsiteY16"/>
+              </a:cxn>
+              <a:cxn ang="0">
+                <a:pos x="connsiteX17" y="connsiteY17"/>
+              </a:cxn>
+              <a:cxn ang="0">
+                <a:pos x="connsiteX18" y="connsiteY18"/>
+              </a:cxn>
+              <a:cxn ang="0">
+                <a:pos x="connsiteX19" y="connsiteY19"/>
+              </a:cxn>
+              <a:cxn ang="0">
+                <a:pos x="connsiteX20" y="connsiteY20"/>
+              </a:cxn>
+              <a:cxn ang="0">
+                <a:pos x="connsiteX21" y="connsiteY21"/>
+              </a:cxn>
+              <a:cxn ang="0">
+                <a:pos x="connsiteX22" y="connsiteY22"/>
+              </a:cxn>
+              <a:cxn ang="0">
+                <a:pos x="connsiteX23" y="connsiteY23"/>
+              </a:cxn>
+              <a:cxn ang="0">
+                <a:pos x="connsiteX24" y="connsiteY24"/>
+              </a:cxn>
+              <a:cxn ang="0">
+                <a:pos x="connsiteX25" y="connsiteY25"/>
+              </a:cxn>
+              <a:cxn ang="0">
+                <a:pos x="connsiteX26" y="connsiteY26"/>
+              </a:cxn>
+              <a:cxn ang="0">
+                <a:pos x="connsiteX27" y="connsiteY27"/>
+              </a:cxn>
+              <a:cxn ang="0">
+                <a:pos x="connsiteX28" y="connsiteY28"/>
+              </a:cxn>
+              <a:cxn ang="0">
+                <a:pos x="connsiteX29" y="connsiteY29"/>
+              </a:cxn>
+              <a:cxn ang="0">
+                <a:pos x="connsiteX30" y="connsiteY30"/>
+              </a:cxn>
+              <a:cxn ang="0">
+                <a:pos x="connsiteX31" y="connsiteY31"/>
+              </a:cxn>
+              <a:cxn ang="0">
+                <a:pos x="connsiteX32" y="connsiteY32"/>
+              </a:cxn>
+              <a:cxn ang="0">
+                <a:pos x="connsiteX33" y="connsiteY33"/>
+              </a:cxn>
+              <a:cxn ang="0">
+                <a:pos x="connsiteX34" y="connsiteY34"/>
+              </a:cxn>
+              <a:cxn ang="0">
+                <a:pos x="connsiteX35" y="connsiteY35"/>
+              </a:cxn>
+            </a:cxnLst>
+            <a:rect l="l" t="t" r="r" b="b"/>
+            <a:pathLst>
+              <a:path w="559472" h="3709642">
+                <a:moveTo>
+                  <a:pt x="0" y="0"/>
+                </a:moveTo>
+                <a:lnTo>
+                  <a:pt x="473952" y="0"/>
+                </a:lnTo>
+                <a:lnTo>
+                  <a:pt x="485840" y="161194"/>
+                </a:lnTo>
+                <a:cubicBezTo>
+                  <a:pt x="552063" y="1147770"/>
+                  <a:pt x="592441" y="3086737"/>
+                  <a:pt x="523949" y="3672197"/>
+                </a:cubicBezTo>
+                <a:cubicBezTo>
+                  <a:pt x="500842" y="3684557"/>
+                  <a:pt x="477855" y="3697282"/>
+                  <a:pt x="454748" y="3709642"/>
+                </a:cubicBezTo>
+                <a:lnTo>
+                  <a:pt x="448224" y="3510471"/>
+                </a:lnTo>
+                <a:lnTo>
+                  <a:pt x="443564" y="3408563"/>
+                </a:lnTo>
+                <a:lnTo>
+                  <a:pt x="438902" y="3304407"/>
+                </a:lnTo>
+                <a:lnTo>
+                  <a:pt x="433941" y="3198777"/>
+                </a:lnTo>
+                <a:lnTo>
+                  <a:pt x="427584" y="3092510"/>
+                </a:lnTo>
+                <a:lnTo>
+                  <a:pt x="420988" y="2984390"/>
+                </a:lnTo>
+                <a:lnTo>
+                  <a:pt x="414330" y="2874401"/>
+                </a:lnTo>
+                <a:lnTo>
+                  <a:pt x="406840" y="2762980"/>
+                </a:lnTo>
+                <a:lnTo>
+                  <a:pt x="397745" y="2650566"/>
+                </a:lnTo>
+                <a:lnTo>
+                  <a:pt x="389154" y="2536612"/>
+                </a:lnTo>
+                <a:lnTo>
+                  <a:pt x="379225" y="2421642"/>
+                </a:lnTo>
+                <a:lnTo>
+                  <a:pt x="368316" y="2305627"/>
+                </a:lnTo>
+                <a:lnTo>
+                  <a:pt x="357466" y="2189233"/>
+                </a:lnTo>
+                <a:lnTo>
+                  <a:pt x="344982" y="2071473"/>
+                </a:lnTo>
+                <a:lnTo>
+                  <a:pt x="332466" y="1952216"/>
+                </a:lnTo>
+                <a:lnTo>
+                  <a:pt x="319121" y="1833776"/>
+                </a:lnTo>
+                <a:lnTo>
+                  <a:pt x="304408" y="1713948"/>
+                </a:lnTo>
+                <a:lnTo>
+                  <a:pt x="288685" y="1592703"/>
+                </a:lnTo>
+                <a:lnTo>
+                  <a:pt x="273050" y="1471451"/>
+                </a:lnTo>
+                <a:lnTo>
+                  <a:pt x="255813" y="1350328"/>
+                </a:lnTo>
+                <a:lnTo>
+                  <a:pt x="237060" y="1227080"/>
+                </a:lnTo>
+                <a:lnTo>
+                  <a:pt x="218488" y="1106065"/>
+                </a:lnTo>
+                <a:lnTo>
+                  <a:pt x="198221" y="982940"/>
+                </a:lnTo>
+                <a:lnTo>
+                  <a:pt x="177152" y="858755"/>
+                </a:lnTo>
+                <a:lnTo>
+                  <a:pt x="155551" y="736861"/>
+                </a:lnTo>
+                <a:lnTo>
+                  <a:pt x="131782" y="613645"/>
+                </a:lnTo>
+                <a:lnTo>
+                  <a:pt x="107123" y="490500"/>
+                </a:lnTo>
+                <a:lnTo>
+                  <a:pt x="82552" y="367348"/>
+                </a:lnTo>
+                <a:lnTo>
+                  <a:pt x="55608" y="244762"/>
+                </a:lnTo>
+                <a:lnTo>
+                  <a:pt x="28130" y="122220"/>
+                </a:lnTo>
+                <a:lnTo>
+                  <a:pt x="0" y="0"/>
+                </a:lnTo>
+                <a:close/>
+              </a:path>
+            </a:pathLst>
+          </a:custGeom>
+          <a:solidFill>
+            <a:schemeClr val="tx1">
+              <a:alpha val="20000"/>
+            </a:schemeClr>
+          </a:solidFill>
+          <a:ln>
+            <a:noFill/>
+          </a:ln>
+        </p:spPr>
+        <p:txBody>
+          <a:bodyPr rtlCol="0" anchor="ctr"/>
+          <a:lstStyle/>
+          <a:p>
+            <a:pPr algn="ctr"/>
+            <a:endParaRPr lang="en-US"/>
+          </a:p>
+        </p:txBody>
+      </p:sp>
+      <p:sp>
+        <p:nvSpPr>
+          <p:cNvPr id="24" name="Rectangle 23">
+            <a:extLst>
+              <a:ext uri="{FF2B5EF4-FFF2-40B4-BE49-F238E27FC236}">
+                <a16:creationId xmlns:a16="http://schemas.microsoft.com/office/drawing/2014/main" id="{5E6A537E-C106-45AE-9BBB-3CE559441813}"/>
+              </a:ext>
+              <a:ext uri="{C183D7F6-B498-43B3-948B-1728B52AA6E4}">
+                <adec:decorative xmlns:adec="http://schemas.microsoft.com/office/drawing/2017/decorative" val="1"/>
+              </a:ext>
+            </a:extLst>
+          </p:cNvPr>
+          <p:cNvSpPr>
+            <a:spLocks noGrp="1" noRot="1" noChangeAspect="1" noMove="1" noResize="1" noEditPoints="1" noAdjustHandles="1" noChangeArrowheads="1" noChangeShapeType="1" noTextEdit="1"/>
+          </p:cNvSpPr>
+          <p:nvPr>
+            <p:extLst>
+              <p:ext uri="{386F3935-93C4-4BCD-93E2-E3B085C9AB24}">
+                <p16:designElem xmlns:p16="http://schemas.microsoft.com/office/powerpoint/2015/main" val="1"/>
+              </p:ext>
+            </p:extLst>
+          </p:nvPr>
+        </p:nvSpPr>
+        <p:spPr>
+          <a:xfrm>
+            <a:off x="4639056" y="0"/>
+            <a:ext cx="7552944" cy="6858000"/>
+          </a:xfrm>
+          <a:prstGeom prst="rect">
+            <a:avLst/>
+          </a:prstGeom>
+          <a:solidFill>
+            <a:srgbClr val="FFFFFF"/>
+          </a:solidFill>
+          <a:ln>
+            <a:noFill/>
+          </a:ln>
+        </p:spPr>
+        <p:style>
+          <a:lnRef idx="2">
+            <a:schemeClr val="accent1">
+              <a:shade val="50000"/>
+            </a:schemeClr>
+          </a:lnRef>
+          <a:fillRef idx="1">
+            <a:schemeClr val="accent1"/>
+          </a:fillRef>
+          <a:effectRef idx="0">
+            <a:schemeClr val="accent1"/>
+          </a:effectRef>
+          <a:fontRef idx="minor">
+            <a:schemeClr val="lt1"/>
+          </a:fontRef>
+        </p:style>
+        <p:txBody>
+          <a:bodyPr rtlCol="0" anchor="ctr"/>
+          <a:lstStyle/>
+          <a:p>
+            <a:pPr algn="ctr"/>
+            <a:endParaRPr lang="en-US"/>
+          </a:p>
+        </p:txBody>
+      </p:sp>
+      <p:sp>
+        <p:nvSpPr>
+          <p:cNvPr id="26" name="Freeform 5">
+            <a:extLst>
+              <a:ext uri="{FF2B5EF4-FFF2-40B4-BE49-F238E27FC236}">
+                <a16:creationId xmlns:a16="http://schemas.microsoft.com/office/drawing/2014/main" id="{F918BA52-E4A7-4EEC-898E-C49023767C63}"/>
+              </a:ext>
+              <a:ext uri="{C183D7F6-B498-43B3-948B-1728B52AA6E4}">
+                <adec:decorative xmlns:adec="http://schemas.microsoft.com/office/drawing/2017/decorative" val="1"/>
+              </a:ext>
+            </a:extLst>
+          </p:cNvPr>
+          <p:cNvSpPr>
+            <a:spLocks noGrp="1" noRot="1" noChangeAspect="1" noMove="1" noResize="1" noEditPoints="1" noAdjustHandles="1" noChangeArrowheads="1" noChangeShapeType="1" noTextEdit="1"/>
+          </p:cNvSpPr>
+          <p:nvPr>
+            <p:extLst>
+              <p:ext uri="{386F3935-93C4-4BCD-93E2-E3B085C9AB24}">
+                <p16:designElem xmlns:p16="http://schemas.microsoft.com/office/powerpoint/2015/main" val="1"/>
+              </p:ext>
+            </p:extLst>
+          </p:nvPr>
+        </p:nvSpPr>
+        <p:spPr bwMode="gray">
+          <a:xfrm rot="16200000">
+            <a:off x="1404667" y="2756642"/>
+            <a:ext cx="6858000" cy="1344715"/>
+          </a:xfrm>
+          <a:custGeom>
+            <a:avLst/>
+            <a:gdLst/>
+            <a:ahLst/>
+            <a:cxnLst/>
+            <a:rect l="l" t="t" r="r" b="b"/>
+            <a:pathLst>
+              <a:path w="10000" h="8000">
+                <a:moveTo>
+                  <a:pt x="0" y="0"/>
+                </a:moveTo>
+                <a:lnTo>
+                  <a:pt x="0" y="7970"/>
+                </a:lnTo>
+                <a:lnTo>
+                  <a:pt x="10000" y="8000"/>
+                </a:lnTo>
+                <a:lnTo>
+                  <a:pt x="10000" y="7"/>
+                </a:lnTo>
+                <a:lnTo>
+                  <a:pt x="10000" y="7"/>
+                </a:lnTo>
+                <a:lnTo>
+                  <a:pt x="9773" y="156"/>
+                </a:lnTo>
+                <a:lnTo>
+                  <a:pt x="9547" y="298"/>
+                </a:lnTo>
+                <a:lnTo>
+                  <a:pt x="9320" y="437"/>
+                </a:lnTo>
+                <a:lnTo>
+                  <a:pt x="9092" y="556"/>
+                </a:lnTo>
+                <a:lnTo>
+                  <a:pt x="8865" y="676"/>
+                </a:lnTo>
+                <a:lnTo>
+                  <a:pt x="8637" y="788"/>
+                </a:lnTo>
+                <a:lnTo>
+                  <a:pt x="8412" y="884"/>
+                </a:lnTo>
+                <a:lnTo>
+                  <a:pt x="8184" y="975"/>
+                </a:lnTo>
+                <a:lnTo>
+                  <a:pt x="7957" y="1058"/>
+                </a:lnTo>
+                <a:lnTo>
+                  <a:pt x="7734" y="1130"/>
+                </a:lnTo>
+                <a:lnTo>
+                  <a:pt x="7508" y="1202"/>
+                </a:lnTo>
+                <a:lnTo>
+                  <a:pt x="7285" y="1262"/>
+                </a:lnTo>
+                <a:lnTo>
+                  <a:pt x="7062" y="1309"/>
+                </a:lnTo>
+                <a:lnTo>
+                  <a:pt x="6840" y="1358"/>
+                </a:lnTo>
+                <a:lnTo>
+                  <a:pt x="6620" y="1399"/>
+                </a:lnTo>
+                <a:lnTo>
+                  <a:pt x="6402" y="1428"/>
+                </a:lnTo>
+                <a:lnTo>
+                  <a:pt x="6184" y="1453"/>
+                </a:lnTo>
+                <a:lnTo>
+                  <a:pt x="5968" y="1477"/>
+                </a:lnTo>
+                <a:lnTo>
+                  <a:pt x="5755" y="1488"/>
+                </a:lnTo>
+                <a:lnTo>
+                  <a:pt x="5542" y="1500"/>
+                </a:lnTo>
+                <a:lnTo>
+                  <a:pt x="5332" y="1506"/>
+                </a:lnTo>
+                <a:lnTo>
+                  <a:pt x="5124" y="1500"/>
+                </a:lnTo>
+                <a:lnTo>
+                  <a:pt x="4918" y="1500"/>
+                </a:lnTo>
+                <a:lnTo>
+                  <a:pt x="4714" y="1488"/>
+                </a:lnTo>
+                <a:lnTo>
+                  <a:pt x="4514" y="1470"/>
+                </a:lnTo>
+                <a:lnTo>
+                  <a:pt x="4316" y="1453"/>
+                </a:lnTo>
+                <a:lnTo>
+                  <a:pt x="4122" y="1434"/>
+                </a:lnTo>
+                <a:lnTo>
+                  <a:pt x="3929" y="1405"/>
+                </a:lnTo>
+                <a:lnTo>
+                  <a:pt x="3739" y="1374"/>
+                </a:lnTo>
+                <a:lnTo>
+                  <a:pt x="3553" y="1346"/>
+                </a:lnTo>
+                <a:lnTo>
+                  <a:pt x="3190" y="1267"/>
+                </a:lnTo>
+                <a:lnTo>
+                  <a:pt x="2842" y="1183"/>
+                </a:lnTo>
+                <a:lnTo>
+                  <a:pt x="2508" y="1095"/>
+                </a:lnTo>
+                <a:lnTo>
+                  <a:pt x="2192" y="998"/>
+                </a:lnTo>
+                <a:lnTo>
+                  <a:pt x="1890" y="897"/>
+                </a:lnTo>
+                <a:lnTo>
+                  <a:pt x="1610" y="788"/>
+                </a:lnTo>
+                <a:lnTo>
+                  <a:pt x="1347" y="681"/>
+                </a:lnTo>
+                <a:lnTo>
+                  <a:pt x="1105" y="574"/>
+                </a:lnTo>
+                <a:lnTo>
+                  <a:pt x="883" y="473"/>
+                </a:lnTo>
+                <a:lnTo>
+                  <a:pt x="686" y="377"/>
+                </a:lnTo>
+                <a:lnTo>
+                  <a:pt x="508" y="286"/>
+                </a:lnTo>
+                <a:lnTo>
+                  <a:pt x="358" y="210"/>
+                </a:lnTo>
+                <a:lnTo>
+                  <a:pt x="232" y="138"/>
+                </a:lnTo>
+                <a:lnTo>
+                  <a:pt x="59" y="35"/>
+                </a:lnTo>
+                <a:lnTo>
+                  <a:pt x="0" y="0"/>
+                </a:lnTo>
+                <a:lnTo>
+                  <a:pt x="0" y="0"/>
+                </a:lnTo>
+                <a:close/>
+              </a:path>
+            </a:pathLst>
+          </a:custGeom>
+          <a:solidFill>
+            <a:srgbClr val="FFFFFF"/>
+          </a:solidFill>
+          <a:ln>
+            <a:noFill/>
+          </a:ln>
+        </p:spPr>
+      </p:sp>
+      <p:sp>
+        <p:nvSpPr>
+          <p:cNvPr id="28" name="Rectangle 27">
+            <a:extLst>
+              <a:ext uri="{FF2B5EF4-FFF2-40B4-BE49-F238E27FC236}">
+                <a16:creationId xmlns:a16="http://schemas.microsoft.com/office/drawing/2014/main" id="{86D3F3B7-282C-4DDC-AD1B-C497F2942BA6}"/>
+              </a:ext>
+              <a:ext uri="{C183D7F6-B498-43B3-948B-1728B52AA6E4}">
+                <adec:decorative xmlns:adec="http://schemas.microsoft.com/office/drawing/2017/decorative" val="1"/>
+              </a:ext>
+            </a:extLst>
+          </p:cNvPr>
+          <p:cNvSpPr>
+            <a:spLocks noGrp="1" noRot="1" noChangeAspect="1" noMove="1" noResize="1" noEditPoints="1" noAdjustHandles="1" noChangeArrowheads="1" noChangeShapeType="1" noTextEdit="1"/>
+          </p:cNvSpPr>
+          <p:nvPr>
+            <p:extLst>
+              <p:ext uri="{386F3935-93C4-4BCD-93E2-E3B085C9AB24}">
+                <p16:designElem xmlns:p16="http://schemas.microsoft.com/office/powerpoint/2015/main" val="1"/>
+              </p:ext>
+            </p:extLst>
+          </p:nvPr>
+        </p:nvSpPr>
+        <p:spPr>
+          <a:xfrm>
+            <a:off x="10437812" y="0"/>
+            <a:ext cx="685800" cy="1143000"/>
+          </a:xfrm>
+          <a:prstGeom prst="rect">
+            <a:avLst/>
+          </a:prstGeom>
+          <a:solidFill>
+            <a:schemeClr val="accent1"/>
+          </a:solidFill>
+          <a:ln>
+            <a:noFill/>
+          </a:ln>
+        </p:spPr>
+        <p:style>
+          <a:lnRef idx="1">
+            <a:schemeClr val="accent1"/>
+          </a:lnRef>
+          <a:fillRef idx="3">
+            <a:schemeClr val="accent1"/>
+          </a:fillRef>
+          <a:effectRef idx="2">
+            <a:schemeClr val="accent1"/>
+          </a:effectRef>
+          <a:fontRef idx="minor">
+            <a:schemeClr val="lt1"/>
+          </a:fontRef>
+        </p:style>
+      </p:sp>
+      <p:sp>
+        <p:nvSpPr>
+          <p:cNvPr id="4" name="Segnaposto contenuto 3"/>
           <p:cNvSpPr>
             <a:spLocks noGrp="1"/>
           </p:cNvSpPr>
           <p:nvPr>
-            <p:ph type="title"/>
-          </p:nvPr>
-        </p:nvSpPr>
-        <p:spPr/>
-        <p:txBody>
-          <a:bodyPr/>
+            <p:ph sz="half" idx="2"/>
+          </p:nvPr>
+        </p:nvSpPr>
+        <p:spPr>
+          <a:xfrm>
+            <a:off x="-323" y="2284087"/>
+            <a:ext cx="4217045" cy="2937528"/>
+          </a:xfrm>
+        </p:spPr>
+        <p:txBody>
+          <a:bodyPr vert="horz" lIns="91440" tIns="45720" rIns="91440" bIns="45720" rtlCol="0">
+            <a:noAutofit/>
+          </a:bodyPr>
           <a:lstStyle/>
           <a:p>
-            <a:r>
-              <a:rPr lang="it-IT" sz="4400" b="1" dirty="0"/>
-              <a:t>Funzionalità e finestre</a:t>
-            </a:r>
-            <a:endParaRPr lang="it-IT" dirty="0"/>
+            <a:pPr marL="0" indent="0">
+              <a:buNone/>
+            </a:pPr>
+            <a:r>
+              <a:rPr lang="en-US" sz="2000" dirty="0"/>
+              <a:t>Nella </a:t>
+            </a:r>
+            <a:r>
+              <a:rPr lang="en-US" sz="2000" b="1" dirty="0" err="1"/>
+              <a:t>finestra</a:t>
+            </a:r>
+            <a:r>
+              <a:rPr lang="en-US" sz="2000" dirty="0"/>
+              <a:t> </a:t>
+            </a:r>
+            <a:r>
+              <a:rPr lang="en-US" sz="2000" dirty="0" err="1"/>
+              <a:t>dell’</a:t>
+            </a:r>
+            <a:r>
+              <a:rPr lang="en-US" sz="2000" b="1" dirty="0" err="1"/>
+              <a:t>area</a:t>
+            </a:r>
+            <a:r>
+              <a:rPr lang="en-US" sz="2000" dirty="0"/>
+              <a:t> </a:t>
+            </a:r>
+            <a:r>
+              <a:rPr lang="en-US" sz="2000" b="1" dirty="0" err="1"/>
+              <a:t>riservata</a:t>
+            </a:r>
+            <a:r>
+              <a:rPr lang="en-US" sz="2000" dirty="0"/>
+              <a:t> </a:t>
+            </a:r>
+            <a:r>
+              <a:rPr lang="en-US" sz="2000" dirty="0" err="1"/>
+              <a:t>l’utente</a:t>
+            </a:r>
+            <a:r>
+              <a:rPr lang="en-US" sz="2000" dirty="0"/>
+              <a:t> </a:t>
+            </a:r>
+            <a:r>
+              <a:rPr lang="en-US" sz="2000" dirty="0" err="1"/>
+              <a:t>potrà</a:t>
+            </a:r>
+            <a:r>
+              <a:rPr lang="en-US" sz="2000" dirty="0"/>
+              <a:t>:</a:t>
+            </a:r>
+          </a:p>
+          <a:p>
+            <a:pPr lvl="1">
+              <a:buFont typeface="Arial" panose="020B0604020202020204" pitchFamily="34" charset="0"/>
+              <a:buChar char="•"/>
+            </a:pPr>
+            <a:r>
+              <a:rPr lang="en-US" sz="2000" dirty="0" err="1"/>
+              <a:t>Visualizzare</a:t>
+            </a:r>
+            <a:r>
+              <a:rPr lang="en-US" sz="2000" dirty="0"/>
+              <a:t> il </a:t>
+            </a:r>
+            <a:r>
+              <a:rPr lang="en-US" sz="2000" dirty="0" err="1"/>
+              <a:t>biglietto</a:t>
+            </a:r>
+            <a:r>
+              <a:rPr lang="en-US" sz="2000" dirty="0"/>
+              <a:t> </a:t>
+            </a:r>
+            <a:r>
+              <a:rPr lang="en-US" sz="2000" dirty="0" err="1"/>
+              <a:t>corrente</a:t>
+            </a:r>
+            <a:endParaRPr lang="en-US" sz="2000" dirty="0"/>
+          </a:p>
+          <a:p>
+            <a:pPr lvl="1">
+              <a:buFont typeface="Arial" panose="020B0604020202020204" pitchFamily="34" charset="0"/>
+              <a:buChar char="•"/>
+            </a:pPr>
+            <a:r>
+              <a:rPr lang="en-US" sz="2000" dirty="0" err="1"/>
+              <a:t>Acquistare</a:t>
+            </a:r>
+            <a:r>
+              <a:rPr lang="en-US" sz="2000" dirty="0"/>
+              <a:t> un </a:t>
+            </a:r>
+            <a:r>
+              <a:rPr lang="en-US" sz="2000" dirty="0" err="1"/>
+              <a:t>biglietto</a:t>
+            </a:r>
+            <a:r>
+              <a:rPr lang="en-US" sz="2000" dirty="0"/>
+              <a:t> o </a:t>
+            </a:r>
+            <a:r>
+              <a:rPr lang="en-US" sz="2000" dirty="0" err="1"/>
+              <a:t>abbonamento</a:t>
+            </a:r>
+            <a:endParaRPr lang="en-US" sz="2000" dirty="0"/>
+          </a:p>
+          <a:p>
+            <a:pPr lvl="1">
+              <a:buFont typeface="Arial" panose="020B0604020202020204" pitchFamily="34" charset="0"/>
+              <a:buChar char="•"/>
+            </a:pPr>
+            <a:r>
+              <a:rPr lang="en-US" sz="2000" dirty="0" err="1"/>
+              <a:t>Visualizzare</a:t>
+            </a:r>
+            <a:r>
+              <a:rPr lang="en-US" sz="2000" dirty="0"/>
+              <a:t> il </a:t>
+            </a:r>
+            <a:r>
+              <a:rPr lang="en-US" sz="2000" dirty="0" err="1"/>
+              <a:t>saldo</a:t>
+            </a:r>
+            <a:r>
+              <a:rPr lang="en-US" sz="2000" dirty="0"/>
+              <a:t> </a:t>
+            </a:r>
+            <a:r>
+              <a:rPr lang="en-US" sz="2000" dirty="0" err="1"/>
+              <a:t>corrente</a:t>
+            </a:r>
+            <a:endParaRPr lang="en-US" sz="2000" dirty="0"/>
           </a:p>
         </p:txBody>
       </p:sp>
@@ -8975,64 +12858,234 @@
             <p:ph sz="half" idx="1"/>
           </p:nvPr>
         </p:nvPicPr>
-        <p:blipFill>
-          <a:blip r:embed="rId2"/>
-          <a:stretch>
-            <a:fillRect/>
-          </a:stretch>
+        <p:blipFill rotWithShape="1">
+          <a:blip r:embed="rId7"/>
+          <a:srcRect l="5422" t="7883" r="8064" b="6850"/>
+          <a:stretch/>
         </p:blipFill>
         <p:spPr>
           <a:xfrm>
-            <a:off x="156913" y="1977081"/>
-            <a:ext cx="5342188" cy="3429779"/>
+            <a:off x="4538401" y="1658693"/>
+            <a:ext cx="7488201" cy="4188315"/>
           </a:xfrm>
           <a:prstGeom prst="rect">
             <a:avLst/>
           </a:prstGeom>
+          <a:ln>
+            <a:noFill/>
+          </a:ln>
+          <a:effectLst>
+            <a:outerShdw blurRad="292100" dist="139700" dir="2700000" algn="tl" rotWithShape="0">
+              <a:srgbClr val="333333">
+                <a:alpha val="65000"/>
+              </a:srgbClr>
+            </a:outerShdw>
+          </a:effectLst>
         </p:spPr>
       </p:pic>
       <p:sp>
         <p:nvSpPr>
-          <p:cNvPr id="4" name="Segnaposto contenuto 3"/>
-          <p:cNvSpPr>
-            <a:spLocks noGrp="1"/>
-          </p:cNvSpPr>
-          <p:nvPr>
-            <p:ph sz="half" idx="2"/>
-          </p:nvPr>
-        </p:nvSpPr>
-        <p:spPr/>
-        <p:txBody>
-          <a:bodyPr/>
+          <p:cNvPr id="17" name="Titolo 1">
+            <a:extLst>
+              <a:ext uri="{FF2B5EF4-FFF2-40B4-BE49-F238E27FC236}">
+                <a16:creationId xmlns:a16="http://schemas.microsoft.com/office/drawing/2014/main" id="{24AD8C1B-BEA3-418B-AE4A-28273969E353}"/>
+              </a:ext>
+            </a:extLst>
+          </p:cNvPr>
+          <p:cNvSpPr txBox="1">
+            <a:spLocks/>
+          </p:cNvSpPr>
+          <p:nvPr/>
+        </p:nvSpPr>
+        <p:spPr>
+          <a:xfrm>
+            <a:off x="0" y="115824"/>
+            <a:ext cx="3862704" cy="1444752"/>
+          </a:xfrm>
+          <a:prstGeom prst="rect">
+            <a:avLst/>
+          </a:prstGeom>
+        </p:spPr>
+        <p:txBody>
+          <a:bodyPr vert="horz" lIns="91440" tIns="45720" rIns="91440" bIns="45720" rtlCol="0" anchor="b">
+            <a:noAutofit/>
+          </a:bodyPr>
+          <a:lstStyle>
+            <a:lvl1pPr algn="l" defTabSz="457200" rtl="0" eaLnBrk="1" latinLnBrk="0" hangingPunct="1">
+              <a:spcBef>
+                <a:spcPct val="0"/>
+              </a:spcBef>
+              <a:buNone/>
+              <a:defRPr sz="4200" b="0" i="0" kern="1200">
+                <a:solidFill>
+                  <a:schemeClr val="tx2"/>
+                </a:solidFill>
+                <a:latin typeface="+mj-lt"/>
+                <a:ea typeface="+mj-ea"/>
+                <a:cs typeface="+mj-cs"/>
+              </a:defRPr>
+            </a:lvl1pPr>
+            <a:lvl2pPr eaLnBrk="1" hangingPunct="1">
+              <a:defRPr>
+                <a:solidFill>
+                  <a:schemeClr val="tx2"/>
+                </a:solidFill>
+              </a:defRPr>
+            </a:lvl2pPr>
+            <a:lvl3pPr eaLnBrk="1" hangingPunct="1">
+              <a:defRPr>
+                <a:solidFill>
+                  <a:schemeClr val="tx2"/>
+                </a:solidFill>
+              </a:defRPr>
+            </a:lvl3pPr>
+            <a:lvl4pPr eaLnBrk="1" hangingPunct="1">
+              <a:defRPr>
+                <a:solidFill>
+                  <a:schemeClr val="tx2"/>
+                </a:solidFill>
+              </a:defRPr>
+            </a:lvl4pPr>
+            <a:lvl5pPr eaLnBrk="1" hangingPunct="1">
+              <a:defRPr>
+                <a:solidFill>
+                  <a:schemeClr val="tx2"/>
+                </a:solidFill>
+              </a:defRPr>
+            </a:lvl5pPr>
+            <a:lvl6pPr eaLnBrk="1" hangingPunct="1">
+              <a:defRPr>
+                <a:solidFill>
+                  <a:schemeClr val="tx2"/>
+                </a:solidFill>
+              </a:defRPr>
+            </a:lvl6pPr>
+            <a:lvl7pPr eaLnBrk="1" hangingPunct="1">
+              <a:defRPr>
+                <a:solidFill>
+                  <a:schemeClr val="tx2"/>
+                </a:solidFill>
+              </a:defRPr>
+            </a:lvl7pPr>
+            <a:lvl8pPr eaLnBrk="1" hangingPunct="1">
+              <a:defRPr>
+                <a:solidFill>
+                  <a:schemeClr val="tx2"/>
+                </a:solidFill>
+              </a:defRPr>
+            </a:lvl8pPr>
+            <a:lvl9pPr eaLnBrk="1" hangingPunct="1">
+              <a:defRPr>
+                <a:solidFill>
+                  <a:schemeClr val="tx2"/>
+                </a:solidFill>
+              </a:defRPr>
+            </a:lvl9pPr>
+          </a:lstStyle>
+          <a:p>
+            <a:r>
+              <a:rPr lang="en-US" sz="5000" b="1" dirty="0" err="1"/>
+              <a:t>Funzionalità</a:t>
+            </a:r>
+            <a:r>
+              <a:rPr lang="en-US" sz="5000" b="1" dirty="0"/>
+              <a:t> e </a:t>
+            </a:r>
+            <a:r>
+              <a:rPr lang="en-US" sz="5000" b="1" dirty="0" err="1"/>
+              <a:t>finestre</a:t>
+            </a:r>
+            <a:endParaRPr lang="en-US" sz="5000" b="1" dirty="0"/>
+          </a:p>
+        </p:txBody>
+      </p:sp>
+      <p:sp>
+        <p:nvSpPr>
+          <p:cNvPr id="19" name="CasellaDiTesto 18">
+            <a:extLst>
+              <a:ext uri="{FF2B5EF4-FFF2-40B4-BE49-F238E27FC236}">
+                <a16:creationId xmlns:a16="http://schemas.microsoft.com/office/drawing/2014/main" id="{0EBAE3AA-31E7-4E69-847E-EC77FA9ABD08}"/>
+              </a:ext>
+            </a:extLst>
+          </p:cNvPr>
+          <p:cNvSpPr txBox="1"/>
+          <p:nvPr/>
+        </p:nvSpPr>
+        <p:spPr>
+          <a:xfrm>
+            <a:off x="14117" y="1491734"/>
+            <a:ext cx="2633833" cy="369332"/>
+          </a:xfrm>
+          <a:prstGeom prst="rect">
+            <a:avLst/>
+          </a:prstGeom>
+          <a:noFill/>
+        </p:spPr>
+        <p:txBody>
+          <a:bodyPr wrap="square">
+            <a:spAutoFit/>
+          </a:bodyPr>
           <a:lstStyle/>
           <a:p>
             <a:r>
-              <a:rPr lang="it-IT" dirty="0" smtClean="0"/>
-              <a:t>Nella finestra Area Riservata l’utente potrà:</a:t>
-            </a:r>
-          </a:p>
-          <a:p>
-            <a:r>
-              <a:rPr lang="it-IT" dirty="0" smtClean="0"/>
-              <a:t>Visualizzare il biglietto corrente</a:t>
-            </a:r>
-          </a:p>
-          <a:p>
-            <a:r>
-              <a:rPr lang="it-IT" dirty="0" smtClean="0"/>
-              <a:t>Acquistare un biglietto o abbonamento</a:t>
-            </a:r>
-          </a:p>
-          <a:p>
-            <a:r>
-              <a:rPr lang="it-IT" dirty="0" smtClean="0"/>
-              <a:t>Visualizzare il </a:t>
-            </a:r>
-            <a:r>
-              <a:rPr lang="it-IT" smtClean="0"/>
-              <a:t>saldo corrente</a:t>
-            </a:r>
-            <a:endParaRPr lang="it-IT" dirty="0" smtClean="0"/>
+              <a:rPr lang="it-IT" sz="1800" b="1" dirty="0"/>
+              <a:t>Finestra area riservata</a:t>
+            </a:r>
+          </a:p>
+        </p:txBody>
+      </p:sp>
+      <p:sp>
+        <p:nvSpPr>
+          <p:cNvPr id="21" name="CasellaDiTesto 20">
+            <a:extLst>
+              <a:ext uri="{FF2B5EF4-FFF2-40B4-BE49-F238E27FC236}">
+                <a16:creationId xmlns:a16="http://schemas.microsoft.com/office/drawing/2014/main" id="{C8BD77BA-5550-4B58-819C-0B2084733D8D}"/>
+              </a:ext>
+            </a:extLst>
+          </p:cNvPr>
+          <p:cNvSpPr txBox="1"/>
+          <p:nvPr/>
+        </p:nvSpPr>
+        <p:spPr>
+          <a:xfrm>
+            <a:off x="8421416" y="6596390"/>
+            <a:ext cx="3770584" cy="261610"/>
+          </a:xfrm>
+          <a:prstGeom prst="rect">
+            <a:avLst/>
+          </a:prstGeom>
+          <a:noFill/>
+        </p:spPr>
+        <p:txBody>
+          <a:bodyPr wrap="none" rtlCol="0">
+            <a:spAutoFit/>
+          </a:bodyPr>
+          <a:lstStyle/>
+          <a:p>
+            <a:r>
+              <a:rPr lang="it-IT" sz="1100" dirty="0">
+                <a:solidFill>
+                  <a:schemeClr val="bg1"/>
+                </a:solidFill>
+              </a:rPr>
+              <a:t>Camagni Riccardo, D’</a:t>
+            </a:r>
+            <a:r>
+              <a:rPr lang="it-IT" sz="1100" dirty="0" err="1">
+                <a:solidFill>
+                  <a:schemeClr val="bg1"/>
+                </a:solidFill>
+              </a:rPr>
+              <a:t>Assaro</a:t>
+            </a:r>
+            <a:r>
+              <a:rPr lang="it-IT" sz="1100" dirty="0">
+                <a:solidFill>
+                  <a:schemeClr val="bg1"/>
+                </a:solidFill>
+              </a:rPr>
+              <a:t> Davide, Ginisi Gabriele</a:t>
+            </a:r>
           </a:p>
         </p:txBody>
       </p:sp>
@@ -9046,6 +13099,18 @@
   <p:clrMapOvr>
     <a:masterClrMapping/>
   </p:clrMapOvr>
+  <mc:AlternateContent xmlns:mc="http://schemas.openxmlformats.org/markup-compatibility/2006">
+    <mc:Choice xmlns:p14="http://schemas.microsoft.com/office/powerpoint/2010/main" Requires="p14">
+      <p:transition spd="slow" p14:dur="1750">
+        <p:fade/>
+      </p:transition>
+    </mc:Choice>
+    <mc:Fallback>
+      <p:transition spd="slow">
+        <p:fade/>
+      </p:transition>
+    </mc:Fallback>
+  </mc:AlternateContent>
 </p:sld>
 </file>
 

--- a/Esposizione/Presentazione PPT.pptx
+++ b/Esposizione/Presentazione PPT.pptx
@@ -14,7 +14,8 @@
     <p:sldId id="263" r:id="rId8"/>
     <p:sldId id="264" r:id="rId9"/>
     <p:sldId id="265" r:id="rId10"/>
-    <p:sldId id="261" r:id="rId11"/>
+    <p:sldId id="266" r:id="rId11"/>
+    <p:sldId id="261" r:id="rId12"/>
   </p:sldIdLst>
   <p:sldSz cx="12192000" cy="6858000"/>
   <p:notesSz cx="6858000" cy="9144000"/>
@@ -304,7 +305,7 @@
           <a:p>
             <a:fld id="{4AAD347D-5ACD-4C99-B74B-A9C85AD731AF}" type="datetimeFigureOut">
               <a:rPr lang="en-US" dirty="0"/>
-              <a:t>6/3/2021</a:t>
+              <a:t>6/4/2021</a:t>
             </a:fld>
             <a:endParaRPr lang="en-US" dirty="0"/>
           </a:p>
@@ -574,7 +575,7 @@
           <a:p>
             <a:fld id="{4509A250-FF31-4206-8172-F9D3106AACB1}" type="datetimeFigureOut">
               <a:rPr lang="en-US" dirty="0"/>
-              <a:t>6/3/2021</a:t>
+              <a:t>6/4/2021</a:t>
             </a:fld>
             <a:endParaRPr lang="en-US" dirty="0"/>
           </a:p>
@@ -763,7 +764,7 @@
           <a:p>
             <a:fld id="{4509A250-FF31-4206-8172-F9D3106AACB1}" type="datetimeFigureOut">
               <a:rPr lang="en-US" dirty="0"/>
-              <a:t>6/3/2021</a:t>
+              <a:t>6/4/2021</a:t>
             </a:fld>
             <a:endParaRPr lang="en-US" dirty="0"/>
           </a:p>
@@ -1026,7 +1027,7 @@
           <a:p>
             <a:fld id="{4509A250-FF31-4206-8172-F9D3106AACB1}" type="datetimeFigureOut">
               <a:rPr lang="en-US" dirty="0"/>
-              <a:t>6/3/2021</a:t>
+              <a:t>6/4/2021</a:t>
             </a:fld>
             <a:endParaRPr lang="en-US" dirty="0"/>
           </a:p>
@@ -1353,7 +1354,7 @@
           <a:p>
             <a:fld id="{4509A250-FF31-4206-8172-F9D3106AACB1}" type="datetimeFigureOut">
               <a:rPr lang="en-US" dirty="0"/>
-              <a:t>6/3/2021</a:t>
+              <a:t>6/4/2021</a:t>
             </a:fld>
             <a:endParaRPr lang="en-US" dirty="0"/>
           </a:p>
@@ -1958,7 +1959,7 @@
           <a:p>
             <a:fld id="{4509A250-FF31-4206-8172-F9D3106AACB1}" type="datetimeFigureOut">
               <a:rPr lang="en-US" dirty="0"/>
-              <a:t>6/3/2021</a:t>
+              <a:t>6/4/2021</a:t>
             </a:fld>
             <a:endParaRPr lang="en-US" dirty="0"/>
           </a:p>
@@ -2800,7 +2801,7 @@
           <a:p>
             <a:fld id="{4509A250-FF31-4206-8172-F9D3106AACB1}" type="datetimeFigureOut">
               <a:rPr lang="en-US" dirty="0"/>
-              <a:t>6/3/2021</a:t>
+              <a:t>6/4/2021</a:t>
             </a:fld>
             <a:endParaRPr lang="en-US" dirty="0"/>
           </a:p>
@@ -2965,7 +2966,7 @@
           <a:p>
             <a:fld id="{4509A250-FF31-4206-8172-F9D3106AACB1}" type="datetimeFigureOut">
               <a:rPr lang="en-US" dirty="0"/>
-              <a:t>6/3/2021</a:t>
+              <a:t>6/4/2021</a:t>
             </a:fld>
             <a:endParaRPr lang="en-US" dirty="0"/>
           </a:p>
@@ -3140,7 +3141,7 @@
           <a:p>
             <a:fld id="{4509A250-FF31-4206-8172-F9D3106AACB1}" type="datetimeFigureOut">
               <a:rPr lang="en-US" dirty="0"/>
-              <a:t>6/3/2021</a:t>
+              <a:t>6/4/2021</a:t>
             </a:fld>
             <a:endParaRPr lang="en-US" dirty="0"/>
           </a:p>
@@ -3305,7 +3306,7 @@
           <a:p>
             <a:fld id="{4509A250-FF31-4206-8172-F9D3106AACB1}" type="datetimeFigureOut">
               <a:rPr lang="en-US" dirty="0"/>
-              <a:t>6/3/2021</a:t>
+              <a:t>6/4/2021</a:t>
             </a:fld>
             <a:endParaRPr lang="en-US" dirty="0"/>
           </a:p>
@@ -3544,7 +3545,7 @@
           <a:p>
             <a:fld id="{4509A250-FF31-4206-8172-F9D3106AACB1}" type="datetimeFigureOut">
               <a:rPr lang="en-US" dirty="0"/>
-              <a:t>6/3/2021</a:t>
+              <a:t>6/4/2021</a:t>
             </a:fld>
             <a:endParaRPr lang="en-US" dirty="0"/>
           </a:p>
@@ -3831,7 +3832,7 @@
           <a:p>
             <a:fld id="{4509A250-FF31-4206-8172-F9D3106AACB1}" type="datetimeFigureOut">
               <a:rPr lang="en-US" dirty="0"/>
-              <a:t>6/3/2021</a:t>
+              <a:t>6/4/2021</a:t>
             </a:fld>
             <a:endParaRPr lang="en-US" dirty="0"/>
           </a:p>
@@ -4264,7 +4265,7 @@
           <a:p>
             <a:fld id="{4509A250-FF31-4206-8172-F9D3106AACB1}" type="datetimeFigureOut">
               <a:rPr lang="en-US" dirty="0"/>
-              <a:t>6/3/2021</a:t>
+              <a:t>6/4/2021</a:t>
             </a:fld>
             <a:endParaRPr lang="en-US" dirty="0"/>
           </a:p>
@@ -4377,7 +4378,7 @@
           <a:p>
             <a:fld id="{4509A250-FF31-4206-8172-F9D3106AACB1}" type="datetimeFigureOut">
               <a:rPr lang="en-US" dirty="0"/>
-              <a:t>6/3/2021</a:t>
+              <a:t>6/4/2021</a:t>
             </a:fld>
             <a:endParaRPr lang="en-US" dirty="0"/>
           </a:p>
@@ -4467,7 +4468,7 @@
           <a:p>
             <a:fld id="{4509A250-FF31-4206-8172-F9D3106AACB1}" type="datetimeFigureOut">
               <a:rPr lang="en-US" dirty="0"/>
-              <a:t>6/3/2021</a:t>
+              <a:t>6/4/2021</a:t>
             </a:fld>
             <a:endParaRPr lang="en-US" dirty="0"/>
           </a:p>
@@ -4741,7 +4742,7 @@
           <a:p>
             <a:fld id="{4509A250-FF31-4206-8172-F9D3106AACB1}" type="datetimeFigureOut">
               <a:rPr lang="en-US" dirty="0"/>
-              <a:t>6/3/2021</a:t>
+              <a:t>6/4/2021</a:t>
             </a:fld>
             <a:endParaRPr lang="en-US" dirty="0"/>
           </a:p>
@@ -5011,7 +5012,7 @@
           <a:p>
             <a:fld id="{4509A250-FF31-4206-8172-F9D3106AACB1}" type="datetimeFigureOut">
               <a:rPr lang="en-US" dirty="0"/>
-              <a:t>6/3/2021</a:t>
+              <a:t>6/4/2021</a:t>
             </a:fld>
             <a:endParaRPr lang="en-US" dirty="0"/>
           </a:p>
@@ -5435,7 +5436,7 @@
           <a:p>
             <a:fld id="{4509A250-FF31-4206-8172-F9D3106AACB1}" type="datetimeFigureOut">
               <a:rPr lang="en-US" dirty="0"/>
-              <a:t>6/3/2021</a:t>
+              <a:t>6/4/2021</a:t>
             </a:fld>
             <a:endParaRPr lang="en-US" dirty="0"/>
           </a:p>
@@ -6020,706 +6021,6 @@
 <file path=ppt/slides/slide10.xml><?xml version="1.0" encoding="utf-8"?>
 <p:sld xmlns:a="http://schemas.openxmlformats.org/drawingml/2006/main" xmlns:r="http://schemas.openxmlformats.org/officeDocument/2006/relationships" xmlns:p="http://schemas.openxmlformats.org/presentationml/2006/main">
   <p:cSld>
-    <p:spTree>
-      <p:nvGrpSpPr>
-        <p:cNvPr id="1" name=""/>
-        <p:cNvGrpSpPr/>
-        <p:nvPr/>
-      </p:nvGrpSpPr>
-      <p:grpSpPr>
-        <a:xfrm>
-          <a:off x="0" y="0"/>
-          <a:ext cx="0" cy="0"/>
-          <a:chOff x="0" y="0"/>
-          <a:chExt cx="0" cy="0"/>
-        </a:xfrm>
-      </p:grpSpPr>
-      <p:sp>
-        <p:nvSpPr>
-          <p:cNvPr id="2" name="Titolo 1">
-            <a:extLst>
-              <a:ext uri="{FF2B5EF4-FFF2-40B4-BE49-F238E27FC236}">
-                <a16:creationId xmlns:a16="http://schemas.microsoft.com/office/drawing/2014/main" id="{4DBA7C89-E1D5-4010-9ECC-75B75E24AA18}"/>
-              </a:ext>
-            </a:extLst>
-          </p:cNvPr>
-          <p:cNvSpPr>
-            <a:spLocks noGrp="1"/>
-          </p:cNvSpPr>
-          <p:nvPr>
-            <p:ph type="title"/>
-          </p:nvPr>
-        </p:nvSpPr>
-        <p:spPr/>
-        <p:txBody>
-          <a:bodyPr/>
-          <a:lstStyle/>
-          <a:p>
-            <a:endParaRPr lang="it-IT"/>
-          </a:p>
-        </p:txBody>
-      </p:sp>
-      <p:sp>
-        <p:nvSpPr>
-          <p:cNvPr id="3" name="Segnaposto contenuto 2">
-            <a:extLst>
-              <a:ext uri="{FF2B5EF4-FFF2-40B4-BE49-F238E27FC236}">
-                <a16:creationId xmlns:a16="http://schemas.microsoft.com/office/drawing/2014/main" id="{029A8546-28A6-4501-83D5-60C1026E1F99}"/>
-              </a:ext>
-            </a:extLst>
-          </p:cNvPr>
-          <p:cNvSpPr>
-            <a:spLocks noGrp="1"/>
-          </p:cNvSpPr>
-          <p:nvPr>
-            <p:ph idx="1"/>
-          </p:nvPr>
-        </p:nvSpPr>
-        <p:spPr/>
-        <p:txBody>
-          <a:bodyPr/>
-          <a:lstStyle/>
-          <a:p>
-            <a:endParaRPr lang="it-IT"/>
-          </a:p>
-        </p:txBody>
-      </p:sp>
-      <p:pic>
-        <p:nvPicPr>
-          <p:cNvPr id="2050" name="Picture 2" descr="E' il BlackOutTuesday: i profili Instagram si tingono di nero per  combattere il razzismo">
-            <a:extLst>
-              <a:ext uri="{FF2B5EF4-FFF2-40B4-BE49-F238E27FC236}">
-                <a16:creationId xmlns:a16="http://schemas.microsoft.com/office/drawing/2014/main" id="{DC5687C5-E9FA-4A35-A989-605D046F61C6}"/>
-              </a:ext>
-            </a:extLst>
-          </p:cNvPr>
-          <p:cNvPicPr>
-            <a:picLocks noChangeAspect="1" noChangeArrowheads="1"/>
-          </p:cNvPicPr>
-          <p:nvPr/>
-        </p:nvPicPr>
-        <p:blipFill>
-          <a:blip r:embed="rId2">
-            <a:extLst>
-              <a:ext uri="{28A0092B-C50C-407E-A947-70E740481C1C}">
-                <a14:useLocalDpi xmlns:a14="http://schemas.microsoft.com/office/drawing/2010/main" val="0"/>
-              </a:ext>
-            </a:extLst>
-          </a:blip>
-          <a:srcRect/>
-          <a:stretch>
-            <a:fillRect/>
-          </a:stretch>
-        </p:blipFill>
-        <p:spPr bwMode="auto">
-          <a:xfrm>
-            <a:off x="0" y="0"/>
-            <a:ext cx="12192000" cy="6858000"/>
-          </a:xfrm>
-          <a:prstGeom prst="rect">
-            <a:avLst/>
-          </a:prstGeom>
-          <a:noFill/>
-          <a:extLst>
-            <a:ext uri="{909E8E84-426E-40DD-AFC4-6F175D3DCCD1}">
-              <a14:hiddenFill xmlns:a14="http://schemas.microsoft.com/office/drawing/2010/main">
-                <a:solidFill>
-                  <a:srgbClr val="FFFFFF"/>
-                </a:solidFill>
-              </a14:hiddenFill>
-            </a:ext>
-          </a:extLst>
-        </p:spPr>
-      </p:pic>
-    </p:spTree>
-    <p:extLst>
-      <p:ext uri="{BB962C8B-B14F-4D97-AF65-F5344CB8AC3E}">
-        <p14:creationId xmlns:p14="http://schemas.microsoft.com/office/powerpoint/2010/main" val="3611896384"/>
-      </p:ext>
-    </p:extLst>
-  </p:cSld>
-  <p:clrMapOvr>
-    <a:masterClrMapping/>
-  </p:clrMapOvr>
-  <mc:AlternateContent xmlns:mc="http://schemas.openxmlformats.org/markup-compatibility/2006" xmlns:p14="http://schemas.microsoft.com/office/powerpoint/2010/main">
-    <mc:Choice Requires="p14">
-      <p:transition spd="slow" p14:dur="2750">
-        <p:fade/>
-      </p:transition>
-    </mc:Choice>
-    <mc:Fallback xmlns="">
-      <p:transition spd="slow">
-        <p:fade/>
-      </p:transition>
-    </mc:Fallback>
-  </mc:AlternateContent>
-</p:sld>
-</file>
-
-<file path=ppt/slides/slide2.xml><?xml version="1.0" encoding="utf-8"?>
-<p:sld xmlns:a="http://schemas.openxmlformats.org/drawingml/2006/main" xmlns:r="http://schemas.openxmlformats.org/officeDocument/2006/relationships" xmlns:p="http://schemas.openxmlformats.org/presentationml/2006/main">
-  <p:cSld>
-    <p:spTree>
-      <p:nvGrpSpPr>
-        <p:cNvPr id="1" name=""/>
-        <p:cNvGrpSpPr/>
-        <p:nvPr/>
-      </p:nvGrpSpPr>
-      <p:grpSpPr>
-        <a:xfrm>
-          <a:off x="0" y="0"/>
-          <a:ext cx="0" cy="0"/>
-          <a:chOff x="0" y="0"/>
-          <a:chExt cx="0" cy="0"/>
-        </a:xfrm>
-      </p:grpSpPr>
-      <p:sp>
-        <p:nvSpPr>
-          <p:cNvPr id="3" name="Segnaposto contenuto 2">
-            <a:extLst>
-              <a:ext uri="{FF2B5EF4-FFF2-40B4-BE49-F238E27FC236}">
-                <a16:creationId xmlns:a16="http://schemas.microsoft.com/office/drawing/2014/main" id="{9248A8B1-0AE4-4281-8BBD-8C66F0AB20C6}"/>
-              </a:ext>
-            </a:extLst>
-          </p:cNvPr>
-          <p:cNvSpPr>
-            <a:spLocks noGrp="1"/>
-          </p:cNvSpPr>
-          <p:nvPr>
-            <p:ph sz="half" idx="1"/>
-          </p:nvPr>
-        </p:nvSpPr>
-        <p:spPr>
-          <a:xfrm>
-            <a:off x="1008449" y="2274263"/>
-            <a:ext cx="6848475" cy="1368425"/>
-          </a:xfrm>
-        </p:spPr>
-        <p:txBody>
-          <a:bodyPr/>
-          <a:lstStyle/>
-          <a:p>
-            <a:pPr marL="0" indent="0">
-              <a:buNone/>
-            </a:pPr>
-            <a:r>
-              <a:rPr lang="it-IT" dirty="0"/>
-              <a:t>Un’</a:t>
-            </a:r>
-            <a:r>
-              <a:rPr lang="it-IT" b="1" dirty="0"/>
-              <a:t>applicazione</a:t>
-            </a:r>
-            <a:r>
-              <a:rPr lang="it-IT" dirty="0"/>
-              <a:t> per smartphone:</a:t>
-            </a:r>
-          </a:p>
-          <a:p>
-            <a:pPr lvl="1">
-              <a:buFont typeface="Arial" panose="020B0604020202020204" pitchFamily="34" charset="0"/>
-              <a:buChar char="•"/>
-            </a:pPr>
-            <a:r>
-              <a:rPr lang="it-IT" dirty="0"/>
-              <a:t>Tessera NFC</a:t>
-            </a:r>
-          </a:p>
-          <a:p>
-            <a:pPr lvl="1">
-              <a:buFont typeface="Arial" panose="020B0604020202020204" pitchFamily="34" charset="0"/>
-              <a:buChar char="•"/>
-            </a:pPr>
-            <a:r>
-              <a:rPr lang="it-IT" dirty="0"/>
-              <a:t>Realizzata con un programma C# e un programma Arduino</a:t>
-            </a:r>
-          </a:p>
-        </p:txBody>
-      </p:sp>
-      <p:sp>
-        <p:nvSpPr>
-          <p:cNvPr id="4" name="Segnaposto contenuto 3">
-            <a:extLst>
-              <a:ext uri="{FF2B5EF4-FFF2-40B4-BE49-F238E27FC236}">
-                <a16:creationId xmlns:a16="http://schemas.microsoft.com/office/drawing/2014/main" id="{7CA8F3C0-4DC8-4B42-96EC-8F4C521EA242}"/>
-              </a:ext>
-            </a:extLst>
-          </p:cNvPr>
-          <p:cNvSpPr>
-            <a:spLocks noGrp="1"/>
-          </p:cNvSpPr>
-          <p:nvPr>
-            <p:ph sz="half" idx="2"/>
-          </p:nvPr>
-        </p:nvSpPr>
-        <p:spPr>
-          <a:xfrm>
-            <a:off x="1008449" y="4114164"/>
-            <a:ext cx="9071157" cy="810030"/>
-          </a:xfrm>
-        </p:spPr>
-        <p:txBody>
-          <a:bodyPr/>
-          <a:lstStyle/>
-          <a:p>
-            <a:pPr marL="0" indent="0">
-              <a:buNone/>
-            </a:pPr>
-            <a:r>
-              <a:rPr lang="it-IT" dirty="0"/>
-              <a:t>Un </a:t>
-            </a:r>
-            <a:r>
-              <a:rPr lang="it-IT" b="1" dirty="0"/>
-              <a:t>software</a:t>
-            </a:r>
-            <a:r>
-              <a:rPr lang="it-IT" dirty="0"/>
-              <a:t> per un </a:t>
-            </a:r>
-            <a:r>
-              <a:rPr lang="it-IT" b="1" dirty="0"/>
-              <a:t>dispositivo</a:t>
-            </a:r>
-            <a:r>
-              <a:rPr lang="it-IT" dirty="0"/>
-              <a:t> posto su ciascun pullman per verificare la validità:</a:t>
-            </a:r>
-          </a:p>
-          <a:p>
-            <a:pPr lvl="1">
-              <a:buFont typeface="Arial" panose="020B0604020202020204" pitchFamily="34" charset="0"/>
-              <a:buChar char="•"/>
-            </a:pPr>
-            <a:r>
-              <a:rPr lang="it-IT" dirty="0"/>
-              <a:t>Realizzato con un programma C# e un programma Arduino</a:t>
-            </a:r>
-          </a:p>
-        </p:txBody>
-      </p:sp>
-      <p:sp>
-        <p:nvSpPr>
-          <p:cNvPr id="5" name="Titolo 1">
-            <a:extLst>
-              <a:ext uri="{FF2B5EF4-FFF2-40B4-BE49-F238E27FC236}">
-                <a16:creationId xmlns:a16="http://schemas.microsoft.com/office/drawing/2014/main" id="{7CBDCA69-D557-412E-B456-ACDB6F34C651}"/>
-              </a:ext>
-            </a:extLst>
-          </p:cNvPr>
-          <p:cNvSpPr txBox="1">
-            <a:spLocks/>
-          </p:cNvSpPr>
-          <p:nvPr/>
-        </p:nvSpPr>
-        <p:spPr>
-          <a:xfrm>
-            <a:off x="6951" y="0"/>
-            <a:ext cx="3343275" cy="810030"/>
-          </a:xfrm>
-          <a:prstGeom prst="rect">
-            <a:avLst/>
-          </a:prstGeom>
-        </p:spPr>
-        <p:txBody>
-          <a:bodyPr vert="horz" lIns="91440" tIns="45720" rIns="91440" bIns="45720" rtlCol="0" anchor="t">
-            <a:noAutofit/>
-          </a:bodyPr>
-          <a:lstStyle>
-            <a:lvl1pPr algn="l" defTabSz="457200" rtl="0" eaLnBrk="1" latinLnBrk="0" hangingPunct="1">
-              <a:spcBef>
-                <a:spcPct val="0"/>
-              </a:spcBef>
-              <a:buNone/>
-              <a:defRPr sz="4200" b="0" i="0" kern="1200">
-                <a:solidFill>
-                  <a:schemeClr val="tx2"/>
-                </a:solidFill>
-                <a:latin typeface="+mj-lt"/>
-                <a:ea typeface="+mj-ea"/>
-                <a:cs typeface="+mj-cs"/>
-              </a:defRPr>
-            </a:lvl1pPr>
-            <a:lvl2pPr eaLnBrk="1" hangingPunct="1">
-              <a:defRPr>
-                <a:solidFill>
-                  <a:schemeClr val="tx2"/>
-                </a:solidFill>
-              </a:defRPr>
-            </a:lvl2pPr>
-            <a:lvl3pPr eaLnBrk="1" hangingPunct="1">
-              <a:defRPr>
-                <a:solidFill>
-                  <a:schemeClr val="tx2"/>
-                </a:solidFill>
-              </a:defRPr>
-            </a:lvl3pPr>
-            <a:lvl4pPr eaLnBrk="1" hangingPunct="1">
-              <a:defRPr>
-                <a:solidFill>
-                  <a:schemeClr val="tx2"/>
-                </a:solidFill>
-              </a:defRPr>
-            </a:lvl4pPr>
-            <a:lvl5pPr eaLnBrk="1" hangingPunct="1">
-              <a:defRPr>
-                <a:solidFill>
-                  <a:schemeClr val="tx2"/>
-                </a:solidFill>
-              </a:defRPr>
-            </a:lvl5pPr>
-            <a:lvl6pPr eaLnBrk="1" hangingPunct="1">
-              <a:defRPr>
-                <a:solidFill>
-                  <a:schemeClr val="tx2"/>
-                </a:solidFill>
-              </a:defRPr>
-            </a:lvl6pPr>
-            <a:lvl7pPr eaLnBrk="1" hangingPunct="1">
-              <a:defRPr>
-                <a:solidFill>
-                  <a:schemeClr val="tx2"/>
-                </a:solidFill>
-              </a:defRPr>
-            </a:lvl7pPr>
-            <a:lvl8pPr eaLnBrk="1" hangingPunct="1">
-              <a:defRPr>
-                <a:solidFill>
-                  <a:schemeClr val="tx2"/>
-                </a:solidFill>
-              </a:defRPr>
-            </a:lvl8pPr>
-            <a:lvl9pPr eaLnBrk="1" hangingPunct="1">
-              <a:defRPr>
-                <a:solidFill>
-                  <a:schemeClr val="tx2"/>
-                </a:solidFill>
-              </a:defRPr>
-            </a:lvl9pPr>
-          </a:lstStyle>
-          <a:p>
-            <a:r>
-              <a:rPr lang="it-IT" sz="5000" b="1" dirty="0">
-                <a:solidFill>
-                  <a:schemeClr val="tx1"/>
-                </a:solidFill>
-              </a:rPr>
-              <a:t>Il progetto</a:t>
-            </a:r>
-          </a:p>
-        </p:txBody>
-      </p:sp>
-      <p:sp>
-        <p:nvSpPr>
-          <p:cNvPr id="6" name="CasellaDiTesto 5">
-            <a:extLst>
-              <a:ext uri="{FF2B5EF4-FFF2-40B4-BE49-F238E27FC236}">
-                <a16:creationId xmlns:a16="http://schemas.microsoft.com/office/drawing/2014/main" id="{FA6CE7F1-82D5-4C0A-806D-F25D5B7695A0}"/>
-              </a:ext>
-            </a:extLst>
-          </p:cNvPr>
-          <p:cNvSpPr txBox="1"/>
-          <p:nvPr/>
-        </p:nvSpPr>
-        <p:spPr>
-          <a:xfrm>
-            <a:off x="0" y="759383"/>
-            <a:ext cx="2016899" cy="338554"/>
-          </a:xfrm>
-          <a:prstGeom prst="rect">
-            <a:avLst/>
-          </a:prstGeom>
-          <a:noFill/>
-        </p:spPr>
-        <p:txBody>
-          <a:bodyPr wrap="none" rtlCol="0">
-            <a:spAutoFit/>
-          </a:bodyPr>
-          <a:lstStyle/>
-          <a:p>
-            <a:r>
-              <a:rPr lang="it-IT" sz="1600" b="1" dirty="0"/>
-              <a:t>Elementi principali</a:t>
-            </a:r>
-          </a:p>
-        </p:txBody>
-      </p:sp>
-    </p:spTree>
-    <p:extLst>
-      <p:ext uri="{BB962C8B-B14F-4D97-AF65-F5344CB8AC3E}">
-        <p14:creationId xmlns:p14="http://schemas.microsoft.com/office/powerpoint/2010/main" val="4066898594"/>
-      </p:ext>
-    </p:extLst>
-  </p:cSld>
-  <p:clrMapOvr>
-    <a:masterClrMapping/>
-  </p:clrMapOvr>
-  <mc:AlternateContent xmlns:mc="http://schemas.openxmlformats.org/markup-compatibility/2006" xmlns:p14="http://schemas.microsoft.com/office/powerpoint/2010/main">
-    <mc:Choice Requires="p14">
-      <p:transition spd="slow" p14:dur="1750">
-        <p:fade/>
-      </p:transition>
-    </mc:Choice>
-    <mc:Fallback xmlns="">
-      <p:transition spd="slow">
-        <p:fade/>
-      </p:transition>
-    </mc:Fallback>
-  </mc:AlternateContent>
-</p:sld>
-</file>
-
-<file path=ppt/slides/slide3.xml><?xml version="1.0" encoding="utf-8"?>
-<p:sld xmlns:a="http://schemas.openxmlformats.org/drawingml/2006/main" xmlns:r="http://schemas.openxmlformats.org/officeDocument/2006/relationships" xmlns:p="http://schemas.openxmlformats.org/presentationml/2006/main">
-  <p:cSld>
-    <p:spTree>
-      <p:nvGrpSpPr>
-        <p:cNvPr id="1" name=""/>
-        <p:cNvGrpSpPr/>
-        <p:nvPr/>
-      </p:nvGrpSpPr>
-      <p:grpSpPr>
-        <a:xfrm>
-          <a:off x="0" y="0"/>
-          <a:ext cx="0" cy="0"/>
-          <a:chOff x="0" y="0"/>
-          <a:chExt cx="0" cy="0"/>
-        </a:xfrm>
-      </p:grpSpPr>
-      <p:pic>
-        <p:nvPicPr>
-          <p:cNvPr id="10" name="Immagine 9">
-            <a:extLst>
-              <a:ext uri="{FF2B5EF4-FFF2-40B4-BE49-F238E27FC236}">
-                <a16:creationId xmlns:a16="http://schemas.microsoft.com/office/drawing/2014/main" id="{EAD68B1E-8D82-4147-AE6A-40C22813F044}"/>
-              </a:ext>
-            </a:extLst>
-          </p:cNvPr>
-          <p:cNvPicPr>
-            <a:picLocks noChangeAspect="1"/>
-          </p:cNvPicPr>
-          <p:nvPr/>
-        </p:nvPicPr>
-        <p:blipFill>
-          <a:blip r:embed="rId2"/>
-          <a:stretch>
-            <a:fillRect/>
-          </a:stretch>
-        </p:blipFill>
-        <p:spPr>
-          <a:xfrm>
-            <a:off x="0" y="0"/>
-            <a:ext cx="12192000" cy="6858000"/>
-          </a:xfrm>
-          <a:prstGeom prst="rect">
-            <a:avLst/>
-          </a:prstGeom>
-        </p:spPr>
-      </p:pic>
-      <p:pic>
-        <p:nvPicPr>
-          <p:cNvPr id="6" name="Immagine 5">
-            <a:extLst>
-              <a:ext uri="{FF2B5EF4-FFF2-40B4-BE49-F238E27FC236}">
-                <a16:creationId xmlns:a16="http://schemas.microsoft.com/office/drawing/2014/main" id="{23440B85-C09C-4640-B492-AB9090AA62C2}"/>
-              </a:ext>
-            </a:extLst>
-          </p:cNvPr>
-          <p:cNvPicPr>
-            <a:picLocks noChangeAspect="1"/>
-          </p:cNvPicPr>
-          <p:nvPr/>
-        </p:nvPicPr>
-        <p:blipFill>
-          <a:blip r:embed="rId3"/>
-          <a:stretch>
-            <a:fillRect/>
-          </a:stretch>
-        </p:blipFill>
-        <p:spPr>
-          <a:xfrm>
-            <a:off x="2990641" y="2003490"/>
-            <a:ext cx="5721767" cy="3860670"/>
-          </a:xfrm>
-          <a:prstGeom prst="rect">
-            <a:avLst/>
-          </a:prstGeom>
-        </p:spPr>
-      </p:pic>
-      <p:pic>
-        <p:nvPicPr>
-          <p:cNvPr id="8" name="Immagine 7">
-            <a:extLst>
-              <a:ext uri="{FF2B5EF4-FFF2-40B4-BE49-F238E27FC236}">
-                <a16:creationId xmlns:a16="http://schemas.microsoft.com/office/drawing/2014/main" id="{F082D77D-7E90-4A1B-902A-BF22BD8BF999}"/>
-              </a:ext>
-            </a:extLst>
-          </p:cNvPr>
-          <p:cNvPicPr>
-            <a:picLocks noChangeAspect="1"/>
-          </p:cNvPicPr>
-          <p:nvPr/>
-        </p:nvPicPr>
-        <p:blipFill>
-          <a:blip r:embed="rId4"/>
-          <a:stretch>
-            <a:fillRect/>
-          </a:stretch>
-        </p:blipFill>
-        <p:spPr>
-          <a:xfrm>
-            <a:off x="5087277" y="1341410"/>
-            <a:ext cx="821398" cy="1274360"/>
-          </a:xfrm>
-          <a:prstGeom prst="rect">
-            <a:avLst/>
-          </a:prstGeom>
-        </p:spPr>
-      </p:pic>
-      <p:sp>
-        <p:nvSpPr>
-          <p:cNvPr id="2" name="Titolo 1">
-            <a:extLst>
-              <a:ext uri="{FF2B5EF4-FFF2-40B4-BE49-F238E27FC236}">
-                <a16:creationId xmlns:a16="http://schemas.microsoft.com/office/drawing/2014/main" id="{787CD2E0-40ED-4B43-AB7C-DE40388F2541}"/>
-              </a:ext>
-            </a:extLst>
-          </p:cNvPr>
-          <p:cNvSpPr>
-            <a:spLocks noGrp="1"/>
-          </p:cNvSpPr>
-          <p:nvPr>
-            <p:ph type="title"/>
-          </p:nvPr>
-        </p:nvSpPr>
-        <p:spPr>
-          <a:xfrm>
-            <a:off x="0" y="4916"/>
-            <a:ext cx="2603497" cy="810030"/>
-          </a:xfrm>
-        </p:spPr>
-        <p:txBody>
-          <a:bodyPr/>
-          <a:lstStyle/>
-          <a:p>
-            <a:r>
-              <a:rPr lang="it-IT" sz="5000" b="1" dirty="0">
-                <a:solidFill>
-                  <a:schemeClr val="bg1"/>
-                </a:solidFill>
-              </a:rPr>
-              <a:t>Arduino</a:t>
-            </a:r>
-          </a:p>
-        </p:txBody>
-      </p:sp>
-      <p:sp>
-        <p:nvSpPr>
-          <p:cNvPr id="4" name="CasellaDiTesto 3">
-            <a:extLst>
-              <a:ext uri="{FF2B5EF4-FFF2-40B4-BE49-F238E27FC236}">
-                <a16:creationId xmlns:a16="http://schemas.microsoft.com/office/drawing/2014/main" id="{559CEFF0-CDEE-43E6-9168-74936CDF43D4}"/>
-              </a:ext>
-            </a:extLst>
-          </p:cNvPr>
-          <p:cNvSpPr txBox="1"/>
-          <p:nvPr/>
-        </p:nvSpPr>
-        <p:spPr>
-          <a:xfrm>
-            <a:off x="10742564" y="6596390"/>
-            <a:ext cx="1449436" cy="261610"/>
-          </a:xfrm>
-          <a:prstGeom prst="rect">
-            <a:avLst/>
-          </a:prstGeom>
-          <a:noFill/>
-        </p:spPr>
-        <p:txBody>
-          <a:bodyPr wrap="none" rtlCol="0">
-            <a:spAutoFit/>
-          </a:bodyPr>
-          <a:lstStyle/>
-          <a:p>
-            <a:r>
-              <a:rPr lang="it-IT" sz="1100" dirty="0">
-                <a:solidFill>
-                  <a:schemeClr val="bg1"/>
-                </a:solidFill>
-              </a:rPr>
-              <a:t>Roncoroni Daniele</a:t>
-            </a:r>
-          </a:p>
-        </p:txBody>
-      </p:sp>
-      <p:sp>
-        <p:nvSpPr>
-          <p:cNvPr id="5" name="CasellaDiTesto 4">
-            <a:extLst>
-              <a:ext uri="{FF2B5EF4-FFF2-40B4-BE49-F238E27FC236}">
-                <a16:creationId xmlns:a16="http://schemas.microsoft.com/office/drawing/2014/main" id="{6ED36F17-D8C1-443E-9600-623A04EAC80B}"/>
-              </a:ext>
-            </a:extLst>
-          </p:cNvPr>
-          <p:cNvSpPr txBox="1"/>
-          <p:nvPr/>
-        </p:nvSpPr>
-        <p:spPr>
-          <a:xfrm>
-            <a:off x="0" y="645669"/>
-            <a:ext cx="1986441" cy="338554"/>
-          </a:xfrm>
-          <a:prstGeom prst="rect">
-            <a:avLst/>
-          </a:prstGeom>
-          <a:noFill/>
-        </p:spPr>
-        <p:txBody>
-          <a:bodyPr wrap="none" rtlCol="0">
-            <a:spAutoFit/>
-          </a:bodyPr>
-          <a:lstStyle/>
-          <a:p>
-            <a:r>
-              <a:rPr lang="it-IT" sz="1600" b="1" dirty="0">
-                <a:solidFill>
-                  <a:schemeClr val="bg1"/>
-                </a:solidFill>
-              </a:rPr>
-              <a:t>Schema circuitale</a:t>
-            </a:r>
-          </a:p>
-        </p:txBody>
-      </p:sp>
-    </p:spTree>
-    <p:extLst>
-      <p:ext uri="{BB962C8B-B14F-4D97-AF65-F5344CB8AC3E}">
-        <p14:creationId xmlns:p14="http://schemas.microsoft.com/office/powerpoint/2010/main" val="1879003938"/>
-      </p:ext>
-    </p:extLst>
-  </p:cSld>
-  <p:clrMapOvr>
-    <a:masterClrMapping/>
-  </p:clrMapOvr>
-  <mc:AlternateContent xmlns:mc="http://schemas.openxmlformats.org/markup-compatibility/2006" xmlns:p14="http://schemas.microsoft.com/office/powerpoint/2010/main">
-    <mc:Choice Requires="p14">
-      <p:transition spd="slow" p14:dur="1750">
-        <p:fade/>
-      </p:transition>
-    </mc:Choice>
-    <mc:Fallback xmlns="">
-      <p:transition spd="slow">
-        <p:fade/>
-      </p:transition>
-    </mc:Fallback>
-  </mc:AlternateContent>
-</p:sld>
-</file>
-
-<file path=ppt/slides/slide4.xml><?xml version="1.0" encoding="utf-8"?>
-<p:sld xmlns:a="http://schemas.openxmlformats.org/drawingml/2006/main" xmlns:r="http://schemas.openxmlformats.org/officeDocument/2006/relationships" xmlns:p="http://schemas.openxmlformats.org/presentationml/2006/main">
-  <p:cSld>
     <p:bg>
       <p:bgPr>
         <a:blipFill rotWithShape="1">
@@ -6758,85 +6059,21 @@
           <a:chExt cx="0" cy="0"/>
         </a:xfrm>
       </p:grpSpPr>
-      <p:sp>
-        <p:nvSpPr>
-          <p:cNvPr id="3" name="Segnaposto contenuto 2">
+      <p:pic>
+        <p:nvPicPr>
+          <p:cNvPr id="10" name="Picture 9">
             <a:extLst>
               <a:ext uri="{FF2B5EF4-FFF2-40B4-BE49-F238E27FC236}">
-                <a16:creationId xmlns:a16="http://schemas.microsoft.com/office/drawing/2014/main" id="{7709EE42-6FE8-4B0D-8DCE-2BF9AFEAA31C}"/>
+                <a16:creationId xmlns:a16="http://schemas.microsoft.com/office/drawing/2014/main" id="{7594FC8B-8CD2-407F-94F1-9C71F5AEC2B6}"/>
+              </a:ext>
+              <a:ext uri="{C183D7F6-B498-43B3-948B-1728B52AA6E4}">
+                <adec:decorative xmlns:adec="http://schemas.microsoft.com/office/drawing/2017/decorative" val="1"/>
               </a:ext>
             </a:extLst>
           </p:cNvPr>
-          <p:cNvSpPr>
-            <a:spLocks noGrp="1"/>
-          </p:cNvSpPr>
-          <p:nvPr>
-            <p:ph idx="1"/>
-          </p:nvPr>
-        </p:nvSpPr>
-        <p:spPr>
-          <a:xfrm>
-            <a:off x="264257" y="3058455"/>
-            <a:ext cx="4942962" cy="1302373"/>
-          </a:xfrm>
-        </p:spPr>
-        <p:txBody>
-          <a:bodyPr>
-            <a:normAutofit/>
-          </a:bodyPr>
-          <a:lstStyle/>
-          <a:p>
-            <a:pPr marL="0" indent="0">
-              <a:buNone/>
-            </a:pPr>
-            <a:r>
-              <a:rPr lang="it-IT" dirty="0"/>
-              <a:t>Il programma </a:t>
-            </a:r>
-            <a:r>
-              <a:rPr lang="it-IT" dirty="0" err="1"/>
-              <a:t>NFC_Dispenser</a:t>
-            </a:r>
-            <a:r>
-              <a:rPr lang="it-IT" dirty="0"/>
-              <a:t> serve per </a:t>
-            </a:r>
-          </a:p>
-          <a:p>
-            <a:pPr marL="0" indent="0">
-              <a:buNone/>
-            </a:pPr>
-            <a:r>
-              <a:rPr lang="it-IT" dirty="0"/>
-              <a:t>scrivere sulla tessera NFC i dati </a:t>
-            </a:r>
-          </a:p>
-          <a:p>
-            <a:pPr marL="0" indent="0">
-              <a:buNone/>
-            </a:pPr>
-            <a:r>
-              <a:rPr lang="it-IT" dirty="0"/>
-              <a:t>comunicati dall’applicazione</a:t>
-            </a:r>
-          </a:p>
-        </p:txBody>
-      </p:sp>
-      <p:sp>
-        <p:nvSpPr>
-          <p:cNvPr id="11" name="Freeform 31">
-            <a:extLst>
-              <a:ext uri="{FF2B5EF4-FFF2-40B4-BE49-F238E27FC236}">
-                <a16:creationId xmlns:a16="http://schemas.microsoft.com/office/drawing/2014/main" id="{D6CEF2A9-EF08-4FB3-AFFB-C5F77AB6E028}"/>
-              </a:ext>
-              <a:ext uri="{C183D7F6-B498-43B3-948B-1728B52AA6E4}">
-                <adec:decorative xmlns:adec="http://schemas.microsoft.com/office/drawing/2017/decorative" val="1"/>
-              </a:ext>
-            </a:extLst>
-          </p:cNvPr>
-          <p:cNvSpPr>
-            <a:spLocks noGrp="1" noRot="1" noChangeAspect="1" noMove="1" noResize="1" noEditPoints="1" noAdjustHandles="1" noChangeArrowheads="1" noChangeShapeType="1" noTextEdit="1"/>
-          </p:cNvSpPr>
+          <p:cNvPicPr>
+            <a:picLocks noGrp="1" noRot="1" noChangeAspect="1" noMove="1" noResize="1" noEditPoints="1" noAdjustHandles="1" noChangeArrowheads="1" noChangeShapeType="1" noCrop="1"/>
+          </p:cNvPicPr>
           <p:nvPr>
             <p:extLst>
               <p:ext uri="{386F3935-93C4-4BCD-93E2-E3B085C9AB24}">
@@ -6844,10 +6081,319 @@
               </p:ext>
             </p:extLst>
           </p:nvPr>
-        </p:nvSpPr>
+        </p:nvPicPr>
+        <p:blipFill rotWithShape="1">
+          <a:blip r:embed="rId3">
+            <a:extLst>
+              <a:ext uri="{28A0092B-C50C-407E-A947-70E740481C1C}">
+                <a14:useLocalDpi xmlns:a14="http://schemas.microsoft.com/office/drawing/2010/main" val="0"/>
+              </a:ext>
+            </a:extLst>
+          </a:blip>
+          <a:srcRect l="3613"/>
+          <a:stretch/>
+        </p:blipFill>
         <p:spPr>
           <a:xfrm>
-            <a:off x="4994020" y="-1"/>
+            <a:off x="0" y="2669685"/>
+            <a:ext cx="4037012" cy="4188315"/>
+          </a:xfrm>
+          <a:prstGeom prst="rect">
+            <a:avLst/>
+          </a:prstGeom>
+        </p:spPr>
+      </p:pic>
+      <p:pic>
+        <p:nvPicPr>
+          <p:cNvPr id="12" name="Picture 11">
+            <a:extLst>
+              <a:ext uri="{FF2B5EF4-FFF2-40B4-BE49-F238E27FC236}">
+                <a16:creationId xmlns:a16="http://schemas.microsoft.com/office/drawing/2014/main" id="{DBABC971-8D40-4A4F-AC60-28B9172789B9}"/>
+              </a:ext>
+              <a:ext uri="{C183D7F6-B498-43B3-948B-1728B52AA6E4}">
+                <adec:decorative xmlns:adec="http://schemas.microsoft.com/office/drawing/2017/decorative" val="1"/>
+              </a:ext>
+            </a:extLst>
+          </p:cNvPr>
+          <p:cNvPicPr>
+            <a:picLocks noGrp="1" noRot="1" noChangeAspect="1" noMove="1" noResize="1" noEditPoints="1" noAdjustHandles="1" noChangeArrowheads="1" noChangeShapeType="1" noCrop="1"/>
+          </p:cNvPicPr>
+          <p:nvPr>
+            <p:extLst>
+              <p:ext uri="{386F3935-93C4-4BCD-93E2-E3B085C9AB24}">
+                <p16:designElem xmlns:p16="http://schemas.microsoft.com/office/powerpoint/2015/main" val="1"/>
+              </p:ext>
+            </p:extLst>
+          </p:nvPr>
+        </p:nvPicPr>
+        <p:blipFill rotWithShape="1">
+          <a:blip r:embed="rId4">
+            <a:extLst>
+              <a:ext uri="{28A0092B-C50C-407E-A947-70E740481C1C}">
+                <a14:useLocalDpi xmlns:a14="http://schemas.microsoft.com/office/drawing/2010/main" val="0"/>
+              </a:ext>
+            </a:extLst>
+          </a:blip>
+          <a:srcRect l="35640"/>
+          <a:stretch/>
+        </p:blipFill>
+        <p:spPr>
+          <a:xfrm>
+            <a:off x="0" y="2892347"/>
+            <a:ext cx="1522412" cy="2365453"/>
+          </a:xfrm>
+          <a:prstGeom prst="rect">
+            <a:avLst/>
+          </a:prstGeom>
+        </p:spPr>
+      </p:pic>
+      <p:sp>
+        <p:nvSpPr>
+          <p:cNvPr id="14" name="Oval 13">
+            <a:extLst>
+              <a:ext uri="{FF2B5EF4-FFF2-40B4-BE49-F238E27FC236}">
+                <a16:creationId xmlns:a16="http://schemas.microsoft.com/office/drawing/2014/main" id="{B9C04DC5-313B-4FE4-B868-5672A376419F}"/>
+              </a:ext>
+              <a:ext uri="{C183D7F6-B498-43B3-948B-1728B52AA6E4}">
+                <adec:decorative xmlns:adec="http://schemas.microsoft.com/office/drawing/2017/decorative" val="1"/>
+              </a:ext>
+            </a:extLst>
+          </p:cNvPr>
+          <p:cNvSpPr>
+            <a:spLocks noGrp="1" noRot="1" noChangeAspect="1" noMove="1" noResize="1" noEditPoints="1" noAdjustHandles="1" noChangeArrowheads="1" noChangeShapeType="1" noTextEdit="1"/>
+          </p:cNvSpPr>
+          <p:nvPr>
+            <p:extLst>
+              <p:ext uri="{386F3935-93C4-4BCD-93E2-E3B085C9AB24}">
+                <p16:designElem xmlns:p16="http://schemas.microsoft.com/office/powerpoint/2015/main" val="1"/>
+              </p:ext>
+            </p:extLst>
+          </p:nvPr>
+        </p:nvSpPr>
+        <p:spPr>
+          <a:xfrm>
+            <a:off x="8609012" y="1676400"/>
+            <a:ext cx="2819400" cy="2819400"/>
+          </a:xfrm>
+          <a:prstGeom prst="ellipse">
+            <a:avLst/>
+          </a:prstGeom>
+          <a:gradFill flip="none" rotWithShape="1">
+            <a:gsLst>
+              <a:gs pos="0">
+                <a:schemeClr val="bg2">
+                  <a:lumMod val="40000"/>
+                  <a:lumOff val="60000"/>
+                  <a:alpha val="7000"/>
+                </a:schemeClr>
+              </a:gs>
+              <a:gs pos="69000">
+                <a:schemeClr val="bg2">
+                  <a:lumMod val="40000"/>
+                  <a:lumOff val="60000"/>
+                  <a:alpha val="0"/>
+                </a:schemeClr>
+              </a:gs>
+              <a:gs pos="36000">
+                <a:schemeClr val="bg2">
+                  <a:lumMod val="40000"/>
+                  <a:lumOff val="60000"/>
+                  <a:alpha val="6000"/>
+                </a:schemeClr>
+              </a:gs>
+            </a:gsLst>
+            <a:path path="circle">
+              <a:fillToRect l="50000" t="50000" r="50000" b="50000"/>
+            </a:path>
+            <a:tileRect/>
+          </a:gradFill>
+          <a:ln>
+            <a:noFill/>
+          </a:ln>
+          <a:effectLst/>
+        </p:spPr>
+        <p:style>
+          <a:lnRef idx="1">
+            <a:schemeClr val="accent1"/>
+          </a:lnRef>
+          <a:fillRef idx="3">
+            <a:schemeClr val="accent1"/>
+          </a:fillRef>
+          <a:effectRef idx="2">
+            <a:schemeClr val="accent1"/>
+          </a:effectRef>
+          <a:fontRef idx="minor">
+            <a:schemeClr val="lt1"/>
+          </a:fontRef>
+        </p:style>
+      </p:sp>
+      <p:pic>
+        <p:nvPicPr>
+          <p:cNvPr id="16" name="Picture 15">
+            <a:extLst>
+              <a:ext uri="{FF2B5EF4-FFF2-40B4-BE49-F238E27FC236}">
+                <a16:creationId xmlns:a16="http://schemas.microsoft.com/office/drawing/2014/main" id="{791AE23E-90C9-4963-96E2-8DADBFC3BC09}"/>
+              </a:ext>
+              <a:ext uri="{C183D7F6-B498-43B3-948B-1728B52AA6E4}">
+                <adec:decorative xmlns:adec="http://schemas.microsoft.com/office/drawing/2017/decorative" val="1"/>
+              </a:ext>
+            </a:extLst>
+          </p:cNvPr>
+          <p:cNvPicPr>
+            <a:picLocks noGrp="1" noRot="1" noChangeAspect="1" noMove="1" noResize="1" noEditPoints="1" noAdjustHandles="1" noChangeArrowheads="1" noChangeShapeType="1" noCrop="1"/>
+          </p:cNvPicPr>
+          <p:nvPr>
+            <p:extLst>
+              <p:ext uri="{386F3935-93C4-4BCD-93E2-E3B085C9AB24}">
+                <p16:designElem xmlns:p16="http://schemas.microsoft.com/office/powerpoint/2015/main" val="1"/>
+              </p:ext>
+            </p:extLst>
+          </p:nvPr>
+        </p:nvPicPr>
+        <p:blipFill rotWithShape="1">
+          <a:blip r:embed="rId5">
+            <a:extLst>
+              <a:ext uri="{28A0092B-C50C-407E-A947-70E740481C1C}">
+                <a14:useLocalDpi xmlns:a14="http://schemas.microsoft.com/office/drawing/2010/main" val="0"/>
+              </a:ext>
+            </a:extLst>
+          </a:blip>
+          <a:srcRect t="28813"/>
+          <a:stretch/>
+        </p:blipFill>
+        <p:spPr>
+          <a:xfrm>
+            <a:off x="7999412" y="0"/>
+            <a:ext cx="1603387" cy="1141407"/>
+          </a:xfrm>
+          <a:prstGeom prst="rect">
+            <a:avLst/>
+          </a:prstGeom>
+        </p:spPr>
+      </p:pic>
+      <p:pic>
+        <p:nvPicPr>
+          <p:cNvPr id="18" name="Picture 17">
+            <a:extLst>
+              <a:ext uri="{FF2B5EF4-FFF2-40B4-BE49-F238E27FC236}">
+                <a16:creationId xmlns:a16="http://schemas.microsoft.com/office/drawing/2014/main" id="{C5F93E90-4379-4AAC-B021-E5FA6D974AED}"/>
+              </a:ext>
+              <a:ext uri="{C183D7F6-B498-43B3-948B-1728B52AA6E4}">
+                <adec:decorative xmlns:adec="http://schemas.microsoft.com/office/drawing/2017/decorative" val="1"/>
+              </a:ext>
+            </a:extLst>
+          </p:cNvPr>
+          <p:cNvPicPr>
+            <a:picLocks noGrp="1" noRot="1" noChangeAspect="1" noMove="1" noResize="1" noEditPoints="1" noAdjustHandles="1" noChangeArrowheads="1" noChangeShapeType="1" noCrop="1"/>
+          </p:cNvPicPr>
+          <p:nvPr>
+            <p:extLst>
+              <p:ext uri="{386F3935-93C4-4BCD-93E2-E3B085C9AB24}">
+                <p16:designElem xmlns:p16="http://schemas.microsoft.com/office/powerpoint/2015/main" val="1"/>
+              </p:ext>
+            </p:extLst>
+          </p:nvPr>
+        </p:nvPicPr>
+        <p:blipFill rotWithShape="1">
+          <a:blip r:embed="rId6">
+            <a:extLst>
+              <a:ext uri="{28A0092B-C50C-407E-A947-70E740481C1C}">
+                <a14:useLocalDpi xmlns:a14="http://schemas.microsoft.com/office/drawing/2010/main" val="0"/>
+              </a:ext>
+            </a:extLst>
+          </a:blip>
+          <a:srcRect b="23320"/>
+          <a:stretch/>
+        </p:blipFill>
+        <p:spPr>
+          <a:xfrm>
+            <a:off x="8609012" y="6096000"/>
+            <a:ext cx="993734" cy="762000"/>
+          </a:xfrm>
+          <a:prstGeom prst="rect">
+            <a:avLst/>
+          </a:prstGeom>
+        </p:spPr>
+      </p:pic>
+      <p:sp>
+        <p:nvSpPr>
+          <p:cNvPr id="20" name="Rectangle 19">
+            <a:extLst>
+              <a:ext uri="{FF2B5EF4-FFF2-40B4-BE49-F238E27FC236}">
+                <a16:creationId xmlns:a16="http://schemas.microsoft.com/office/drawing/2014/main" id="{329FDD08-42D8-4AFF-90E5-5DAA5BC4CBD8}"/>
+              </a:ext>
+              <a:ext uri="{C183D7F6-B498-43B3-948B-1728B52AA6E4}">
+                <adec:decorative xmlns:adec="http://schemas.microsoft.com/office/drawing/2017/decorative" val="1"/>
+              </a:ext>
+            </a:extLst>
+          </p:cNvPr>
+          <p:cNvSpPr>
+            <a:spLocks noGrp="1" noRot="1" noChangeAspect="1" noMove="1" noResize="1" noEditPoints="1" noAdjustHandles="1" noChangeArrowheads="1" noChangeShapeType="1" noTextEdit="1"/>
+          </p:cNvSpPr>
+          <p:nvPr>
+            <p:extLst>
+              <p:ext uri="{386F3935-93C4-4BCD-93E2-E3B085C9AB24}">
+                <p16:designElem xmlns:p16="http://schemas.microsoft.com/office/powerpoint/2015/main" val="1"/>
+              </p:ext>
+            </p:extLst>
+          </p:nvPr>
+        </p:nvSpPr>
+        <p:spPr>
+          <a:xfrm>
+            <a:off x="10437812" y="0"/>
+            <a:ext cx="685800" cy="1143000"/>
+          </a:xfrm>
+          <a:prstGeom prst="rect">
+            <a:avLst/>
+          </a:prstGeom>
+          <a:solidFill>
+            <a:schemeClr val="accent1"/>
+          </a:solidFill>
+          <a:ln>
+            <a:noFill/>
+          </a:ln>
+        </p:spPr>
+        <p:style>
+          <a:lnRef idx="1">
+            <a:schemeClr val="accent1"/>
+          </a:lnRef>
+          <a:fillRef idx="3">
+            <a:schemeClr val="accent1"/>
+          </a:fillRef>
+          <a:effectRef idx="2">
+            <a:schemeClr val="accent1"/>
+          </a:effectRef>
+          <a:fontRef idx="minor">
+            <a:schemeClr val="lt1"/>
+          </a:fontRef>
+        </p:style>
+      </p:sp>
+      <p:sp>
+        <p:nvSpPr>
+          <p:cNvPr id="22" name="Freeform 11">
+            <a:extLst>
+              <a:ext uri="{FF2B5EF4-FFF2-40B4-BE49-F238E27FC236}">
+                <a16:creationId xmlns:a16="http://schemas.microsoft.com/office/drawing/2014/main" id="{2FEA51AE-2D18-46BE-B2CA-B90B13168980}"/>
+              </a:ext>
+              <a:ext uri="{C183D7F6-B498-43B3-948B-1728B52AA6E4}">
+                <adec:decorative xmlns:adec="http://schemas.microsoft.com/office/drawing/2017/decorative" val="1"/>
+              </a:ext>
+            </a:extLst>
+          </p:cNvPr>
+          <p:cNvSpPr>
+            <a:spLocks noGrp="1" noRot="1" noChangeAspect="1" noMove="1" noResize="1" noEditPoints="1" noAdjustHandles="1" noChangeArrowheads="1" noChangeShapeType="1" noTextEdit="1"/>
+          </p:cNvSpPr>
+          <p:nvPr>
+            <p:extLst>
+              <p:ext uri="{386F3935-93C4-4BCD-93E2-E3B085C9AB24}">
+                <p16:designElem xmlns:p16="http://schemas.microsoft.com/office/powerpoint/2015/main" val="1"/>
+              </p:ext>
+            </p:extLst>
+          </p:nvPr>
+        </p:nvSpPr>
+        <p:spPr>
+          <a:xfrm>
+            <a:off x="3948110" y="-1"/>
             <a:ext cx="559472" cy="3709642"/>
           </a:xfrm>
           <a:custGeom>
@@ -7169,17 +6715,46 @@
           <a:bodyPr rtlCol="0" anchor="ctr"/>
           <a:lstStyle/>
           <a:p>
-            <a:pPr algn="ctr"/>
-            <a:endParaRPr lang="en-US"/>
-          </a:p>
-        </p:txBody>
-      </p:sp>
-      <p:sp>
-        <p:nvSpPr>
-          <p:cNvPr id="13" name="Rectangle 12">
+            <a:pPr marL="0" marR="0" lvl="0" indent="0" algn="ctr" defTabSz="457200" rtl="0" eaLnBrk="1" fontAlgn="auto" latinLnBrk="0" hangingPunct="1">
+              <a:lnSpc>
+                <a:spcPct val="100000"/>
+              </a:lnSpc>
+              <a:spcBef>
+                <a:spcPts val="0"/>
+              </a:spcBef>
+              <a:spcAft>
+                <a:spcPts val="0"/>
+              </a:spcAft>
+              <a:buClrTx/>
+              <a:buSzTx/>
+              <a:buFontTx/>
+              <a:buNone/>
+              <a:tabLst/>
+              <a:defRPr/>
+            </a:pPr>
+            <a:endParaRPr kumimoji="0" lang="en-US" sz="1800" b="0" i="0" u="none" strike="noStrike" kern="1200" cap="none" spc="0" normalizeH="0" baseline="0" noProof="0">
+              <a:ln>
+                <a:noFill/>
+              </a:ln>
+              <a:solidFill>
+                <a:prstClr val="white"/>
+              </a:solidFill>
+              <a:effectLst/>
+              <a:uLnTx/>
+              <a:uFillTx/>
+              <a:latin typeface="Century Gothic" panose="020B0502020202020204"/>
+              <a:ea typeface="+mn-ea"/>
+              <a:cs typeface="+mn-cs"/>
+            </a:endParaRPr>
+          </a:p>
+        </p:txBody>
+      </p:sp>
+      <p:sp>
+        <p:nvSpPr>
+          <p:cNvPr id="24" name="Rectangle 23">
             <a:extLst>
               <a:ext uri="{FF2B5EF4-FFF2-40B4-BE49-F238E27FC236}">
-                <a16:creationId xmlns:a16="http://schemas.microsoft.com/office/drawing/2014/main" id="{4109C3C2-C0A8-4559-8462-8007573DF44C}"/>
+                <a16:creationId xmlns:a16="http://schemas.microsoft.com/office/drawing/2014/main" id="{5E6A537E-C106-45AE-9BBB-3CE559441813}"/>
               </a:ext>
               <a:ext uri="{C183D7F6-B498-43B3-948B-1728B52AA6E4}">
                 <adec:decorative xmlns:adec="http://schemas.microsoft.com/office/drawing/2017/decorative" val="1"/>
@@ -7199,8 +6774,8 @@
         </p:nvSpPr>
         <p:spPr>
           <a:xfrm>
-            <a:off x="6093992" y="0"/>
-            <a:ext cx="6098427" cy="6858000"/>
+            <a:off x="4639056" y="0"/>
+            <a:ext cx="7552944" cy="6858000"/>
           </a:xfrm>
           <a:prstGeom prst="rect">
             <a:avLst/>
@@ -7232,17 +6807,46 @@
           <a:bodyPr rtlCol="0" anchor="ctr"/>
           <a:lstStyle/>
           <a:p>
-            <a:pPr algn="ctr"/>
-            <a:endParaRPr lang="en-US"/>
-          </a:p>
-        </p:txBody>
-      </p:sp>
-      <p:sp>
-        <p:nvSpPr>
-          <p:cNvPr id="15" name="Freeform 5">
+            <a:pPr marL="0" marR="0" lvl="0" indent="0" algn="ctr" defTabSz="457200" rtl="0" eaLnBrk="1" fontAlgn="auto" latinLnBrk="0" hangingPunct="1">
+              <a:lnSpc>
+                <a:spcPct val="100000"/>
+              </a:lnSpc>
+              <a:spcBef>
+                <a:spcPts val="0"/>
+              </a:spcBef>
+              <a:spcAft>
+                <a:spcPts val="0"/>
+              </a:spcAft>
+              <a:buClrTx/>
+              <a:buSzTx/>
+              <a:buFontTx/>
+              <a:buNone/>
+              <a:tabLst/>
+              <a:defRPr/>
+            </a:pPr>
+            <a:endParaRPr kumimoji="0" lang="en-US" sz="1800" b="0" i="0" u="none" strike="noStrike" kern="1200" cap="none" spc="0" normalizeH="0" baseline="0" noProof="0">
+              <a:ln>
+                <a:noFill/>
+              </a:ln>
+              <a:solidFill>
+                <a:prstClr val="white"/>
+              </a:solidFill>
+              <a:effectLst/>
+              <a:uLnTx/>
+              <a:uFillTx/>
+              <a:latin typeface="Century Gothic" panose="020B0502020202020204"/>
+              <a:ea typeface="+mn-ea"/>
+              <a:cs typeface="+mn-cs"/>
+            </a:endParaRPr>
+          </a:p>
+        </p:txBody>
+      </p:sp>
+      <p:sp>
+        <p:nvSpPr>
+          <p:cNvPr id="26" name="Freeform 5">
             <a:extLst>
               <a:ext uri="{FF2B5EF4-FFF2-40B4-BE49-F238E27FC236}">
-                <a16:creationId xmlns:a16="http://schemas.microsoft.com/office/drawing/2014/main" id="{4C535542-B72A-4DE0-BE5A-5EA00508C77D}"/>
+                <a16:creationId xmlns:a16="http://schemas.microsoft.com/office/drawing/2014/main" id="{F918BA52-E4A7-4EEC-898E-C49023767C63}"/>
               </a:ext>
               <a:ext uri="{C183D7F6-B498-43B3-948B-1728B52AA6E4}">
                 <adec:decorative xmlns:adec="http://schemas.microsoft.com/office/drawing/2017/decorative" val="1"/>
@@ -7262,7 +6866,7 @@
         </p:nvSpPr>
         <p:spPr bwMode="gray">
           <a:xfrm rot="16200000">
-            <a:off x="2450577" y="2756642"/>
+            <a:off x="1404667" y="2756642"/>
             <a:ext cx="6858000" cy="1344715"/>
           </a:xfrm>
           <a:custGeom>
@@ -7438,42 +7042,12 @@
           </a:ln>
         </p:spPr>
       </p:sp>
-      <p:pic>
-        <p:nvPicPr>
-          <p:cNvPr id="6" name="Immagine 5">
+      <p:sp>
+        <p:nvSpPr>
+          <p:cNvPr id="28" name="Rectangle 27">
             <a:extLst>
               <a:ext uri="{FF2B5EF4-FFF2-40B4-BE49-F238E27FC236}">
-                <a16:creationId xmlns:a16="http://schemas.microsoft.com/office/drawing/2014/main" id="{EAEB543D-6B64-476B-BB8D-4A25DD8D3071}"/>
-              </a:ext>
-            </a:extLst>
-          </p:cNvPr>
-          <p:cNvPicPr>
-            <a:picLocks noChangeAspect="1"/>
-          </p:cNvPicPr>
-          <p:nvPr/>
-        </p:nvPicPr>
-        <p:blipFill rotWithShape="1">
-          <a:blip r:embed="rId3"/>
-          <a:srcRect b="166"/>
-          <a:stretch/>
-        </p:blipFill>
-        <p:spPr>
-          <a:xfrm>
-            <a:off x="5553492" y="80962"/>
-            <a:ext cx="6374251" cy="6684964"/>
-          </a:xfrm>
-          <a:prstGeom prst="rect">
-            <a:avLst/>
-          </a:prstGeom>
-          <a:effectLst/>
-        </p:spPr>
-      </p:pic>
-      <p:sp>
-        <p:nvSpPr>
-          <p:cNvPr id="17" name="Rectangle 16">
-            <a:extLst>
-              <a:ext uri="{FF2B5EF4-FFF2-40B4-BE49-F238E27FC236}">
-                <a16:creationId xmlns:a16="http://schemas.microsoft.com/office/drawing/2014/main" id="{11DF0705-615B-4CF3-A16F-8C14680D8BA6}"/>
+                <a16:creationId xmlns:a16="http://schemas.microsoft.com/office/drawing/2014/main" id="{86D3F3B7-282C-4DDC-AD1B-C497F2942BA6}"/>
               </a:ext>
               <a:ext uri="{C183D7F6-B498-43B3-948B-1728B52AA6E4}">
                 <adec:decorative xmlns:adec="http://schemas.microsoft.com/office/drawing/2017/decorative" val="1"/>
@@ -7493,7 +7067,7 @@
         </p:nvSpPr>
         <p:spPr>
           <a:xfrm>
-            <a:off x="10442448" y="0"/>
+            <a:off x="10437812" y="0"/>
             <a:ext cx="685800" cy="1143000"/>
           </a:xfrm>
           <a:prstGeom prst="rect">
@@ -7523,10 +7097,400 @@
       </p:sp>
       <p:sp>
         <p:nvSpPr>
-          <p:cNvPr id="12" name="CasellaDiTesto 11">
+          <p:cNvPr id="4" name="Segnaposto contenuto 3"/>
+          <p:cNvSpPr>
+            <a:spLocks noGrp="1"/>
+          </p:cNvSpPr>
+          <p:nvPr>
+            <p:ph sz="half" idx="2"/>
+          </p:nvPr>
+        </p:nvSpPr>
+        <p:spPr>
+          <a:xfrm>
+            <a:off x="-323" y="2284087"/>
+            <a:ext cx="4217045" cy="2937528"/>
+          </a:xfrm>
+        </p:spPr>
+        <p:txBody>
+          <a:bodyPr vert="horz" lIns="91440" tIns="45720" rIns="91440" bIns="45720" rtlCol="0">
+            <a:noAutofit/>
+          </a:bodyPr>
+          <a:lstStyle/>
+          <a:p>
+            <a:pPr lvl="1">
+              <a:buFont typeface="Arial" panose="020B0604020202020204" pitchFamily="34" charset="0"/>
+              <a:buChar char="•"/>
+            </a:pPr>
+            <a:endParaRPr lang="en-US" sz="2000" dirty="0"/>
+          </a:p>
+          <a:p>
+            <a:pPr lvl="1">
+              <a:buFont typeface="Arial" panose="020B0604020202020204" pitchFamily="34" charset="0"/>
+              <a:buChar char="•"/>
+            </a:pPr>
+            <a:r>
+              <a:rPr lang="en-US" sz="2000" dirty="0" err="1"/>
+              <a:t>Preleva</a:t>
+            </a:r>
+            <a:r>
+              <a:rPr lang="en-US" sz="2000" dirty="0"/>
+              <a:t> </a:t>
+            </a:r>
+            <a:r>
+              <a:rPr lang="en-US" sz="2000" dirty="0" err="1"/>
+              <a:t>i</a:t>
+            </a:r>
+            <a:r>
+              <a:rPr lang="en-US" sz="2000" dirty="0"/>
+              <a:t> </a:t>
+            </a:r>
+            <a:r>
+              <a:rPr lang="en-US" sz="2000" dirty="0" err="1"/>
+              <a:t>dati</a:t>
+            </a:r>
+            <a:r>
+              <a:rPr lang="en-US" sz="2000" dirty="0"/>
+              <a:t> dal buffer </a:t>
+            </a:r>
+            <a:r>
+              <a:rPr lang="en-US" sz="2000" dirty="0" err="1"/>
+              <a:t>alla</a:t>
+            </a:r>
+            <a:r>
+              <a:rPr lang="en-US" sz="2000" dirty="0"/>
+              <a:t> </a:t>
+            </a:r>
+            <a:r>
+              <a:rPr lang="en-US" sz="2000" dirty="0" err="1"/>
+              <a:t>lettura</a:t>
+            </a:r>
+            <a:r>
+              <a:rPr lang="en-US" sz="2000" dirty="0"/>
+              <a:t> del </a:t>
+            </a:r>
+            <a:r>
+              <a:rPr lang="en-US" sz="2000" dirty="0" err="1"/>
+              <a:t>sensore</a:t>
+            </a:r>
+            <a:r>
+              <a:rPr lang="en-US" sz="2000" dirty="0"/>
+              <a:t> NFC</a:t>
+            </a:r>
+          </a:p>
+          <a:p>
+            <a:pPr lvl="1">
+              <a:buFont typeface="Arial" panose="020B0604020202020204" pitchFamily="34" charset="0"/>
+              <a:buChar char="•"/>
+            </a:pPr>
+            <a:r>
+              <a:rPr lang="en-US" sz="2000" dirty="0"/>
+              <a:t>Dei </a:t>
+            </a:r>
+            <a:r>
+              <a:rPr lang="en-US" sz="2000" dirty="0" err="1"/>
+              <a:t>dati</a:t>
+            </a:r>
+            <a:r>
+              <a:rPr lang="en-US" sz="2000" dirty="0"/>
+              <a:t> </a:t>
+            </a:r>
+            <a:r>
+              <a:rPr lang="en-US" sz="2000" dirty="0" err="1"/>
+              <a:t>controlla</a:t>
+            </a:r>
+            <a:r>
+              <a:rPr lang="en-US" sz="2000" dirty="0"/>
+              <a:t> </a:t>
+            </a:r>
+            <a:r>
+              <a:rPr lang="en-US" sz="2000" dirty="0" err="1"/>
+              <a:t>che</a:t>
+            </a:r>
+            <a:r>
+              <a:rPr lang="en-US" sz="2000" dirty="0"/>
+              <a:t> </a:t>
+            </a:r>
+            <a:r>
+              <a:rPr lang="en-US" sz="2000" dirty="0" err="1"/>
+              <a:t>tariffa</a:t>
+            </a:r>
+            <a:r>
+              <a:rPr lang="en-US" sz="2000" dirty="0"/>
+              <a:t> e </a:t>
+            </a:r>
+            <a:r>
+              <a:rPr lang="en-US" sz="2000" dirty="0" err="1"/>
+              <a:t>indice</a:t>
+            </a:r>
+            <a:r>
+              <a:rPr lang="en-US" sz="2000" dirty="0"/>
+              <a:t> </a:t>
+            </a:r>
+            <a:r>
+              <a:rPr lang="en-US" sz="2000" dirty="0" err="1"/>
+              <a:t>siano</a:t>
+            </a:r>
+            <a:r>
+              <a:rPr lang="en-US" sz="2000" dirty="0"/>
+              <a:t> </a:t>
+            </a:r>
+            <a:r>
+              <a:rPr lang="en-US" sz="2000" dirty="0" err="1"/>
+              <a:t>corrispondenti</a:t>
+            </a:r>
+            <a:endParaRPr lang="en-US" sz="2000" dirty="0"/>
+          </a:p>
+          <a:p>
+            <a:pPr lvl="1">
+              <a:buFont typeface="Arial" panose="020B0604020202020204" pitchFamily="34" charset="0"/>
+              <a:buChar char="•"/>
+            </a:pPr>
+            <a:r>
+              <a:rPr lang="en-US" sz="2000" dirty="0"/>
+              <a:t>Manda una </a:t>
+            </a:r>
+            <a:r>
+              <a:rPr lang="en-US" sz="2000" dirty="0" err="1"/>
+              <a:t>stringa</a:t>
+            </a:r>
+            <a:r>
+              <a:rPr lang="en-US" sz="2000" dirty="0"/>
+              <a:t> di </a:t>
+            </a:r>
+            <a:r>
+              <a:rPr lang="en-US" sz="2000" dirty="0" err="1"/>
+              <a:t>conferma</a:t>
+            </a:r>
+            <a:r>
+              <a:rPr lang="en-US" sz="2000" dirty="0"/>
+              <a:t> o di </a:t>
+            </a:r>
+            <a:r>
+              <a:rPr lang="en-US" sz="2000" dirty="0" err="1"/>
+              <a:t>bocciatura</a:t>
+            </a:r>
+            <a:r>
+              <a:rPr lang="en-US" sz="2000" dirty="0"/>
+              <a:t> </a:t>
+            </a:r>
+            <a:r>
+              <a:rPr lang="en-US" sz="2000" dirty="0" err="1"/>
+              <a:t>dell’abbonamento</a:t>
+            </a:r>
+            <a:r>
+              <a:rPr lang="en-US" sz="2000" dirty="0"/>
+              <a:t> </a:t>
+            </a:r>
+            <a:r>
+              <a:rPr lang="en-US" sz="2000" dirty="0" err="1"/>
+              <a:t>letto</a:t>
+            </a:r>
+            <a:r>
+              <a:rPr lang="en-US" sz="2000" dirty="0"/>
+              <a:t> ad Arduino </a:t>
+            </a:r>
+          </a:p>
+        </p:txBody>
+      </p:sp>
+      <p:sp>
+        <p:nvSpPr>
+          <p:cNvPr id="17" name="Titolo 1">
             <a:extLst>
               <a:ext uri="{FF2B5EF4-FFF2-40B4-BE49-F238E27FC236}">
-                <a16:creationId xmlns:a16="http://schemas.microsoft.com/office/drawing/2014/main" id="{8D87622C-C709-4EB8-AE1E-E6C58A4BAF5C}"/>
+                <a16:creationId xmlns:a16="http://schemas.microsoft.com/office/drawing/2014/main" id="{24AD8C1B-BEA3-418B-AE4A-28273969E353}"/>
+              </a:ext>
+            </a:extLst>
+          </p:cNvPr>
+          <p:cNvSpPr txBox="1">
+            <a:spLocks/>
+          </p:cNvSpPr>
+          <p:nvPr/>
+        </p:nvSpPr>
+        <p:spPr>
+          <a:xfrm>
+            <a:off x="0" y="115824"/>
+            <a:ext cx="3862704" cy="1444752"/>
+          </a:xfrm>
+          <a:prstGeom prst="rect">
+            <a:avLst/>
+          </a:prstGeom>
+        </p:spPr>
+        <p:txBody>
+          <a:bodyPr vert="horz" lIns="91440" tIns="45720" rIns="91440" bIns="45720" rtlCol="0" anchor="b">
+            <a:noAutofit/>
+          </a:bodyPr>
+          <a:lstStyle>
+            <a:lvl1pPr algn="l" defTabSz="457200" rtl="0" eaLnBrk="1" latinLnBrk="0" hangingPunct="1">
+              <a:spcBef>
+                <a:spcPct val="0"/>
+              </a:spcBef>
+              <a:buNone/>
+              <a:defRPr sz="4200" b="0" i="0" kern="1200">
+                <a:solidFill>
+                  <a:schemeClr val="tx2"/>
+                </a:solidFill>
+                <a:latin typeface="+mj-lt"/>
+                <a:ea typeface="+mj-ea"/>
+                <a:cs typeface="+mj-cs"/>
+              </a:defRPr>
+            </a:lvl1pPr>
+            <a:lvl2pPr eaLnBrk="1" hangingPunct="1">
+              <a:defRPr>
+                <a:solidFill>
+                  <a:schemeClr val="tx2"/>
+                </a:solidFill>
+              </a:defRPr>
+            </a:lvl2pPr>
+            <a:lvl3pPr eaLnBrk="1" hangingPunct="1">
+              <a:defRPr>
+                <a:solidFill>
+                  <a:schemeClr val="tx2"/>
+                </a:solidFill>
+              </a:defRPr>
+            </a:lvl3pPr>
+            <a:lvl4pPr eaLnBrk="1" hangingPunct="1">
+              <a:defRPr>
+                <a:solidFill>
+                  <a:schemeClr val="tx2"/>
+                </a:solidFill>
+              </a:defRPr>
+            </a:lvl4pPr>
+            <a:lvl5pPr eaLnBrk="1" hangingPunct="1">
+              <a:defRPr>
+                <a:solidFill>
+                  <a:schemeClr val="tx2"/>
+                </a:solidFill>
+              </a:defRPr>
+            </a:lvl5pPr>
+            <a:lvl6pPr eaLnBrk="1" hangingPunct="1">
+              <a:defRPr>
+                <a:solidFill>
+                  <a:schemeClr val="tx2"/>
+                </a:solidFill>
+              </a:defRPr>
+            </a:lvl6pPr>
+            <a:lvl7pPr eaLnBrk="1" hangingPunct="1">
+              <a:defRPr>
+                <a:solidFill>
+                  <a:schemeClr val="tx2"/>
+                </a:solidFill>
+              </a:defRPr>
+            </a:lvl7pPr>
+            <a:lvl8pPr eaLnBrk="1" hangingPunct="1">
+              <a:defRPr>
+                <a:solidFill>
+                  <a:schemeClr val="tx2"/>
+                </a:solidFill>
+              </a:defRPr>
+            </a:lvl8pPr>
+            <a:lvl9pPr eaLnBrk="1" hangingPunct="1">
+              <a:defRPr>
+                <a:solidFill>
+                  <a:schemeClr val="tx2"/>
+                </a:solidFill>
+              </a:defRPr>
+            </a:lvl9pPr>
+          </a:lstStyle>
+          <a:p>
+            <a:pPr marL="0" marR="0" lvl="0" indent="0" algn="l" defTabSz="457200" rtl="0" eaLnBrk="1" fontAlgn="auto" latinLnBrk="0" hangingPunct="1">
+              <a:lnSpc>
+                <a:spcPct val="100000"/>
+              </a:lnSpc>
+              <a:spcBef>
+                <a:spcPct val="0"/>
+              </a:spcBef>
+              <a:spcAft>
+                <a:spcPts val="0"/>
+              </a:spcAft>
+              <a:buClrTx/>
+              <a:buSzTx/>
+              <a:buFontTx/>
+              <a:buNone/>
+              <a:tabLst/>
+              <a:defRPr/>
+            </a:pPr>
+            <a:r>
+              <a:rPr kumimoji="0" lang="en-US" sz="5000" b="1" i="0" u="none" strike="noStrike" kern="1200" cap="none" spc="0" normalizeH="0" baseline="0" noProof="0" dirty="0" err="1">
+                <a:ln>
+                  <a:noFill/>
+                </a:ln>
+                <a:solidFill>
+                  <a:srgbClr val="EBEBEB"/>
+                </a:solidFill>
+                <a:effectLst/>
+                <a:uLnTx/>
+                <a:uFillTx/>
+                <a:latin typeface="Century Gothic" panose="020B0502020202020204"/>
+                <a:ea typeface="+mj-ea"/>
+                <a:cs typeface="+mj-cs"/>
+              </a:rPr>
+              <a:t>Convalida</a:t>
+            </a:r>
+            <a:endParaRPr kumimoji="0" lang="en-US" sz="5000" b="1" i="0" u="none" strike="noStrike" kern="1200" cap="none" spc="0" normalizeH="0" baseline="0" noProof="0" dirty="0">
+              <a:ln>
+                <a:noFill/>
+              </a:ln>
+              <a:solidFill>
+                <a:srgbClr val="EBEBEB"/>
+              </a:solidFill>
+              <a:effectLst/>
+              <a:uLnTx/>
+              <a:uFillTx/>
+              <a:latin typeface="Century Gothic" panose="020B0502020202020204"/>
+              <a:ea typeface="+mj-ea"/>
+              <a:cs typeface="+mj-cs"/>
+            </a:endParaRPr>
+          </a:p>
+          <a:p>
+            <a:pPr marL="0" marR="0" lvl="0" indent="0" algn="l" defTabSz="457200" rtl="0" eaLnBrk="1" fontAlgn="auto" latinLnBrk="0" hangingPunct="1">
+              <a:lnSpc>
+                <a:spcPct val="100000"/>
+              </a:lnSpc>
+              <a:spcBef>
+                <a:spcPct val="0"/>
+              </a:spcBef>
+              <a:spcAft>
+                <a:spcPts val="0"/>
+              </a:spcAft>
+              <a:buClrTx/>
+              <a:buSzTx/>
+              <a:buFontTx/>
+              <a:buNone/>
+              <a:tabLst/>
+              <a:defRPr/>
+            </a:pPr>
+            <a:r>
+              <a:rPr lang="en-US" sz="5000" b="1" dirty="0" err="1">
+                <a:solidFill>
+                  <a:srgbClr val="EBEBEB"/>
+                </a:solidFill>
+                <a:latin typeface="Century Gothic" panose="020B0502020202020204"/>
+              </a:rPr>
+              <a:t>Biglietto</a:t>
+            </a:r>
+            <a:endParaRPr kumimoji="0" lang="en-US" sz="5000" b="1" i="0" u="none" strike="noStrike" kern="1200" cap="none" spc="0" normalizeH="0" baseline="0" noProof="0" dirty="0">
+              <a:ln>
+                <a:noFill/>
+              </a:ln>
+              <a:solidFill>
+                <a:srgbClr val="EBEBEB"/>
+              </a:solidFill>
+              <a:effectLst/>
+              <a:uLnTx/>
+              <a:uFillTx/>
+              <a:latin typeface="Century Gothic" panose="020B0502020202020204"/>
+              <a:ea typeface="+mj-ea"/>
+              <a:cs typeface="+mj-cs"/>
+            </a:endParaRPr>
+          </a:p>
+        </p:txBody>
+      </p:sp>
+      <p:sp>
+        <p:nvSpPr>
+          <p:cNvPr id="19" name="CasellaDiTesto 18">
+            <a:extLst>
+              <a:ext uri="{FF2B5EF4-FFF2-40B4-BE49-F238E27FC236}">
+                <a16:creationId xmlns:a16="http://schemas.microsoft.com/office/drawing/2014/main" id="{0EBAE3AA-31E7-4E69-847E-EC77FA9ABD08}"/>
               </a:ext>
             </a:extLst>
           </p:cNvPr>
@@ -7535,8 +7499,8 @@
         </p:nvSpPr>
         <p:spPr>
           <a:xfrm>
-            <a:off x="10742564" y="6596390"/>
-            <a:ext cx="1449436" cy="261610"/>
+            <a:off x="-5505" y="1552999"/>
+            <a:ext cx="3093067" cy="369332"/>
           </a:xfrm>
           <a:prstGeom prst="rect">
             <a:avLst/>
@@ -7544,99 +7508,181 @@
           <a:noFill/>
         </p:spPr>
         <p:txBody>
+          <a:bodyPr wrap="square">
+            <a:spAutoFit/>
+          </a:bodyPr>
+          <a:lstStyle/>
+          <a:p>
+            <a:pPr marL="0" marR="0" lvl="0" indent="0" algn="l" defTabSz="457200" rtl="0" eaLnBrk="1" fontAlgn="auto" latinLnBrk="0" hangingPunct="1">
+              <a:lnSpc>
+                <a:spcPct val="100000"/>
+              </a:lnSpc>
+              <a:spcBef>
+                <a:spcPts val="0"/>
+              </a:spcBef>
+              <a:spcAft>
+                <a:spcPts val="0"/>
+              </a:spcAft>
+              <a:buClrTx/>
+              <a:buSzTx/>
+              <a:buFontTx/>
+              <a:buNone/>
+              <a:tabLst/>
+              <a:defRPr/>
+            </a:pPr>
+            <a:r>
+              <a:rPr kumimoji="0" lang="it-IT" sz="1800" b="1" i="0" u="none" strike="noStrike" kern="1200" cap="none" spc="0" normalizeH="0" baseline="0" noProof="0" dirty="0">
+                <a:ln>
+                  <a:noFill/>
+                </a:ln>
+                <a:solidFill>
+                  <a:prstClr val="white"/>
+                </a:solidFill>
+                <a:effectLst/>
+                <a:uLnTx/>
+                <a:uFillTx/>
+                <a:latin typeface="Century Gothic" panose="020B0502020202020204"/>
+                <a:ea typeface="+mn-ea"/>
+                <a:cs typeface="+mn-cs"/>
+              </a:rPr>
+              <a:t>Quest’ultimo programma:</a:t>
+            </a:r>
+          </a:p>
+        </p:txBody>
+      </p:sp>
+      <p:sp>
+        <p:nvSpPr>
+          <p:cNvPr id="21" name="CasellaDiTesto 20">
+            <a:extLst>
+              <a:ext uri="{FF2B5EF4-FFF2-40B4-BE49-F238E27FC236}">
+                <a16:creationId xmlns:a16="http://schemas.microsoft.com/office/drawing/2014/main" id="{C8BD77BA-5550-4B58-819C-0B2084733D8D}"/>
+              </a:ext>
+            </a:extLst>
+          </p:cNvPr>
+          <p:cNvSpPr txBox="1"/>
+          <p:nvPr/>
+        </p:nvSpPr>
+        <p:spPr>
+          <a:xfrm>
+            <a:off x="8421416" y="6596390"/>
+            <a:ext cx="3770584" cy="261610"/>
+          </a:xfrm>
+          <a:prstGeom prst="rect">
+            <a:avLst/>
+          </a:prstGeom>
+          <a:noFill/>
+        </p:spPr>
+        <p:txBody>
           <a:bodyPr wrap="none" rtlCol="0">
             <a:spAutoFit/>
           </a:bodyPr>
           <a:lstStyle/>
           <a:p>
-            <a:r>
-              <a:rPr lang="it-IT" sz="1100" dirty="0">
+            <a:pPr marL="0" marR="0" lvl="0" indent="0" algn="l" defTabSz="457200" rtl="0" eaLnBrk="1" fontAlgn="auto" latinLnBrk="0" hangingPunct="1">
+              <a:lnSpc>
+                <a:spcPct val="100000"/>
+              </a:lnSpc>
+              <a:spcBef>
+                <a:spcPts val="0"/>
+              </a:spcBef>
+              <a:spcAft>
+                <a:spcPts val="0"/>
+              </a:spcAft>
+              <a:buClrTx/>
+              <a:buSzTx/>
+              <a:buFontTx/>
+              <a:buNone/>
+              <a:tabLst/>
+              <a:defRPr/>
+            </a:pPr>
+            <a:r>
+              <a:rPr kumimoji="0" lang="it-IT" sz="1100" b="0" i="0" u="none" strike="noStrike" kern="1200" cap="none" spc="0" normalizeH="0" baseline="0" noProof="0" dirty="0">
+                <a:ln>
+                  <a:noFill/>
+                </a:ln>
                 <a:solidFill>
-                  <a:schemeClr val="bg1"/>
+                  <a:prstClr val="black"/>
                 </a:solidFill>
+                <a:effectLst/>
+                <a:uLnTx/>
+                <a:uFillTx/>
+                <a:latin typeface="Century Gothic" panose="020B0502020202020204"/>
+                <a:ea typeface="+mn-ea"/>
+                <a:cs typeface="+mn-cs"/>
               </a:rPr>
-              <a:t>Roncoroni Daniele</a:t>
-            </a:r>
-          </a:p>
-        </p:txBody>
-      </p:sp>
-      <p:sp>
-        <p:nvSpPr>
-          <p:cNvPr id="14" name="Titolo 1">
+              <a:t>Camagni Riccardo, D’</a:t>
+            </a:r>
+            <a:r>
+              <a:rPr kumimoji="0" lang="it-IT" sz="1100" b="0" i="0" u="none" strike="noStrike" kern="1200" cap="none" spc="0" normalizeH="0" baseline="0" noProof="0" dirty="0" err="1">
+                <a:ln>
+                  <a:noFill/>
+                </a:ln>
+                <a:solidFill>
+                  <a:prstClr val="black"/>
+                </a:solidFill>
+                <a:effectLst/>
+                <a:uLnTx/>
+                <a:uFillTx/>
+                <a:latin typeface="Century Gothic" panose="020B0502020202020204"/>
+                <a:ea typeface="+mn-ea"/>
+                <a:cs typeface="+mn-cs"/>
+              </a:rPr>
+              <a:t>Assaro</a:t>
+            </a:r>
+            <a:r>
+              <a:rPr kumimoji="0" lang="it-IT" sz="1100" b="0" i="0" u="none" strike="noStrike" kern="1200" cap="none" spc="0" normalizeH="0" baseline="0" noProof="0" dirty="0">
+                <a:ln>
+                  <a:noFill/>
+                </a:ln>
+                <a:solidFill>
+                  <a:prstClr val="black"/>
+                </a:solidFill>
+                <a:effectLst/>
+                <a:uLnTx/>
+                <a:uFillTx/>
+                <a:latin typeface="Century Gothic" panose="020B0502020202020204"/>
+                <a:ea typeface="+mn-ea"/>
+                <a:cs typeface="+mn-cs"/>
+              </a:rPr>
+              <a:t> Davide, Ginisi Gabriele</a:t>
+            </a:r>
+          </a:p>
+        </p:txBody>
+      </p:sp>
+      <p:pic>
+        <p:nvPicPr>
+          <p:cNvPr id="7" name="Immagine 6" descr="Immagine che contiene testo&#10;&#10;Descrizione generata automaticamente">
             <a:extLst>
               <a:ext uri="{FF2B5EF4-FFF2-40B4-BE49-F238E27FC236}">
-                <a16:creationId xmlns:a16="http://schemas.microsoft.com/office/drawing/2014/main" id="{1BBEE441-2E56-48C3-8630-47FCBE68367E}"/>
+                <a16:creationId xmlns:a16="http://schemas.microsoft.com/office/drawing/2014/main" id="{5FA3AC69-BD9E-4AE5-A8CB-6E8DE0F4EF4D}"/>
               </a:ext>
             </a:extLst>
           </p:cNvPr>
-          <p:cNvSpPr>
-            <a:spLocks noGrp="1"/>
-          </p:cNvSpPr>
-          <p:nvPr>
-            <p:ph type="title"/>
-          </p:nvPr>
-        </p:nvSpPr>
+          <p:cNvPicPr>
+            <a:picLocks noChangeAspect="1"/>
+          </p:cNvPicPr>
+          <p:nvPr/>
+        </p:nvPicPr>
+        <p:blipFill>
+          <a:blip r:embed="rId7"/>
+          <a:stretch>
+            <a:fillRect/>
+          </a:stretch>
+        </p:blipFill>
         <p:spPr>
           <a:xfrm>
-            <a:off x="0" y="0"/>
-            <a:ext cx="2603497" cy="810030"/>
-          </a:xfrm>
-        </p:spPr>
-        <p:txBody>
-          <a:bodyPr/>
-          <a:lstStyle/>
-          <a:p>
-            <a:r>
-              <a:rPr lang="it-IT" sz="5000" b="1" dirty="0">
-                <a:solidFill>
-                  <a:schemeClr val="tx1"/>
-                </a:solidFill>
-              </a:rPr>
-              <a:t>Arduino</a:t>
-            </a:r>
-          </a:p>
-        </p:txBody>
-      </p:sp>
-      <p:sp>
-        <p:nvSpPr>
-          <p:cNvPr id="7" name="CasellaDiTesto 6">
-            <a:extLst>
-              <a:ext uri="{FF2B5EF4-FFF2-40B4-BE49-F238E27FC236}">
-                <a16:creationId xmlns:a16="http://schemas.microsoft.com/office/drawing/2014/main" id="{F0B1C700-BFBC-49C1-90A6-778B75099917}"/>
-              </a:ext>
-            </a:extLst>
-          </p:cNvPr>
-          <p:cNvSpPr txBox="1"/>
-          <p:nvPr/>
-        </p:nvSpPr>
-        <p:spPr>
-          <a:xfrm>
-            <a:off x="0" y="640753"/>
-            <a:ext cx="1653017" cy="338554"/>
+            <a:off x="4514759" y="1383657"/>
+            <a:ext cx="7593998" cy="4945103"/>
           </a:xfrm>
           <a:prstGeom prst="rect">
             <a:avLst/>
           </a:prstGeom>
-          <a:noFill/>
-        </p:spPr>
-        <p:txBody>
-          <a:bodyPr wrap="none" rtlCol="0">
-            <a:spAutoFit/>
-          </a:bodyPr>
-          <a:lstStyle/>
-          <a:p>
-            <a:r>
-              <a:rPr lang="it-IT" sz="1600" b="1" dirty="0" err="1"/>
-              <a:t>NFC_Dispenser</a:t>
-            </a:r>
-            <a:endParaRPr lang="it-IT" sz="1600" b="1" dirty="0"/>
-          </a:p>
-        </p:txBody>
-      </p:sp>
+        </p:spPr>
+      </p:pic>
     </p:spTree>
     <p:extLst>
       <p:ext uri="{BB962C8B-B14F-4D97-AF65-F5344CB8AC3E}">
-        <p14:creationId xmlns:p14="http://schemas.microsoft.com/office/powerpoint/2010/main" val="3533094878"/>
+        <p14:creationId xmlns:p14="http://schemas.microsoft.com/office/powerpoint/2010/main" val="3854320042"/>
       </p:ext>
     </p:extLst>
   </p:cSld>
@@ -7658,7 +7704,707 @@
 </p:sld>
 </file>
 
-<file path=ppt/slides/slide5.xml><?xml version="1.0" encoding="utf-8"?>
+<file path=ppt/slides/slide11.xml><?xml version="1.0" encoding="utf-8"?>
+<p:sld xmlns:a="http://schemas.openxmlformats.org/drawingml/2006/main" xmlns:r="http://schemas.openxmlformats.org/officeDocument/2006/relationships" xmlns:p="http://schemas.openxmlformats.org/presentationml/2006/main">
+  <p:cSld>
+    <p:spTree>
+      <p:nvGrpSpPr>
+        <p:cNvPr id="1" name=""/>
+        <p:cNvGrpSpPr/>
+        <p:nvPr/>
+      </p:nvGrpSpPr>
+      <p:grpSpPr>
+        <a:xfrm>
+          <a:off x="0" y="0"/>
+          <a:ext cx="0" cy="0"/>
+          <a:chOff x="0" y="0"/>
+          <a:chExt cx="0" cy="0"/>
+        </a:xfrm>
+      </p:grpSpPr>
+      <p:sp>
+        <p:nvSpPr>
+          <p:cNvPr id="2" name="Titolo 1">
+            <a:extLst>
+              <a:ext uri="{FF2B5EF4-FFF2-40B4-BE49-F238E27FC236}">
+                <a16:creationId xmlns:a16="http://schemas.microsoft.com/office/drawing/2014/main" id="{4DBA7C89-E1D5-4010-9ECC-75B75E24AA18}"/>
+              </a:ext>
+            </a:extLst>
+          </p:cNvPr>
+          <p:cNvSpPr>
+            <a:spLocks noGrp="1"/>
+          </p:cNvSpPr>
+          <p:nvPr>
+            <p:ph type="title"/>
+          </p:nvPr>
+        </p:nvSpPr>
+        <p:spPr/>
+        <p:txBody>
+          <a:bodyPr/>
+          <a:lstStyle/>
+          <a:p>
+            <a:endParaRPr lang="it-IT"/>
+          </a:p>
+        </p:txBody>
+      </p:sp>
+      <p:sp>
+        <p:nvSpPr>
+          <p:cNvPr id="3" name="Segnaposto contenuto 2">
+            <a:extLst>
+              <a:ext uri="{FF2B5EF4-FFF2-40B4-BE49-F238E27FC236}">
+                <a16:creationId xmlns:a16="http://schemas.microsoft.com/office/drawing/2014/main" id="{029A8546-28A6-4501-83D5-60C1026E1F99}"/>
+              </a:ext>
+            </a:extLst>
+          </p:cNvPr>
+          <p:cNvSpPr>
+            <a:spLocks noGrp="1"/>
+          </p:cNvSpPr>
+          <p:nvPr>
+            <p:ph idx="1"/>
+          </p:nvPr>
+        </p:nvSpPr>
+        <p:spPr/>
+        <p:txBody>
+          <a:bodyPr/>
+          <a:lstStyle/>
+          <a:p>
+            <a:endParaRPr lang="it-IT"/>
+          </a:p>
+        </p:txBody>
+      </p:sp>
+      <p:pic>
+        <p:nvPicPr>
+          <p:cNvPr id="2050" name="Picture 2" descr="E' il BlackOutTuesday: i profili Instagram si tingono di nero per  combattere il razzismo">
+            <a:extLst>
+              <a:ext uri="{FF2B5EF4-FFF2-40B4-BE49-F238E27FC236}">
+                <a16:creationId xmlns:a16="http://schemas.microsoft.com/office/drawing/2014/main" id="{DC5687C5-E9FA-4A35-A989-605D046F61C6}"/>
+              </a:ext>
+            </a:extLst>
+          </p:cNvPr>
+          <p:cNvPicPr>
+            <a:picLocks noChangeAspect="1" noChangeArrowheads="1"/>
+          </p:cNvPicPr>
+          <p:nvPr/>
+        </p:nvPicPr>
+        <p:blipFill>
+          <a:blip r:embed="rId2">
+            <a:extLst>
+              <a:ext uri="{28A0092B-C50C-407E-A947-70E740481C1C}">
+                <a14:useLocalDpi xmlns:a14="http://schemas.microsoft.com/office/drawing/2010/main" val="0"/>
+              </a:ext>
+            </a:extLst>
+          </a:blip>
+          <a:srcRect/>
+          <a:stretch>
+            <a:fillRect/>
+          </a:stretch>
+        </p:blipFill>
+        <p:spPr bwMode="auto">
+          <a:xfrm>
+            <a:off x="0" y="0"/>
+            <a:ext cx="12192000" cy="6858000"/>
+          </a:xfrm>
+          <a:prstGeom prst="rect">
+            <a:avLst/>
+          </a:prstGeom>
+          <a:noFill/>
+          <a:extLst>
+            <a:ext uri="{909E8E84-426E-40DD-AFC4-6F175D3DCCD1}">
+              <a14:hiddenFill xmlns:a14="http://schemas.microsoft.com/office/drawing/2010/main">
+                <a:solidFill>
+                  <a:srgbClr val="FFFFFF"/>
+                </a:solidFill>
+              </a14:hiddenFill>
+            </a:ext>
+          </a:extLst>
+        </p:spPr>
+      </p:pic>
+    </p:spTree>
+    <p:extLst>
+      <p:ext uri="{BB962C8B-B14F-4D97-AF65-F5344CB8AC3E}">
+        <p14:creationId xmlns:p14="http://schemas.microsoft.com/office/powerpoint/2010/main" val="3611896384"/>
+      </p:ext>
+    </p:extLst>
+  </p:cSld>
+  <p:clrMapOvr>
+    <a:masterClrMapping/>
+  </p:clrMapOvr>
+  <mc:AlternateContent xmlns:mc="http://schemas.openxmlformats.org/markup-compatibility/2006" xmlns:p14="http://schemas.microsoft.com/office/powerpoint/2010/main">
+    <mc:Choice Requires="p14">
+      <p:transition spd="slow" p14:dur="2750">
+        <p:fade/>
+      </p:transition>
+    </mc:Choice>
+    <mc:Fallback xmlns="">
+      <p:transition spd="slow">
+        <p:fade/>
+      </p:transition>
+    </mc:Fallback>
+  </mc:AlternateContent>
+</p:sld>
+</file>
+
+<file path=ppt/slides/slide2.xml><?xml version="1.0" encoding="utf-8"?>
+<p:sld xmlns:a="http://schemas.openxmlformats.org/drawingml/2006/main" xmlns:r="http://schemas.openxmlformats.org/officeDocument/2006/relationships" xmlns:p="http://schemas.openxmlformats.org/presentationml/2006/main">
+  <p:cSld>
+    <p:spTree>
+      <p:nvGrpSpPr>
+        <p:cNvPr id="1" name=""/>
+        <p:cNvGrpSpPr/>
+        <p:nvPr/>
+      </p:nvGrpSpPr>
+      <p:grpSpPr>
+        <a:xfrm>
+          <a:off x="0" y="0"/>
+          <a:ext cx="0" cy="0"/>
+          <a:chOff x="0" y="0"/>
+          <a:chExt cx="0" cy="0"/>
+        </a:xfrm>
+      </p:grpSpPr>
+      <p:sp>
+        <p:nvSpPr>
+          <p:cNvPr id="3" name="Segnaposto contenuto 2">
+            <a:extLst>
+              <a:ext uri="{FF2B5EF4-FFF2-40B4-BE49-F238E27FC236}">
+                <a16:creationId xmlns:a16="http://schemas.microsoft.com/office/drawing/2014/main" id="{9248A8B1-0AE4-4281-8BBD-8C66F0AB20C6}"/>
+              </a:ext>
+            </a:extLst>
+          </p:cNvPr>
+          <p:cNvSpPr>
+            <a:spLocks noGrp="1"/>
+          </p:cNvSpPr>
+          <p:nvPr>
+            <p:ph sz="half" idx="1"/>
+          </p:nvPr>
+        </p:nvSpPr>
+        <p:spPr>
+          <a:xfrm>
+            <a:off x="1008449" y="2274263"/>
+            <a:ext cx="6848475" cy="1368425"/>
+          </a:xfrm>
+        </p:spPr>
+        <p:txBody>
+          <a:bodyPr/>
+          <a:lstStyle/>
+          <a:p>
+            <a:pPr marL="0" indent="0">
+              <a:buNone/>
+            </a:pPr>
+            <a:r>
+              <a:rPr lang="it-IT" dirty="0"/>
+              <a:t>Un’</a:t>
+            </a:r>
+            <a:r>
+              <a:rPr lang="it-IT" b="1" dirty="0"/>
+              <a:t>applicazione</a:t>
+            </a:r>
+            <a:r>
+              <a:rPr lang="it-IT" dirty="0"/>
+              <a:t> per smartphone:</a:t>
+            </a:r>
+          </a:p>
+          <a:p>
+            <a:pPr lvl="1">
+              <a:buFont typeface="Arial" panose="020B0604020202020204" pitchFamily="34" charset="0"/>
+              <a:buChar char="•"/>
+            </a:pPr>
+            <a:r>
+              <a:rPr lang="it-IT" dirty="0"/>
+              <a:t>Tessera NFC</a:t>
+            </a:r>
+          </a:p>
+          <a:p>
+            <a:pPr lvl="1">
+              <a:buFont typeface="Arial" panose="020B0604020202020204" pitchFamily="34" charset="0"/>
+              <a:buChar char="•"/>
+            </a:pPr>
+            <a:r>
+              <a:rPr lang="it-IT" dirty="0"/>
+              <a:t>Realizzata con un programma C# e un programma Arduino</a:t>
+            </a:r>
+          </a:p>
+        </p:txBody>
+      </p:sp>
+      <p:sp>
+        <p:nvSpPr>
+          <p:cNvPr id="4" name="Segnaposto contenuto 3">
+            <a:extLst>
+              <a:ext uri="{FF2B5EF4-FFF2-40B4-BE49-F238E27FC236}">
+                <a16:creationId xmlns:a16="http://schemas.microsoft.com/office/drawing/2014/main" id="{7CA8F3C0-4DC8-4B42-96EC-8F4C521EA242}"/>
+              </a:ext>
+            </a:extLst>
+          </p:cNvPr>
+          <p:cNvSpPr>
+            <a:spLocks noGrp="1"/>
+          </p:cNvSpPr>
+          <p:nvPr>
+            <p:ph sz="half" idx="2"/>
+          </p:nvPr>
+        </p:nvSpPr>
+        <p:spPr>
+          <a:xfrm>
+            <a:off x="1008449" y="4114164"/>
+            <a:ext cx="9071157" cy="810030"/>
+          </a:xfrm>
+        </p:spPr>
+        <p:txBody>
+          <a:bodyPr/>
+          <a:lstStyle/>
+          <a:p>
+            <a:pPr marL="0" indent="0">
+              <a:buNone/>
+            </a:pPr>
+            <a:r>
+              <a:rPr lang="it-IT" dirty="0"/>
+              <a:t>Un </a:t>
+            </a:r>
+            <a:r>
+              <a:rPr lang="it-IT" b="1" dirty="0"/>
+              <a:t>software</a:t>
+            </a:r>
+            <a:r>
+              <a:rPr lang="it-IT" dirty="0"/>
+              <a:t> per un </a:t>
+            </a:r>
+            <a:r>
+              <a:rPr lang="it-IT" b="1" dirty="0"/>
+              <a:t>dispositivo</a:t>
+            </a:r>
+            <a:r>
+              <a:rPr lang="it-IT" dirty="0"/>
+              <a:t> posto su ciascun pullman per verificare la validità:</a:t>
+            </a:r>
+          </a:p>
+          <a:p>
+            <a:pPr lvl="1">
+              <a:buFont typeface="Arial" panose="020B0604020202020204" pitchFamily="34" charset="0"/>
+              <a:buChar char="•"/>
+            </a:pPr>
+            <a:r>
+              <a:rPr lang="it-IT" dirty="0"/>
+              <a:t>Realizzato con un programma C# e un programma Arduino</a:t>
+            </a:r>
+          </a:p>
+        </p:txBody>
+      </p:sp>
+      <p:sp>
+        <p:nvSpPr>
+          <p:cNvPr id="5" name="Titolo 1">
+            <a:extLst>
+              <a:ext uri="{FF2B5EF4-FFF2-40B4-BE49-F238E27FC236}">
+                <a16:creationId xmlns:a16="http://schemas.microsoft.com/office/drawing/2014/main" id="{7CBDCA69-D557-412E-B456-ACDB6F34C651}"/>
+              </a:ext>
+            </a:extLst>
+          </p:cNvPr>
+          <p:cNvSpPr txBox="1">
+            <a:spLocks/>
+          </p:cNvSpPr>
+          <p:nvPr/>
+        </p:nvSpPr>
+        <p:spPr>
+          <a:xfrm>
+            <a:off x="6951" y="0"/>
+            <a:ext cx="3343275" cy="810030"/>
+          </a:xfrm>
+          <a:prstGeom prst="rect">
+            <a:avLst/>
+          </a:prstGeom>
+        </p:spPr>
+        <p:txBody>
+          <a:bodyPr vert="horz" lIns="91440" tIns="45720" rIns="91440" bIns="45720" rtlCol="0" anchor="t">
+            <a:noAutofit/>
+          </a:bodyPr>
+          <a:lstStyle>
+            <a:lvl1pPr algn="l" defTabSz="457200" rtl="0" eaLnBrk="1" latinLnBrk="0" hangingPunct="1">
+              <a:spcBef>
+                <a:spcPct val="0"/>
+              </a:spcBef>
+              <a:buNone/>
+              <a:defRPr sz="4200" b="0" i="0" kern="1200">
+                <a:solidFill>
+                  <a:schemeClr val="tx2"/>
+                </a:solidFill>
+                <a:latin typeface="+mj-lt"/>
+                <a:ea typeface="+mj-ea"/>
+                <a:cs typeface="+mj-cs"/>
+              </a:defRPr>
+            </a:lvl1pPr>
+            <a:lvl2pPr eaLnBrk="1" hangingPunct="1">
+              <a:defRPr>
+                <a:solidFill>
+                  <a:schemeClr val="tx2"/>
+                </a:solidFill>
+              </a:defRPr>
+            </a:lvl2pPr>
+            <a:lvl3pPr eaLnBrk="1" hangingPunct="1">
+              <a:defRPr>
+                <a:solidFill>
+                  <a:schemeClr val="tx2"/>
+                </a:solidFill>
+              </a:defRPr>
+            </a:lvl3pPr>
+            <a:lvl4pPr eaLnBrk="1" hangingPunct="1">
+              <a:defRPr>
+                <a:solidFill>
+                  <a:schemeClr val="tx2"/>
+                </a:solidFill>
+              </a:defRPr>
+            </a:lvl4pPr>
+            <a:lvl5pPr eaLnBrk="1" hangingPunct="1">
+              <a:defRPr>
+                <a:solidFill>
+                  <a:schemeClr val="tx2"/>
+                </a:solidFill>
+              </a:defRPr>
+            </a:lvl5pPr>
+            <a:lvl6pPr eaLnBrk="1" hangingPunct="1">
+              <a:defRPr>
+                <a:solidFill>
+                  <a:schemeClr val="tx2"/>
+                </a:solidFill>
+              </a:defRPr>
+            </a:lvl6pPr>
+            <a:lvl7pPr eaLnBrk="1" hangingPunct="1">
+              <a:defRPr>
+                <a:solidFill>
+                  <a:schemeClr val="tx2"/>
+                </a:solidFill>
+              </a:defRPr>
+            </a:lvl7pPr>
+            <a:lvl8pPr eaLnBrk="1" hangingPunct="1">
+              <a:defRPr>
+                <a:solidFill>
+                  <a:schemeClr val="tx2"/>
+                </a:solidFill>
+              </a:defRPr>
+            </a:lvl8pPr>
+            <a:lvl9pPr eaLnBrk="1" hangingPunct="1">
+              <a:defRPr>
+                <a:solidFill>
+                  <a:schemeClr val="tx2"/>
+                </a:solidFill>
+              </a:defRPr>
+            </a:lvl9pPr>
+          </a:lstStyle>
+          <a:p>
+            <a:r>
+              <a:rPr lang="it-IT" sz="5000" b="1" dirty="0">
+                <a:solidFill>
+                  <a:schemeClr val="tx1"/>
+                </a:solidFill>
+              </a:rPr>
+              <a:t>Il progetto</a:t>
+            </a:r>
+          </a:p>
+        </p:txBody>
+      </p:sp>
+      <p:sp>
+        <p:nvSpPr>
+          <p:cNvPr id="6" name="CasellaDiTesto 5">
+            <a:extLst>
+              <a:ext uri="{FF2B5EF4-FFF2-40B4-BE49-F238E27FC236}">
+                <a16:creationId xmlns:a16="http://schemas.microsoft.com/office/drawing/2014/main" id="{FA6CE7F1-82D5-4C0A-806D-F25D5B7695A0}"/>
+              </a:ext>
+            </a:extLst>
+          </p:cNvPr>
+          <p:cNvSpPr txBox="1"/>
+          <p:nvPr/>
+        </p:nvSpPr>
+        <p:spPr>
+          <a:xfrm>
+            <a:off x="0" y="759383"/>
+            <a:ext cx="2016899" cy="338554"/>
+          </a:xfrm>
+          <a:prstGeom prst="rect">
+            <a:avLst/>
+          </a:prstGeom>
+          <a:noFill/>
+        </p:spPr>
+        <p:txBody>
+          <a:bodyPr wrap="none" rtlCol="0">
+            <a:spAutoFit/>
+          </a:bodyPr>
+          <a:lstStyle/>
+          <a:p>
+            <a:r>
+              <a:rPr lang="it-IT" sz="1600" b="1" dirty="0"/>
+              <a:t>Elementi principali</a:t>
+            </a:r>
+          </a:p>
+        </p:txBody>
+      </p:sp>
+    </p:spTree>
+    <p:extLst>
+      <p:ext uri="{BB962C8B-B14F-4D97-AF65-F5344CB8AC3E}">
+        <p14:creationId xmlns:p14="http://schemas.microsoft.com/office/powerpoint/2010/main" val="4066898594"/>
+      </p:ext>
+    </p:extLst>
+  </p:cSld>
+  <p:clrMapOvr>
+    <a:masterClrMapping/>
+  </p:clrMapOvr>
+  <mc:AlternateContent xmlns:mc="http://schemas.openxmlformats.org/markup-compatibility/2006" xmlns:p14="http://schemas.microsoft.com/office/powerpoint/2010/main">
+    <mc:Choice Requires="p14">
+      <p:transition spd="slow" p14:dur="1750">
+        <p:fade/>
+      </p:transition>
+    </mc:Choice>
+    <mc:Fallback xmlns="">
+      <p:transition spd="slow">
+        <p:fade/>
+      </p:transition>
+    </mc:Fallback>
+  </mc:AlternateContent>
+</p:sld>
+</file>
+
+<file path=ppt/slides/slide3.xml><?xml version="1.0" encoding="utf-8"?>
+<p:sld xmlns:a="http://schemas.openxmlformats.org/drawingml/2006/main" xmlns:r="http://schemas.openxmlformats.org/officeDocument/2006/relationships" xmlns:p="http://schemas.openxmlformats.org/presentationml/2006/main">
+  <p:cSld>
+    <p:spTree>
+      <p:nvGrpSpPr>
+        <p:cNvPr id="1" name=""/>
+        <p:cNvGrpSpPr/>
+        <p:nvPr/>
+      </p:nvGrpSpPr>
+      <p:grpSpPr>
+        <a:xfrm>
+          <a:off x="0" y="0"/>
+          <a:ext cx="0" cy="0"/>
+          <a:chOff x="0" y="0"/>
+          <a:chExt cx="0" cy="0"/>
+        </a:xfrm>
+      </p:grpSpPr>
+      <p:pic>
+        <p:nvPicPr>
+          <p:cNvPr id="10" name="Immagine 9">
+            <a:extLst>
+              <a:ext uri="{FF2B5EF4-FFF2-40B4-BE49-F238E27FC236}">
+                <a16:creationId xmlns:a16="http://schemas.microsoft.com/office/drawing/2014/main" id="{EAD68B1E-8D82-4147-AE6A-40C22813F044}"/>
+              </a:ext>
+            </a:extLst>
+          </p:cNvPr>
+          <p:cNvPicPr>
+            <a:picLocks noChangeAspect="1"/>
+          </p:cNvPicPr>
+          <p:nvPr/>
+        </p:nvPicPr>
+        <p:blipFill>
+          <a:blip r:embed="rId2"/>
+          <a:stretch>
+            <a:fillRect/>
+          </a:stretch>
+        </p:blipFill>
+        <p:spPr>
+          <a:xfrm>
+            <a:off x="0" y="0"/>
+            <a:ext cx="12192000" cy="6858000"/>
+          </a:xfrm>
+          <a:prstGeom prst="rect">
+            <a:avLst/>
+          </a:prstGeom>
+        </p:spPr>
+      </p:pic>
+      <p:pic>
+        <p:nvPicPr>
+          <p:cNvPr id="6" name="Immagine 5">
+            <a:extLst>
+              <a:ext uri="{FF2B5EF4-FFF2-40B4-BE49-F238E27FC236}">
+                <a16:creationId xmlns:a16="http://schemas.microsoft.com/office/drawing/2014/main" id="{23440B85-C09C-4640-B492-AB9090AA62C2}"/>
+              </a:ext>
+            </a:extLst>
+          </p:cNvPr>
+          <p:cNvPicPr>
+            <a:picLocks noChangeAspect="1"/>
+          </p:cNvPicPr>
+          <p:nvPr/>
+        </p:nvPicPr>
+        <p:blipFill>
+          <a:blip r:embed="rId3"/>
+          <a:stretch>
+            <a:fillRect/>
+          </a:stretch>
+        </p:blipFill>
+        <p:spPr>
+          <a:xfrm>
+            <a:off x="2990641" y="2003490"/>
+            <a:ext cx="5721767" cy="3860670"/>
+          </a:xfrm>
+          <a:prstGeom prst="rect">
+            <a:avLst/>
+          </a:prstGeom>
+        </p:spPr>
+      </p:pic>
+      <p:pic>
+        <p:nvPicPr>
+          <p:cNvPr id="8" name="Immagine 7">
+            <a:extLst>
+              <a:ext uri="{FF2B5EF4-FFF2-40B4-BE49-F238E27FC236}">
+                <a16:creationId xmlns:a16="http://schemas.microsoft.com/office/drawing/2014/main" id="{F082D77D-7E90-4A1B-902A-BF22BD8BF999}"/>
+              </a:ext>
+            </a:extLst>
+          </p:cNvPr>
+          <p:cNvPicPr>
+            <a:picLocks noChangeAspect="1"/>
+          </p:cNvPicPr>
+          <p:nvPr/>
+        </p:nvPicPr>
+        <p:blipFill>
+          <a:blip r:embed="rId4"/>
+          <a:stretch>
+            <a:fillRect/>
+          </a:stretch>
+        </p:blipFill>
+        <p:spPr>
+          <a:xfrm>
+            <a:off x="5087277" y="1341410"/>
+            <a:ext cx="821398" cy="1274360"/>
+          </a:xfrm>
+          <a:prstGeom prst="rect">
+            <a:avLst/>
+          </a:prstGeom>
+        </p:spPr>
+      </p:pic>
+      <p:sp>
+        <p:nvSpPr>
+          <p:cNvPr id="2" name="Titolo 1">
+            <a:extLst>
+              <a:ext uri="{FF2B5EF4-FFF2-40B4-BE49-F238E27FC236}">
+                <a16:creationId xmlns:a16="http://schemas.microsoft.com/office/drawing/2014/main" id="{787CD2E0-40ED-4B43-AB7C-DE40388F2541}"/>
+              </a:ext>
+            </a:extLst>
+          </p:cNvPr>
+          <p:cNvSpPr>
+            <a:spLocks noGrp="1"/>
+          </p:cNvSpPr>
+          <p:nvPr>
+            <p:ph type="title"/>
+          </p:nvPr>
+        </p:nvSpPr>
+        <p:spPr>
+          <a:xfrm>
+            <a:off x="0" y="4916"/>
+            <a:ext cx="2603497" cy="810030"/>
+          </a:xfrm>
+        </p:spPr>
+        <p:txBody>
+          <a:bodyPr/>
+          <a:lstStyle/>
+          <a:p>
+            <a:r>
+              <a:rPr lang="it-IT" sz="5000" b="1" dirty="0">
+                <a:solidFill>
+                  <a:schemeClr val="bg1"/>
+                </a:solidFill>
+              </a:rPr>
+              <a:t>Arduino</a:t>
+            </a:r>
+          </a:p>
+        </p:txBody>
+      </p:sp>
+      <p:sp>
+        <p:nvSpPr>
+          <p:cNvPr id="4" name="CasellaDiTesto 3">
+            <a:extLst>
+              <a:ext uri="{FF2B5EF4-FFF2-40B4-BE49-F238E27FC236}">
+                <a16:creationId xmlns:a16="http://schemas.microsoft.com/office/drawing/2014/main" id="{559CEFF0-CDEE-43E6-9168-74936CDF43D4}"/>
+              </a:ext>
+            </a:extLst>
+          </p:cNvPr>
+          <p:cNvSpPr txBox="1"/>
+          <p:nvPr/>
+        </p:nvSpPr>
+        <p:spPr>
+          <a:xfrm>
+            <a:off x="10742564" y="6596390"/>
+            <a:ext cx="1449436" cy="261610"/>
+          </a:xfrm>
+          <a:prstGeom prst="rect">
+            <a:avLst/>
+          </a:prstGeom>
+          <a:noFill/>
+        </p:spPr>
+        <p:txBody>
+          <a:bodyPr wrap="none" rtlCol="0">
+            <a:spAutoFit/>
+          </a:bodyPr>
+          <a:lstStyle/>
+          <a:p>
+            <a:r>
+              <a:rPr lang="it-IT" sz="1100" dirty="0">
+                <a:solidFill>
+                  <a:schemeClr val="bg1"/>
+                </a:solidFill>
+              </a:rPr>
+              <a:t>Roncoroni Daniele</a:t>
+            </a:r>
+          </a:p>
+        </p:txBody>
+      </p:sp>
+      <p:sp>
+        <p:nvSpPr>
+          <p:cNvPr id="5" name="CasellaDiTesto 4">
+            <a:extLst>
+              <a:ext uri="{FF2B5EF4-FFF2-40B4-BE49-F238E27FC236}">
+                <a16:creationId xmlns:a16="http://schemas.microsoft.com/office/drawing/2014/main" id="{6ED36F17-D8C1-443E-9600-623A04EAC80B}"/>
+              </a:ext>
+            </a:extLst>
+          </p:cNvPr>
+          <p:cNvSpPr txBox="1"/>
+          <p:nvPr/>
+        </p:nvSpPr>
+        <p:spPr>
+          <a:xfrm>
+            <a:off x="0" y="645669"/>
+            <a:ext cx="1986441" cy="338554"/>
+          </a:xfrm>
+          <a:prstGeom prst="rect">
+            <a:avLst/>
+          </a:prstGeom>
+          <a:noFill/>
+        </p:spPr>
+        <p:txBody>
+          <a:bodyPr wrap="none" rtlCol="0">
+            <a:spAutoFit/>
+          </a:bodyPr>
+          <a:lstStyle/>
+          <a:p>
+            <a:r>
+              <a:rPr lang="it-IT" sz="1600" b="1" dirty="0">
+                <a:solidFill>
+                  <a:schemeClr val="bg1"/>
+                </a:solidFill>
+              </a:rPr>
+              <a:t>Schema circuitale</a:t>
+            </a:r>
+          </a:p>
+        </p:txBody>
+      </p:sp>
+    </p:spTree>
+    <p:extLst>
+      <p:ext uri="{BB962C8B-B14F-4D97-AF65-F5344CB8AC3E}">
+        <p14:creationId xmlns:p14="http://schemas.microsoft.com/office/powerpoint/2010/main" val="1879003938"/>
+      </p:ext>
+    </p:extLst>
+  </p:cSld>
+  <p:clrMapOvr>
+    <a:masterClrMapping/>
+  </p:clrMapOvr>
+  <mc:AlternateContent xmlns:mc="http://schemas.openxmlformats.org/markup-compatibility/2006" xmlns:p14="http://schemas.microsoft.com/office/powerpoint/2010/main">
+    <mc:Choice Requires="p14">
+      <p:transition spd="slow" p14:dur="1750">
+        <p:fade/>
+      </p:transition>
+    </mc:Choice>
+    <mc:Fallback xmlns="">
+      <p:transition spd="slow">
+        <p:fade/>
+      </p:transition>
+    </mc:Fallback>
+  </mc:AlternateContent>
+</p:sld>
+</file>
+
+<file path=ppt/slides/slide4.xml><?xml version="1.0" encoding="utf-8"?>
 <p:sld xmlns:a="http://schemas.openxmlformats.org/drawingml/2006/main" xmlns:r="http://schemas.openxmlformats.org/officeDocument/2006/relationships" xmlns:p="http://schemas.openxmlformats.org/presentationml/2006/main">
   <p:cSld>
     <p:bg>
@@ -7704,7 +8450,7 @@
           <p:cNvPr id="3" name="Segnaposto contenuto 2">
             <a:extLst>
               <a:ext uri="{FF2B5EF4-FFF2-40B4-BE49-F238E27FC236}">
-                <a16:creationId xmlns:a16="http://schemas.microsoft.com/office/drawing/2014/main" id="{973B23F4-7AED-4123-AE56-9D3E68DF4EA4}"/>
+                <a16:creationId xmlns:a16="http://schemas.microsoft.com/office/drawing/2014/main" id="{7709EE42-6FE8-4B0D-8DCE-2BF9AFEAA31C}"/>
               </a:ext>
             </a:extLst>
           </p:cNvPr>
@@ -7717,8 +8463,8 @@
         </p:nvSpPr>
         <p:spPr>
           <a:xfrm>
-            <a:off x="324353" y="3074020"/>
-            <a:ext cx="4558288" cy="1271241"/>
+            <a:off x="264257" y="3058455"/>
+            <a:ext cx="4942962" cy="1302373"/>
           </a:xfrm>
         </p:spPr>
         <p:txBody>
@@ -7736,11 +8482,11 @@
             </a:r>
             <a:r>
               <a:rPr lang="it-IT" dirty="0" err="1"/>
-              <a:t>NFC_Scheda</a:t>
+              <a:t>NFC_Dispenser</a:t>
             </a:r>
             <a:r>
               <a:rPr lang="it-IT" dirty="0"/>
-              <a:t> aspetta </a:t>
+              <a:t> serve per </a:t>
             </a:r>
           </a:p>
           <a:p>
@@ -7749,7 +8495,7 @@
             </a:pPr>
             <a:r>
               <a:rPr lang="it-IT" dirty="0"/>
-              <a:t>che l’utente avvicini la tessera NFC </a:t>
+              <a:t>scrivere sulla tessera NFC i dati </a:t>
             </a:r>
           </a:p>
           <a:p>
@@ -7758,14 +8504,14 @@
             </a:pPr>
             <a:r>
               <a:rPr lang="it-IT" dirty="0"/>
-              <a:t>al sensore e ne legge i dati</a:t>
-            </a:r>
-          </a:p>
-        </p:txBody>
-      </p:sp>
-      <p:sp>
-        <p:nvSpPr>
-          <p:cNvPr id="10" name="Freeform 31">
+              <a:t>comunicati dall’applicazione</a:t>
+            </a:r>
+          </a:p>
+        </p:txBody>
+      </p:sp>
+      <p:sp>
+        <p:nvSpPr>
+          <p:cNvPr id="11" name="Freeform 31">
             <a:extLst>
               <a:ext uri="{FF2B5EF4-FFF2-40B4-BE49-F238E27FC236}">
                 <a16:creationId xmlns:a16="http://schemas.microsoft.com/office/drawing/2014/main" id="{D6CEF2A9-EF08-4FB3-AFFB-C5F77AB6E028}"/>
@@ -8117,7 +8863,7 @@
       </p:sp>
       <p:sp>
         <p:nvSpPr>
-          <p:cNvPr id="12" name="Rectangle 11">
+          <p:cNvPr id="13" name="Rectangle 12">
             <a:extLst>
               <a:ext uri="{FF2B5EF4-FFF2-40B4-BE49-F238E27FC236}">
                 <a16:creationId xmlns:a16="http://schemas.microsoft.com/office/drawing/2014/main" id="{4109C3C2-C0A8-4559-8462-8007573DF44C}"/>
@@ -8180,7 +8926,7 @@
       </p:sp>
       <p:sp>
         <p:nvSpPr>
-          <p:cNvPr id="14" name="Freeform 5">
+          <p:cNvPr id="15" name="Freeform 5">
             <a:extLst>
               <a:ext uri="{FF2B5EF4-FFF2-40B4-BE49-F238E27FC236}">
                 <a16:creationId xmlns:a16="http://schemas.microsoft.com/office/drawing/2014/main" id="{4C535542-B72A-4DE0-BE5A-5EA00508C77D}"/>
@@ -8381,10 +9127,10 @@
       </p:sp>
       <p:pic>
         <p:nvPicPr>
-          <p:cNvPr id="5" name="Immagine 4">
+          <p:cNvPr id="6" name="Immagine 5">
             <a:extLst>
               <a:ext uri="{FF2B5EF4-FFF2-40B4-BE49-F238E27FC236}">
-                <a16:creationId xmlns:a16="http://schemas.microsoft.com/office/drawing/2014/main" id="{06F61A49-3B18-485B-AA7D-75E78D46A673}"/>
+                <a16:creationId xmlns:a16="http://schemas.microsoft.com/office/drawing/2014/main" id="{EAEB543D-6B64-476B-BB8D-4A25DD8D3071}"/>
               </a:ext>
             </a:extLst>
           </p:cNvPr>
@@ -8393,16 +9139,15 @@
           </p:cNvPicPr>
           <p:nvPr/>
         </p:nvPicPr>
-        <p:blipFill>
+        <p:blipFill rotWithShape="1">
           <a:blip r:embed="rId3"/>
-          <a:stretch>
-            <a:fillRect/>
-          </a:stretch>
+          <a:srcRect b="166"/>
+          <a:stretch/>
         </p:blipFill>
         <p:spPr>
           <a:xfrm>
-            <a:off x="5553492" y="80961"/>
-            <a:ext cx="6374251" cy="6696075"/>
+            <a:off x="5553492" y="80962"/>
+            <a:ext cx="6374251" cy="6684964"/>
           </a:xfrm>
           <a:prstGeom prst="rect">
             <a:avLst/>
@@ -8412,7 +9157,7 @@
       </p:pic>
       <p:sp>
         <p:nvSpPr>
-          <p:cNvPr id="16" name="Rectangle 15">
+          <p:cNvPr id="17" name="Rectangle 16">
             <a:extLst>
               <a:ext uri="{FF2B5EF4-FFF2-40B4-BE49-F238E27FC236}">
                 <a16:creationId xmlns:a16="http://schemas.microsoft.com/office/drawing/2014/main" id="{11DF0705-615B-4CF3-A16F-8C14680D8BA6}"/>
@@ -8465,10 +9210,10 @@
       </p:sp>
       <p:sp>
         <p:nvSpPr>
-          <p:cNvPr id="9" name="CasellaDiTesto 8">
+          <p:cNvPr id="12" name="CasellaDiTesto 11">
             <a:extLst>
               <a:ext uri="{FF2B5EF4-FFF2-40B4-BE49-F238E27FC236}">
-                <a16:creationId xmlns:a16="http://schemas.microsoft.com/office/drawing/2014/main" id="{BC9D2EDC-6A9E-42FA-8917-FCF7BBE68D8E}"/>
+                <a16:creationId xmlns:a16="http://schemas.microsoft.com/office/drawing/2014/main" id="{8D87622C-C709-4EB8-AE1E-E6C58A4BAF5C}"/>
               </a:ext>
             </a:extLst>
           </p:cNvPr>
@@ -8504,10 +9249,10 @@
       </p:sp>
       <p:sp>
         <p:nvSpPr>
-          <p:cNvPr id="13" name="Titolo 1">
+          <p:cNvPr id="14" name="Titolo 1">
             <a:extLst>
               <a:ext uri="{FF2B5EF4-FFF2-40B4-BE49-F238E27FC236}">
-                <a16:creationId xmlns:a16="http://schemas.microsoft.com/office/drawing/2014/main" id="{965DD857-F11F-43FC-9C39-BD6016FDC67A}"/>
+                <a16:creationId xmlns:a16="http://schemas.microsoft.com/office/drawing/2014/main" id="{1BBEE441-2E56-48C3-8630-47FCBE68367E}"/>
               </a:ext>
             </a:extLst>
           </p:cNvPr>
@@ -8541,10 +9286,10 @@
       </p:sp>
       <p:sp>
         <p:nvSpPr>
-          <p:cNvPr id="15" name="CasellaDiTesto 14">
+          <p:cNvPr id="7" name="CasellaDiTesto 6">
             <a:extLst>
               <a:ext uri="{FF2B5EF4-FFF2-40B4-BE49-F238E27FC236}">
-                <a16:creationId xmlns:a16="http://schemas.microsoft.com/office/drawing/2014/main" id="{804B5F14-9759-4E99-83EC-B47B3EC79557}"/>
+                <a16:creationId xmlns:a16="http://schemas.microsoft.com/office/drawing/2014/main" id="{F0B1C700-BFBC-49C1-90A6-778B75099917}"/>
               </a:ext>
             </a:extLst>
           </p:cNvPr>
@@ -8554,7 +9299,7 @@
         <p:spPr>
           <a:xfrm>
             <a:off x="0" y="640753"/>
-            <a:ext cx="1463862" cy="338554"/>
+            <a:ext cx="1653017" cy="338554"/>
           </a:xfrm>
           <a:prstGeom prst="rect">
             <a:avLst/>
@@ -8569,16 +9314,16 @@
           <a:p>
             <a:r>
               <a:rPr lang="it-IT" sz="1600" b="1" dirty="0" err="1"/>
-              <a:t>NFC_Scheda</a:t>
-            </a:r>
-            <a:endParaRPr lang="it-IT" sz="1400" b="1" dirty="0"/>
+              <a:t>NFC_Dispenser</a:t>
+            </a:r>
+            <a:endParaRPr lang="it-IT" sz="1600" b="1" dirty="0"/>
           </a:p>
         </p:txBody>
       </p:sp>
     </p:spTree>
     <p:extLst>
       <p:ext uri="{BB962C8B-B14F-4D97-AF65-F5344CB8AC3E}">
-        <p14:creationId xmlns:p14="http://schemas.microsoft.com/office/powerpoint/2010/main" val="3329737227"/>
+        <p14:creationId xmlns:p14="http://schemas.microsoft.com/office/powerpoint/2010/main" val="3533094878"/>
       </p:ext>
     </p:extLst>
   </p:cSld>
@@ -8600,205 +9345,7 @@
 </p:sld>
 </file>
 
-<file path=ppt/slides/slide6.xml><?xml version="1.0" encoding="utf-8"?>
-<p:sld xmlns:a="http://schemas.openxmlformats.org/drawingml/2006/main" xmlns:r="http://schemas.openxmlformats.org/officeDocument/2006/relationships" xmlns:p="http://schemas.openxmlformats.org/presentationml/2006/main">
-  <p:cSld>
-    <p:spTree>
-      <p:nvGrpSpPr>
-        <p:cNvPr id="1" name=""/>
-        <p:cNvGrpSpPr/>
-        <p:nvPr/>
-      </p:nvGrpSpPr>
-      <p:grpSpPr>
-        <a:xfrm>
-          <a:off x="0" y="0"/>
-          <a:ext cx="0" cy="0"/>
-          <a:chOff x="0" y="0"/>
-          <a:chExt cx="0" cy="0"/>
-        </a:xfrm>
-      </p:grpSpPr>
-      <p:pic>
-        <p:nvPicPr>
-          <p:cNvPr id="7" name="Immagine 6">
-            <a:extLst>
-              <a:ext uri="{FF2B5EF4-FFF2-40B4-BE49-F238E27FC236}">
-                <a16:creationId xmlns:a16="http://schemas.microsoft.com/office/drawing/2014/main" id="{91D43CBF-410E-4119-A9B3-B532C908EC53}"/>
-              </a:ext>
-            </a:extLst>
-          </p:cNvPr>
-          <p:cNvPicPr>
-            <a:picLocks noChangeAspect="1"/>
-          </p:cNvPicPr>
-          <p:nvPr/>
-        </p:nvPicPr>
-        <p:blipFill>
-          <a:blip r:embed="rId2"/>
-          <a:stretch>
-            <a:fillRect/>
-          </a:stretch>
-        </p:blipFill>
-        <p:spPr>
-          <a:xfrm>
-            <a:off x="0" y="0"/>
-            <a:ext cx="12192000" cy="6858000"/>
-          </a:xfrm>
-          <a:prstGeom prst="rect">
-            <a:avLst/>
-          </a:prstGeom>
-        </p:spPr>
-      </p:pic>
-      <p:sp>
-        <p:nvSpPr>
-          <p:cNvPr id="2" name="Titolo 1"/>
-          <p:cNvSpPr>
-            <a:spLocks noGrp="1"/>
-          </p:cNvSpPr>
-          <p:nvPr>
-            <p:ph type="title"/>
-          </p:nvPr>
-        </p:nvSpPr>
-        <p:spPr>
-          <a:xfrm>
-            <a:off x="0" y="0"/>
-            <a:ext cx="9957573" cy="872743"/>
-          </a:xfrm>
-        </p:spPr>
-        <p:txBody>
-          <a:bodyPr/>
-          <a:lstStyle/>
-          <a:p>
-            <a:r>
-              <a:rPr lang="it-IT" sz="5000" b="1" dirty="0">
-                <a:solidFill>
-                  <a:schemeClr val="bg1"/>
-                </a:solidFill>
-              </a:rPr>
-              <a:t>Progetto prototipo applicazione</a:t>
-            </a:r>
-          </a:p>
-        </p:txBody>
-      </p:sp>
-      <p:pic>
-        <p:nvPicPr>
-          <p:cNvPr id="6" name="Segnaposto contenuto 3">
-            <a:extLst>
-              <a:ext uri="{FF2B5EF4-FFF2-40B4-BE49-F238E27FC236}">
-                <a16:creationId xmlns:a16="http://schemas.microsoft.com/office/drawing/2014/main" id="{DF9733DA-C9C2-437F-A7CD-9213876293F8}"/>
-              </a:ext>
-            </a:extLst>
-          </p:cNvPr>
-          <p:cNvPicPr>
-            <a:picLocks noChangeAspect="1"/>
-          </p:cNvPicPr>
-          <p:nvPr/>
-        </p:nvPicPr>
-        <p:blipFill>
-          <a:blip r:embed="rId3"/>
-          <a:stretch>
-            <a:fillRect/>
-          </a:stretch>
-        </p:blipFill>
-        <p:spPr>
-          <a:xfrm>
-            <a:off x="1049731" y="955776"/>
-            <a:ext cx="10092537" cy="5515077"/>
-          </a:xfrm>
-          <a:prstGeom prst="rect">
-            <a:avLst/>
-          </a:prstGeom>
-          <a:ln>
-            <a:noFill/>
-          </a:ln>
-          <a:effectLst>
-            <a:outerShdw blurRad="292100" dist="139700" dir="2700000" algn="tl" rotWithShape="0">
-              <a:srgbClr val="333333">
-                <a:alpha val="65000"/>
-              </a:srgbClr>
-            </a:outerShdw>
-          </a:effectLst>
-        </p:spPr>
-      </p:pic>
-      <p:sp>
-        <p:nvSpPr>
-          <p:cNvPr id="8" name="CasellaDiTesto 7">
-            <a:extLst>
-              <a:ext uri="{FF2B5EF4-FFF2-40B4-BE49-F238E27FC236}">
-                <a16:creationId xmlns:a16="http://schemas.microsoft.com/office/drawing/2014/main" id="{FE996A36-8EB6-407C-999F-194B933C0467}"/>
-              </a:ext>
-            </a:extLst>
-          </p:cNvPr>
-          <p:cNvSpPr txBox="1"/>
-          <p:nvPr/>
-        </p:nvSpPr>
-        <p:spPr>
-          <a:xfrm>
-            <a:off x="8421416" y="6596390"/>
-            <a:ext cx="3770584" cy="261610"/>
-          </a:xfrm>
-          <a:prstGeom prst="rect">
-            <a:avLst/>
-          </a:prstGeom>
-          <a:noFill/>
-        </p:spPr>
-        <p:txBody>
-          <a:bodyPr wrap="none" rtlCol="0">
-            <a:spAutoFit/>
-          </a:bodyPr>
-          <a:lstStyle/>
-          <a:p>
-            <a:r>
-              <a:rPr lang="it-IT" sz="1100" dirty="0">
-                <a:solidFill>
-                  <a:schemeClr val="bg1"/>
-                </a:solidFill>
-              </a:rPr>
-              <a:t>Camagni Riccardo, D’</a:t>
-            </a:r>
-            <a:r>
-              <a:rPr lang="it-IT" sz="1100" dirty="0" err="1">
-                <a:solidFill>
-                  <a:schemeClr val="bg1"/>
-                </a:solidFill>
-              </a:rPr>
-              <a:t>Assaro</a:t>
-            </a:r>
-            <a:r>
-              <a:rPr lang="it-IT" sz="1100" dirty="0">
-                <a:solidFill>
-                  <a:schemeClr val="bg1"/>
-                </a:solidFill>
-              </a:rPr>
-              <a:t> Davide, Ginisi Gabriele</a:t>
-            </a:r>
-          </a:p>
-        </p:txBody>
-      </p:sp>
-    </p:spTree>
-    <p:extLst>
-      <p:ext uri="{BB962C8B-B14F-4D97-AF65-F5344CB8AC3E}">
-        <p14:creationId xmlns:p14="http://schemas.microsoft.com/office/powerpoint/2010/main" val="641674780"/>
-      </p:ext>
-    </p:extLst>
-  </p:cSld>
-  <p:clrMapOvr>
-    <a:masterClrMapping/>
-  </p:clrMapOvr>
-  <mc:AlternateContent xmlns:mc="http://schemas.openxmlformats.org/markup-compatibility/2006">
-    <mc:Choice xmlns:p14="http://schemas.microsoft.com/office/powerpoint/2010/main" Requires="p14">
-      <p:transition spd="slow" p14:dur="1750">
-        <p:fade/>
-      </p:transition>
-    </mc:Choice>
-    <mc:Fallback>
-      <p:transition spd="slow">
-        <p:fade/>
-      </p:transition>
-    </mc:Fallback>
-  </mc:AlternateContent>
-</p:sld>
-</file>
-
-<file path=ppt/slides/slide7.xml><?xml version="1.0" encoding="utf-8"?>
+<file path=ppt/slides/slide5.xml><?xml version="1.0" encoding="utf-8"?>
 <p:sld xmlns:a="http://schemas.openxmlformats.org/drawingml/2006/main" xmlns:r="http://schemas.openxmlformats.org/officeDocument/2006/relationships" xmlns:p="http://schemas.openxmlformats.org/presentationml/2006/main">
   <p:cSld>
     <p:bg>
@@ -8839,21 +9386,85 @@
           <a:chExt cx="0" cy="0"/>
         </a:xfrm>
       </p:grpSpPr>
-      <p:pic>
-        <p:nvPicPr>
-          <p:cNvPr id="13" name="Picture 12">
+      <p:sp>
+        <p:nvSpPr>
+          <p:cNvPr id="3" name="Segnaposto contenuto 2">
             <a:extLst>
               <a:ext uri="{FF2B5EF4-FFF2-40B4-BE49-F238E27FC236}">
-                <a16:creationId xmlns:a16="http://schemas.microsoft.com/office/drawing/2014/main" id="{7594FC8B-8CD2-407F-94F1-9C71F5AEC2B6}"/>
+                <a16:creationId xmlns:a16="http://schemas.microsoft.com/office/drawing/2014/main" id="{973B23F4-7AED-4123-AE56-9D3E68DF4EA4}"/>
+              </a:ext>
+            </a:extLst>
+          </p:cNvPr>
+          <p:cNvSpPr>
+            <a:spLocks noGrp="1"/>
+          </p:cNvSpPr>
+          <p:nvPr>
+            <p:ph idx="1"/>
+          </p:nvPr>
+        </p:nvSpPr>
+        <p:spPr>
+          <a:xfrm>
+            <a:off x="324353" y="3074020"/>
+            <a:ext cx="4558288" cy="1271241"/>
+          </a:xfrm>
+        </p:spPr>
+        <p:txBody>
+          <a:bodyPr>
+            <a:normAutofit/>
+          </a:bodyPr>
+          <a:lstStyle/>
+          <a:p>
+            <a:pPr marL="0" indent="0">
+              <a:buNone/>
+            </a:pPr>
+            <a:r>
+              <a:rPr lang="it-IT" dirty="0"/>
+              <a:t>Il programma </a:t>
+            </a:r>
+            <a:r>
+              <a:rPr lang="it-IT" dirty="0" err="1"/>
+              <a:t>NFC_Scheda</a:t>
+            </a:r>
+            <a:r>
+              <a:rPr lang="it-IT" dirty="0"/>
+              <a:t> aspetta </a:t>
+            </a:r>
+          </a:p>
+          <a:p>
+            <a:pPr marL="0" indent="0">
+              <a:buNone/>
+            </a:pPr>
+            <a:r>
+              <a:rPr lang="it-IT" dirty="0"/>
+              <a:t>che l’utente avvicini la tessera NFC </a:t>
+            </a:r>
+          </a:p>
+          <a:p>
+            <a:pPr marL="0" indent="0">
+              <a:buNone/>
+            </a:pPr>
+            <a:r>
+              <a:rPr lang="it-IT" dirty="0"/>
+              <a:t>al sensore e ne legge i dati</a:t>
+            </a:r>
+          </a:p>
+        </p:txBody>
+      </p:sp>
+      <p:sp>
+        <p:nvSpPr>
+          <p:cNvPr id="10" name="Freeform 31">
+            <a:extLst>
+              <a:ext uri="{FF2B5EF4-FFF2-40B4-BE49-F238E27FC236}">
+                <a16:creationId xmlns:a16="http://schemas.microsoft.com/office/drawing/2014/main" id="{D6CEF2A9-EF08-4FB3-AFFB-C5F77AB6E028}"/>
               </a:ext>
               <a:ext uri="{C183D7F6-B498-43B3-948B-1728B52AA6E4}">
                 <adec:decorative xmlns:adec="http://schemas.microsoft.com/office/drawing/2017/decorative" val="1"/>
               </a:ext>
             </a:extLst>
           </p:cNvPr>
-          <p:cNvPicPr>
-            <a:picLocks noGrp="1" noRot="1" noChangeAspect="1" noMove="1" noResize="1" noEditPoints="1" noAdjustHandles="1" noChangeArrowheads="1" noChangeShapeType="1" noCrop="1"/>
-          </p:cNvPicPr>
+          <p:cNvSpPr>
+            <a:spLocks noGrp="1" noRot="1" noChangeAspect="1" noMove="1" noResize="1" noEditPoints="1" noAdjustHandles="1" noChangeArrowheads="1" noChangeShapeType="1" noTextEdit="1"/>
+          </p:cNvSpPr>
           <p:nvPr>
             <p:extLst>
               <p:ext uri="{386F3935-93C4-4BCD-93E2-E3B085C9AB24}">
@@ -8861,357 +9472,10 @@
               </p:ext>
             </p:extLst>
           </p:nvPr>
-        </p:nvPicPr>
-        <p:blipFill rotWithShape="1">
-          <a:blip r:embed="rId3">
-            <a:extLst>
-              <a:ext uri="{28A0092B-C50C-407E-A947-70E740481C1C}">
-                <a14:useLocalDpi xmlns:a14="http://schemas.microsoft.com/office/drawing/2010/main" val="0"/>
-              </a:ext>
-            </a:extLst>
-          </a:blip>
-          <a:srcRect l="3613"/>
-          <a:stretch/>
-        </p:blipFill>
+        </p:nvSpPr>
         <p:spPr>
           <a:xfrm>
-            <a:off x="0" y="2669685"/>
-            <a:ext cx="4037012" cy="4188315"/>
-          </a:xfrm>
-          <a:prstGeom prst="rect">
-            <a:avLst/>
-          </a:prstGeom>
-        </p:spPr>
-      </p:pic>
-      <p:pic>
-        <p:nvPicPr>
-          <p:cNvPr id="15" name="Picture 14">
-            <a:extLst>
-              <a:ext uri="{FF2B5EF4-FFF2-40B4-BE49-F238E27FC236}">
-                <a16:creationId xmlns:a16="http://schemas.microsoft.com/office/drawing/2014/main" id="{DBABC971-8D40-4A4F-AC60-28B9172789B9}"/>
-              </a:ext>
-              <a:ext uri="{C183D7F6-B498-43B3-948B-1728B52AA6E4}">
-                <adec:decorative xmlns:adec="http://schemas.microsoft.com/office/drawing/2017/decorative" val="1"/>
-              </a:ext>
-            </a:extLst>
-          </p:cNvPr>
-          <p:cNvPicPr>
-            <a:picLocks noGrp="1" noRot="1" noChangeAspect="1" noMove="1" noResize="1" noEditPoints="1" noAdjustHandles="1" noChangeArrowheads="1" noChangeShapeType="1" noCrop="1"/>
-          </p:cNvPicPr>
-          <p:nvPr>
-            <p:extLst>
-              <p:ext uri="{386F3935-93C4-4BCD-93E2-E3B085C9AB24}">
-                <p16:designElem xmlns:p16="http://schemas.microsoft.com/office/powerpoint/2015/main" val="1"/>
-              </p:ext>
-            </p:extLst>
-          </p:nvPr>
-        </p:nvPicPr>
-        <p:blipFill rotWithShape="1">
-          <a:blip r:embed="rId4">
-            <a:extLst>
-              <a:ext uri="{28A0092B-C50C-407E-A947-70E740481C1C}">
-                <a14:useLocalDpi xmlns:a14="http://schemas.microsoft.com/office/drawing/2010/main" val="0"/>
-              </a:ext>
-            </a:extLst>
-          </a:blip>
-          <a:srcRect l="35640"/>
-          <a:stretch/>
-        </p:blipFill>
-        <p:spPr>
-          <a:xfrm>
-            <a:off x="0" y="2892347"/>
-            <a:ext cx="1522412" cy="2365453"/>
-          </a:xfrm>
-          <a:prstGeom prst="rect">
-            <a:avLst/>
-          </a:prstGeom>
-        </p:spPr>
-      </p:pic>
-      <p:sp>
-        <p:nvSpPr>
-          <p:cNvPr id="17" name="Oval 16">
-            <a:extLst>
-              <a:ext uri="{FF2B5EF4-FFF2-40B4-BE49-F238E27FC236}">
-                <a16:creationId xmlns:a16="http://schemas.microsoft.com/office/drawing/2014/main" id="{B9C04DC5-313B-4FE4-B868-5672A376419F}"/>
-              </a:ext>
-              <a:ext uri="{C183D7F6-B498-43B3-948B-1728B52AA6E4}">
-                <adec:decorative xmlns:adec="http://schemas.microsoft.com/office/drawing/2017/decorative" val="1"/>
-              </a:ext>
-            </a:extLst>
-          </p:cNvPr>
-          <p:cNvSpPr>
-            <a:spLocks noGrp="1" noRot="1" noChangeAspect="1" noMove="1" noResize="1" noEditPoints="1" noAdjustHandles="1" noChangeArrowheads="1" noChangeShapeType="1" noTextEdit="1"/>
-          </p:cNvSpPr>
-          <p:nvPr>
-            <p:extLst>
-              <p:ext uri="{386F3935-93C4-4BCD-93E2-E3B085C9AB24}">
-                <p16:designElem xmlns:p16="http://schemas.microsoft.com/office/powerpoint/2015/main" val="1"/>
-              </p:ext>
-            </p:extLst>
-          </p:nvPr>
-        </p:nvSpPr>
-        <p:spPr>
-          <a:xfrm>
-            <a:off x="8609012" y="1676400"/>
-            <a:ext cx="2819400" cy="2819400"/>
-          </a:xfrm>
-          <a:prstGeom prst="ellipse">
-            <a:avLst/>
-          </a:prstGeom>
-          <a:gradFill flip="none" rotWithShape="1">
-            <a:gsLst>
-              <a:gs pos="0">
-                <a:schemeClr val="bg2">
-                  <a:lumMod val="40000"/>
-                  <a:lumOff val="60000"/>
-                  <a:alpha val="7000"/>
-                </a:schemeClr>
-              </a:gs>
-              <a:gs pos="69000">
-                <a:schemeClr val="bg2">
-                  <a:lumMod val="40000"/>
-                  <a:lumOff val="60000"/>
-                  <a:alpha val="0"/>
-                </a:schemeClr>
-              </a:gs>
-              <a:gs pos="36000">
-                <a:schemeClr val="bg2">
-                  <a:lumMod val="40000"/>
-                  <a:lumOff val="60000"/>
-                  <a:alpha val="6000"/>
-                </a:schemeClr>
-              </a:gs>
-            </a:gsLst>
-            <a:path path="circle">
-              <a:fillToRect l="50000" t="50000" r="50000" b="50000"/>
-            </a:path>
-            <a:tileRect/>
-          </a:gradFill>
-          <a:ln>
-            <a:noFill/>
-          </a:ln>
-          <a:effectLst/>
-        </p:spPr>
-        <p:style>
-          <a:lnRef idx="1">
-            <a:schemeClr val="accent1"/>
-          </a:lnRef>
-          <a:fillRef idx="3">
-            <a:schemeClr val="accent1"/>
-          </a:fillRef>
-          <a:effectRef idx="2">
-            <a:schemeClr val="accent1"/>
-          </a:effectRef>
-          <a:fontRef idx="minor">
-            <a:schemeClr val="lt1"/>
-          </a:fontRef>
-        </p:style>
-      </p:sp>
-      <p:pic>
-        <p:nvPicPr>
-          <p:cNvPr id="19" name="Picture 18">
-            <a:extLst>
-              <a:ext uri="{FF2B5EF4-FFF2-40B4-BE49-F238E27FC236}">
-                <a16:creationId xmlns:a16="http://schemas.microsoft.com/office/drawing/2014/main" id="{791AE23E-90C9-4963-96E2-8DADBFC3BC09}"/>
-              </a:ext>
-              <a:ext uri="{C183D7F6-B498-43B3-948B-1728B52AA6E4}">
-                <adec:decorative xmlns:adec="http://schemas.microsoft.com/office/drawing/2017/decorative" val="1"/>
-              </a:ext>
-            </a:extLst>
-          </p:cNvPr>
-          <p:cNvPicPr>
-            <a:picLocks noGrp="1" noRot="1" noChangeAspect="1" noMove="1" noResize="1" noEditPoints="1" noAdjustHandles="1" noChangeArrowheads="1" noChangeShapeType="1" noCrop="1"/>
-          </p:cNvPicPr>
-          <p:nvPr>
-            <p:extLst>
-              <p:ext uri="{386F3935-93C4-4BCD-93E2-E3B085C9AB24}">
-                <p16:designElem xmlns:p16="http://schemas.microsoft.com/office/powerpoint/2015/main" val="1"/>
-              </p:ext>
-            </p:extLst>
-          </p:nvPr>
-        </p:nvPicPr>
-        <p:blipFill rotWithShape="1">
-          <a:blip r:embed="rId5">
-            <a:extLst>
-              <a:ext uri="{28A0092B-C50C-407E-A947-70E740481C1C}">
-                <a14:useLocalDpi xmlns:a14="http://schemas.microsoft.com/office/drawing/2010/main" val="0"/>
-              </a:ext>
-            </a:extLst>
-          </a:blip>
-          <a:srcRect t="28813"/>
-          <a:stretch/>
-        </p:blipFill>
-        <p:spPr>
-          <a:xfrm>
-            <a:off x="7999412" y="0"/>
-            <a:ext cx="1603387" cy="1141407"/>
-          </a:xfrm>
-          <a:prstGeom prst="rect">
-            <a:avLst/>
-          </a:prstGeom>
-        </p:spPr>
-      </p:pic>
-      <p:pic>
-        <p:nvPicPr>
-          <p:cNvPr id="21" name="Picture 20">
-            <a:extLst>
-              <a:ext uri="{FF2B5EF4-FFF2-40B4-BE49-F238E27FC236}">
-                <a16:creationId xmlns:a16="http://schemas.microsoft.com/office/drawing/2014/main" id="{C5F93E90-4379-4AAC-B021-E5FA6D974AED}"/>
-              </a:ext>
-              <a:ext uri="{C183D7F6-B498-43B3-948B-1728B52AA6E4}">
-                <adec:decorative xmlns:adec="http://schemas.microsoft.com/office/drawing/2017/decorative" val="1"/>
-              </a:ext>
-            </a:extLst>
-          </p:cNvPr>
-          <p:cNvPicPr>
-            <a:picLocks noGrp="1" noRot="1" noChangeAspect="1" noMove="1" noResize="1" noEditPoints="1" noAdjustHandles="1" noChangeArrowheads="1" noChangeShapeType="1" noCrop="1"/>
-          </p:cNvPicPr>
-          <p:nvPr>
-            <p:extLst>
-              <p:ext uri="{386F3935-93C4-4BCD-93E2-E3B085C9AB24}">
-                <p16:designElem xmlns:p16="http://schemas.microsoft.com/office/powerpoint/2015/main" val="1"/>
-              </p:ext>
-            </p:extLst>
-          </p:nvPr>
-        </p:nvPicPr>
-        <p:blipFill rotWithShape="1">
-          <a:blip r:embed="rId6">
-            <a:extLst>
-              <a:ext uri="{28A0092B-C50C-407E-A947-70E740481C1C}">
-                <a14:useLocalDpi xmlns:a14="http://schemas.microsoft.com/office/drawing/2010/main" val="0"/>
-              </a:ext>
-            </a:extLst>
-          </a:blip>
-          <a:srcRect b="23320"/>
-          <a:stretch/>
-        </p:blipFill>
-        <p:spPr>
-          <a:xfrm>
-            <a:off x="8609012" y="6096000"/>
-            <a:ext cx="993734" cy="762000"/>
-          </a:xfrm>
-          <a:prstGeom prst="rect">
-            <a:avLst/>
-          </a:prstGeom>
-        </p:spPr>
-      </p:pic>
-      <p:sp>
-        <p:nvSpPr>
-          <p:cNvPr id="23" name="Rectangle 22">
-            <a:extLst>
-              <a:ext uri="{FF2B5EF4-FFF2-40B4-BE49-F238E27FC236}">
-                <a16:creationId xmlns:a16="http://schemas.microsoft.com/office/drawing/2014/main" id="{329FDD08-42D8-4AFF-90E5-5DAA5BC4CBD8}"/>
-              </a:ext>
-              <a:ext uri="{C183D7F6-B498-43B3-948B-1728B52AA6E4}">
-                <adec:decorative xmlns:adec="http://schemas.microsoft.com/office/drawing/2017/decorative" val="1"/>
-              </a:ext>
-            </a:extLst>
-          </p:cNvPr>
-          <p:cNvSpPr>
-            <a:spLocks noGrp="1" noRot="1" noChangeAspect="1" noMove="1" noResize="1" noEditPoints="1" noAdjustHandles="1" noChangeArrowheads="1" noChangeShapeType="1" noTextEdit="1"/>
-          </p:cNvSpPr>
-          <p:nvPr>
-            <p:extLst>
-              <p:ext uri="{386F3935-93C4-4BCD-93E2-E3B085C9AB24}">
-                <p16:designElem xmlns:p16="http://schemas.microsoft.com/office/powerpoint/2015/main" val="1"/>
-              </p:ext>
-            </p:extLst>
-          </p:nvPr>
-        </p:nvSpPr>
-        <p:spPr>
-          <a:xfrm>
-            <a:off x="10437812" y="0"/>
-            <a:ext cx="685800" cy="1143000"/>
-          </a:xfrm>
-          <a:prstGeom prst="rect">
-            <a:avLst/>
-          </a:prstGeom>
-          <a:solidFill>
-            <a:schemeClr val="accent1"/>
-          </a:solidFill>
-          <a:ln>
-            <a:noFill/>
-          </a:ln>
-        </p:spPr>
-        <p:style>
-          <a:lnRef idx="1">
-            <a:schemeClr val="accent1"/>
-          </a:lnRef>
-          <a:fillRef idx="3">
-            <a:schemeClr val="accent1"/>
-          </a:fillRef>
-          <a:effectRef idx="2">
-            <a:schemeClr val="accent1"/>
-          </a:effectRef>
-          <a:fontRef idx="minor">
-            <a:schemeClr val="lt1"/>
-          </a:fontRef>
-        </p:style>
-      </p:sp>
-      <p:sp>
-        <p:nvSpPr>
-          <p:cNvPr id="2" name="Titolo 1"/>
-          <p:cNvSpPr>
-            <a:spLocks noGrp="1"/>
-          </p:cNvSpPr>
-          <p:nvPr>
-            <p:ph type="title"/>
-          </p:nvPr>
-        </p:nvSpPr>
-        <p:spPr>
-          <a:xfrm>
-            <a:off x="0" y="115824"/>
-            <a:ext cx="3862704" cy="1444752"/>
-          </a:xfrm>
-        </p:spPr>
-        <p:txBody>
-          <a:bodyPr vert="horz" lIns="91440" tIns="45720" rIns="91440" bIns="45720" rtlCol="0" anchor="b">
-            <a:noAutofit/>
-          </a:bodyPr>
-          <a:lstStyle/>
-          <a:p>
-            <a:r>
-              <a:rPr lang="en-US" sz="5000" b="1" dirty="0" err="1"/>
-              <a:t>Funzionalità</a:t>
-            </a:r>
-            <a:r>
-              <a:rPr lang="en-US" sz="5000" b="1" dirty="0"/>
-              <a:t> e </a:t>
-            </a:r>
-            <a:r>
-              <a:rPr lang="en-US" sz="5000" b="1" dirty="0" err="1"/>
-              <a:t>finestre</a:t>
-            </a:r>
-            <a:endParaRPr lang="en-US" sz="5000" b="1" dirty="0"/>
-          </a:p>
-        </p:txBody>
-      </p:sp>
-      <p:sp>
-        <p:nvSpPr>
-          <p:cNvPr id="25" name="Freeform 11">
-            <a:extLst>
-              <a:ext uri="{FF2B5EF4-FFF2-40B4-BE49-F238E27FC236}">
-                <a16:creationId xmlns:a16="http://schemas.microsoft.com/office/drawing/2014/main" id="{2FEA51AE-2D18-46BE-B2CA-B90B13168980}"/>
-              </a:ext>
-              <a:ext uri="{C183D7F6-B498-43B3-948B-1728B52AA6E4}">
-                <adec:decorative xmlns:adec="http://schemas.microsoft.com/office/drawing/2017/decorative" val="1"/>
-              </a:ext>
-            </a:extLst>
-          </p:cNvPr>
-          <p:cNvSpPr>
-            <a:spLocks noGrp="1" noRot="1" noChangeAspect="1" noMove="1" noResize="1" noEditPoints="1" noAdjustHandles="1" noChangeArrowheads="1" noChangeShapeType="1" noTextEdit="1"/>
-          </p:cNvSpPr>
-          <p:nvPr>
-            <p:extLst>
-              <p:ext uri="{386F3935-93C4-4BCD-93E2-E3B085C9AB24}">
-                <p16:designElem xmlns:p16="http://schemas.microsoft.com/office/powerpoint/2015/main" val="1"/>
-              </p:ext>
-            </p:extLst>
-          </p:nvPr>
-        </p:nvSpPr>
-        <p:spPr>
-          <a:xfrm>
-            <a:off x="3948110" y="-1"/>
+            <a:off x="4994020" y="-1"/>
             <a:ext cx="559472" cy="3709642"/>
           </a:xfrm>
           <a:custGeom>
@@ -9540,10 +9804,10 @@
       </p:sp>
       <p:sp>
         <p:nvSpPr>
-          <p:cNvPr id="27" name="Rectangle 26">
+          <p:cNvPr id="12" name="Rectangle 11">
             <a:extLst>
               <a:ext uri="{FF2B5EF4-FFF2-40B4-BE49-F238E27FC236}">
-                <a16:creationId xmlns:a16="http://schemas.microsoft.com/office/drawing/2014/main" id="{5E6A537E-C106-45AE-9BBB-3CE559441813}"/>
+                <a16:creationId xmlns:a16="http://schemas.microsoft.com/office/drawing/2014/main" id="{4109C3C2-C0A8-4559-8462-8007573DF44C}"/>
               </a:ext>
               <a:ext uri="{C183D7F6-B498-43B3-948B-1728B52AA6E4}">
                 <adec:decorative xmlns:adec="http://schemas.microsoft.com/office/drawing/2017/decorative" val="1"/>
@@ -9563,8 +9827,8 @@
         </p:nvSpPr>
         <p:spPr>
           <a:xfrm>
-            <a:off x="4639056" y="0"/>
-            <a:ext cx="7552944" cy="6858000"/>
+            <a:off x="6093992" y="0"/>
+            <a:ext cx="6098427" cy="6858000"/>
           </a:xfrm>
           <a:prstGeom prst="rect">
             <a:avLst/>
@@ -9603,10 +9867,10 @@
       </p:sp>
       <p:sp>
         <p:nvSpPr>
-          <p:cNvPr id="29" name="Freeform 5">
+          <p:cNvPr id="14" name="Freeform 5">
             <a:extLst>
               <a:ext uri="{FF2B5EF4-FFF2-40B4-BE49-F238E27FC236}">
-                <a16:creationId xmlns:a16="http://schemas.microsoft.com/office/drawing/2014/main" id="{F918BA52-E4A7-4EEC-898E-C49023767C63}"/>
+                <a16:creationId xmlns:a16="http://schemas.microsoft.com/office/drawing/2014/main" id="{4C535542-B72A-4DE0-BE5A-5EA00508C77D}"/>
               </a:ext>
               <a:ext uri="{C183D7F6-B498-43B3-948B-1728B52AA6E4}">
                 <adec:decorative xmlns:adec="http://schemas.microsoft.com/office/drawing/2017/decorative" val="1"/>
@@ -9626,7 +9890,7 @@
         </p:nvSpPr>
         <p:spPr bwMode="gray">
           <a:xfrm rot="16200000">
-            <a:off x="1404667" y="2756642"/>
+            <a:off x="2450577" y="2756642"/>
             <a:ext cx="6858000" cy="1344715"/>
           </a:xfrm>
           <a:custGeom>
@@ -9802,12 +10066,43 @@
           </a:ln>
         </p:spPr>
       </p:sp>
-      <p:sp>
-        <p:nvSpPr>
-          <p:cNvPr id="31" name="Rectangle 30">
+      <p:pic>
+        <p:nvPicPr>
+          <p:cNvPr id="5" name="Immagine 4">
             <a:extLst>
               <a:ext uri="{FF2B5EF4-FFF2-40B4-BE49-F238E27FC236}">
-                <a16:creationId xmlns:a16="http://schemas.microsoft.com/office/drawing/2014/main" id="{86D3F3B7-282C-4DDC-AD1B-C497F2942BA6}"/>
+                <a16:creationId xmlns:a16="http://schemas.microsoft.com/office/drawing/2014/main" id="{06F61A49-3B18-485B-AA7D-75E78D46A673}"/>
+              </a:ext>
+            </a:extLst>
+          </p:cNvPr>
+          <p:cNvPicPr>
+            <a:picLocks noChangeAspect="1"/>
+          </p:cNvPicPr>
+          <p:nvPr/>
+        </p:nvPicPr>
+        <p:blipFill>
+          <a:blip r:embed="rId3"/>
+          <a:stretch>
+            <a:fillRect/>
+          </a:stretch>
+        </p:blipFill>
+        <p:spPr>
+          <a:xfrm>
+            <a:off x="5553492" y="80961"/>
+            <a:ext cx="6374251" cy="6696075"/>
+          </a:xfrm>
+          <a:prstGeom prst="rect">
+            <a:avLst/>
+          </a:prstGeom>
+          <a:effectLst/>
+        </p:spPr>
+      </p:pic>
+      <p:sp>
+        <p:nvSpPr>
+          <p:cNvPr id="16" name="Rectangle 15">
+            <a:extLst>
+              <a:ext uri="{FF2B5EF4-FFF2-40B4-BE49-F238E27FC236}">
+                <a16:creationId xmlns:a16="http://schemas.microsoft.com/office/drawing/2014/main" id="{11DF0705-615B-4CF3-A16F-8C14680D8BA6}"/>
               </a:ext>
               <a:ext uri="{C183D7F6-B498-43B3-948B-1728B52AA6E4}">
                 <adec:decorative xmlns:adec="http://schemas.microsoft.com/office/drawing/2017/decorative" val="1"/>
@@ -9827,7 +10122,7 @@
         </p:nvSpPr>
         <p:spPr>
           <a:xfrm>
-            <a:off x="10437812" y="0"/>
+            <a:off x="10442448" y="0"/>
             <a:ext cx="685800" cy="1143000"/>
           </a:xfrm>
           <a:prstGeom prst="rect">
@@ -9857,186 +10152,164 @@
       </p:sp>
       <p:sp>
         <p:nvSpPr>
-          <p:cNvPr id="4" name="Segnaposto contenuto 3"/>
-          <p:cNvSpPr>
-            <a:spLocks noGrp="1"/>
-          </p:cNvSpPr>
-          <p:nvPr>
-            <p:ph sz="half" idx="2"/>
-          </p:nvPr>
+          <p:cNvPr id="9" name="CasellaDiTesto 8">
+            <a:extLst>
+              <a:ext uri="{FF2B5EF4-FFF2-40B4-BE49-F238E27FC236}">
+                <a16:creationId xmlns:a16="http://schemas.microsoft.com/office/drawing/2014/main" id="{BC9D2EDC-6A9E-42FA-8917-FCF7BBE68D8E}"/>
+              </a:ext>
+            </a:extLst>
+          </p:cNvPr>
+          <p:cNvSpPr txBox="1"/>
+          <p:nvPr/>
         </p:nvSpPr>
         <p:spPr>
           <a:xfrm>
-            <a:off x="14117" y="2330680"/>
-            <a:ext cx="4369942" cy="2806236"/>
-          </a:xfrm>
-        </p:spPr>
-        <p:txBody>
-          <a:bodyPr vert="horz" lIns="91440" tIns="45720" rIns="91440" bIns="45720" rtlCol="0">
-            <a:normAutofit fontScale="92500" lnSpcReduction="10000"/>
+            <a:off x="10742564" y="6596390"/>
+            <a:ext cx="1449436" cy="261610"/>
+          </a:xfrm>
+          <a:prstGeom prst="rect">
+            <a:avLst/>
+          </a:prstGeom>
+          <a:noFill/>
+        </p:spPr>
+        <p:txBody>
+          <a:bodyPr wrap="none" rtlCol="0">
+            <a:spAutoFit/>
           </a:bodyPr>
           <a:lstStyle/>
           <a:p>
-            <a:pPr marL="0" indent="0">
-              <a:buNone/>
-            </a:pPr>
-            <a:r>
-              <a:rPr lang="en-US" sz="2200" dirty="0"/>
-              <a:t>La </a:t>
-            </a:r>
-            <a:r>
-              <a:rPr lang="en-US" sz="2200" b="1" dirty="0" err="1"/>
-              <a:t>finestra</a:t>
-            </a:r>
-            <a:r>
-              <a:rPr lang="en-US" sz="2200" dirty="0"/>
-              <a:t> per la </a:t>
-            </a:r>
-            <a:r>
-              <a:rPr lang="en-US" sz="2200" b="1" dirty="0" err="1"/>
-              <a:t>registrazione</a:t>
-            </a:r>
-            <a:r>
-              <a:rPr lang="en-US" sz="2200" dirty="0"/>
-              <a:t>:</a:t>
-            </a:r>
-          </a:p>
-          <a:p>
-            <a:pPr lvl="1">
-              <a:buFont typeface="Arial" panose="020B0604020202020204" pitchFamily="34" charset="0"/>
-              <a:buChar char="•"/>
-            </a:pPr>
-            <a:r>
-              <a:rPr lang="en-US" sz="2200" dirty="0" err="1"/>
-              <a:t>Permette</a:t>
-            </a:r>
-            <a:r>
-              <a:rPr lang="en-US" sz="2200" dirty="0"/>
-              <a:t> </a:t>
-            </a:r>
-            <a:r>
-              <a:rPr lang="en-US" sz="2200" dirty="0" err="1"/>
-              <a:t>all’utente</a:t>
-            </a:r>
-            <a:r>
-              <a:rPr lang="en-US" sz="2200" dirty="0"/>
-              <a:t> di </a:t>
-            </a:r>
-            <a:r>
-              <a:rPr lang="en-US" sz="2200" b="1" dirty="0" err="1"/>
-              <a:t>registrarsi</a:t>
-            </a:r>
-            <a:r>
-              <a:rPr lang="en-US" sz="2200" dirty="0"/>
-              <a:t> </a:t>
-            </a:r>
-            <a:r>
-              <a:rPr lang="en-US" sz="2200" dirty="0" err="1"/>
-              <a:t>all’interno</a:t>
-            </a:r>
-            <a:r>
-              <a:rPr lang="en-US" sz="2200" dirty="0"/>
-              <a:t> </a:t>
-            </a:r>
-            <a:r>
-              <a:rPr lang="en-US" sz="2200" dirty="0" err="1"/>
-              <a:t>della</a:t>
-            </a:r>
-            <a:r>
-              <a:rPr lang="en-US" sz="2200" dirty="0"/>
-              <a:t> nostra app.</a:t>
-            </a:r>
-          </a:p>
-          <a:p>
-            <a:pPr lvl="1">
-              <a:buFont typeface="Arial" panose="020B0604020202020204" pitchFamily="34" charset="0"/>
-              <a:buChar char="•"/>
-            </a:pPr>
-            <a:r>
-              <a:rPr lang="en-US" sz="2200" b="1" dirty="0" err="1"/>
-              <a:t>Ogni</a:t>
-            </a:r>
-            <a:r>
-              <a:rPr lang="en-US" sz="2200" b="1" dirty="0"/>
-              <a:t> </a:t>
-            </a:r>
-            <a:r>
-              <a:rPr lang="en-US" sz="2200" b="1" dirty="0" err="1"/>
-              <a:t>attributo</a:t>
-            </a:r>
-            <a:r>
-              <a:rPr lang="en-US" sz="2200" b="1" dirty="0"/>
-              <a:t> </a:t>
-            </a:r>
-            <a:r>
-              <a:rPr lang="en-US" sz="2200" dirty="0" err="1"/>
-              <a:t>dell’utente</a:t>
-            </a:r>
-            <a:r>
-              <a:rPr lang="en-US" sz="2200" dirty="0"/>
-              <a:t> </a:t>
-            </a:r>
-            <a:r>
-              <a:rPr lang="en-US" sz="2200" dirty="0" err="1"/>
-              <a:t>verrà</a:t>
-            </a:r>
-            <a:r>
-              <a:rPr lang="en-US" sz="2200" dirty="0"/>
-              <a:t> poi </a:t>
-            </a:r>
-            <a:r>
-              <a:rPr lang="en-US" sz="2200" b="1" dirty="0" err="1"/>
-              <a:t>salvato</a:t>
-            </a:r>
-            <a:r>
-              <a:rPr lang="en-US" sz="2200" dirty="0"/>
-              <a:t> in una </a:t>
-            </a:r>
-            <a:r>
-              <a:rPr lang="en-US" sz="2200" dirty="0" err="1"/>
-              <a:t>lista</a:t>
-            </a:r>
-            <a:r>
-              <a:rPr lang="en-US" sz="2200" dirty="0"/>
-              <a:t> e </a:t>
-            </a:r>
-            <a:r>
-              <a:rPr lang="en-US" sz="2200" dirty="0" err="1"/>
-              <a:t>su</a:t>
-            </a:r>
-            <a:r>
-              <a:rPr lang="en-US" sz="2200" dirty="0"/>
-              <a:t> un file di testo </a:t>
-            </a:r>
-            <a:r>
-              <a:rPr lang="en-US" sz="2200" dirty="0" err="1"/>
-              <a:t>che</a:t>
-            </a:r>
-            <a:r>
-              <a:rPr lang="en-US" sz="2200" dirty="0"/>
-              <a:t> </a:t>
-            </a:r>
-            <a:r>
-              <a:rPr lang="en-US" sz="2200" dirty="0" err="1"/>
-              <a:t>funge</a:t>
-            </a:r>
-            <a:r>
-              <a:rPr lang="en-US" sz="2200" dirty="0"/>
-              <a:t> da database.</a:t>
-            </a:r>
-            <a:br>
-              <a:rPr lang="en-US" sz="1200" dirty="0"/>
-            </a:br>
-            <a:endParaRPr lang="en-US" sz="1200" dirty="0"/>
-          </a:p>
-        </p:txBody>
-      </p:sp>
+            <a:r>
+              <a:rPr lang="it-IT" sz="1100" dirty="0">
+                <a:solidFill>
+                  <a:schemeClr val="bg1"/>
+                </a:solidFill>
+              </a:rPr>
+              <a:t>Roncoroni Daniele</a:t>
+            </a:r>
+          </a:p>
+        </p:txBody>
+      </p:sp>
+      <p:sp>
+        <p:nvSpPr>
+          <p:cNvPr id="13" name="Titolo 1">
+            <a:extLst>
+              <a:ext uri="{FF2B5EF4-FFF2-40B4-BE49-F238E27FC236}">
+                <a16:creationId xmlns:a16="http://schemas.microsoft.com/office/drawing/2014/main" id="{965DD857-F11F-43FC-9C39-BD6016FDC67A}"/>
+              </a:ext>
+            </a:extLst>
+          </p:cNvPr>
+          <p:cNvSpPr>
+            <a:spLocks noGrp="1"/>
+          </p:cNvSpPr>
+          <p:nvPr>
+            <p:ph type="title"/>
+          </p:nvPr>
+        </p:nvSpPr>
+        <p:spPr>
+          <a:xfrm>
+            <a:off x="0" y="0"/>
+            <a:ext cx="2603497" cy="810030"/>
+          </a:xfrm>
+        </p:spPr>
+        <p:txBody>
+          <a:bodyPr/>
+          <a:lstStyle/>
+          <a:p>
+            <a:r>
+              <a:rPr lang="it-IT" sz="5000" b="1" dirty="0">
+                <a:solidFill>
+                  <a:schemeClr val="tx1"/>
+                </a:solidFill>
+              </a:rPr>
+              <a:t>Arduino</a:t>
+            </a:r>
+          </a:p>
+        </p:txBody>
+      </p:sp>
+      <p:sp>
+        <p:nvSpPr>
+          <p:cNvPr id="15" name="CasellaDiTesto 14">
+            <a:extLst>
+              <a:ext uri="{FF2B5EF4-FFF2-40B4-BE49-F238E27FC236}">
+                <a16:creationId xmlns:a16="http://schemas.microsoft.com/office/drawing/2014/main" id="{804B5F14-9759-4E99-83EC-B47B3EC79557}"/>
+              </a:ext>
+            </a:extLst>
+          </p:cNvPr>
+          <p:cNvSpPr txBox="1"/>
+          <p:nvPr/>
+        </p:nvSpPr>
+        <p:spPr>
+          <a:xfrm>
+            <a:off x="0" y="640753"/>
+            <a:ext cx="1463862" cy="338554"/>
+          </a:xfrm>
+          <a:prstGeom prst="rect">
+            <a:avLst/>
+          </a:prstGeom>
+          <a:noFill/>
+        </p:spPr>
+        <p:txBody>
+          <a:bodyPr wrap="none" rtlCol="0">
+            <a:spAutoFit/>
+          </a:bodyPr>
+          <a:lstStyle/>
+          <a:p>
+            <a:r>
+              <a:rPr lang="it-IT" sz="1600" b="1" dirty="0" err="1"/>
+              <a:t>NFC_Scheda</a:t>
+            </a:r>
+            <a:endParaRPr lang="it-IT" sz="1400" b="1" dirty="0"/>
+          </a:p>
+        </p:txBody>
+      </p:sp>
+    </p:spTree>
+    <p:extLst>
+      <p:ext uri="{BB962C8B-B14F-4D97-AF65-F5344CB8AC3E}">
+        <p14:creationId xmlns:p14="http://schemas.microsoft.com/office/powerpoint/2010/main" val="3329737227"/>
+      </p:ext>
+    </p:extLst>
+  </p:cSld>
+  <p:clrMapOvr>
+    <a:masterClrMapping/>
+  </p:clrMapOvr>
+  <mc:AlternateContent xmlns:mc="http://schemas.openxmlformats.org/markup-compatibility/2006" xmlns:p14="http://schemas.microsoft.com/office/powerpoint/2010/main">
+    <mc:Choice Requires="p14">
+      <p:transition spd="slow" p14:dur="1750">
+        <p:fade/>
+      </p:transition>
+    </mc:Choice>
+    <mc:Fallback xmlns="">
+      <p:transition spd="slow">
+        <p:fade/>
+      </p:transition>
+    </mc:Fallback>
+  </mc:AlternateContent>
+</p:sld>
+</file>
+
+<file path=ppt/slides/slide6.xml><?xml version="1.0" encoding="utf-8"?>
+<p:sld xmlns:a="http://schemas.openxmlformats.org/drawingml/2006/main" xmlns:r="http://schemas.openxmlformats.org/officeDocument/2006/relationships" xmlns:p="http://schemas.openxmlformats.org/presentationml/2006/main">
+  <p:cSld>
+    <p:spTree>
+      <p:nvGrpSpPr>
+        <p:cNvPr id="1" name=""/>
+        <p:cNvGrpSpPr/>
+        <p:nvPr/>
+      </p:nvGrpSpPr>
+      <p:grpSpPr>
+        <a:xfrm>
+          <a:off x="0" y="0"/>
+          <a:ext cx="0" cy="0"/>
+          <a:chOff x="0" y="0"/>
+          <a:chExt cx="0" cy="0"/>
+        </a:xfrm>
+      </p:grpSpPr>
       <p:pic>
         <p:nvPicPr>
-          <p:cNvPr id="8" name="Segnaposto contenuto 4">
+          <p:cNvPr id="7" name="Immagine 6">
             <a:extLst>
               <a:ext uri="{FF2B5EF4-FFF2-40B4-BE49-F238E27FC236}">
-                <a16:creationId xmlns:a16="http://schemas.microsoft.com/office/drawing/2014/main" id="{84F3F2EF-93AB-43C4-8509-4D096410F2EC}"/>
+                <a16:creationId xmlns:a16="http://schemas.microsoft.com/office/drawing/2014/main" id="{91D43CBF-410E-4119-A9B3-B532C908EC53}"/>
               </a:ext>
             </a:extLst>
           </p:cNvPr>
@@ -10045,15 +10318,77 @@
           </p:cNvPicPr>
           <p:nvPr/>
         </p:nvPicPr>
-        <p:blipFill rotWithShape="1">
-          <a:blip r:embed="rId7"/>
-          <a:srcRect l="7091" t="3187" r="12938" b="3167"/>
-          <a:stretch/>
+        <p:blipFill>
+          <a:blip r:embed="rId2"/>
+          <a:stretch>
+            <a:fillRect/>
+          </a:stretch>
         </p:blipFill>
         <p:spPr>
           <a:xfrm>
-            <a:off x="4732276" y="1728786"/>
-            <a:ext cx="7171551" cy="4010025"/>
+            <a:off x="0" y="0"/>
+            <a:ext cx="12192000" cy="6858000"/>
+          </a:xfrm>
+          <a:prstGeom prst="rect">
+            <a:avLst/>
+          </a:prstGeom>
+        </p:spPr>
+      </p:pic>
+      <p:sp>
+        <p:nvSpPr>
+          <p:cNvPr id="2" name="Titolo 1"/>
+          <p:cNvSpPr>
+            <a:spLocks noGrp="1"/>
+          </p:cNvSpPr>
+          <p:nvPr>
+            <p:ph type="title"/>
+          </p:nvPr>
+        </p:nvSpPr>
+        <p:spPr>
+          <a:xfrm>
+            <a:off x="0" y="0"/>
+            <a:ext cx="9957573" cy="872743"/>
+          </a:xfrm>
+        </p:spPr>
+        <p:txBody>
+          <a:bodyPr/>
+          <a:lstStyle/>
+          <a:p>
+            <a:r>
+              <a:rPr lang="it-IT" sz="5000" b="1" dirty="0">
+                <a:solidFill>
+                  <a:schemeClr val="bg1"/>
+                </a:solidFill>
+              </a:rPr>
+              <a:t>Progetto prototipo applicazione</a:t>
+            </a:r>
+          </a:p>
+        </p:txBody>
+      </p:sp>
+      <p:pic>
+        <p:nvPicPr>
+          <p:cNvPr id="6" name="Segnaposto contenuto 3">
+            <a:extLst>
+              <a:ext uri="{FF2B5EF4-FFF2-40B4-BE49-F238E27FC236}">
+                <a16:creationId xmlns:a16="http://schemas.microsoft.com/office/drawing/2014/main" id="{DF9733DA-C9C2-437F-A7CD-9213876293F8}"/>
+              </a:ext>
+            </a:extLst>
+          </p:cNvPr>
+          <p:cNvPicPr>
+            <a:picLocks noChangeAspect="1"/>
+          </p:cNvPicPr>
+          <p:nvPr/>
+        </p:nvPicPr>
+        <p:blipFill>
+          <a:blip r:embed="rId3"/>
+          <a:stretch>
+            <a:fillRect/>
+          </a:stretch>
+        </p:blipFill>
+        <p:spPr>
+          <a:xfrm>
+            <a:off x="1049731" y="955776"/>
+            <a:ext cx="10092537" cy="5515077"/>
           </a:xfrm>
           <a:prstGeom prst="rect">
             <a:avLst/>
@@ -10072,45 +10407,10 @@
       </p:pic>
       <p:sp>
         <p:nvSpPr>
-          <p:cNvPr id="20" name="CasellaDiTesto 19">
+          <p:cNvPr id="8" name="CasellaDiTesto 7">
             <a:extLst>
               <a:ext uri="{FF2B5EF4-FFF2-40B4-BE49-F238E27FC236}">
-                <a16:creationId xmlns:a16="http://schemas.microsoft.com/office/drawing/2014/main" id="{731AB1AF-273E-478B-B8CD-92BFC6822803}"/>
-              </a:ext>
-            </a:extLst>
-          </p:cNvPr>
-          <p:cNvSpPr txBox="1"/>
-          <p:nvPr/>
-        </p:nvSpPr>
-        <p:spPr>
-          <a:xfrm>
-            <a:off x="14117" y="1491734"/>
-            <a:ext cx="2571429" cy="369332"/>
-          </a:xfrm>
-          <a:prstGeom prst="rect">
-            <a:avLst/>
-          </a:prstGeom>
-          <a:noFill/>
-        </p:spPr>
-        <p:txBody>
-          <a:bodyPr wrap="square">
-            <a:spAutoFit/>
-          </a:bodyPr>
-          <a:lstStyle/>
-          <a:p>
-            <a:r>
-              <a:rPr lang="it-IT" sz="1800" b="1" dirty="0"/>
-              <a:t>Finestra registrazione</a:t>
-            </a:r>
-          </a:p>
-        </p:txBody>
-      </p:sp>
-      <p:sp>
-        <p:nvSpPr>
-          <p:cNvPr id="22" name="CasellaDiTesto 21">
-            <a:extLst>
-              <a:ext uri="{FF2B5EF4-FFF2-40B4-BE49-F238E27FC236}">
-                <a16:creationId xmlns:a16="http://schemas.microsoft.com/office/drawing/2014/main" id="{E9C72B61-2F34-4BC0-B4E8-A8877E368EB8}"/>
+                <a16:creationId xmlns:a16="http://schemas.microsoft.com/office/drawing/2014/main" id="{FE996A36-8EB6-407C-999F-194B933C0467}"/>
               </a:ext>
             </a:extLst>
           </p:cNvPr>
@@ -10163,20 +10463,20 @@
     </p:spTree>
     <p:extLst>
       <p:ext uri="{BB962C8B-B14F-4D97-AF65-F5344CB8AC3E}">
-        <p14:creationId xmlns:p14="http://schemas.microsoft.com/office/powerpoint/2010/main" val="3389826802"/>
+        <p14:creationId xmlns:p14="http://schemas.microsoft.com/office/powerpoint/2010/main" val="641674780"/>
       </p:ext>
     </p:extLst>
   </p:cSld>
   <p:clrMapOvr>
     <a:masterClrMapping/>
   </p:clrMapOvr>
-  <mc:AlternateContent xmlns:mc="http://schemas.openxmlformats.org/markup-compatibility/2006">
-    <mc:Choice xmlns:p14="http://schemas.microsoft.com/office/powerpoint/2010/main" Requires="p14">
+  <mc:AlternateContent xmlns:mc="http://schemas.openxmlformats.org/markup-compatibility/2006" xmlns:p14="http://schemas.microsoft.com/office/powerpoint/2010/main">
+    <mc:Choice Requires="p14">
       <p:transition spd="slow" p14:dur="1750">
         <p:fade/>
       </p:transition>
     </mc:Choice>
-    <mc:Fallback>
+    <mc:Fallback xmlns="">
       <p:transition spd="slow">
         <p:fade/>
       </p:transition>
@@ -10185,7 +10485,7 @@
 </p:sld>
 </file>
 
-<file path=ppt/slides/slide8.xml><?xml version="1.0" encoding="utf-8"?>
+<file path=ppt/slides/slide7.xml><?xml version="1.0" encoding="utf-8"?>
 <p:sld xmlns:a="http://schemas.openxmlformats.org/drawingml/2006/main" xmlns:r="http://schemas.openxmlformats.org/officeDocument/2006/relationships" xmlns:p="http://schemas.openxmlformats.org/presentationml/2006/main">
   <p:cSld>
     <p:bg>
@@ -10537,208 +10837,48 @@
       </p:sp>
       <p:sp>
         <p:nvSpPr>
-          <p:cNvPr id="4" name="Segnaposto contenuto 3"/>
+          <p:cNvPr id="2" name="Titolo 1"/>
           <p:cNvSpPr>
             <a:spLocks noGrp="1"/>
           </p:cNvSpPr>
           <p:nvPr>
-            <p:ph sz="half" idx="2"/>
+            <p:ph type="title"/>
           </p:nvPr>
         </p:nvSpPr>
         <p:spPr>
           <a:xfrm>
-            <a:off x="0" y="2444925"/>
-            <a:ext cx="5353050" cy="2529429"/>
-          </a:xfrm>
-        </p:spPr>
-        <p:txBody>
-          <a:bodyPr vert="horz" lIns="91440" tIns="45720" rIns="91440" bIns="45720" rtlCol="0">
+            <a:off x="0" y="115824"/>
+            <a:ext cx="3862704" cy="1444752"/>
+          </a:xfrm>
+        </p:spPr>
+        <p:txBody>
+          <a:bodyPr vert="horz" lIns="91440" tIns="45720" rIns="91440" bIns="45720" rtlCol="0" anchor="b">
             <a:noAutofit/>
           </a:bodyPr>
           <a:lstStyle/>
           <a:p>
-            <a:pPr marL="0" indent="0">
-              <a:buNone/>
-            </a:pPr>
-            <a:r>
-              <a:rPr lang="en-US" sz="2000" dirty="0"/>
-              <a:t>La </a:t>
-            </a:r>
-            <a:r>
-              <a:rPr lang="en-US" sz="2000" b="1" dirty="0" err="1"/>
-              <a:t>finestra</a:t>
-            </a:r>
-            <a:r>
-              <a:rPr lang="en-US" sz="2000" dirty="0"/>
-              <a:t> per il </a:t>
-            </a:r>
-            <a:r>
-              <a:rPr lang="en-US" sz="2000" b="1" dirty="0"/>
-              <a:t>login:</a:t>
-            </a:r>
-          </a:p>
-          <a:p>
-            <a:pPr lvl="1">
-              <a:buFont typeface="Arial" panose="020B0604020202020204" pitchFamily="34" charset="0"/>
-              <a:buChar char="•"/>
-            </a:pPr>
-            <a:r>
-              <a:rPr lang="en-US" sz="2000" dirty="0" err="1"/>
-              <a:t>Permette</a:t>
-            </a:r>
-            <a:r>
-              <a:rPr lang="en-US" sz="2000" dirty="0"/>
-              <a:t> di </a:t>
-            </a:r>
-            <a:r>
-              <a:rPr lang="en-US" sz="2000" dirty="0" err="1"/>
-              <a:t>verificare</a:t>
-            </a:r>
-            <a:r>
-              <a:rPr lang="en-US" sz="2000" dirty="0"/>
-              <a:t> la </a:t>
-            </a:r>
-            <a:r>
-              <a:rPr lang="en-US" sz="2000" dirty="0" err="1"/>
-              <a:t>validità</a:t>
-            </a:r>
-            <a:r>
-              <a:rPr lang="en-US" sz="2000" dirty="0"/>
-              <a:t> </a:t>
-            </a:r>
-            <a:r>
-              <a:rPr lang="en-US" sz="2000" dirty="0" err="1"/>
-              <a:t>dell’utente</a:t>
-            </a:r>
-            <a:r>
-              <a:rPr lang="en-US" sz="2000" dirty="0"/>
-              <a:t> </a:t>
-            </a:r>
-            <a:r>
-              <a:rPr lang="en-US" sz="2000" dirty="0" err="1"/>
-              <a:t>che</a:t>
-            </a:r>
-            <a:r>
-              <a:rPr lang="en-US" sz="2000" dirty="0"/>
-              <a:t> </a:t>
-            </a:r>
-            <a:r>
-              <a:rPr lang="en-US" sz="2000" dirty="0" err="1"/>
-              <a:t>prova</a:t>
-            </a:r>
-            <a:r>
-              <a:rPr lang="en-US" sz="2000" dirty="0"/>
-              <a:t> ad </a:t>
-            </a:r>
-            <a:r>
-              <a:rPr lang="en-US" sz="2000" dirty="0" err="1"/>
-              <a:t>accedere</a:t>
-            </a:r>
-            <a:r>
-              <a:rPr lang="en-US" sz="2000" dirty="0"/>
-              <a:t> </a:t>
-            </a:r>
-            <a:r>
-              <a:rPr lang="en-US" sz="2000" dirty="0" err="1"/>
-              <a:t>all’area</a:t>
-            </a:r>
-            <a:r>
-              <a:rPr lang="en-US" sz="2000" dirty="0"/>
-              <a:t> </a:t>
-            </a:r>
-            <a:r>
-              <a:rPr lang="en-US" sz="2000" dirty="0" err="1"/>
-              <a:t>riservata</a:t>
-            </a:r>
-            <a:endParaRPr lang="en-US" sz="2000" dirty="0"/>
-          </a:p>
-          <a:p>
-            <a:pPr lvl="1">
-              <a:buFont typeface="Arial" panose="020B0604020202020204" pitchFamily="34" charset="0"/>
-              <a:buChar char="•"/>
-            </a:pPr>
-            <a:r>
-              <a:rPr lang="en-US" sz="2000" dirty="0"/>
-              <a:t>Se le </a:t>
-            </a:r>
-            <a:r>
-              <a:rPr lang="en-US" sz="2000" dirty="0" err="1"/>
-              <a:t>credenziali</a:t>
-            </a:r>
-            <a:r>
-              <a:rPr lang="en-US" sz="2000" dirty="0"/>
-              <a:t> </a:t>
-            </a:r>
-            <a:r>
-              <a:rPr lang="en-US" sz="2000" dirty="0" err="1"/>
-              <a:t>sono</a:t>
-            </a:r>
-            <a:r>
-              <a:rPr lang="en-US" sz="2000" dirty="0"/>
-              <a:t> </a:t>
-            </a:r>
-            <a:r>
-              <a:rPr lang="en-US" sz="2000" dirty="0" err="1"/>
-              <a:t>corrette</a:t>
-            </a:r>
-            <a:r>
-              <a:rPr lang="en-US" sz="2000" dirty="0"/>
-              <a:t> </a:t>
-            </a:r>
-            <a:r>
-              <a:rPr lang="en-US" sz="2000" dirty="0" err="1"/>
-              <a:t>l’utente</a:t>
-            </a:r>
-            <a:r>
-              <a:rPr lang="en-US" sz="2000" dirty="0"/>
-              <a:t> </a:t>
-            </a:r>
-            <a:r>
-              <a:rPr lang="en-US" sz="2000" dirty="0" err="1"/>
-              <a:t>potrà</a:t>
-            </a:r>
-            <a:r>
-              <a:rPr lang="en-US" sz="2000" dirty="0"/>
-              <a:t> </a:t>
-            </a:r>
-            <a:r>
-              <a:rPr lang="en-US" sz="2000" dirty="0" err="1"/>
-              <a:t>accedere</a:t>
-            </a:r>
-            <a:r>
-              <a:rPr lang="en-US" sz="2000" dirty="0"/>
-              <a:t> </a:t>
-            </a:r>
-            <a:r>
-              <a:rPr lang="en-US" sz="2000" dirty="0" err="1"/>
-              <a:t>alla</a:t>
-            </a:r>
-            <a:r>
-              <a:rPr lang="en-US" sz="2000" dirty="0"/>
-              <a:t> </a:t>
-            </a:r>
-            <a:r>
-              <a:rPr lang="en-US" sz="2000" dirty="0" err="1"/>
-              <a:t>sua</a:t>
-            </a:r>
-            <a:r>
-              <a:rPr lang="en-US" sz="2000" dirty="0"/>
-              <a:t> area </a:t>
-            </a:r>
-            <a:r>
-              <a:rPr lang="en-US" sz="2000" dirty="0" err="1"/>
-              <a:t>riservata</a:t>
-            </a:r>
-            <a:endParaRPr lang="en-US" sz="2000" dirty="0"/>
-          </a:p>
-        </p:txBody>
-      </p:sp>
-      <p:sp>
-        <p:nvSpPr>
-          <p:cNvPr id="25" name="Freeform 31">
+            <a:r>
+              <a:rPr lang="en-US" sz="5000" b="1" dirty="0" err="1"/>
+              <a:t>Funzionalità</a:t>
+            </a:r>
+            <a:r>
+              <a:rPr lang="en-US" sz="5000" b="1" dirty="0"/>
+              <a:t> e </a:t>
+            </a:r>
+            <a:r>
+              <a:rPr lang="en-US" sz="5000" b="1" dirty="0" err="1"/>
+              <a:t>finestre</a:t>
+            </a:r>
+            <a:endParaRPr lang="en-US" sz="5000" b="1" dirty="0"/>
+          </a:p>
+        </p:txBody>
+      </p:sp>
+      <p:sp>
+        <p:nvSpPr>
+          <p:cNvPr id="25" name="Freeform 11">
             <a:extLst>
               <a:ext uri="{FF2B5EF4-FFF2-40B4-BE49-F238E27FC236}">
-                <a16:creationId xmlns:a16="http://schemas.microsoft.com/office/drawing/2014/main" id="{D6CEF2A9-EF08-4FB3-AFFB-C5F77AB6E028}"/>
+                <a16:creationId xmlns:a16="http://schemas.microsoft.com/office/drawing/2014/main" id="{2FEA51AE-2D18-46BE-B2CA-B90B13168980}"/>
               </a:ext>
               <a:ext uri="{C183D7F6-B498-43B3-948B-1728B52AA6E4}">
                 <adec:decorative xmlns:adec="http://schemas.microsoft.com/office/drawing/2017/decorative" val="1"/>
@@ -10758,7 +10898,7 @@
         </p:nvSpPr>
         <p:spPr>
           <a:xfrm>
-            <a:off x="4994020" y="-1"/>
+            <a:off x="3948110" y="-1"/>
             <a:ext cx="559472" cy="3709642"/>
           </a:xfrm>
           <a:custGeom>
@@ -11090,7 +11230,7 @@
           <p:cNvPr id="27" name="Rectangle 26">
             <a:extLst>
               <a:ext uri="{FF2B5EF4-FFF2-40B4-BE49-F238E27FC236}">
-                <a16:creationId xmlns:a16="http://schemas.microsoft.com/office/drawing/2014/main" id="{4109C3C2-C0A8-4559-8462-8007573DF44C}"/>
+                <a16:creationId xmlns:a16="http://schemas.microsoft.com/office/drawing/2014/main" id="{5E6A537E-C106-45AE-9BBB-3CE559441813}"/>
               </a:ext>
               <a:ext uri="{C183D7F6-B498-43B3-948B-1728B52AA6E4}">
                 <adec:decorative xmlns:adec="http://schemas.microsoft.com/office/drawing/2017/decorative" val="1"/>
@@ -11110,8 +11250,8 @@
         </p:nvSpPr>
         <p:spPr>
           <a:xfrm>
-            <a:off x="6093992" y="0"/>
-            <a:ext cx="6098427" cy="6858000"/>
+            <a:off x="4639056" y="0"/>
+            <a:ext cx="7552944" cy="6858000"/>
           </a:xfrm>
           <a:prstGeom prst="rect">
             <a:avLst/>
@@ -11153,7 +11293,7 @@
           <p:cNvPr id="29" name="Freeform 5">
             <a:extLst>
               <a:ext uri="{FF2B5EF4-FFF2-40B4-BE49-F238E27FC236}">
-                <a16:creationId xmlns:a16="http://schemas.microsoft.com/office/drawing/2014/main" id="{4C535542-B72A-4DE0-BE5A-5EA00508C77D}"/>
+                <a16:creationId xmlns:a16="http://schemas.microsoft.com/office/drawing/2014/main" id="{F918BA52-E4A7-4EEC-898E-C49023767C63}"/>
               </a:ext>
               <a:ext uri="{C183D7F6-B498-43B3-948B-1728B52AA6E4}">
                 <adec:decorative xmlns:adec="http://schemas.microsoft.com/office/drawing/2017/decorative" val="1"/>
@@ -11173,7 +11313,7 @@
         </p:nvSpPr>
         <p:spPr bwMode="gray">
           <a:xfrm rot="16200000">
-            <a:off x="2450577" y="2756642"/>
+            <a:off x="1404667" y="2756642"/>
             <a:ext cx="6858000" cy="1344715"/>
           </a:xfrm>
           <a:custGeom>
@@ -11349,51 +11489,12 @@
           </a:ln>
         </p:spPr>
       </p:sp>
-      <p:pic>
-        <p:nvPicPr>
-          <p:cNvPr id="8" name="Segnaposto contenuto 4">
-            <a:extLst>
-              <a:ext uri="{FF2B5EF4-FFF2-40B4-BE49-F238E27FC236}">
-                <a16:creationId xmlns:a16="http://schemas.microsoft.com/office/drawing/2014/main" id="{F953AC3E-38D7-4185-9AE3-C8BAEB4B51C3}"/>
-              </a:ext>
-            </a:extLst>
-          </p:cNvPr>
-          <p:cNvPicPr>
-            <a:picLocks noChangeAspect="1"/>
-          </p:cNvPicPr>
-          <p:nvPr/>
-        </p:nvPicPr>
-        <p:blipFill rotWithShape="1">
-          <a:blip r:embed="rId7"/>
-          <a:srcRect l="15592" t="8418" r="13450" b="10497"/>
-          <a:stretch/>
-        </p:blipFill>
-        <p:spPr>
-          <a:xfrm>
-            <a:off x="5732071" y="1294509"/>
-            <a:ext cx="6285550" cy="4830263"/>
-          </a:xfrm>
-          <a:prstGeom prst="rect">
-            <a:avLst/>
-          </a:prstGeom>
-          <a:ln>
-            <a:noFill/>
-          </a:ln>
-          <a:effectLst>
-            <a:outerShdw blurRad="292100" dist="139700" dir="2700000" algn="tl" rotWithShape="0">
-              <a:srgbClr val="333333">
-                <a:alpha val="65000"/>
-              </a:srgbClr>
-            </a:outerShdw>
-          </a:effectLst>
-        </p:spPr>
-      </p:pic>
       <p:sp>
         <p:nvSpPr>
           <p:cNvPr id="31" name="Rectangle 30">
             <a:extLst>
               <a:ext uri="{FF2B5EF4-FFF2-40B4-BE49-F238E27FC236}">
-                <a16:creationId xmlns:a16="http://schemas.microsoft.com/office/drawing/2014/main" id="{11DF0705-615B-4CF3-A16F-8C14680D8BA6}"/>
+                <a16:creationId xmlns:a16="http://schemas.microsoft.com/office/drawing/2014/main" id="{86D3F3B7-282C-4DDC-AD1B-C497F2942BA6}"/>
               </a:ext>
               <a:ext uri="{C183D7F6-B498-43B3-948B-1728B52AA6E4}">
                 <adec:decorative xmlns:adec="http://schemas.microsoft.com/office/drawing/2017/decorative" val="1"/>
@@ -11413,7 +11514,7 @@
         </p:nvSpPr>
         <p:spPr>
           <a:xfrm>
-            <a:off x="10442448" y="0"/>
+            <a:off x="10437812" y="0"/>
             <a:ext cx="685800" cy="1143000"/>
           </a:xfrm>
           <a:prstGeom prst="rect">
@@ -11443,126 +11544,225 @@
       </p:sp>
       <p:sp>
         <p:nvSpPr>
-          <p:cNvPr id="22" name="Titolo 1">
+          <p:cNvPr id="4" name="Segnaposto contenuto 3"/>
+          <p:cNvSpPr>
+            <a:spLocks noGrp="1"/>
+          </p:cNvSpPr>
+          <p:nvPr>
+            <p:ph sz="half" idx="2"/>
+          </p:nvPr>
+        </p:nvSpPr>
+        <p:spPr>
+          <a:xfrm>
+            <a:off x="14117" y="2330680"/>
+            <a:ext cx="4369942" cy="2806236"/>
+          </a:xfrm>
+        </p:spPr>
+        <p:txBody>
+          <a:bodyPr vert="horz" lIns="91440" tIns="45720" rIns="91440" bIns="45720" rtlCol="0">
+            <a:normAutofit fontScale="92500" lnSpcReduction="10000"/>
+          </a:bodyPr>
+          <a:lstStyle/>
+          <a:p>
+            <a:pPr marL="0" indent="0">
+              <a:buNone/>
+            </a:pPr>
+            <a:r>
+              <a:rPr lang="en-US" sz="2200" dirty="0"/>
+              <a:t>La </a:t>
+            </a:r>
+            <a:r>
+              <a:rPr lang="en-US" sz="2200" b="1" dirty="0" err="1"/>
+              <a:t>finestra</a:t>
+            </a:r>
+            <a:r>
+              <a:rPr lang="en-US" sz="2200" dirty="0"/>
+              <a:t> per la </a:t>
+            </a:r>
+            <a:r>
+              <a:rPr lang="en-US" sz="2200" b="1" dirty="0" err="1"/>
+              <a:t>registrazione</a:t>
+            </a:r>
+            <a:r>
+              <a:rPr lang="en-US" sz="2200" dirty="0"/>
+              <a:t>:</a:t>
+            </a:r>
+          </a:p>
+          <a:p>
+            <a:pPr lvl="1">
+              <a:buFont typeface="Arial" panose="020B0604020202020204" pitchFamily="34" charset="0"/>
+              <a:buChar char="•"/>
+            </a:pPr>
+            <a:r>
+              <a:rPr lang="en-US" sz="2200" dirty="0" err="1"/>
+              <a:t>Permette</a:t>
+            </a:r>
+            <a:r>
+              <a:rPr lang="en-US" sz="2200" dirty="0"/>
+              <a:t> </a:t>
+            </a:r>
+            <a:r>
+              <a:rPr lang="en-US" sz="2200" dirty="0" err="1"/>
+              <a:t>all’utente</a:t>
+            </a:r>
+            <a:r>
+              <a:rPr lang="en-US" sz="2200" dirty="0"/>
+              <a:t> di </a:t>
+            </a:r>
+            <a:r>
+              <a:rPr lang="en-US" sz="2200" b="1" dirty="0" err="1"/>
+              <a:t>registrarsi</a:t>
+            </a:r>
+            <a:r>
+              <a:rPr lang="en-US" sz="2200" dirty="0"/>
+              <a:t> </a:t>
+            </a:r>
+            <a:r>
+              <a:rPr lang="en-US" sz="2200" dirty="0" err="1"/>
+              <a:t>all’interno</a:t>
+            </a:r>
+            <a:r>
+              <a:rPr lang="en-US" sz="2200" dirty="0"/>
+              <a:t> </a:t>
+            </a:r>
+            <a:r>
+              <a:rPr lang="en-US" sz="2200" dirty="0" err="1"/>
+              <a:t>della</a:t>
+            </a:r>
+            <a:r>
+              <a:rPr lang="en-US" sz="2200" dirty="0"/>
+              <a:t> nostra app.</a:t>
+            </a:r>
+          </a:p>
+          <a:p>
+            <a:pPr lvl="1">
+              <a:buFont typeface="Arial" panose="020B0604020202020204" pitchFamily="34" charset="0"/>
+              <a:buChar char="•"/>
+            </a:pPr>
+            <a:r>
+              <a:rPr lang="en-US" sz="2200" b="1" dirty="0" err="1"/>
+              <a:t>Ogni</a:t>
+            </a:r>
+            <a:r>
+              <a:rPr lang="en-US" sz="2200" b="1" dirty="0"/>
+              <a:t> </a:t>
+            </a:r>
+            <a:r>
+              <a:rPr lang="en-US" sz="2200" b="1" dirty="0" err="1"/>
+              <a:t>attributo</a:t>
+            </a:r>
+            <a:r>
+              <a:rPr lang="en-US" sz="2200" b="1" dirty="0"/>
+              <a:t> </a:t>
+            </a:r>
+            <a:r>
+              <a:rPr lang="en-US" sz="2200" dirty="0" err="1"/>
+              <a:t>dell’utente</a:t>
+            </a:r>
+            <a:r>
+              <a:rPr lang="en-US" sz="2200" dirty="0"/>
+              <a:t> </a:t>
+            </a:r>
+            <a:r>
+              <a:rPr lang="en-US" sz="2200" dirty="0" err="1"/>
+              <a:t>verrà</a:t>
+            </a:r>
+            <a:r>
+              <a:rPr lang="en-US" sz="2200" dirty="0"/>
+              <a:t> poi </a:t>
+            </a:r>
+            <a:r>
+              <a:rPr lang="en-US" sz="2200" b="1" dirty="0" err="1"/>
+              <a:t>salvato</a:t>
+            </a:r>
+            <a:r>
+              <a:rPr lang="en-US" sz="2200" dirty="0"/>
+              <a:t> in una </a:t>
+            </a:r>
+            <a:r>
+              <a:rPr lang="en-US" sz="2200" dirty="0" err="1"/>
+              <a:t>lista</a:t>
+            </a:r>
+            <a:r>
+              <a:rPr lang="en-US" sz="2200" dirty="0"/>
+              <a:t> e </a:t>
+            </a:r>
+            <a:r>
+              <a:rPr lang="en-US" sz="2200" dirty="0" err="1"/>
+              <a:t>su</a:t>
+            </a:r>
+            <a:r>
+              <a:rPr lang="en-US" sz="2200" dirty="0"/>
+              <a:t> un file di testo </a:t>
+            </a:r>
+            <a:r>
+              <a:rPr lang="en-US" sz="2200" dirty="0" err="1"/>
+              <a:t>che</a:t>
+            </a:r>
+            <a:r>
+              <a:rPr lang="en-US" sz="2200" dirty="0"/>
+              <a:t> </a:t>
+            </a:r>
+            <a:r>
+              <a:rPr lang="en-US" sz="2200" dirty="0" err="1"/>
+              <a:t>funge</a:t>
+            </a:r>
+            <a:r>
+              <a:rPr lang="en-US" sz="2200" dirty="0"/>
+              <a:t> da database.</a:t>
+            </a:r>
+            <a:br>
+              <a:rPr lang="en-US" sz="1200" dirty="0"/>
+            </a:br>
+            <a:endParaRPr lang="en-US" sz="1200" dirty="0"/>
+          </a:p>
+        </p:txBody>
+      </p:sp>
+      <p:pic>
+        <p:nvPicPr>
+          <p:cNvPr id="8" name="Segnaposto contenuto 4">
             <a:extLst>
               <a:ext uri="{FF2B5EF4-FFF2-40B4-BE49-F238E27FC236}">
-                <a16:creationId xmlns:a16="http://schemas.microsoft.com/office/drawing/2014/main" id="{8A92CBF5-A1D7-4853-99A7-6965C66EE194}"/>
+                <a16:creationId xmlns:a16="http://schemas.microsoft.com/office/drawing/2014/main" id="{84F3F2EF-93AB-43C4-8509-4D096410F2EC}"/>
               </a:ext>
             </a:extLst>
           </p:cNvPr>
-          <p:cNvSpPr txBox="1">
-            <a:spLocks/>
-          </p:cNvSpPr>
+          <p:cNvPicPr>
+            <a:picLocks noChangeAspect="1"/>
+          </p:cNvPicPr>
           <p:nvPr/>
-        </p:nvSpPr>
+        </p:nvPicPr>
+        <p:blipFill rotWithShape="1">
+          <a:blip r:embed="rId7"/>
+          <a:srcRect l="7091" t="3187" r="12938" b="3167"/>
+          <a:stretch/>
+        </p:blipFill>
         <p:spPr>
           <a:xfrm>
-            <a:off x="0" y="115824"/>
-            <a:ext cx="3862704" cy="1444752"/>
+            <a:off x="4732276" y="1728786"/>
+            <a:ext cx="7171551" cy="4010025"/>
           </a:xfrm>
           <a:prstGeom prst="rect">
             <a:avLst/>
           </a:prstGeom>
-        </p:spPr>
-        <p:txBody>
-          <a:bodyPr vert="horz" lIns="91440" tIns="45720" rIns="91440" bIns="45720" rtlCol="0" anchor="b">
-            <a:noAutofit/>
-          </a:bodyPr>
-          <a:lstStyle>
-            <a:lvl1pPr algn="l" defTabSz="457200" rtl="0" eaLnBrk="1" latinLnBrk="0" hangingPunct="1">
-              <a:spcBef>
-                <a:spcPct val="0"/>
-              </a:spcBef>
-              <a:buNone/>
-              <a:defRPr sz="4200" b="0" i="0" kern="1200">
-                <a:solidFill>
-                  <a:schemeClr val="tx2"/>
-                </a:solidFill>
-                <a:latin typeface="+mj-lt"/>
-                <a:ea typeface="+mj-ea"/>
-                <a:cs typeface="+mj-cs"/>
-              </a:defRPr>
-            </a:lvl1pPr>
-            <a:lvl2pPr eaLnBrk="1" hangingPunct="1">
-              <a:defRPr>
-                <a:solidFill>
-                  <a:schemeClr val="tx2"/>
-                </a:solidFill>
-              </a:defRPr>
-            </a:lvl2pPr>
-            <a:lvl3pPr eaLnBrk="1" hangingPunct="1">
-              <a:defRPr>
-                <a:solidFill>
-                  <a:schemeClr val="tx2"/>
-                </a:solidFill>
-              </a:defRPr>
-            </a:lvl3pPr>
-            <a:lvl4pPr eaLnBrk="1" hangingPunct="1">
-              <a:defRPr>
-                <a:solidFill>
-                  <a:schemeClr val="tx2"/>
-                </a:solidFill>
-              </a:defRPr>
-            </a:lvl4pPr>
-            <a:lvl5pPr eaLnBrk="1" hangingPunct="1">
-              <a:defRPr>
-                <a:solidFill>
-                  <a:schemeClr val="tx2"/>
-                </a:solidFill>
-              </a:defRPr>
-            </a:lvl5pPr>
-            <a:lvl6pPr eaLnBrk="1" hangingPunct="1">
-              <a:defRPr>
-                <a:solidFill>
-                  <a:schemeClr val="tx2"/>
-                </a:solidFill>
-              </a:defRPr>
-            </a:lvl6pPr>
-            <a:lvl7pPr eaLnBrk="1" hangingPunct="1">
-              <a:defRPr>
-                <a:solidFill>
-                  <a:schemeClr val="tx2"/>
-                </a:solidFill>
-              </a:defRPr>
-            </a:lvl7pPr>
-            <a:lvl8pPr eaLnBrk="1" hangingPunct="1">
-              <a:defRPr>
-                <a:solidFill>
-                  <a:schemeClr val="tx2"/>
-                </a:solidFill>
-              </a:defRPr>
-            </a:lvl8pPr>
-            <a:lvl9pPr eaLnBrk="1" hangingPunct="1">
-              <a:defRPr>
-                <a:solidFill>
-                  <a:schemeClr val="tx2"/>
-                </a:solidFill>
-              </a:defRPr>
-            </a:lvl9pPr>
-          </a:lstStyle>
-          <a:p>
-            <a:r>
-              <a:rPr lang="en-US" sz="5000" b="1" dirty="0" err="1"/>
-              <a:t>Funzionalità</a:t>
-            </a:r>
-            <a:r>
-              <a:rPr lang="en-US" sz="5000" b="1" dirty="0"/>
-              <a:t> e </a:t>
-            </a:r>
-            <a:r>
-              <a:rPr lang="en-US" sz="5000" b="1" dirty="0" err="1"/>
-              <a:t>finestre</a:t>
-            </a:r>
-            <a:endParaRPr lang="en-US" sz="5000" b="1" dirty="0"/>
-          </a:p>
-        </p:txBody>
-      </p:sp>
-      <p:sp>
-        <p:nvSpPr>
-          <p:cNvPr id="24" name="CasellaDiTesto 23">
+          <a:ln>
+            <a:noFill/>
+          </a:ln>
+          <a:effectLst>
+            <a:outerShdw blurRad="292100" dist="139700" dir="2700000" algn="tl" rotWithShape="0">
+              <a:srgbClr val="333333">
+                <a:alpha val="65000"/>
+              </a:srgbClr>
+            </a:outerShdw>
+          </a:effectLst>
+        </p:spPr>
+      </p:pic>
+      <p:sp>
+        <p:nvSpPr>
+          <p:cNvPr id="20" name="CasellaDiTesto 19">
             <a:extLst>
               <a:ext uri="{FF2B5EF4-FFF2-40B4-BE49-F238E27FC236}">
-                <a16:creationId xmlns:a16="http://schemas.microsoft.com/office/drawing/2014/main" id="{C20B8800-7CB4-471E-A60F-2A07DEABE15F}"/>
+                <a16:creationId xmlns:a16="http://schemas.microsoft.com/office/drawing/2014/main" id="{731AB1AF-273E-478B-B8CD-92BFC6822803}"/>
               </a:ext>
             </a:extLst>
           </p:cNvPr>
@@ -11587,17 +11787,17 @@
           <a:p>
             <a:r>
               <a:rPr lang="it-IT" sz="1800" b="1" dirty="0"/>
-              <a:t>Finestra login</a:t>
-            </a:r>
-          </a:p>
-        </p:txBody>
-      </p:sp>
-      <p:sp>
-        <p:nvSpPr>
-          <p:cNvPr id="26" name="CasellaDiTesto 25">
+              <a:t>Finestra registrazione</a:t>
+            </a:r>
+          </a:p>
+        </p:txBody>
+      </p:sp>
+      <p:sp>
+        <p:nvSpPr>
+          <p:cNvPr id="22" name="CasellaDiTesto 21">
             <a:extLst>
               <a:ext uri="{FF2B5EF4-FFF2-40B4-BE49-F238E27FC236}">
-                <a16:creationId xmlns:a16="http://schemas.microsoft.com/office/drawing/2014/main" id="{51173883-2505-467D-8470-C4F71F605E3C}"/>
+                <a16:creationId xmlns:a16="http://schemas.microsoft.com/office/drawing/2014/main" id="{E9C72B61-2F34-4BC0-B4E8-A8877E368EB8}"/>
               </a:ext>
             </a:extLst>
           </p:cNvPr>
@@ -11650,20 +11850,20 @@
     </p:spTree>
     <p:extLst>
       <p:ext uri="{BB962C8B-B14F-4D97-AF65-F5344CB8AC3E}">
-        <p14:creationId xmlns:p14="http://schemas.microsoft.com/office/powerpoint/2010/main" val="951525063"/>
+        <p14:creationId xmlns:p14="http://schemas.microsoft.com/office/powerpoint/2010/main" val="3389826802"/>
       </p:ext>
     </p:extLst>
   </p:cSld>
   <p:clrMapOvr>
     <a:masterClrMapping/>
   </p:clrMapOvr>
-  <mc:AlternateContent xmlns:mc="http://schemas.openxmlformats.org/markup-compatibility/2006">
-    <mc:Choice xmlns:p14="http://schemas.microsoft.com/office/powerpoint/2010/main" Requires="p14">
+  <mc:AlternateContent xmlns:mc="http://schemas.openxmlformats.org/markup-compatibility/2006" xmlns:p14="http://schemas.microsoft.com/office/powerpoint/2010/main">
+    <mc:Choice Requires="p14">
       <p:transition spd="slow" p14:dur="1750">
         <p:fade/>
       </p:transition>
     </mc:Choice>
-    <mc:Fallback>
+    <mc:Fallback xmlns="">
       <p:transition spd="slow">
         <p:fade/>
       </p:transition>
@@ -11672,7 +11872,7 @@
 </p:sld>
 </file>
 
-<file path=ppt/slides/slide9.xml><?xml version="1.0" encoding="utf-8"?>
+<file path=ppt/slides/slide8.xml><?xml version="1.0" encoding="utf-8"?>
 <p:sld xmlns:a="http://schemas.openxmlformats.org/drawingml/2006/main" xmlns:r="http://schemas.openxmlformats.org/officeDocument/2006/relationships" xmlns:p="http://schemas.openxmlformats.org/presentationml/2006/main">
   <p:cSld>
     <p:bg>
@@ -11715,7 +11915,7 @@
       </p:grpSpPr>
       <p:pic>
         <p:nvPicPr>
-          <p:cNvPr id="10" name="Picture 9">
+          <p:cNvPr id="13" name="Picture 12">
             <a:extLst>
               <a:ext uri="{FF2B5EF4-FFF2-40B4-BE49-F238E27FC236}">
                 <a16:creationId xmlns:a16="http://schemas.microsoft.com/office/drawing/2014/main" id="{7594FC8B-8CD2-407F-94F1-9C71F5AEC2B6}"/>
@@ -11759,7 +11959,7 @@
       </p:pic>
       <p:pic>
         <p:nvPicPr>
-          <p:cNvPr id="12" name="Picture 11">
+          <p:cNvPr id="15" name="Picture 14">
             <a:extLst>
               <a:ext uri="{FF2B5EF4-FFF2-40B4-BE49-F238E27FC236}">
                 <a16:creationId xmlns:a16="http://schemas.microsoft.com/office/drawing/2014/main" id="{DBABC971-8D40-4A4F-AC60-28B9172789B9}"/>
@@ -11803,7 +12003,7 @@
       </p:pic>
       <p:sp>
         <p:nvSpPr>
-          <p:cNvPr id="14" name="Oval 13">
+          <p:cNvPr id="17" name="Oval 16">
             <a:extLst>
               <a:ext uri="{FF2B5EF4-FFF2-40B4-BE49-F238E27FC236}">
                 <a16:creationId xmlns:a16="http://schemas.microsoft.com/office/drawing/2014/main" id="{B9C04DC5-313B-4FE4-B868-5672A376419F}"/>
@@ -11883,7 +12083,7 @@
       </p:sp>
       <p:pic>
         <p:nvPicPr>
-          <p:cNvPr id="16" name="Picture 15">
+          <p:cNvPr id="19" name="Picture 18">
             <a:extLst>
               <a:ext uri="{FF2B5EF4-FFF2-40B4-BE49-F238E27FC236}">
                 <a16:creationId xmlns:a16="http://schemas.microsoft.com/office/drawing/2014/main" id="{791AE23E-90C9-4963-96E2-8DADBFC3BC09}"/>
@@ -11927,7 +12127,7 @@
       </p:pic>
       <p:pic>
         <p:nvPicPr>
-          <p:cNvPr id="18" name="Picture 17">
+          <p:cNvPr id="21" name="Picture 20">
             <a:extLst>
               <a:ext uri="{FF2B5EF4-FFF2-40B4-BE49-F238E27FC236}">
                 <a16:creationId xmlns:a16="http://schemas.microsoft.com/office/drawing/2014/main" id="{C5F93E90-4379-4AAC-B021-E5FA6D974AED}"/>
@@ -11971,7 +12171,7 @@
       </p:pic>
       <p:sp>
         <p:nvSpPr>
-          <p:cNvPr id="20" name="Rectangle 19">
+          <p:cNvPr id="23" name="Rectangle 22">
             <a:extLst>
               <a:ext uri="{FF2B5EF4-FFF2-40B4-BE49-F238E27FC236}">
                 <a16:creationId xmlns:a16="http://schemas.microsoft.com/office/drawing/2014/main" id="{329FDD08-42D8-4AFF-90E5-5DAA5BC4CBD8}"/>
@@ -12024,10 +12224,208 @@
       </p:sp>
       <p:sp>
         <p:nvSpPr>
-          <p:cNvPr id="22" name="Freeform 11">
+          <p:cNvPr id="4" name="Segnaposto contenuto 3"/>
+          <p:cNvSpPr>
+            <a:spLocks noGrp="1"/>
+          </p:cNvSpPr>
+          <p:nvPr>
+            <p:ph sz="half" idx="2"/>
+          </p:nvPr>
+        </p:nvSpPr>
+        <p:spPr>
+          <a:xfrm>
+            <a:off x="0" y="2444925"/>
+            <a:ext cx="5353050" cy="2529429"/>
+          </a:xfrm>
+        </p:spPr>
+        <p:txBody>
+          <a:bodyPr vert="horz" lIns="91440" tIns="45720" rIns="91440" bIns="45720" rtlCol="0">
+            <a:noAutofit/>
+          </a:bodyPr>
+          <a:lstStyle/>
+          <a:p>
+            <a:pPr marL="0" indent="0">
+              <a:buNone/>
+            </a:pPr>
+            <a:r>
+              <a:rPr lang="en-US" sz="2000" dirty="0"/>
+              <a:t>La </a:t>
+            </a:r>
+            <a:r>
+              <a:rPr lang="en-US" sz="2000" b="1" dirty="0" err="1"/>
+              <a:t>finestra</a:t>
+            </a:r>
+            <a:r>
+              <a:rPr lang="en-US" sz="2000" dirty="0"/>
+              <a:t> per il </a:t>
+            </a:r>
+            <a:r>
+              <a:rPr lang="en-US" sz="2000" b="1" dirty="0"/>
+              <a:t>login:</a:t>
+            </a:r>
+          </a:p>
+          <a:p>
+            <a:pPr lvl="1">
+              <a:buFont typeface="Arial" panose="020B0604020202020204" pitchFamily="34" charset="0"/>
+              <a:buChar char="•"/>
+            </a:pPr>
+            <a:r>
+              <a:rPr lang="en-US" sz="2000" dirty="0" err="1"/>
+              <a:t>Permette</a:t>
+            </a:r>
+            <a:r>
+              <a:rPr lang="en-US" sz="2000" dirty="0"/>
+              <a:t> di </a:t>
+            </a:r>
+            <a:r>
+              <a:rPr lang="en-US" sz="2000" dirty="0" err="1"/>
+              <a:t>verificare</a:t>
+            </a:r>
+            <a:r>
+              <a:rPr lang="en-US" sz="2000" dirty="0"/>
+              <a:t> la </a:t>
+            </a:r>
+            <a:r>
+              <a:rPr lang="en-US" sz="2000" dirty="0" err="1"/>
+              <a:t>validità</a:t>
+            </a:r>
+            <a:r>
+              <a:rPr lang="en-US" sz="2000" dirty="0"/>
+              <a:t> </a:t>
+            </a:r>
+            <a:r>
+              <a:rPr lang="en-US" sz="2000" dirty="0" err="1"/>
+              <a:t>dell’utente</a:t>
+            </a:r>
+            <a:r>
+              <a:rPr lang="en-US" sz="2000" dirty="0"/>
+              <a:t> </a:t>
+            </a:r>
+            <a:r>
+              <a:rPr lang="en-US" sz="2000" dirty="0" err="1"/>
+              <a:t>che</a:t>
+            </a:r>
+            <a:r>
+              <a:rPr lang="en-US" sz="2000" dirty="0"/>
+              <a:t> </a:t>
+            </a:r>
+            <a:r>
+              <a:rPr lang="en-US" sz="2000" dirty="0" err="1"/>
+              <a:t>prova</a:t>
+            </a:r>
+            <a:r>
+              <a:rPr lang="en-US" sz="2000" dirty="0"/>
+              <a:t> ad </a:t>
+            </a:r>
+            <a:r>
+              <a:rPr lang="en-US" sz="2000" dirty="0" err="1"/>
+              <a:t>accedere</a:t>
+            </a:r>
+            <a:r>
+              <a:rPr lang="en-US" sz="2000" dirty="0"/>
+              <a:t> </a:t>
+            </a:r>
+            <a:r>
+              <a:rPr lang="en-US" sz="2000" dirty="0" err="1"/>
+              <a:t>all’area</a:t>
+            </a:r>
+            <a:r>
+              <a:rPr lang="en-US" sz="2000" dirty="0"/>
+              <a:t> </a:t>
+            </a:r>
+            <a:r>
+              <a:rPr lang="en-US" sz="2000" dirty="0" err="1"/>
+              <a:t>riservata</a:t>
+            </a:r>
+            <a:endParaRPr lang="en-US" sz="2000" dirty="0"/>
+          </a:p>
+          <a:p>
+            <a:pPr lvl="1">
+              <a:buFont typeface="Arial" panose="020B0604020202020204" pitchFamily="34" charset="0"/>
+              <a:buChar char="•"/>
+            </a:pPr>
+            <a:r>
+              <a:rPr lang="en-US" sz="2000" dirty="0"/>
+              <a:t>Se le </a:t>
+            </a:r>
+            <a:r>
+              <a:rPr lang="en-US" sz="2000" dirty="0" err="1"/>
+              <a:t>credenziali</a:t>
+            </a:r>
+            <a:r>
+              <a:rPr lang="en-US" sz="2000" dirty="0"/>
+              <a:t> </a:t>
+            </a:r>
+            <a:r>
+              <a:rPr lang="en-US" sz="2000" dirty="0" err="1"/>
+              <a:t>sono</a:t>
+            </a:r>
+            <a:r>
+              <a:rPr lang="en-US" sz="2000" dirty="0"/>
+              <a:t> </a:t>
+            </a:r>
+            <a:r>
+              <a:rPr lang="en-US" sz="2000" dirty="0" err="1"/>
+              <a:t>corrette</a:t>
+            </a:r>
+            <a:r>
+              <a:rPr lang="en-US" sz="2000" dirty="0"/>
+              <a:t> </a:t>
+            </a:r>
+            <a:r>
+              <a:rPr lang="en-US" sz="2000" dirty="0" err="1"/>
+              <a:t>l’utente</a:t>
+            </a:r>
+            <a:r>
+              <a:rPr lang="en-US" sz="2000" dirty="0"/>
+              <a:t> </a:t>
+            </a:r>
+            <a:r>
+              <a:rPr lang="en-US" sz="2000" dirty="0" err="1"/>
+              <a:t>potrà</a:t>
+            </a:r>
+            <a:r>
+              <a:rPr lang="en-US" sz="2000" dirty="0"/>
+              <a:t> </a:t>
+            </a:r>
+            <a:r>
+              <a:rPr lang="en-US" sz="2000" dirty="0" err="1"/>
+              <a:t>accedere</a:t>
+            </a:r>
+            <a:r>
+              <a:rPr lang="en-US" sz="2000" dirty="0"/>
+              <a:t> </a:t>
+            </a:r>
+            <a:r>
+              <a:rPr lang="en-US" sz="2000" dirty="0" err="1"/>
+              <a:t>alla</a:t>
+            </a:r>
+            <a:r>
+              <a:rPr lang="en-US" sz="2000" dirty="0"/>
+              <a:t> </a:t>
+            </a:r>
+            <a:r>
+              <a:rPr lang="en-US" sz="2000" dirty="0" err="1"/>
+              <a:t>sua</a:t>
+            </a:r>
+            <a:r>
+              <a:rPr lang="en-US" sz="2000" dirty="0"/>
+              <a:t> area </a:t>
+            </a:r>
+            <a:r>
+              <a:rPr lang="en-US" sz="2000" dirty="0" err="1"/>
+              <a:t>riservata</a:t>
+            </a:r>
+            <a:endParaRPr lang="en-US" sz="2000" dirty="0"/>
+          </a:p>
+        </p:txBody>
+      </p:sp>
+      <p:sp>
+        <p:nvSpPr>
+          <p:cNvPr id="25" name="Freeform 31">
             <a:extLst>
               <a:ext uri="{FF2B5EF4-FFF2-40B4-BE49-F238E27FC236}">
-                <a16:creationId xmlns:a16="http://schemas.microsoft.com/office/drawing/2014/main" id="{2FEA51AE-2D18-46BE-B2CA-B90B13168980}"/>
+                <a16:creationId xmlns:a16="http://schemas.microsoft.com/office/drawing/2014/main" id="{D6CEF2A9-EF08-4FB3-AFFB-C5F77AB6E028}"/>
               </a:ext>
               <a:ext uri="{C183D7F6-B498-43B3-948B-1728B52AA6E4}">
                 <adec:decorative xmlns:adec="http://schemas.microsoft.com/office/drawing/2017/decorative" val="1"/>
@@ -12047,7 +12445,7 @@
         </p:nvSpPr>
         <p:spPr>
           <a:xfrm>
-            <a:off x="3948110" y="-1"/>
+            <a:off x="4994020" y="-1"/>
             <a:ext cx="559472" cy="3709642"/>
           </a:xfrm>
           <a:custGeom>
@@ -12376,10 +12774,10 @@
       </p:sp>
       <p:sp>
         <p:nvSpPr>
-          <p:cNvPr id="24" name="Rectangle 23">
+          <p:cNvPr id="27" name="Rectangle 26">
             <a:extLst>
               <a:ext uri="{FF2B5EF4-FFF2-40B4-BE49-F238E27FC236}">
-                <a16:creationId xmlns:a16="http://schemas.microsoft.com/office/drawing/2014/main" id="{5E6A537E-C106-45AE-9BBB-3CE559441813}"/>
+                <a16:creationId xmlns:a16="http://schemas.microsoft.com/office/drawing/2014/main" id="{4109C3C2-C0A8-4559-8462-8007573DF44C}"/>
               </a:ext>
               <a:ext uri="{C183D7F6-B498-43B3-948B-1728B52AA6E4}">
                 <adec:decorative xmlns:adec="http://schemas.microsoft.com/office/drawing/2017/decorative" val="1"/>
@@ -12399,8 +12797,8 @@
         </p:nvSpPr>
         <p:spPr>
           <a:xfrm>
-            <a:off x="4639056" y="0"/>
-            <a:ext cx="7552944" cy="6858000"/>
+            <a:off x="6093992" y="0"/>
+            <a:ext cx="6098427" cy="6858000"/>
           </a:xfrm>
           <a:prstGeom prst="rect">
             <a:avLst/>
@@ -12439,10 +12837,10 @@
       </p:sp>
       <p:sp>
         <p:nvSpPr>
-          <p:cNvPr id="26" name="Freeform 5">
+          <p:cNvPr id="29" name="Freeform 5">
             <a:extLst>
               <a:ext uri="{FF2B5EF4-FFF2-40B4-BE49-F238E27FC236}">
-                <a16:creationId xmlns:a16="http://schemas.microsoft.com/office/drawing/2014/main" id="{F918BA52-E4A7-4EEC-898E-C49023767C63}"/>
+                <a16:creationId xmlns:a16="http://schemas.microsoft.com/office/drawing/2014/main" id="{4C535542-B72A-4DE0-BE5A-5EA00508C77D}"/>
               </a:ext>
               <a:ext uri="{C183D7F6-B498-43B3-948B-1728B52AA6E4}">
                 <adec:decorative xmlns:adec="http://schemas.microsoft.com/office/drawing/2017/decorative" val="1"/>
@@ -12462,7 +12860,7 @@
         </p:nvSpPr>
         <p:spPr bwMode="gray">
           <a:xfrm rot="16200000">
-            <a:off x="1404667" y="2756642"/>
+            <a:off x="2450577" y="2756642"/>
             <a:ext cx="6858000" cy="1344715"/>
           </a:xfrm>
           <a:custGeom>
@@ -12638,12 +13036,51 @@
           </a:ln>
         </p:spPr>
       </p:sp>
-      <p:sp>
-        <p:nvSpPr>
-          <p:cNvPr id="28" name="Rectangle 27">
+      <p:pic>
+        <p:nvPicPr>
+          <p:cNvPr id="8" name="Segnaposto contenuto 4">
             <a:extLst>
               <a:ext uri="{FF2B5EF4-FFF2-40B4-BE49-F238E27FC236}">
-                <a16:creationId xmlns:a16="http://schemas.microsoft.com/office/drawing/2014/main" id="{86D3F3B7-282C-4DDC-AD1B-C497F2942BA6}"/>
+                <a16:creationId xmlns:a16="http://schemas.microsoft.com/office/drawing/2014/main" id="{F953AC3E-38D7-4185-9AE3-C8BAEB4B51C3}"/>
+              </a:ext>
+            </a:extLst>
+          </p:cNvPr>
+          <p:cNvPicPr>
+            <a:picLocks noChangeAspect="1"/>
+          </p:cNvPicPr>
+          <p:nvPr/>
+        </p:nvPicPr>
+        <p:blipFill rotWithShape="1">
+          <a:blip r:embed="rId7"/>
+          <a:srcRect l="15592" t="8418" r="13450" b="10497"/>
+          <a:stretch/>
+        </p:blipFill>
+        <p:spPr>
+          <a:xfrm>
+            <a:off x="5732071" y="1294509"/>
+            <a:ext cx="6285550" cy="4830263"/>
+          </a:xfrm>
+          <a:prstGeom prst="rect">
+            <a:avLst/>
+          </a:prstGeom>
+          <a:ln>
+            <a:noFill/>
+          </a:ln>
+          <a:effectLst>
+            <a:outerShdw blurRad="292100" dist="139700" dir="2700000" algn="tl" rotWithShape="0">
+              <a:srgbClr val="333333">
+                <a:alpha val="65000"/>
+              </a:srgbClr>
+            </a:outerShdw>
+          </a:effectLst>
+        </p:spPr>
+      </p:pic>
+      <p:sp>
+        <p:nvSpPr>
+          <p:cNvPr id="31" name="Rectangle 30">
+            <a:extLst>
+              <a:ext uri="{FF2B5EF4-FFF2-40B4-BE49-F238E27FC236}">
+                <a16:creationId xmlns:a16="http://schemas.microsoft.com/office/drawing/2014/main" id="{11DF0705-615B-4CF3-A16F-8C14680D8BA6}"/>
               </a:ext>
               <a:ext uri="{C183D7F6-B498-43B3-948B-1728B52AA6E4}">
                 <adec:decorative xmlns:adec="http://schemas.microsoft.com/office/drawing/2017/decorative" val="1"/>
@@ -12663,7 +13100,7 @@
         </p:nvSpPr>
         <p:spPr>
           <a:xfrm>
-            <a:off x="10437812" y="0"/>
+            <a:off x="10442448" y="0"/>
             <a:ext cx="685800" cy="1143000"/>
           </a:xfrm>
           <a:prstGeom prst="rect">
@@ -12693,202 +13130,10 @@
       </p:sp>
       <p:sp>
         <p:nvSpPr>
-          <p:cNvPr id="4" name="Segnaposto contenuto 3"/>
-          <p:cNvSpPr>
-            <a:spLocks noGrp="1"/>
-          </p:cNvSpPr>
-          <p:nvPr>
-            <p:ph sz="half" idx="2"/>
-          </p:nvPr>
-        </p:nvSpPr>
-        <p:spPr>
-          <a:xfrm>
-            <a:off x="-323" y="2284087"/>
-            <a:ext cx="4217045" cy="2937528"/>
-          </a:xfrm>
-        </p:spPr>
-        <p:txBody>
-          <a:bodyPr vert="horz" lIns="91440" tIns="45720" rIns="91440" bIns="45720" rtlCol="0">
-            <a:noAutofit/>
-          </a:bodyPr>
-          <a:lstStyle/>
-          <a:p>
-            <a:pPr marL="0" indent="0">
-              <a:buNone/>
-            </a:pPr>
-            <a:r>
-              <a:rPr lang="en-US" sz="2000" dirty="0"/>
-              <a:t>Nella </a:t>
-            </a:r>
-            <a:r>
-              <a:rPr lang="en-US" sz="2000" b="1" dirty="0" err="1"/>
-              <a:t>finestra</a:t>
-            </a:r>
-            <a:r>
-              <a:rPr lang="en-US" sz="2000" dirty="0"/>
-              <a:t> </a:t>
-            </a:r>
-            <a:r>
-              <a:rPr lang="en-US" sz="2000" dirty="0" err="1"/>
-              <a:t>dell’</a:t>
-            </a:r>
-            <a:r>
-              <a:rPr lang="en-US" sz="2000" b="1" dirty="0" err="1"/>
-              <a:t>area</a:t>
-            </a:r>
-            <a:r>
-              <a:rPr lang="en-US" sz="2000" dirty="0"/>
-              <a:t> </a:t>
-            </a:r>
-            <a:r>
-              <a:rPr lang="en-US" sz="2000" b="1" dirty="0" err="1"/>
-              <a:t>riservata</a:t>
-            </a:r>
-            <a:r>
-              <a:rPr lang="en-US" sz="2000" dirty="0"/>
-              <a:t> </a:t>
-            </a:r>
-            <a:r>
-              <a:rPr lang="en-US" sz="2000" dirty="0" err="1"/>
-              <a:t>l’utente</a:t>
-            </a:r>
-            <a:r>
-              <a:rPr lang="en-US" sz="2000" dirty="0"/>
-              <a:t> </a:t>
-            </a:r>
-            <a:r>
-              <a:rPr lang="en-US" sz="2000" dirty="0" err="1"/>
-              <a:t>potrà</a:t>
-            </a:r>
-            <a:r>
-              <a:rPr lang="en-US" sz="2000" dirty="0"/>
-              <a:t>:</a:t>
-            </a:r>
-          </a:p>
-          <a:p>
-            <a:pPr lvl="1">
-              <a:buFont typeface="Arial" panose="020B0604020202020204" pitchFamily="34" charset="0"/>
-              <a:buChar char="•"/>
-            </a:pPr>
-            <a:r>
-              <a:rPr lang="en-US" sz="2000" dirty="0" err="1"/>
-              <a:t>Visualizzare</a:t>
-            </a:r>
-            <a:r>
-              <a:rPr lang="en-US" sz="2000" dirty="0"/>
-              <a:t> il </a:t>
-            </a:r>
-            <a:r>
-              <a:rPr lang="en-US" sz="2000" dirty="0" err="1"/>
-              <a:t>biglietto</a:t>
-            </a:r>
-            <a:r>
-              <a:rPr lang="en-US" sz="2000" dirty="0"/>
-              <a:t> </a:t>
-            </a:r>
-            <a:r>
-              <a:rPr lang="en-US" sz="2000" dirty="0" err="1"/>
-              <a:t>corrente</a:t>
-            </a:r>
-            <a:endParaRPr lang="en-US" sz="2000" dirty="0"/>
-          </a:p>
-          <a:p>
-            <a:pPr lvl="1">
-              <a:buFont typeface="Arial" panose="020B0604020202020204" pitchFamily="34" charset="0"/>
-              <a:buChar char="•"/>
-            </a:pPr>
-            <a:r>
-              <a:rPr lang="en-US" sz="2000" dirty="0" err="1"/>
-              <a:t>Acquistare</a:t>
-            </a:r>
-            <a:r>
-              <a:rPr lang="en-US" sz="2000" dirty="0"/>
-              <a:t> un </a:t>
-            </a:r>
-            <a:r>
-              <a:rPr lang="en-US" sz="2000" dirty="0" err="1"/>
-              <a:t>biglietto</a:t>
-            </a:r>
-            <a:r>
-              <a:rPr lang="en-US" sz="2000" dirty="0"/>
-              <a:t> o </a:t>
-            </a:r>
-            <a:r>
-              <a:rPr lang="en-US" sz="2000" dirty="0" err="1"/>
-              <a:t>abbonamento</a:t>
-            </a:r>
-            <a:endParaRPr lang="en-US" sz="2000" dirty="0"/>
-          </a:p>
-          <a:p>
-            <a:pPr lvl="1">
-              <a:buFont typeface="Arial" panose="020B0604020202020204" pitchFamily="34" charset="0"/>
-              <a:buChar char="•"/>
-            </a:pPr>
-            <a:r>
-              <a:rPr lang="en-US" sz="2000" dirty="0" err="1"/>
-              <a:t>Visualizzare</a:t>
-            </a:r>
-            <a:r>
-              <a:rPr lang="en-US" sz="2000" dirty="0"/>
-              <a:t> il </a:t>
-            </a:r>
-            <a:r>
-              <a:rPr lang="en-US" sz="2000" dirty="0" err="1"/>
-              <a:t>saldo</a:t>
-            </a:r>
-            <a:r>
-              <a:rPr lang="en-US" sz="2000" dirty="0"/>
-              <a:t> </a:t>
-            </a:r>
-            <a:r>
-              <a:rPr lang="en-US" sz="2000" dirty="0" err="1"/>
-              <a:t>corrente</a:t>
-            </a:r>
-            <a:endParaRPr lang="en-US" sz="2000" dirty="0"/>
-          </a:p>
-        </p:txBody>
-      </p:sp>
-      <p:pic>
-        <p:nvPicPr>
-          <p:cNvPr id="5" name="Segnaposto contenuto 4"/>
-          <p:cNvPicPr>
-            <a:picLocks noGrp="1" noChangeAspect="1"/>
-          </p:cNvPicPr>
-          <p:nvPr>
-            <p:ph sz="half" idx="1"/>
-          </p:nvPr>
-        </p:nvPicPr>
-        <p:blipFill rotWithShape="1">
-          <a:blip r:embed="rId7"/>
-          <a:srcRect l="5422" t="7883" r="8064" b="6850"/>
-          <a:stretch/>
-        </p:blipFill>
-        <p:spPr>
-          <a:xfrm>
-            <a:off x="4538401" y="1658693"/>
-            <a:ext cx="7488201" cy="4188315"/>
-          </a:xfrm>
-          <a:prstGeom prst="rect">
-            <a:avLst/>
-          </a:prstGeom>
-          <a:ln>
-            <a:noFill/>
-          </a:ln>
-          <a:effectLst>
-            <a:outerShdw blurRad="292100" dist="139700" dir="2700000" algn="tl" rotWithShape="0">
-              <a:srgbClr val="333333">
-                <a:alpha val="65000"/>
-              </a:srgbClr>
-            </a:outerShdw>
-          </a:effectLst>
-        </p:spPr>
-      </p:pic>
-      <p:sp>
-        <p:nvSpPr>
-          <p:cNvPr id="17" name="Titolo 1">
+          <p:cNvPr id="22" name="Titolo 1">
             <a:extLst>
               <a:ext uri="{FF2B5EF4-FFF2-40B4-BE49-F238E27FC236}">
-                <a16:creationId xmlns:a16="http://schemas.microsoft.com/office/drawing/2014/main" id="{24AD8C1B-BEA3-418B-AE4A-28273969E353}"/>
+                <a16:creationId xmlns:a16="http://schemas.microsoft.com/office/drawing/2014/main" id="{8A92CBF5-A1D7-4853-99A7-6965C66EE194}"/>
               </a:ext>
             </a:extLst>
           </p:cNvPr>
@@ -13001,6 +13246,1448 @@
       </p:sp>
       <p:sp>
         <p:nvSpPr>
+          <p:cNvPr id="24" name="CasellaDiTesto 23">
+            <a:extLst>
+              <a:ext uri="{FF2B5EF4-FFF2-40B4-BE49-F238E27FC236}">
+                <a16:creationId xmlns:a16="http://schemas.microsoft.com/office/drawing/2014/main" id="{C20B8800-7CB4-471E-A60F-2A07DEABE15F}"/>
+              </a:ext>
+            </a:extLst>
+          </p:cNvPr>
+          <p:cNvSpPr txBox="1"/>
+          <p:nvPr/>
+        </p:nvSpPr>
+        <p:spPr>
+          <a:xfrm>
+            <a:off x="14117" y="1491734"/>
+            <a:ext cx="2571429" cy="369332"/>
+          </a:xfrm>
+          <a:prstGeom prst="rect">
+            <a:avLst/>
+          </a:prstGeom>
+          <a:noFill/>
+        </p:spPr>
+        <p:txBody>
+          <a:bodyPr wrap="square">
+            <a:spAutoFit/>
+          </a:bodyPr>
+          <a:lstStyle/>
+          <a:p>
+            <a:r>
+              <a:rPr lang="it-IT" sz="1800" b="1" dirty="0"/>
+              <a:t>Finestra login</a:t>
+            </a:r>
+          </a:p>
+        </p:txBody>
+      </p:sp>
+      <p:sp>
+        <p:nvSpPr>
+          <p:cNvPr id="26" name="CasellaDiTesto 25">
+            <a:extLst>
+              <a:ext uri="{FF2B5EF4-FFF2-40B4-BE49-F238E27FC236}">
+                <a16:creationId xmlns:a16="http://schemas.microsoft.com/office/drawing/2014/main" id="{51173883-2505-467D-8470-C4F71F605E3C}"/>
+              </a:ext>
+            </a:extLst>
+          </p:cNvPr>
+          <p:cNvSpPr txBox="1"/>
+          <p:nvPr/>
+        </p:nvSpPr>
+        <p:spPr>
+          <a:xfrm>
+            <a:off x="8421416" y="6596390"/>
+            <a:ext cx="3770584" cy="261610"/>
+          </a:xfrm>
+          <a:prstGeom prst="rect">
+            <a:avLst/>
+          </a:prstGeom>
+          <a:noFill/>
+        </p:spPr>
+        <p:txBody>
+          <a:bodyPr wrap="none" rtlCol="0">
+            <a:spAutoFit/>
+          </a:bodyPr>
+          <a:lstStyle/>
+          <a:p>
+            <a:r>
+              <a:rPr lang="it-IT" sz="1100" dirty="0">
+                <a:solidFill>
+                  <a:schemeClr val="bg1"/>
+                </a:solidFill>
+              </a:rPr>
+              <a:t>Camagni Riccardo, D’</a:t>
+            </a:r>
+            <a:r>
+              <a:rPr lang="it-IT" sz="1100" dirty="0" err="1">
+                <a:solidFill>
+                  <a:schemeClr val="bg1"/>
+                </a:solidFill>
+              </a:rPr>
+              <a:t>Assaro</a:t>
+            </a:r>
+            <a:r>
+              <a:rPr lang="it-IT" sz="1100" dirty="0">
+                <a:solidFill>
+                  <a:schemeClr val="bg1"/>
+                </a:solidFill>
+              </a:rPr>
+              <a:t> Davide, Ginisi Gabriele</a:t>
+            </a:r>
+          </a:p>
+        </p:txBody>
+      </p:sp>
+    </p:spTree>
+    <p:extLst>
+      <p:ext uri="{BB962C8B-B14F-4D97-AF65-F5344CB8AC3E}">
+        <p14:creationId xmlns:p14="http://schemas.microsoft.com/office/powerpoint/2010/main" val="951525063"/>
+      </p:ext>
+    </p:extLst>
+  </p:cSld>
+  <p:clrMapOvr>
+    <a:masterClrMapping/>
+  </p:clrMapOvr>
+  <mc:AlternateContent xmlns:mc="http://schemas.openxmlformats.org/markup-compatibility/2006" xmlns:p14="http://schemas.microsoft.com/office/powerpoint/2010/main">
+    <mc:Choice Requires="p14">
+      <p:transition spd="slow" p14:dur="1750">
+        <p:fade/>
+      </p:transition>
+    </mc:Choice>
+    <mc:Fallback xmlns="">
+      <p:transition spd="slow">
+        <p:fade/>
+      </p:transition>
+    </mc:Fallback>
+  </mc:AlternateContent>
+</p:sld>
+</file>
+
+<file path=ppt/slides/slide9.xml><?xml version="1.0" encoding="utf-8"?>
+<p:sld xmlns:a="http://schemas.openxmlformats.org/drawingml/2006/main" xmlns:r="http://schemas.openxmlformats.org/officeDocument/2006/relationships" xmlns:p="http://schemas.openxmlformats.org/presentationml/2006/main">
+  <p:cSld>
+    <p:bg>
+      <p:bgPr>
+        <a:blipFill rotWithShape="1">
+          <a:blip r:embed="rId2">
+            <a:duotone>
+              <a:schemeClr val="bg2">
+                <a:shade val="62000"/>
+                <a:hueMod val="108000"/>
+                <a:satMod val="164000"/>
+                <a:lumMod val="69000"/>
+              </a:schemeClr>
+              <a:schemeClr val="bg2">
+                <a:tint val="96000"/>
+                <a:hueMod val="90000"/>
+                <a:satMod val="130000"/>
+                <a:lumMod val="134000"/>
+              </a:schemeClr>
+            </a:duotone>
+          </a:blip>
+          <a:stretch/>
+        </a:blipFill>
+        <a:effectLst/>
+      </p:bgPr>
+    </p:bg>
+    <p:spTree>
+      <p:nvGrpSpPr>
+        <p:cNvPr id="1" name=""/>
+        <p:cNvGrpSpPr/>
+        <p:nvPr/>
+      </p:nvGrpSpPr>
+      <p:grpSpPr>
+        <a:xfrm>
+          <a:off x="0" y="0"/>
+          <a:ext cx="0" cy="0"/>
+          <a:chOff x="0" y="0"/>
+          <a:chExt cx="0" cy="0"/>
+        </a:xfrm>
+      </p:grpSpPr>
+      <p:pic>
+        <p:nvPicPr>
+          <p:cNvPr id="10" name="Picture 9">
+            <a:extLst>
+              <a:ext uri="{FF2B5EF4-FFF2-40B4-BE49-F238E27FC236}">
+                <a16:creationId xmlns:a16="http://schemas.microsoft.com/office/drawing/2014/main" id="{7594FC8B-8CD2-407F-94F1-9C71F5AEC2B6}"/>
+              </a:ext>
+              <a:ext uri="{C183D7F6-B498-43B3-948B-1728B52AA6E4}">
+                <adec:decorative xmlns:adec="http://schemas.microsoft.com/office/drawing/2017/decorative" val="1"/>
+              </a:ext>
+            </a:extLst>
+          </p:cNvPr>
+          <p:cNvPicPr>
+            <a:picLocks noGrp="1" noRot="1" noChangeAspect="1" noMove="1" noResize="1" noEditPoints="1" noAdjustHandles="1" noChangeArrowheads="1" noChangeShapeType="1" noCrop="1"/>
+          </p:cNvPicPr>
+          <p:nvPr>
+            <p:extLst>
+              <p:ext uri="{386F3935-93C4-4BCD-93E2-E3B085C9AB24}">
+                <p16:designElem xmlns:p16="http://schemas.microsoft.com/office/powerpoint/2015/main" val="1"/>
+              </p:ext>
+            </p:extLst>
+          </p:nvPr>
+        </p:nvPicPr>
+        <p:blipFill rotWithShape="1">
+          <a:blip r:embed="rId3">
+            <a:extLst>
+              <a:ext uri="{28A0092B-C50C-407E-A947-70E740481C1C}">
+                <a14:useLocalDpi xmlns:a14="http://schemas.microsoft.com/office/drawing/2010/main" val="0"/>
+              </a:ext>
+            </a:extLst>
+          </a:blip>
+          <a:srcRect l="3613"/>
+          <a:stretch/>
+        </p:blipFill>
+        <p:spPr>
+          <a:xfrm>
+            <a:off x="0" y="2669685"/>
+            <a:ext cx="4037012" cy="4188315"/>
+          </a:xfrm>
+          <a:prstGeom prst="rect">
+            <a:avLst/>
+          </a:prstGeom>
+        </p:spPr>
+      </p:pic>
+      <p:pic>
+        <p:nvPicPr>
+          <p:cNvPr id="12" name="Picture 11">
+            <a:extLst>
+              <a:ext uri="{FF2B5EF4-FFF2-40B4-BE49-F238E27FC236}">
+                <a16:creationId xmlns:a16="http://schemas.microsoft.com/office/drawing/2014/main" id="{DBABC971-8D40-4A4F-AC60-28B9172789B9}"/>
+              </a:ext>
+              <a:ext uri="{C183D7F6-B498-43B3-948B-1728B52AA6E4}">
+                <adec:decorative xmlns:adec="http://schemas.microsoft.com/office/drawing/2017/decorative" val="1"/>
+              </a:ext>
+            </a:extLst>
+          </p:cNvPr>
+          <p:cNvPicPr>
+            <a:picLocks noGrp="1" noRot="1" noChangeAspect="1" noMove="1" noResize="1" noEditPoints="1" noAdjustHandles="1" noChangeArrowheads="1" noChangeShapeType="1" noCrop="1"/>
+          </p:cNvPicPr>
+          <p:nvPr>
+            <p:extLst>
+              <p:ext uri="{386F3935-93C4-4BCD-93E2-E3B085C9AB24}">
+                <p16:designElem xmlns:p16="http://schemas.microsoft.com/office/powerpoint/2015/main" val="1"/>
+              </p:ext>
+            </p:extLst>
+          </p:nvPr>
+        </p:nvPicPr>
+        <p:blipFill rotWithShape="1">
+          <a:blip r:embed="rId4">
+            <a:extLst>
+              <a:ext uri="{28A0092B-C50C-407E-A947-70E740481C1C}">
+                <a14:useLocalDpi xmlns:a14="http://schemas.microsoft.com/office/drawing/2010/main" val="0"/>
+              </a:ext>
+            </a:extLst>
+          </a:blip>
+          <a:srcRect l="35640"/>
+          <a:stretch/>
+        </p:blipFill>
+        <p:spPr>
+          <a:xfrm>
+            <a:off x="0" y="2892347"/>
+            <a:ext cx="1522412" cy="2365453"/>
+          </a:xfrm>
+          <a:prstGeom prst="rect">
+            <a:avLst/>
+          </a:prstGeom>
+        </p:spPr>
+      </p:pic>
+      <p:sp>
+        <p:nvSpPr>
+          <p:cNvPr id="14" name="Oval 13">
+            <a:extLst>
+              <a:ext uri="{FF2B5EF4-FFF2-40B4-BE49-F238E27FC236}">
+                <a16:creationId xmlns:a16="http://schemas.microsoft.com/office/drawing/2014/main" id="{B9C04DC5-313B-4FE4-B868-5672A376419F}"/>
+              </a:ext>
+              <a:ext uri="{C183D7F6-B498-43B3-948B-1728B52AA6E4}">
+                <adec:decorative xmlns:adec="http://schemas.microsoft.com/office/drawing/2017/decorative" val="1"/>
+              </a:ext>
+            </a:extLst>
+          </p:cNvPr>
+          <p:cNvSpPr>
+            <a:spLocks noGrp="1" noRot="1" noChangeAspect="1" noMove="1" noResize="1" noEditPoints="1" noAdjustHandles="1" noChangeArrowheads="1" noChangeShapeType="1" noTextEdit="1"/>
+          </p:cNvSpPr>
+          <p:nvPr>
+            <p:extLst>
+              <p:ext uri="{386F3935-93C4-4BCD-93E2-E3B085C9AB24}">
+                <p16:designElem xmlns:p16="http://schemas.microsoft.com/office/powerpoint/2015/main" val="1"/>
+              </p:ext>
+            </p:extLst>
+          </p:nvPr>
+        </p:nvSpPr>
+        <p:spPr>
+          <a:xfrm>
+            <a:off x="8609012" y="1676400"/>
+            <a:ext cx="2819400" cy="2819400"/>
+          </a:xfrm>
+          <a:prstGeom prst="ellipse">
+            <a:avLst/>
+          </a:prstGeom>
+          <a:gradFill flip="none" rotWithShape="1">
+            <a:gsLst>
+              <a:gs pos="0">
+                <a:schemeClr val="bg2">
+                  <a:lumMod val="40000"/>
+                  <a:lumOff val="60000"/>
+                  <a:alpha val="7000"/>
+                </a:schemeClr>
+              </a:gs>
+              <a:gs pos="69000">
+                <a:schemeClr val="bg2">
+                  <a:lumMod val="40000"/>
+                  <a:lumOff val="60000"/>
+                  <a:alpha val="0"/>
+                </a:schemeClr>
+              </a:gs>
+              <a:gs pos="36000">
+                <a:schemeClr val="bg2">
+                  <a:lumMod val="40000"/>
+                  <a:lumOff val="60000"/>
+                  <a:alpha val="6000"/>
+                </a:schemeClr>
+              </a:gs>
+            </a:gsLst>
+            <a:path path="circle">
+              <a:fillToRect l="50000" t="50000" r="50000" b="50000"/>
+            </a:path>
+            <a:tileRect/>
+          </a:gradFill>
+          <a:ln>
+            <a:noFill/>
+          </a:ln>
+          <a:effectLst/>
+        </p:spPr>
+        <p:style>
+          <a:lnRef idx="1">
+            <a:schemeClr val="accent1"/>
+          </a:lnRef>
+          <a:fillRef idx="3">
+            <a:schemeClr val="accent1"/>
+          </a:fillRef>
+          <a:effectRef idx="2">
+            <a:schemeClr val="accent1"/>
+          </a:effectRef>
+          <a:fontRef idx="minor">
+            <a:schemeClr val="lt1"/>
+          </a:fontRef>
+        </p:style>
+      </p:sp>
+      <p:pic>
+        <p:nvPicPr>
+          <p:cNvPr id="16" name="Picture 15">
+            <a:extLst>
+              <a:ext uri="{FF2B5EF4-FFF2-40B4-BE49-F238E27FC236}">
+                <a16:creationId xmlns:a16="http://schemas.microsoft.com/office/drawing/2014/main" id="{791AE23E-90C9-4963-96E2-8DADBFC3BC09}"/>
+              </a:ext>
+              <a:ext uri="{C183D7F6-B498-43B3-948B-1728B52AA6E4}">
+                <adec:decorative xmlns:adec="http://schemas.microsoft.com/office/drawing/2017/decorative" val="1"/>
+              </a:ext>
+            </a:extLst>
+          </p:cNvPr>
+          <p:cNvPicPr>
+            <a:picLocks noGrp="1" noRot="1" noChangeAspect="1" noMove="1" noResize="1" noEditPoints="1" noAdjustHandles="1" noChangeArrowheads="1" noChangeShapeType="1" noCrop="1"/>
+          </p:cNvPicPr>
+          <p:nvPr>
+            <p:extLst>
+              <p:ext uri="{386F3935-93C4-4BCD-93E2-E3B085C9AB24}">
+                <p16:designElem xmlns:p16="http://schemas.microsoft.com/office/powerpoint/2015/main" val="1"/>
+              </p:ext>
+            </p:extLst>
+          </p:nvPr>
+        </p:nvPicPr>
+        <p:blipFill rotWithShape="1">
+          <a:blip r:embed="rId5">
+            <a:extLst>
+              <a:ext uri="{28A0092B-C50C-407E-A947-70E740481C1C}">
+                <a14:useLocalDpi xmlns:a14="http://schemas.microsoft.com/office/drawing/2010/main" val="0"/>
+              </a:ext>
+            </a:extLst>
+          </a:blip>
+          <a:srcRect t="28813"/>
+          <a:stretch/>
+        </p:blipFill>
+        <p:spPr>
+          <a:xfrm>
+            <a:off x="7999412" y="0"/>
+            <a:ext cx="1603387" cy="1141407"/>
+          </a:xfrm>
+          <a:prstGeom prst="rect">
+            <a:avLst/>
+          </a:prstGeom>
+        </p:spPr>
+      </p:pic>
+      <p:pic>
+        <p:nvPicPr>
+          <p:cNvPr id="18" name="Picture 17">
+            <a:extLst>
+              <a:ext uri="{FF2B5EF4-FFF2-40B4-BE49-F238E27FC236}">
+                <a16:creationId xmlns:a16="http://schemas.microsoft.com/office/drawing/2014/main" id="{C5F93E90-4379-4AAC-B021-E5FA6D974AED}"/>
+              </a:ext>
+              <a:ext uri="{C183D7F6-B498-43B3-948B-1728B52AA6E4}">
+                <adec:decorative xmlns:adec="http://schemas.microsoft.com/office/drawing/2017/decorative" val="1"/>
+              </a:ext>
+            </a:extLst>
+          </p:cNvPr>
+          <p:cNvPicPr>
+            <a:picLocks noGrp="1" noRot="1" noChangeAspect="1" noMove="1" noResize="1" noEditPoints="1" noAdjustHandles="1" noChangeArrowheads="1" noChangeShapeType="1" noCrop="1"/>
+          </p:cNvPicPr>
+          <p:nvPr>
+            <p:extLst>
+              <p:ext uri="{386F3935-93C4-4BCD-93E2-E3B085C9AB24}">
+                <p16:designElem xmlns:p16="http://schemas.microsoft.com/office/powerpoint/2015/main" val="1"/>
+              </p:ext>
+            </p:extLst>
+          </p:nvPr>
+        </p:nvPicPr>
+        <p:blipFill rotWithShape="1">
+          <a:blip r:embed="rId6">
+            <a:extLst>
+              <a:ext uri="{28A0092B-C50C-407E-A947-70E740481C1C}">
+                <a14:useLocalDpi xmlns:a14="http://schemas.microsoft.com/office/drawing/2010/main" val="0"/>
+              </a:ext>
+            </a:extLst>
+          </a:blip>
+          <a:srcRect b="23320"/>
+          <a:stretch/>
+        </p:blipFill>
+        <p:spPr>
+          <a:xfrm>
+            <a:off x="8609012" y="6096000"/>
+            <a:ext cx="993734" cy="762000"/>
+          </a:xfrm>
+          <a:prstGeom prst="rect">
+            <a:avLst/>
+          </a:prstGeom>
+        </p:spPr>
+      </p:pic>
+      <p:sp>
+        <p:nvSpPr>
+          <p:cNvPr id="20" name="Rectangle 19">
+            <a:extLst>
+              <a:ext uri="{FF2B5EF4-FFF2-40B4-BE49-F238E27FC236}">
+                <a16:creationId xmlns:a16="http://schemas.microsoft.com/office/drawing/2014/main" id="{329FDD08-42D8-4AFF-90E5-5DAA5BC4CBD8}"/>
+              </a:ext>
+              <a:ext uri="{C183D7F6-B498-43B3-948B-1728B52AA6E4}">
+                <adec:decorative xmlns:adec="http://schemas.microsoft.com/office/drawing/2017/decorative" val="1"/>
+              </a:ext>
+            </a:extLst>
+          </p:cNvPr>
+          <p:cNvSpPr>
+            <a:spLocks noGrp="1" noRot="1" noChangeAspect="1" noMove="1" noResize="1" noEditPoints="1" noAdjustHandles="1" noChangeArrowheads="1" noChangeShapeType="1" noTextEdit="1"/>
+          </p:cNvSpPr>
+          <p:nvPr>
+            <p:extLst>
+              <p:ext uri="{386F3935-93C4-4BCD-93E2-E3B085C9AB24}">
+                <p16:designElem xmlns:p16="http://schemas.microsoft.com/office/powerpoint/2015/main" val="1"/>
+              </p:ext>
+            </p:extLst>
+          </p:nvPr>
+        </p:nvSpPr>
+        <p:spPr>
+          <a:xfrm>
+            <a:off x="10437812" y="0"/>
+            <a:ext cx="685800" cy="1143000"/>
+          </a:xfrm>
+          <a:prstGeom prst="rect">
+            <a:avLst/>
+          </a:prstGeom>
+          <a:solidFill>
+            <a:schemeClr val="accent1"/>
+          </a:solidFill>
+          <a:ln>
+            <a:noFill/>
+          </a:ln>
+        </p:spPr>
+        <p:style>
+          <a:lnRef idx="1">
+            <a:schemeClr val="accent1"/>
+          </a:lnRef>
+          <a:fillRef idx="3">
+            <a:schemeClr val="accent1"/>
+          </a:fillRef>
+          <a:effectRef idx="2">
+            <a:schemeClr val="accent1"/>
+          </a:effectRef>
+          <a:fontRef idx="minor">
+            <a:schemeClr val="lt1"/>
+          </a:fontRef>
+        </p:style>
+      </p:sp>
+      <p:sp>
+        <p:nvSpPr>
+          <p:cNvPr id="22" name="Freeform 11">
+            <a:extLst>
+              <a:ext uri="{FF2B5EF4-FFF2-40B4-BE49-F238E27FC236}">
+                <a16:creationId xmlns:a16="http://schemas.microsoft.com/office/drawing/2014/main" id="{2FEA51AE-2D18-46BE-B2CA-B90B13168980}"/>
+              </a:ext>
+              <a:ext uri="{C183D7F6-B498-43B3-948B-1728B52AA6E4}">
+                <adec:decorative xmlns:adec="http://schemas.microsoft.com/office/drawing/2017/decorative" val="1"/>
+              </a:ext>
+            </a:extLst>
+          </p:cNvPr>
+          <p:cNvSpPr>
+            <a:spLocks noGrp="1" noRot="1" noChangeAspect="1" noMove="1" noResize="1" noEditPoints="1" noAdjustHandles="1" noChangeArrowheads="1" noChangeShapeType="1" noTextEdit="1"/>
+          </p:cNvSpPr>
+          <p:nvPr>
+            <p:extLst>
+              <p:ext uri="{386F3935-93C4-4BCD-93E2-E3B085C9AB24}">
+                <p16:designElem xmlns:p16="http://schemas.microsoft.com/office/powerpoint/2015/main" val="1"/>
+              </p:ext>
+            </p:extLst>
+          </p:nvPr>
+        </p:nvSpPr>
+        <p:spPr>
+          <a:xfrm>
+            <a:off x="3948110" y="-1"/>
+            <a:ext cx="559472" cy="3709642"/>
+          </a:xfrm>
+          <a:custGeom>
+            <a:avLst/>
+            <a:gdLst>
+              <a:gd name="connsiteX0" fmla="*/ 0 w 559472"/>
+              <a:gd name="connsiteY0" fmla="*/ 0 h 3709642"/>
+              <a:gd name="connsiteX1" fmla="*/ 473952 w 559472"/>
+              <a:gd name="connsiteY1" fmla="*/ 0 h 3709642"/>
+              <a:gd name="connsiteX2" fmla="*/ 485840 w 559472"/>
+              <a:gd name="connsiteY2" fmla="*/ 161194 h 3709642"/>
+              <a:gd name="connsiteX3" fmla="*/ 523949 w 559472"/>
+              <a:gd name="connsiteY3" fmla="*/ 3672197 h 3709642"/>
+              <a:gd name="connsiteX4" fmla="*/ 454748 w 559472"/>
+              <a:gd name="connsiteY4" fmla="*/ 3709642 h 3709642"/>
+              <a:gd name="connsiteX5" fmla="*/ 448224 w 559472"/>
+              <a:gd name="connsiteY5" fmla="*/ 3510471 h 3709642"/>
+              <a:gd name="connsiteX6" fmla="*/ 443564 w 559472"/>
+              <a:gd name="connsiteY6" fmla="*/ 3408563 h 3709642"/>
+              <a:gd name="connsiteX7" fmla="*/ 438902 w 559472"/>
+              <a:gd name="connsiteY7" fmla="*/ 3304407 h 3709642"/>
+              <a:gd name="connsiteX8" fmla="*/ 433941 w 559472"/>
+              <a:gd name="connsiteY8" fmla="*/ 3198777 h 3709642"/>
+              <a:gd name="connsiteX9" fmla="*/ 427584 w 559472"/>
+              <a:gd name="connsiteY9" fmla="*/ 3092510 h 3709642"/>
+              <a:gd name="connsiteX10" fmla="*/ 420988 w 559472"/>
+              <a:gd name="connsiteY10" fmla="*/ 2984390 h 3709642"/>
+              <a:gd name="connsiteX11" fmla="*/ 414330 w 559472"/>
+              <a:gd name="connsiteY11" fmla="*/ 2874401 h 3709642"/>
+              <a:gd name="connsiteX12" fmla="*/ 406840 w 559472"/>
+              <a:gd name="connsiteY12" fmla="*/ 2762980 h 3709642"/>
+              <a:gd name="connsiteX13" fmla="*/ 397745 w 559472"/>
+              <a:gd name="connsiteY13" fmla="*/ 2650566 h 3709642"/>
+              <a:gd name="connsiteX14" fmla="*/ 389154 w 559472"/>
+              <a:gd name="connsiteY14" fmla="*/ 2536612 h 3709642"/>
+              <a:gd name="connsiteX15" fmla="*/ 379225 w 559472"/>
+              <a:gd name="connsiteY15" fmla="*/ 2421642 h 3709642"/>
+              <a:gd name="connsiteX16" fmla="*/ 368316 w 559472"/>
+              <a:gd name="connsiteY16" fmla="*/ 2305627 h 3709642"/>
+              <a:gd name="connsiteX17" fmla="*/ 357466 w 559472"/>
+              <a:gd name="connsiteY17" fmla="*/ 2189233 h 3709642"/>
+              <a:gd name="connsiteX18" fmla="*/ 344982 w 559472"/>
+              <a:gd name="connsiteY18" fmla="*/ 2071473 h 3709642"/>
+              <a:gd name="connsiteX19" fmla="*/ 332466 w 559472"/>
+              <a:gd name="connsiteY19" fmla="*/ 1952216 h 3709642"/>
+              <a:gd name="connsiteX20" fmla="*/ 319121 w 559472"/>
+              <a:gd name="connsiteY20" fmla="*/ 1833776 h 3709642"/>
+              <a:gd name="connsiteX21" fmla="*/ 304408 w 559472"/>
+              <a:gd name="connsiteY21" fmla="*/ 1713948 h 3709642"/>
+              <a:gd name="connsiteX22" fmla="*/ 288685 w 559472"/>
+              <a:gd name="connsiteY22" fmla="*/ 1592703 h 3709642"/>
+              <a:gd name="connsiteX23" fmla="*/ 273050 w 559472"/>
+              <a:gd name="connsiteY23" fmla="*/ 1471451 h 3709642"/>
+              <a:gd name="connsiteX24" fmla="*/ 255813 w 559472"/>
+              <a:gd name="connsiteY24" fmla="*/ 1350328 h 3709642"/>
+              <a:gd name="connsiteX25" fmla="*/ 237060 w 559472"/>
+              <a:gd name="connsiteY25" fmla="*/ 1227080 h 3709642"/>
+              <a:gd name="connsiteX26" fmla="*/ 218488 w 559472"/>
+              <a:gd name="connsiteY26" fmla="*/ 1106065 h 3709642"/>
+              <a:gd name="connsiteX27" fmla="*/ 198221 w 559472"/>
+              <a:gd name="connsiteY27" fmla="*/ 982940 h 3709642"/>
+              <a:gd name="connsiteX28" fmla="*/ 177152 w 559472"/>
+              <a:gd name="connsiteY28" fmla="*/ 858755 h 3709642"/>
+              <a:gd name="connsiteX29" fmla="*/ 155551 w 559472"/>
+              <a:gd name="connsiteY29" fmla="*/ 736861 h 3709642"/>
+              <a:gd name="connsiteX30" fmla="*/ 131782 w 559472"/>
+              <a:gd name="connsiteY30" fmla="*/ 613645 h 3709642"/>
+              <a:gd name="connsiteX31" fmla="*/ 107123 w 559472"/>
+              <a:gd name="connsiteY31" fmla="*/ 490500 h 3709642"/>
+              <a:gd name="connsiteX32" fmla="*/ 82552 w 559472"/>
+              <a:gd name="connsiteY32" fmla="*/ 367348 h 3709642"/>
+              <a:gd name="connsiteX33" fmla="*/ 55608 w 559472"/>
+              <a:gd name="connsiteY33" fmla="*/ 244762 h 3709642"/>
+              <a:gd name="connsiteX34" fmla="*/ 28130 w 559472"/>
+              <a:gd name="connsiteY34" fmla="*/ 122220 h 3709642"/>
+              <a:gd name="connsiteX35" fmla="*/ 0 w 559472"/>
+              <a:gd name="connsiteY35" fmla="*/ 0 h 3709642"/>
+            </a:gdLst>
+            <a:ahLst/>
+            <a:cxnLst>
+              <a:cxn ang="0">
+                <a:pos x="connsiteX0" y="connsiteY0"/>
+              </a:cxn>
+              <a:cxn ang="0">
+                <a:pos x="connsiteX1" y="connsiteY1"/>
+              </a:cxn>
+              <a:cxn ang="0">
+                <a:pos x="connsiteX2" y="connsiteY2"/>
+              </a:cxn>
+              <a:cxn ang="0">
+                <a:pos x="connsiteX3" y="connsiteY3"/>
+              </a:cxn>
+              <a:cxn ang="0">
+                <a:pos x="connsiteX4" y="connsiteY4"/>
+              </a:cxn>
+              <a:cxn ang="0">
+                <a:pos x="connsiteX5" y="connsiteY5"/>
+              </a:cxn>
+              <a:cxn ang="0">
+                <a:pos x="connsiteX6" y="connsiteY6"/>
+              </a:cxn>
+              <a:cxn ang="0">
+                <a:pos x="connsiteX7" y="connsiteY7"/>
+              </a:cxn>
+              <a:cxn ang="0">
+                <a:pos x="connsiteX8" y="connsiteY8"/>
+              </a:cxn>
+              <a:cxn ang="0">
+                <a:pos x="connsiteX9" y="connsiteY9"/>
+              </a:cxn>
+              <a:cxn ang="0">
+                <a:pos x="connsiteX10" y="connsiteY10"/>
+              </a:cxn>
+              <a:cxn ang="0">
+                <a:pos x="connsiteX11" y="connsiteY11"/>
+              </a:cxn>
+              <a:cxn ang="0">
+                <a:pos x="connsiteX12" y="connsiteY12"/>
+              </a:cxn>
+              <a:cxn ang="0">
+                <a:pos x="connsiteX13" y="connsiteY13"/>
+              </a:cxn>
+              <a:cxn ang="0">
+                <a:pos x="connsiteX14" y="connsiteY14"/>
+              </a:cxn>
+              <a:cxn ang="0">
+                <a:pos x="connsiteX15" y="connsiteY15"/>
+              </a:cxn>
+              <a:cxn ang="0">
+                <a:pos x="connsiteX16" y="connsiteY16"/>
+              </a:cxn>
+              <a:cxn ang="0">
+                <a:pos x="connsiteX17" y="connsiteY17"/>
+              </a:cxn>
+              <a:cxn ang="0">
+                <a:pos x="connsiteX18" y="connsiteY18"/>
+              </a:cxn>
+              <a:cxn ang="0">
+                <a:pos x="connsiteX19" y="connsiteY19"/>
+              </a:cxn>
+              <a:cxn ang="0">
+                <a:pos x="connsiteX20" y="connsiteY20"/>
+              </a:cxn>
+              <a:cxn ang="0">
+                <a:pos x="connsiteX21" y="connsiteY21"/>
+              </a:cxn>
+              <a:cxn ang="0">
+                <a:pos x="connsiteX22" y="connsiteY22"/>
+              </a:cxn>
+              <a:cxn ang="0">
+                <a:pos x="connsiteX23" y="connsiteY23"/>
+              </a:cxn>
+              <a:cxn ang="0">
+                <a:pos x="connsiteX24" y="connsiteY24"/>
+              </a:cxn>
+              <a:cxn ang="0">
+                <a:pos x="connsiteX25" y="connsiteY25"/>
+              </a:cxn>
+              <a:cxn ang="0">
+                <a:pos x="connsiteX26" y="connsiteY26"/>
+              </a:cxn>
+              <a:cxn ang="0">
+                <a:pos x="connsiteX27" y="connsiteY27"/>
+              </a:cxn>
+              <a:cxn ang="0">
+                <a:pos x="connsiteX28" y="connsiteY28"/>
+              </a:cxn>
+              <a:cxn ang="0">
+                <a:pos x="connsiteX29" y="connsiteY29"/>
+              </a:cxn>
+              <a:cxn ang="0">
+                <a:pos x="connsiteX30" y="connsiteY30"/>
+              </a:cxn>
+              <a:cxn ang="0">
+                <a:pos x="connsiteX31" y="connsiteY31"/>
+              </a:cxn>
+              <a:cxn ang="0">
+                <a:pos x="connsiteX32" y="connsiteY32"/>
+              </a:cxn>
+              <a:cxn ang="0">
+                <a:pos x="connsiteX33" y="connsiteY33"/>
+              </a:cxn>
+              <a:cxn ang="0">
+                <a:pos x="connsiteX34" y="connsiteY34"/>
+              </a:cxn>
+              <a:cxn ang="0">
+                <a:pos x="connsiteX35" y="connsiteY35"/>
+              </a:cxn>
+            </a:cxnLst>
+            <a:rect l="l" t="t" r="r" b="b"/>
+            <a:pathLst>
+              <a:path w="559472" h="3709642">
+                <a:moveTo>
+                  <a:pt x="0" y="0"/>
+                </a:moveTo>
+                <a:lnTo>
+                  <a:pt x="473952" y="0"/>
+                </a:lnTo>
+                <a:lnTo>
+                  <a:pt x="485840" y="161194"/>
+                </a:lnTo>
+                <a:cubicBezTo>
+                  <a:pt x="552063" y="1147770"/>
+                  <a:pt x="592441" y="3086737"/>
+                  <a:pt x="523949" y="3672197"/>
+                </a:cubicBezTo>
+                <a:cubicBezTo>
+                  <a:pt x="500842" y="3684557"/>
+                  <a:pt x="477855" y="3697282"/>
+                  <a:pt x="454748" y="3709642"/>
+                </a:cubicBezTo>
+                <a:lnTo>
+                  <a:pt x="448224" y="3510471"/>
+                </a:lnTo>
+                <a:lnTo>
+                  <a:pt x="443564" y="3408563"/>
+                </a:lnTo>
+                <a:lnTo>
+                  <a:pt x="438902" y="3304407"/>
+                </a:lnTo>
+                <a:lnTo>
+                  <a:pt x="433941" y="3198777"/>
+                </a:lnTo>
+                <a:lnTo>
+                  <a:pt x="427584" y="3092510"/>
+                </a:lnTo>
+                <a:lnTo>
+                  <a:pt x="420988" y="2984390"/>
+                </a:lnTo>
+                <a:lnTo>
+                  <a:pt x="414330" y="2874401"/>
+                </a:lnTo>
+                <a:lnTo>
+                  <a:pt x="406840" y="2762980"/>
+                </a:lnTo>
+                <a:lnTo>
+                  <a:pt x="397745" y="2650566"/>
+                </a:lnTo>
+                <a:lnTo>
+                  <a:pt x="389154" y="2536612"/>
+                </a:lnTo>
+                <a:lnTo>
+                  <a:pt x="379225" y="2421642"/>
+                </a:lnTo>
+                <a:lnTo>
+                  <a:pt x="368316" y="2305627"/>
+                </a:lnTo>
+                <a:lnTo>
+                  <a:pt x="357466" y="2189233"/>
+                </a:lnTo>
+                <a:lnTo>
+                  <a:pt x="344982" y="2071473"/>
+                </a:lnTo>
+                <a:lnTo>
+                  <a:pt x="332466" y="1952216"/>
+                </a:lnTo>
+                <a:lnTo>
+                  <a:pt x="319121" y="1833776"/>
+                </a:lnTo>
+                <a:lnTo>
+                  <a:pt x="304408" y="1713948"/>
+                </a:lnTo>
+                <a:lnTo>
+                  <a:pt x="288685" y="1592703"/>
+                </a:lnTo>
+                <a:lnTo>
+                  <a:pt x="273050" y="1471451"/>
+                </a:lnTo>
+                <a:lnTo>
+                  <a:pt x="255813" y="1350328"/>
+                </a:lnTo>
+                <a:lnTo>
+                  <a:pt x="237060" y="1227080"/>
+                </a:lnTo>
+                <a:lnTo>
+                  <a:pt x="218488" y="1106065"/>
+                </a:lnTo>
+                <a:lnTo>
+                  <a:pt x="198221" y="982940"/>
+                </a:lnTo>
+                <a:lnTo>
+                  <a:pt x="177152" y="858755"/>
+                </a:lnTo>
+                <a:lnTo>
+                  <a:pt x="155551" y="736861"/>
+                </a:lnTo>
+                <a:lnTo>
+                  <a:pt x="131782" y="613645"/>
+                </a:lnTo>
+                <a:lnTo>
+                  <a:pt x="107123" y="490500"/>
+                </a:lnTo>
+                <a:lnTo>
+                  <a:pt x="82552" y="367348"/>
+                </a:lnTo>
+                <a:lnTo>
+                  <a:pt x="55608" y="244762"/>
+                </a:lnTo>
+                <a:lnTo>
+                  <a:pt x="28130" y="122220"/>
+                </a:lnTo>
+                <a:lnTo>
+                  <a:pt x="0" y="0"/>
+                </a:lnTo>
+                <a:close/>
+              </a:path>
+            </a:pathLst>
+          </a:custGeom>
+          <a:solidFill>
+            <a:schemeClr val="tx1">
+              <a:alpha val="20000"/>
+            </a:schemeClr>
+          </a:solidFill>
+          <a:ln>
+            <a:noFill/>
+          </a:ln>
+        </p:spPr>
+        <p:txBody>
+          <a:bodyPr rtlCol="0" anchor="ctr"/>
+          <a:lstStyle/>
+          <a:p>
+            <a:pPr algn="ctr"/>
+            <a:endParaRPr lang="en-US"/>
+          </a:p>
+        </p:txBody>
+      </p:sp>
+      <p:sp>
+        <p:nvSpPr>
+          <p:cNvPr id="24" name="Rectangle 23">
+            <a:extLst>
+              <a:ext uri="{FF2B5EF4-FFF2-40B4-BE49-F238E27FC236}">
+                <a16:creationId xmlns:a16="http://schemas.microsoft.com/office/drawing/2014/main" id="{5E6A537E-C106-45AE-9BBB-3CE559441813}"/>
+              </a:ext>
+              <a:ext uri="{C183D7F6-B498-43B3-948B-1728B52AA6E4}">
+                <adec:decorative xmlns:adec="http://schemas.microsoft.com/office/drawing/2017/decorative" val="1"/>
+              </a:ext>
+            </a:extLst>
+          </p:cNvPr>
+          <p:cNvSpPr>
+            <a:spLocks noGrp="1" noRot="1" noChangeAspect="1" noMove="1" noResize="1" noEditPoints="1" noAdjustHandles="1" noChangeArrowheads="1" noChangeShapeType="1" noTextEdit="1"/>
+          </p:cNvSpPr>
+          <p:nvPr>
+            <p:extLst>
+              <p:ext uri="{386F3935-93C4-4BCD-93E2-E3B085C9AB24}">
+                <p16:designElem xmlns:p16="http://schemas.microsoft.com/office/powerpoint/2015/main" val="1"/>
+              </p:ext>
+            </p:extLst>
+          </p:nvPr>
+        </p:nvSpPr>
+        <p:spPr>
+          <a:xfrm>
+            <a:off x="4639056" y="0"/>
+            <a:ext cx="7552944" cy="6858000"/>
+          </a:xfrm>
+          <a:prstGeom prst="rect">
+            <a:avLst/>
+          </a:prstGeom>
+          <a:solidFill>
+            <a:srgbClr val="FFFFFF"/>
+          </a:solidFill>
+          <a:ln>
+            <a:noFill/>
+          </a:ln>
+        </p:spPr>
+        <p:style>
+          <a:lnRef idx="2">
+            <a:schemeClr val="accent1">
+              <a:shade val="50000"/>
+            </a:schemeClr>
+          </a:lnRef>
+          <a:fillRef idx="1">
+            <a:schemeClr val="accent1"/>
+          </a:fillRef>
+          <a:effectRef idx="0">
+            <a:schemeClr val="accent1"/>
+          </a:effectRef>
+          <a:fontRef idx="minor">
+            <a:schemeClr val="lt1"/>
+          </a:fontRef>
+        </p:style>
+        <p:txBody>
+          <a:bodyPr rtlCol="0" anchor="ctr"/>
+          <a:lstStyle/>
+          <a:p>
+            <a:pPr algn="ctr"/>
+            <a:endParaRPr lang="en-US"/>
+          </a:p>
+        </p:txBody>
+      </p:sp>
+      <p:sp>
+        <p:nvSpPr>
+          <p:cNvPr id="26" name="Freeform 5">
+            <a:extLst>
+              <a:ext uri="{FF2B5EF4-FFF2-40B4-BE49-F238E27FC236}">
+                <a16:creationId xmlns:a16="http://schemas.microsoft.com/office/drawing/2014/main" id="{F918BA52-E4A7-4EEC-898E-C49023767C63}"/>
+              </a:ext>
+              <a:ext uri="{C183D7F6-B498-43B3-948B-1728B52AA6E4}">
+                <adec:decorative xmlns:adec="http://schemas.microsoft.com/office/drawing/2017/decorative" val="1"/>
+              </a:ext>
+            </a:extLst>
+          </p:cNvPr>
+          <p:cNvSpPr>
+            <a:spLocks noGrp="1" noRot="1" noChangeAspect="1" noMove="1" noResize="1" noEditPoints="1" noAdjustHandles="1" noChangeArrowheads="1" noChangeShapeType="1" noTextEdit="1"/>
+          </p:cNvSpPr>
+          <p:nvPr>
+            <p:extLst>
+              <p:ext uri="{386F3935-93C4-4BCD-93E2-E3B085C9AB24}">
+                <p16:designElem xmlns:p16="http://schemas.microsoft.com/office/powerpoint/2015/main" val="1"/>
+              </p:ext>
+            </p:extLst>
+          </p:nvPr>
+        </p:nvSpPr>
+        <p:spPr bwMode="gray">
+          <a:xfrm rot="16200000">
+            <a:off x="1404667" y="2756642"/>
+            <a:ext cx="6858000" cy="1344715"/>
+          </a:xfrm>
+          <a:custGeom>
+            <a:avLst/>
+            <a:gdLst/>
+            <a:ahLst/>
+            <a:cxnLst/>
+            <a:rect l="l" t="t" r="r" b="b"/>
+            <a:pathLst>
+              <a:path w="10000" h="8000">
+                <a:moveTo>
+                  <a:pt x="0" y="0"/>
+                </a:moveTo>
+                <a:lnTo>
+                  <a:pt x="0" y="7970"/>
+                </a:lnTo>
+                <a:lnTo>
+                  <a:pt x="10000" y="8000"/>
+                </a:lnTo>
+                <a:lnTo>
+                  <a:pt x="10000" y="7"/>
+                </a:lnTo>
+                <a:lnTo>
+                  <a:pt x="10000" y="7"/>
+                </a:lnTo>
+                <a:lnTo>
+                  <a:pt x="9773" y="156"/>
+                </a:lnTo>
+                <a:lnTo>
+                  <a:pt x="9547" y="298"/>
+                </a:lnTo>
+                <a:lnTo>
+                  <a:pt x="9320" y="437"/>
+                </a:lnTo>
+                <a:lnTo>
+                  <a:pt x="9092" y="556"/>
+                </a:lnTo>
+                <a:lnTo>
+                  <a:pt x="8865" y="676"/>
+                </a:lnTo>
+                <a:lnTo>
+                  <a:pt x="8637" y="788"/>
+                </a:lnTo>
+                <a:lnTo>
+                  <a:pt x="8412" y="884"/>
+                </a:lnTo>
+                <a:lnTo>
+                  <a:pt x="8184" y="975"/>
+                </a:lnTo>
+                <a:lnTo>
+                  <a:pt x="7957" y="1058"/>
+                </a:lnTo>
+                <a:lnTo>
+                  <a:pt x="7734" y="1130"/>
+                </a:lnTo>
+                <a:lnTo>
+                  <a:pt x="7508" y="1202"/>
+                </a:lnTo>
+                <a:lnTo>
+                  <a:pt x="7285" y="1262"/>
+                </a:lnTo>
+                <a:lnTo>
+                  <a:pt x="7062" y="1309"/>
+                </a:lnTo>
+                <a:lnTo>
+                  <a:pt x="6840" y="1358"/>
+                </a:lnTo>
+                <a:lnTo>
+                  <a:pt x="6620" y="1399"/>
+                </a:lnTo>
+                <a:lnTo>
+                  <a:pt x="6402" y="1428"/>
+                </a:lnTo>
+                <a:lnTo>
+                  <a:pt x="6184" y="1453"/>
+                </a:lnTo>
+                <a:lnTo>
+                  <a:pt x="5968" y="1477"/>
+                </a:lnTo>
+                <a:lnTo>
+                  <a:pt x="5755" y="1488"/>
+                </a:lnTo>
+                <a:lnTo>
+                  <a:pt x="5542" y="1500"/>
+                </a:lnTo>
+                <a:lnTo>
+                  <a:pt x="5332" y="1506"/>
+                </a:lnTo>
+                <a:lnTo>
+                  <a:pt x="5124" y="1500"/>
+                </a:lnTo>
+                <a:lnTo>
+                  <a:pt x="4918" y="1500"/>
+                </a:lnTo>
+                <a:lnTo>
+                  <a:pt x="4714" y="1488"/>
+                </a:lnTo>
+                <a:lnTo>
+                  <a:pt x="4514" y="1470"/>
+                </a:lnTo>
+                <a:lnTo>
+                  <a:pt x="4316" y="1453"/>
+                </a:lnTo>
+                <a:lnTo>
+                  <a:pt x="4122" y="1434"/>
+                </a:lnTo>
+                <a:lnTo>
+                  <a:pt x="3929" y="1405"/>
+                </a:lnTo>
+                <a:lnTo>
+                  <a:pt x="3739" y="1374"/>
+                </a:lnTo>
+                <a:lnTo>
+                  <a:pt x="3553" y="1346"/>
+                </a:lnTo>
+                <a:lnTo>
+                  <a:pt x="3190" y="1267"/>
+                </a:lnTo>
+                <a:lnTo>
+                  <a:pt x="2842" y="1183"/>
+                </a:lnTo>
+                <a:lnTo>
+                  <a:pt x="2508" y="1095"/>
+                </a:lnTo>
+                <a:lnTo>
+                  <a:pt x="2192" y="998"/>
+                </a:lnTo>
+                <a:lnTo>
+                  <a:pt x="1890" y="897"/>
+                </a:lnTo>
+                <a:lnTo>
+                  <a:pt x="1610" y="788"/>
+                </a:lnTo>
+                <a:lnTo>
+                  <a:pt x="1347" y="681"/>
+                </a:lnTo>
+                <a:lnTo>
+                  <a:pt x="1105" y="574"/>
+                </a:lnTo>
+                <a:lnTo>
+                  <a:pt x="883" y="473"/>
+                </a:lnTo>
+                <a:lnTo>
+                  <a:pt x="686" y="377"/>
+                </a:lnTo>
+                <a:lnTo>
+                  <a:pt x="508" y="286"/>
+                </a:lnTo>
+                <a:lnTo>
+                  <a:pt x="358" y="210"/>
+                </a:lnTo>
+                <a:lnTo>
+                  <a:pt x="232" y="138"/>
+                </a:lnTo>
+                <a:lnTo>
+                  <a:pt x="59" y="35"/>
+                </a:lnTo>
+                <a:lnTo>
+                  <a:pt x="0" y="0"/>
+                </a:lnTo>
+                <a:lnTo>
+                  <a:pt x="0" y="0"/>
+                </a:lnTo>
+                <a:close/>
+              </a:path>
+            </a:pathLst>
+          </a:custGeom>
+          <a:solidFill>
+            <a:srgbClr val="FFFFFF"/>
+          </a:solidFill>
+          <a:ln>
+            <a:noFill/>
+          </a:ln>
+        </p:spPr>
+      </p:sp>
+      <p:sp>
+        <p:nvSpPr>
+          <p:cNvPr id="28" name="Rectangle 27">
+            <a:extLst>
+              <a:ext uri="{FF2B5EF4-FFF2-40B4-BE49-F238E27FC236}">
+                <a16:creationId xmlns:a16="http://schemas.microsoft.com/office/drawing/2014/main" id="{86D3F3B7-282C-4DDC-AD1B-C497F2942BA6}"/>
+              </a:ext>
+              <a:ext uri="{C183D7F6-B498-43B3-948B-1728B52AA6E4}">
+                <adec:decorative xmlns:adec="http://schemas.microsoft.com/office/drawing/2017/decorative" val="1"/>
+              </a:ext>
+            </a:extLst>
+          </p:cNvPr>
+          <p:cNvSpPr>
+            <a:spLocks noGrp="1" noRot="1" noChangeAspect="1" noMove="1" noResize="1" noEditPoints="1" noAdjustHandles="1" noChangeArrowheads="1" noChangeShapeType="1" noTextEdit="1"/>
+          </p:cNvSpPr>
+          <p:nvPr>
+            <p:extLst>
+              <p:ext uri="{386F3935-93C4-4BCD-93E2-E3B085C9AB24}">
+                <p16:designElem xmlns:p16="http://schemas.microsoft.com/office/powerpoint/2015/main" val="1"/>
+              </p:ext>
+            </p:extLst>
+          </p:nvPr>
+        </p:nvSpPr>
+        <p:spPr>
+          <a:xfrm>
+            <a:off x="10437812" y="0"/>
+            <a:ext cx="685800" cy="1143000"/>
+          </a:xfrm>
+          <a:prstGeom prst="rect">
+            <a:avLst/>
+          </a:prstGeom>
+          <a:solidFill>
+            <a:schemeClr val="accent1"/>
+          </a:solidFill>
+          <a:ln>
+            <a:noFill/>
+          </a:ln>
+        </p:spPr>
+        <p:style>
+          <a:lnRef idx="1">
+            <a:schemeClr val="accent1"/>
+          </a:lnRef>
+          <a:fillRef idx="3">
+            <a:schemeClr val="accent1"/>
+          </a:fillRef>
+          <a:effectRef idx="2">
+            <a:schemeClr val="accent1"/>
+          </a:effectRef>
+          <a:fontRef idx="minor">
+            <a:schemeClr val="lt1"/>
+          </a:fontRef>
+        </p:style>
+      </p:sp>
+      <p:sp>
+        <p:nvSpPr>
+          <p:cNvPr id="4" name="Segnaposto contenuto 3"/>
+          <p:cNvSpPr>
+            <a:spLocks noGrp="1"/>
+          </p:cNvSpPr>
+          <p:nvPr>
+            <p:ph sz="half" idx="2"/>
+          </p:nvPr>
+        </p:nvSpPr>
+        <p:spPr>
+          <a:xfrm>
+            <a:off x="-323" y="2284087"/>
+            <a:ext cx="4217045" cy="2937528"/>
+          </a:xfrm>
+        </p:spPr>
+        <p:txBody>
+          <a:bodyPr vert="horz" lIns="91440" tIns="45720" rIns="91440" bIns="45720" rtlCol="0">
+            <a:noAutofit/>
+          </a:bodyPr>
+          <a:lstStyle/>
+          <a:p>
+            <a:pPr marL="0" indent="0">
+              <a:buNone/>
+            </a:pPr>
+            <a:r>
+              <a:rPr lang="en-US" sz="2000" dirty="0"/>
+              <a:t>Nella </a:t>
+            </a:r>
+            <a:r>
+              <a:rPr lang="en-US" sz="2000" b="1" dirty="0" err="1"/>
+              <a:t>finestra</a:t>
+            </a:r>
+            <a:r>
+              <a:rPr lang="en-US" sz="2000" dirty="0"/>
+              <a:t> </a:t>
+            </a:r>
+            <a:r>
+              <a:rPr lang="en-US" sz="2000" dirty="0" err="1"/>
+              <a:t>dell’</a:t>
+            </a:r>
+            <a:r>
+              <a:rPr lang="en-US" sz="2000" b="1" dirty="0" err="1"/>
+              <a:t>area</a:t>
+            </a:r>
+            <a:r>
+              <a:rPr lang="en-US" sz="2000" dirty="0"/>
+              <a:t> </a:t>
+            </a:r>
+            <a:r>
+              <a:rPr lang="en-US" sz="2000" b="1" dirty="0" err="1"/>
+              <a:t>riservata</a:t>
+            </a:r>
+            <a:r>
+              <a:rPr lang="en-US" sz="2000" dirty="0"/>
+              <a:t> </a:t>
+            </a:r>
+            <a:r>
+              <a:rPr lang="en-US" sz="2000" dirty="0" err="1"/>
+              <a:t>l’utente</a:t>
+            </a:r>
+            <a:r>
+              <a:rPr lang="en-US" sz="2000" dirty="0"/>
+              <a:t> </a:t>
+            </a:r>
+            <a:r>
+              <a:rPr lang="en-US" sz="2000" dirty="0" err="1"/>
+              <a:t>potrà</a:t>
+            </a:r>
+            <a:r>
+              <a:rPr lang="en-US" sz="2000" dirty="0"/>
+              <a:t>:</a:t>
+            </a:r>
+          </a:p>
+          <a:p>
+            <a:pPr lvl="1">
+              <a:buFont typeface="Arial" panose="020B0604020202020204" pitchFamily="34" charset="0"/>
+              <a:buChar char="•"/>
+            </a:pPr>
+            <a:r>
+              <a:rPr lang="en-US" sz="2000" dirty="0" err="1"/>
+              <a:t>Visualizzare</a:t>
+            </a:r>
+            <a:r>
+              <a:rPr lang="en-US" sz="2000" dirty="0"/>
+              <a:t> il </a:t>
+            </a:r>
+            <a:r>
+              <a:rPr lang="en-US" sz="2000" dirty="0" err="1"/>
+              <a:t>biglietto</a:t>
+            </a:r>
+            <a:r>
+              <a:rPr lang="en-US" sz="2000" dirty="0"/>
+              <a:t> </a:t>
+            </a:r>
+            <a:r>
+              <a:rPr lang="en-US" sz="2000" dirty="0" err="1"/>
+              <a:t>corrente</a:t>
+            </a:r>
+            <a:endParaRPr lang="en-US" sz="2000" dirty="0"/>
+          </a:p>
+          <a:p>
+            <a:pPr lvl="1">
+              <a:buFont typeface="Arial" panose="020B0604020202020204" pitchFamily="34" charset="0"/>
+              <a:buChar char="•"/>
+            </a:pPr>
+            <a:r>
+              <a:rPr lang="en-US" sz="2000" dirty="0" err="1"/>
+              <a:t>Acquistare</a:t>
+            </a:r>
+            <a:r>
+              <a:rPr lang="en-US" sz="2000" dirty="0"/>
+              <a:t> un </a:t>
+            </a:r>
+            <a:r>
+              <a:rPr lang="en-US" sz="2000" dirty="0" err="1"/>
+              <a:t>biglietto</a:t>
+            </a:r>
+            <a:r>
+              <a:rPr lang="en-US" sz="2000" dirty="0"/>
+              <a:t> o </a:t>
+            </a:r>
+            <a:r>
+              <a:rPr lang="en-US" sz="2000" dirty="0" err="1"/>
+              <a:t>abbonamento</a:t>
+            </a:r>
+            <a:endParaRPr lang="en-US" sz="2000" dirty="0"/>
+          </a:p>
+          <a:p>
+            <a:pPr lvl="1">
+              <a:buFont typeface="Arial" panose="020B0604020202020204" pitchFamily="34" charset="0"/>
+              <a:buChar char="•"/>
+            </a:pPr>
+            <a:r>
+              <a:rPr lang="en-US" sz="2000" dirty="0" err="1"/>
+              <a:t>Visualizzare</a:t>
+            </a:r>
+            <a:r>
+              <a:rPr lang="en-US" sz="2000" dirty="0"/>
+              <a:t> il </a:t>
+            </a:r>
+            <a:r>
+              <a:rPr lang="en-US" sz="2000" dirty="0" err="1"/>
+              <a:t>saldo</a:t>
+            </a:r>
+            <a:r>
+              <a:rPr lang="en-US" sz="2000" dirty="0"/>
+              <a:t> </a:t>
+            </a:r>
+            <a:r>
+              <a:rPr lang="en-US" sz="2000" dirty="0" err="1"/>
+              <a:t>corrente</a:t>
+            </a:r>
+            <a:endParaRPr lang="en-US" sz="2000" dirty="0"/>
+          </a:p>
+        </p:txBody>
+      </p:sp>
+      <p:pic>
+        <p:nvPicPr>
+          <p:cNvPr id="5" name="Segnaposto contenuto 4"/>
+          <p:cNvPicPr>
+            <a:picLocks noGrp="1" noChangeAspect="1"/>
+          </p:cNvPicPr>
+          <p:nvPr>
+            <p:ph sz="half" idx="1"/>
+          </p:nvPr>
+        </p:nvPicPr>
+        <p:blipFill rotWithShape="1">
+          <a:blip r:embed="rId7"/>
+          <a:srcRect l="5422" t="7883" r="8064" b="6850"/>
+          <a:stretch/>
+        </p:blipFill>
+        <p:spPr>
+          <a:xfrm>
+            <a:off x="4538401" y="1658693"/>
+            <a:ext cx="7488201" cy="4188315"/>
+          </a:xfrm>
+          <a:prstGeom prst="rect">
+            <a:avLst/>
+          </a:prstGeom>
+          <a:ln>
+            <a:noFill/>
+          </a:ln>
+          <a:effectLst>
+            <a:outerShdw blurRad="292100" dist="139700" dir="2700000" algn="tl" rotWithShape="0">
+              <a:srgbClr val="333333">
+                <a:alpha val="65000"/>
+              </a:srgbClr>
+            </a:outerShdw>
+          </a:effectLst>
+        </p:spPr>
+      </p:pic>
+      <p:sp>
+        <p:nvSpPr>
+          <p:cNvPr id="17" name="Titolo 1">
+            <a:extLst>
+              <a:ext uri="{FF2B5EF4-FFF2-40B4-BE49-F238E27FC236}">
+                <a16:creationId xmlns:a16="http://schemas.microsoft.com/office/drawing/2014/main" id="{24AD8C1B-BEA3-418B-AE4A-28273969E353}"/>
+              </a:ext>
+            </a:extLst>
+          </p:cNvPr>
+          <p:cNvSpPr txBox="1">
+            <a:spLocks/>
+          </p:cNvSpPr>
+          <p:nvPr/>
+        </p:nvSpPr>
+        <p:spPr>
+          <a:xfrm>
+            <a:off x="0" y="115824"/>
+            <a:ext cx="3862704" cy="1444752"/>
+          </a:xfrm>
+          <a:prstGeom prst="rect">
+            <a:avLst/>
+          </a:prstGeom>
+        </p:spPr>
+        <p:txBody>
+          <a:bodyPr vert="horz" lIns="91440" tIns="45720" rIns="91440" bIns="45720" rtlCol="0" anchor="b">
+            <a:noAutofit/>
+          </a:bodyPr>
+          <a:lstStyle>
+            <a:lvl1pPr algn="l" defTabSz="457200" rtl="0" eaLnBrk="1" latinLnBrk="0" hangingPunct="1">
+              <a:spcBef>
+                <a:spcPct val="0"/>
+              </a:spcBef>
+              <a:buNone/>
+              <a:defRPr sz="4200" b="0" i="0" kern="1200">
+                <a:solidFill>
+                  <a:schemeClr val="tx2"/>
+                </a:solidFill>
+                <a:latin typeface="+mj-lt"/>
+                <a:ea typeface="+mj-ea"/>
+                <a:cs typeface="+mj-cs"/>
+              </a:defRPr>
+            </a:lvl1pPr>
+            <a:lvl2pPr eaLnBrk="1" hangingPunct="1">
+              <a:defRPr>
+                <a:solidFill>
+                  <a:schemeClr val="tx2"/>
+                </a:solidFill>
+              </a:defRPr>
+            </a:lvl2pPr>
+            <a:lvl3pPr eaLnBrk="1" hangingPunct="1">
+              <a:defRPr>
+                <a:solidFill>
+                  <a:schemeClr val="tx2"/>
+                </a:solidFill>
+              </a:defRPr>
+            </a:lvl3pPr>
+            <a:lvl4pPr eaLnBrk="1" hangingPunct="1">
+              <a:defRPr>
+                <a:solidFill>
+                  <a:schemeClr val="tx2"/>
+                </a:solidFill>
+              </a:defRPr>
+            </a:lvl4pPr>
+            <a:lvl5pPr eaLnBrk="1" hangingPunct="1">
+              <a:defRPr>
+                <a:solidFill>
+                  <a:schemeClr val="tx2"/>
+                </a:solidFill>
+              </a:defRPr>
+            </a:lvl5pPr>
+            <a:lvl6pPr eaLnBrk="1" hangingPunct="1">
+              <a:defRPr>
+                <a:solidFill>
+                  <a:schemeClr val="tx2"/>
+                </a:solidFill>
+              </a:defRPr>
+            </a:lvl6pPr>
+            <a:lvl7pPr eaLnBrk="1" hangingPunct="1">
+              <a:defRPr>
+                <a:solidFill>
+                  <a:schemeClr val="tx2"/>
+                </a:solidFill>
+              </a:defRPr>
+            </a:lvl7pPr>
+            <a:lvl8pPr eaLnBrk="1" hangingPunct="1">
+              <a:defRPr>
+                <a:solidFill>
+                  <a:schemeClr val="tx2"/>
+                </a:solidFill>
+              </a:defRPr>
+            </a:lvl8pPr>
+            <a:lvl9pPr eaLnBrk="1" hangingPunct="1">
+              <a:defRPr>
+                <a:solidFill>
+                  <a:schemeClr val="tx2"/>
+                </a:solidFill>
+              </a:defRPr>
+            </a:lvl9pPr>
+          </a:lstStyle>
+          <a:p>
+            <a:r>
+              <a:rPr lang="en-US" sz="5000" b="1" dirty="0" err="1"/>
+              <a:t>Funzionalità</a:t>
+            </a:r>
+            <a:r>
+              <a:rPr lang="en-US" sz="5000" b="1" dirty="0"/>
+              <a:t> e </a:t>
+            </a:r>
+            <a:r>
+              <a:rPr lang="en-US" sz="5000" b="1" dirty="0" err="1"/>
+              <a:t>finestre</a:t>
+            </a:r>
+            <a:endParaRPr lang="en-US" sz="5000" b="1" dirty="0"/>
+          </a:p>
+        </p:txBody>
+      </p:sp>
+      <p:sp>
+        <p:nvSpPr>
           <p:cNvPr id="19" name="CasellaDiTesto 18">
             <a:extLst>
               <a:ext uri="{FF2B5EF4-FFF2-40B4-BE49-F238E27FC236}">
@@ -13099,13 +14786,13 @@
   <p:clrMapOvr>
     <a:masterClrMapping/>
   </p:clrMapOvr>
-  <mc:AlternateContent xmlns:mc="http://schemas.openxmlformats.org/markup-compatibility/2006">
-    <mc:Choice xmlns:p14="http://schemas.microsoft.com/office/powerpoint/2010/main" Requires="p14">
+  <mc:AlternateContent xmlns:mc="http://schemas.openxmlformats.org/markup-compatibility/2006" xmlns:p14="http://schemas.microsoft.com/office/powerpoint/2010/main">
+    <mc:Choice Requires="p14">
       <p:transition spd="slow" p14:dur="1750">
         <p:fade/>
       </p:transition>
     </mc:Choice>
-    <mc:Fallback>
+    <mc:Fallback xmlns="">
       <p:transition spd="slow">
         <p:fade/>
       </p:transition>
